--- a/infrastructure-week-9.pptx
+++ b/infrastructure-week-9.pptx
@@ -7,7 +7,20 @@
   <p:sldIdLst>
     <p:sldId id="256" r:id="rId2"/>
     <p:sldId id="257" r:id="rId3"/>
-    <p:sldId id="258" r:id="rId4"/>
+    <p:sldId id="259" r:id="rId4"/>
+    <p:sldId id="260" r:id="rId5"/>
+    <p:sldId id="261" r:id="rId6"/>
+    <p:sldId id="269" r:id="rId7"/>
+    <p:sldId id="270" r:id="rId8"/>
+    <p:sldId id="263" r:id="rId9"/>
+    <p:sldId id="264" r:id="rId10"/>
+    <p:sldId id="271" r:id="rId11"/>
+    <p:sldId id="265" r:id="rId12"/>
+    <p:sldId id="266" r:id="rId13"/>
+    <p:sldId id="267" r:id="rId14"/>
+    <p:sldId id="268" r:id="rId15"/>
+    <p:sldId id="262" r:id="rId16"/>
+    <p:sldId id="258" r:id="rId17"/>
   </p:sldIdLst>
   <p:sldSz cx="9144000" cy="6858000" type="screen4x3"/>
   <p:notesSz cx="6858000" cy="9144000"/>
@@ -3253,6 +3266,1376 @@
 </p:sld>
 </file>
 
+<file path=ppt/slides/slide10.xml><?xml version="1.0" encoding="utf-8"?>
+<p:sld xmlns:a="http://schemas.openxmlformats.org/drawingml/2006/main" xmlns:r="http://schemas.openxmlformats.org/officeDocument/2006/relationships" xmlns:p="http://schemas.openxmlformats.org/presentationml/2006/main">
+  <p:cSld>
+    <p:spTree>
+      <p:nvGrpSpPr>
+        <p:cNvPr id="1" name=""/>
+        <p:cNvGrpSpPr/>
+        <p:nvPr/>
+      </p:nvGrpSpPr>
+      <p:grpSpPr>
+        <a:xfrm>
+          <a:off x="0" y="0"/>
+          <a:ext cx="0" cy="0"/>
+          <a:chOff x="0" y="0"/>
+          <a:chExt cx="0" cy="0"/>
+        </a:xfrm>
+      </p:grpSpPr>
+      <p:sp>
+        <p:nvSpPr>
+          <p:cNvPr id="2" name="Title 1"/>
+          <p:cNvSpPr>
+            <a:spLocks noGrp="1"/>
+          </p:cNvSpPr>
+          <p:nvPr>
+            <p:ph type="title"/>
+          </p:nvPr>
+        </p:nvSpPr>
+        <p:spPr/>
+        <p:txBody>
+          <a:bodyPr/>
+          <a:lstStyle/>
+          <a:p>
+            <a:r>
+              <a:rPr lang="en-US" dirty="0" smtClean="0"/>
+              <a:t>Parameters section</a:t>
+            </a:r>
+            <a:endParaRPr lang="en-US" dirty="0"/>
+          </a:p>
+        </p:txBody>
+      </p:sp>
+      <p:sp>
+        <p:nvSpPr>
+          <p:cNvPr id="3" name="Content Placeholder 2"/>
+          <p:cNvSpPr>
+            <a:spLocks noGrp="1"/>
+          </p:cNvSpPr>
+          <p:nvPr>
+            <p:ph idx="1"/>
+          </p:nvPr>
+        </p:nvSpPr>
+        <p:spPr>
+          <a:xfrm>
+            <a:off x="457200" y="1600200"/>
+            <a:ext cx="8229600" cy="4872898"/>
+          </a:xfrm>
+        </p:spPr>
+        <p:txBody>
+          <a:bodyPr>
+            <a:normAutofit fontScale="77500" lnSpcReduction="20000"/>
+          </a:bodyPr>
+          <a:lstStyle/>
+          <a:p>
+            <a:r>
+              <a:rPr lang="en-US" dirty="0" smtClean="0"/>
+              <a:t>Useful properties (not a complete list):</a:t>
+            </a:r>
+          </a:p>
+          <a:p>
+            <a:endParaRPr lang="en-US" dirty="0" smtClean="0"/>
+          </a:p>
+          <a:p>
+            <a:pPr lvl="1"/>
+            <a:r>
+              <a:rPr lang="en-US" b="1" dirty="0" err="1" smtClean="0"/>
+              <a:t>AllowedValues</a:t>
+            </a:r>
+            <a:r>
+              <a:rPr lang="en-US" dirty="0" smtClean="0"/>
+              <a:t>: an array containing list of values allowed for the parameter.</a:t>
+            </a:r>
+          </a:p>
+          <a:p>
+            <a:pPr lvl="1"/>
+            <a:endParaRPr lang="en-US" dirty="0" smtClean="0"/>
+          </a:p>
+          <a:p>
+            <a:pPr lvl="1"/>
+            <a:r>
+              <a:rPr lang="en-US" b="1" dirty="0" smtClean="0"/>
+              <a:t>Default</a:t>
+            </a:r>
+            <a:r>
+              <a:rPr lang="en-US" dirty="0" smtClean="0"/>
+              <a:t>: the value used for the property if no value is specified.</a:t>
+            </a:r>
+          </a:p>
+          <a:p>
+            <a:pPr lvl="1"/>
+            <a:endParaRPr lang="en-US" dirty="0" smtClean="0"/>
+          </a:p>
+          <a:p>
+            <a:pPr lvl="1"/>
+            <a:r>
+              <a:rPr lang="en-US" b="1" dirty="0" smtClean="0"/>
+              <a:t>Description</a:t>
+            </a:r>
+            <a:r>
+              <a:rPr lang="en-US" dirty="0" smtClean="0"/>
+              <a:t>: a string describing the parameter.</a:t>
+            </a:r>
+          </a:p>
+          <a:p>
+            <a:pPr lvl="1"/>
+            <a:endParaRPr lang="en-US" dirty="0" smtClean="0"/>
+          </a:p>
+          <a:p>
+            <a:pPr lvl="1"/>
+            <a:r>
+              <a:rPr lang="en-US" b="1" dirty="0" err="1" smtClean="0"/>
+              <a:t>MaxLength</a:t>
+            </a:r>
+            <a:r>
+              <a:rPr lang="en-US" dirty="0" smtClean="0"/>
+              <a:t>/</a:t>
+            </a:r>
+            <a:r>
+              <a:rPr lang="en-US" b="1" dirty="0" err="1" smtClean="0"/>
+              <a:t>MinLength</a:t>
+            </a:r>
+            <a:r>
+              <a:rPr lang="en-US" dirty="0" smtClean="0"/>
+              <a:t>/</a:t>
+            </a:r>
+            <a:r>
+              <a:rPr lang="en-US" b="1" dirty="0" err="1" smtClean="0"/>
+              <a:t>MaxValue</a:t>
+            </a:r>
+            <a:r>
+              <a:rPr lang="en-US" dirty="0" smtClean="0"/>
+              <a:t>/</a:t>
+            </a:r>
+            <a:r>
+              <a:rPr lang="en-US" b="1" dirty="0" err="1" smtClean="0"/>
+              <a:t>MinValue</a:t>
+            </a:r>
+            <a:r>
+              <a:rPr lang="en-US" dirty="0" smtClean="0"/>
+              <a:t>: set a constraint on the input value</a:t>
+            </a:r>
+          </a:p>
+          <a:p>
+            <a:pPr lvl="1"/>
+            <a:endParaRPr lang="en-US" dirty="0" smtClean="0"/>
+          </a:p>
+          <a:p>
+            <a:pPr lvl="1"/>
+            <a:r>
+              <a:rPr lang="en-US" b="1" dirty="0" err="1" smtClean="0"/>
+              <a:t>NoEcho</a:t>
+            </a:r>
+            <a:r>
+              <a:rPr lang="en-US" dirty="0" smtClean="0"/>
+              <a:t>: hide the parameter value in any output logs (useful for passwords)</a:t>
+            </a:r>
+          </a:p>
+          <a:p>
+            <a:pPr lvl="1"/>
+            <a:endParaRPr lang="en-US" dirty="0"/>
+          </a:p>
+        </p:txBody>
+      </p:sp>
+    </p:spTree>
+    <p:extLst>
+      <p:ext uri="{BB962C8B-B14F-4D97-AF65-F5344CB8AC3E}">
+        <p14:creationId xmlns:p14="http://schemas.microsoft.com/office/powerpoint/2010/main" val="3624242507"/>
+      </p:ext>
+    </p:extLst>
+  </p:cSld>
+  <p:clrMapOvr>
+    <a:masterClrMapping/>
+  </p:clrMapOvr>
+</p:sld>
+</file>
+
+<file path=ppt/slides/slide11.xml><?xml version="1.0" encoding="utf-8"?>
+<p:sld xmlns:a="http://schemas.openxmlformats.org/drawingml/2006/main" xmlns:r="http://schemas.openxmlformats.org/officeDocument/2006/relationships" xmlns:p="http://schemas.openxmlformats.org/presentationml/2006/main">
+  <p:cSld>
+    <p:spTree>
+      <p:nvGrpSpPr>
+        <p:cNvPr id="1" name=""/>
+        <p:cNvGrpSpPr/>
+        <p:nvPr/>
+      </p:nvGrpSpPr>
+      <p:grpSpPr>
+        <a:xfrm>
+          <a:off x="0" y="0"/>
+          <a:ext cx="0" cy="0"/>
+          <a:chOff x="0" y="0"/>
+          <a:chExt cx="0" cy="0"/>
+        </a:xfrm>
+      </p:grpSpPr>
+      <p:sp>
+        <p:nvSpPr>
+          <p:cNvPr id="2" name="Title 1"/>
+          <p:cNvSpPr>
+            <a:spLocks noGrp="1"/>
+          </p:cNvSpPr>
+          <p:nvPr>
+            <p:ph type="title"/>
+          </p:nvPr>
+        </p:nvSpPr>
+        <p:spPr/>
+        <p:txBody>
+          <a:bodyPr/>
+          <a:lstStyle/>
+          <a:p>
+            <a:r>
+              <a:rPr lang="en-US" dirty="0" smtClean="0"/>
+              <a:t>Mappings section</a:t>
+            </a:r>
+            <a:endParaRPr lang="en-US" dirty="0"/>
+          </a:p>
+        </p:txBody>
+      </p:sp>
+      <p:sp>
+        <p:nvSpPr>
+          <p:cNvPr id="3" name="Content Placeholder 2"/>
+          <p:cNvSpPr>
+            <a:spLocks noGrp="1"/>
+          </p:cNvSpPr>
+          <p:nvPr>
+            <p:ph idx="1"/>
+          </p:nvPr>
+        </p:nvSpPr>
+        <p:spPr/>
+        <p:txBody>
+          <a:bodyPr>
+            <a:normAutofit fontScale="92500" lnSpcReduction="10000"/>
+          </a:bodyPr>
+          <a:lstStyle/>
+          <a:p>
+            <a:r>
+              <a:rPr lang="en-US" dirty="0" smtClean="0"/>
+              <a:t>Template mappings allow the user to define a custom set of named-value pairs.</a:t>
+            </a:r>
+          </a:p>
+          <a:p>
+            <a:endParaRPr lang="en-US" dirty="0" smtClean="0"/>
+          </a:p>
+          <a:p>
+            <a:r>
+              <a:rPr lang="en-US" dirty="0" smtClean="0"/>
+              <a:t>Commonly used for setting values based on different conditions, such as regions.</a:t>
+            </a:r>
+          </a:p>
+          <a:p>
+            <a:pPr lvl="1"/>
+            <a:r>
+              <a:rPr lang="en-US" dirty="0" smtClean="0"/>
+              <a:t>Example: Set a value to an AMI ID based on the region the stack is launching into.</a:t>
+            </a:r>
+          </a:p>
+          <a:p>
+            <a:pPr lvl="1"/>
+            <a:endParaRPr lang="en-US" dirty="0" smtClean="0"/>
+          </a:p>
+          <a:p>
+            <a:r>
+              <a:rPr lang="en-US" dirty="0" smtClean="0"/>
+              <a:t>The “</a:t>
+            </a:r>
+            <a:r>
+              <a:rPr lang="en-US" dirty="0" err="1" smtClean="0"/>
+              <a:t>FindInMap</a:t>
+            </a:r>
+            <a:r>
+              <a:rPr lang="en-US" dirty="0" smtClean="0"/>
+              <a:t>” function is used in the template to find a matching value based on a key.</a:t>
+            </a:r>
+          </a:p>
+        </p:txBody>
+      </p:sp>
+    </p:spTree>
+    <p:extLst>
+      <p:ext uri="{BB962C8B-B14F-4D97-AF65-F5344CB8AC3E}">
+        <p14:creationId xmlns:p14="http://schemas.microsoft.com/office/powerpoint/2010/main" val="3704288103"/>
+      </p:ext>
+    </p:extLst>
+  </p:cSld>
+  <p:clrMapOvr>
+    <a:masterClrMapping/>
+  </p:clrMapOvr>
+</p:sld>
+</file>
+
+<file path=ppt/slides/slide12.xml><?xml version="1.0" encoding="utf-8"?>
+<p:sld xmlns:a="http://schemas.openxmlformats.org/drawingml/2006/main" xmlns:r="http://schemas.openxmlformats.org/officeDocument/2006/relationships" xmlns:p="http://schemas.openxmlformats.org/presentationml/2006/main">
+  <p:cSld>
+    <p:spTree>
+      <p:nvGrpSpPr>
+        <p:cNvPr id="1" name=""/>
+        <p:cNvGrpSpPr/>
+        <p:nvPr/>
+      </p:nvGrpSpPr>
+      <p:grpSpPr>
+        <a:xfrm>
+          <a:off x="0" y="0"/>
+          <a:ext cx="0" cy="0"/>
+          <a:chOff x="0" y="0"/>
+          <a:chExt cx="0" cy="0"/>
+        </a:xfrm>
+      </p:grpSpPr>
+      <p:sp>
+        <p:nvSpPr>
+          <p:cNvPr id="2" name="Title 1"/>
+          <p:cNvSpPr>
+            <a:spLocks noGrp="1"/>
+          </p:cNvSpPr>
+          <p:nvPr>
+            <p:ph type="title"/>
+          </p:nvPr>
+        </p:nvSpPr>
+        <p:spPr/>
+        <p:txBody>
+          <a:bodyPr/>
+          <a:lstStyle/>
+          <a:p>
+            <a:r>
+              <a:rPr lang="en-US" dirty="0" smtClean="0"/>
+              <a:t>Mappings section</a:t>
+            </a:r>
+            <a:endParaRPr lang="en-US" dirty="0"/>
+          </a:p>
+        </p:txBody>
+      </p:sp>
+      <p:sp>
+        <p:nvSpPr>
+          <p:cNvPr id="3" name="Content Placeholder 2"/>
+          <p:cNvSpPr>
+            <a:spLocks noGrp="1"/>
+          </p:cNvSpPr>
+          <p:nvPr>
+            <p:ph idx="1"/>
+          </p:nvPr>
+        </p:nvSpPr>
+        <p:spPr>
+          <a:xfrm>
+            <a:off x="457200" y="1600200"/>
+            <a:ext cx="8229600" cy="5075182"/>
+          </a:xfrm>
+        </p:spPr>
+        <p:txBody>
+          <a:bodyPr>
+            <a:normAutofit fontScale="70000" lnSpcReduction="20000"/>
+          </a:bodyPr>
+          <a:lstStyle/>
+          <a:p>
+            <a:pPr marL="0" indent="0">
+              <a:buNone/>
+            </a:pPr>
+            <a:r>
+              <a:rPr lang="en-US" dirty="0" smtClean="0"/>
+              <a:t>“Mappings” : {</a:t>
+            </a:r>
+          </a:p>
+          <a:p>
+            <a:pPr marL="0" indent="0">
+              <a:buNone/>
+            </a:pPr>
+            <a:r>
+              <a:rPr lang="en-US" dirty="0"/>
+              <a:t>	</a:t>
+            </a:r>
+            <a:r>
+              <a:rPr lang="en-US" dirty="0" smtClean="0"/>
+              <a:t>“</a:t>
+            </a:r>
+            <a:r>
+              <a:rPr lang="en-US" dirty="0" err="1" smtClean="0"/>
+              <a:t>RegionMap</a:t>
+            </a:r>
+            <a:r>
+              <a:rPr lang="en-US" dirty="0" smtClean="0"/>
+              <a:t>” : {</a:t>
+            </a:r>
+          </a:p>
+          <a:p>
+            <a:pPr marL="0" indent="0">
+              <a:buNone/>
+            </a:pPr>
+            <a:r>
+              <a:rPr lang="en-US" dirty="0"/>
+              <a:t>	</a:t>
+            </a:r>
+            <a:r>
+              <a:rPr lang="en-US" dirty="0" smtClean="0"/>
+              <a:t>	“us-east-1” : {</a:t>
+            </a:r>
+          </a:p>
+          <a:p>
+            <a:pPr marL="0" indent="0">
+              <a:buNone/>
+            </a:pPr>
+            <a:r>
+              <a:rPr lang="en-US" dirty="0"/>
+              <a:t>	</a:t>
+            </a:r>
+            <a:r>
+              <a:rPr lang="en-US" dirty="0" smtClean="0"/>
+              <a:t>		“AMI” : “ami-38293ea”</a:t>
+            </a:r>
+          </a:p>
+          <a:p>
+            <a:pPr marL="0" indent="0">
+              <a:buNone/>
+            </a:pPr>
+            <a:r>
+              <a:rPr lang="en-US" dirty="0"/>
+              <a:t>	</a:t>
+            </a:r>
+            <a:r>
+              <a:rPr lang="en-US" dirty="0" smtClean="0"/>
+              <a:t>	},</a:t>
+            </a:r>
+          </a:p>
+          <a:p>
+            <a:pPr marL="0" indent="0">
+              <a:buNone/>
+            </a:pPr>
+            <a:r>
+              <a:rPr lang="en-US" dirty="0"/>
+              <a:t>	</a:t>
+            </a:r>
+            <a:r>
+              <a:rPr lang="en-US" dirty="0" smtClean="0"/>
+              <a:t>	“us-west-1” : {</a:t>
+            </a:r>
+          </a:p>
+          <a:p>
+            <a:pPr marL="0" indent="0">
+              <a:buNone/>
+            </a:pPr>
+            <a:r>
+              <a:rPr lang="en-US" dirty="0"/>
+              <a:t>	</a:t>
+            </a:r>
+            <a:r>
+              <a:rPr lang="en-US" dirty="0" smtClean="0"/>
+              <a:t>		“AMI” : “ami-3d3e22a”</a:t>
+            </a:r>
+          </a:p>
+          <a:p>
+            <a:pPr marL="0" indent="0">
+              <a:buNone/>
+            </a:pPr>
+            <a:r>
+              <a:rPr lang="en-US" dirty="0"/>
+              <a:t>	</a:t>
+            </a:r>
+            <a:r>
+              <a:rPr lang="en-US" dirty="0" smtClean="0"/>
+              <a:t>	}</a:t>
+            </a:r>
+          </a:p>
+          <a:p>
+            <a:pPr marL="0" indent="0">
+              <a:buNone/>
+            </a:pPr>
+            <a:r>
+              <a:rPr lang="en-US" dirty="0"/>
+              <a:t>	</a:t>
+            </a:r>
+            <a:r>
+              <a:rPr lang="en-US" dirty="0" smtClean="0"/>
+              <a:t>}</a:t>
+            </a:r>
+          </a:p>
+          <a:p>
+            <a:pPr marL="0" indent="0">
+              <a:buNone/>
+            </a:pPr>
+            <a:r>
+              <a:rPr lang="en-US" dirty="0" smtClean="0"/>
+              <a:t>}</a:t>
+            </a:r>
+          </a:p>
+          <a:p>
+            <a:pPr marL="0" indent="0">
+              <a:buNone/>
+            </a:pPr>
+            <a:endParaRPr lang="en-US" dirty="0"/>
+          </a:p>
+          <a:p>
+            <a:pPr marL="0" indent="0">
+              <a:buNone/>
+            </a:pPr>
+            <a:endParaRPr lang="en-US" dirty="0"/>
+          </a:p>
+          <a:p>
+            <a:pPr marL="0" indent="0">
+              <a:buNone/>
+            </a:pPr>
+            <a:r>
+              <a:rPr lang="en-US" sz="2600" dirty="0"/>
+              <a:t>“</a:t>
+            </a:r>
+            <a:r>
+              <a:rPr lang="en-US" sz="2600" dirty="0" err="1"/>
+              <a:t>ImageId</a:t>
+            </a:r>
+            <a:r>
+              <a:rPr lang="en-US" sz="2600" dirty="0"/>
+              <a:t>” : { “</a:t>
+            </a:r>
+            <a:r>
+              <a:rPr lang="en-US" sz="2600" b="1" dirty="0" err="1"/>
+              <a:t>Fn</a:t>
+            </a:r>
+            <a:r>
+              <a:rPr lang="en-US" sz="2600" b="1" dirty="0" smtClean="0"/>
+              <a:t>::</a:t>
+            </a:r>
+            <a:r>
+              <a:rPr lang="en-US" sz="2600" b="1" dirty="0" err="1" smtClean="0"/>
+              <a:t>FindInMap</a:t>
+            </a:r>
+            <a:r>
+              <a:rPr lang="en-US" sz="2600" dirty="0"/>
+              <a:t>” : [ “</a:t>
+            </a:r>
+            <a:r>
+              <a:rPr lang="en-US" sz="2600" dirty="0" err="1"/>
+              <a:t>RegionMap</a:t>
+            </a:r>
+            <a:r>
+              <a:rPr lang="en-US" sz="2600" dirty="0"/>
+              <a:t>”, { “Ref” : “AWS::Region” }, “AMI” ]}</a:t>
+            </a:r>
+          </a:p>
+          <a:p>
+            <a:pPr marL="0" indent="0">
+              <a:buNone/>
+            </a:pPr>
+            <a:endParaRPr lang="en-US" dirty="0" smtClean="0"/>
+          </a:p>
+          <a:p>
+            <a:pPr marL="0" indent="0">
+              <a:buNone/>
+            </a:pPr>
+            <a:r>
+              <a:rPr lang="en-US" dirty="0" smtClean="0"/>
+              <a:t>If AWS::Region == “us-east-1” then </a:t>
+            </a:r>
+            <a:r>
+              <a:rPr lang="en-US" dirty="0" err="1" smtClean="0"/>
+              <a:t>ImageId</a:t>
+            </a:r>
+            <a:r>
+              <a:rPr lang="en-US" dirty="0" smtClean="0"/>
+              <a:t> set to “ami-38293ea”.</a:t>
+            </a:r>
+          </a:p>
+        </p:txBody>
+      </p:sp>
+    </p:spTree>
+    <p:extLst>
+      <p:ext uri="{BB962C8B-B14F-4D97-AF65-F5344CB8AC3E}">
+        <p14:creationId xmlns:p14="http://schemas.microsoft.com/office/powerpoint/2010/main" val="3300923973"/>
+      </p:ext>
+    </p:extLst>
+  </p:cSld>
+  <p:clrMapOvr>
+    <a:masterClrMapping/>
+  </p:clrMapOvr>
+</p:sld>
+</file>
+
+<file path=ppt/slides/slide13.xml><?xml version="1.0" encoding="utf-8"?>
+<p:sld xmlns:a="http://schemas.openxmlformats.org/drawingml/2006/main" xmlns:r="http://schemas.openxmlformats.org/officeDocument/2006/relationships" xmlns:p="http://schemas.openxmlformats.org/presentationml/2006/main">
+  <p:cSld>
+    <p:spTree>
+      <p:nvGrpSpPr>
+        <p:cNvPr id="1" name=""/>
+        <p:cNvGrpSpPr/>
+        <p:nvPr/>
+      </p:nvGrpSpPr>
+      <p:grpSpPr>
+        <a:xfrm>
+          <a:off x="0" y="0"/>
+          <a:ext cx="0" cy="0"/>
+          <a:chOff x="0" y="0"/>
+          <a:chExt cx="0" cy="0"/>
+        </a:xfrm>
+      </p:grpSpPr>
+      <p:sp>
+        <p:nvSpPr>
+          <p:cNvPr id="2" name="Title 1"/>
+          <p:cNvSpPr>
+            <a:spLocks noGrp="1"/>
+          </p:cNvSpPr>
+          <p:nvPr>
+            <p:ph type="title"/>
+          </p:nvPr>
+        </p:nvSpPr>
+        <p:spPr/>
+        <p:txBody>
+          <a:bodyPr/>
+          <a:lstStyle/>
+          <a:p>
+            <a:r>
+              <a:rPr lang="en-US" dirty="0" smtClean="0"/>
+              <a:t>Conditions section</a:t>
+            </a:r>
+            <a:endParaRPr lang="en-US" dirty="0"/>
+          </a:p>
+        </p:txBody>
+      </p:sp>
+      <p:sp>
+        <p:nvSpPr>
+          <p:cNvPr id="3" name="Content Placeholder 2"/>
+          <p:cNvSpPr>
+            <a:spLocks noGrp="1"/>
+          </p:cNvSpPr>
+          <p:nvPr>
+            <p:ph idx="1"/>
+          </p:nvPr>
+        </p:nvSpPr>
+        <p:spPr/>
+        <p:txBody>
+          <a:bodyPr/>
+          <a:lstStyle/>
+          <a:p>
+            <a:r>
+              <a:rPr lang="en-US" dirty="0" smtClean="0"/>
+              <a:t>Template conditions control the creation of resources or the definition of properties</a:t>
+            </a:r>
+          </a:p>
+          <a:p>
+            <a:endParaRPr lang="en-US" dirty="0" smtClean="0"/>
+          </a:p>
+          <a:p>
+            <a:r>
+              <a:rPr lang="en-US" dirty="0" smtClean="0"/>
+              <a:t>Conditions are defined by the template author and applied to resources.</a:t>
+            </a:r>
+          </a:p>
+          <a:p>
+            <a:endParaRPr lang="en-US" dirty="0" smtClean="0"/>
+          </a:p>
+          <a:p>
+            <a:r>
+              <a:rPr lang="en-US" dirty="0" smtClean="0"/>
+              <a:t>A condition must evaluate to true in order for the resources to get built.</a:t>
+            </a:r>
+            <a:endParaRPr lang="en-US" dirty="0"/>
+          </a:p>
+        </p:txBody>
+      </p:sp>
+    </p:spTree>
+    <p:extLst>
+      <p:ext uri="{BB962C8B-B14F-4D97-AF65-F5344CB8AC3E}">
+        <p14:creationId xmlns:p14="http://schemas.microsoft.com/office/powerpoint/2010/main" val="3813506154"/>
+      </p:ext>
+    </p:extLst>
+  </p:cSld>
+  <p:clrMapOvr>
+    <a:masterClrMapping/>
+  </p:clrMapOvr>
+</p:sld>
+</file>
+
+<file path=ppt/slides/slide14.xml><?xml version="1.0" encoding="utf-8"?>
+<p:sld xmlns:a="http://schemas.openxmlformats.org/drawingml/2006/main" xmlns:r="http://schemas.openxmlformats.org/officeDocument/2006/relationships" xmlns:p="http://schemas.openxmlformats.org/presentationml/2006/main">
+  <p:cSld>
+    <p:spTree>
+      <p:nvGrpSpPr>
+        <p:cNvPr id="1" name=""/>
+        <p:cNvGrpSpPr/>
+        <p:nvPr/>
+      </p:nvGrpSpPr>
+      <p:grpSpPr>
+        <a:xfrm>
+          <a:off x="0" y="0"/>
+          <a:ext cx="0" cy="0"/>
+          <a:chOff x="0" y="0"/>
+          <a:chExt cx="0" cy="0"/>
+        </a:xfrm>
+      </p:grpSpPr>
+      <p:sp>
+        <p:nvSpPr>
+          <p:cNvPr id="2" name="Title 1"/>
+          <p:cNvSpPr>
+            <a:spLocks noGrp="1"/>
+          </p:cNvSpPr>
+          <p:nvPr>
+            <p:ph type="title"/>
+          </p:nvPr>
+        </p:nvSpPr>
+        <p:spPr/>
+        <p:txBody>
+          <a:bodyPr/>
+          <a:lstStyle/>
+          <a:p>
+            <a:r>
+              <a:rPr lang="en-US" dirty="0" smtClean="0"/>
+              <a:t>Conditions section</a:t>
+            </a:r>
+            <a:endParaRPr lang="en-US" dirty="0"/>
+          </a:p>
+        </p:txBody>
+      </p:sp>
+      <p:sp>
+        <p:nvSpPr>
+          <p:cNvPr id="3" name="Content Placeholder 2"/>
+          <p:cNvSpPr>
+            <a:spLocks noGrp="1"/>
+          </p:cNvSpPr>
+          <p:nvPr>
+            <p:ph idx="1"/>
+          </p:nvPr>
+        </p:nvSpPr>
+        <p:spPr>
+          <a:xfrm>
+            <a:off x="457200" y="1600200"/>
+            <a:ext cx="8229600" cy="5052706"/>
+          </a:xfrm>
+        </p:spPr>
+        <p:txBody>
+          <a:bodyPr>
+            <a:normAutofit fontScale="40000" lnSpcReduction="20000"/>
+          </a:bodyPr>
+          <a:lstStyle/>
+          <a:p>
+            <a:pPr marL="0" indent="0">
+              <a:buNone/>
+            </a:pPr>
+            <a:r>
+              <a:rPr lang="en-US" dirty="0" smtClean="0"/>
+              <a:t>“Parameters” : {</a:t>
+            </a:r>
+          </a:p>
+          <a:p>
+            <a:pPr marL="0" indent="0">
+              <a:buNone/>
+            </a:pPr>
+            <a:r>
+              <a:rPr lang="en-US" dirty="0"/>
+              <a:t>	</a:t>
+            </a:r>
+            <a:r>
+              <a:rPr lang="en-US" dirty="0" smtClean="0"/>
+              <a:t>“</a:t>
+            </a:r>
+            <a:r>
+              <a:rPr lang="en-US" dirty="0" err="1" smtClean="0"/>
+              <a:t>EnvType</a:t>
+            </a:r>
+            <a:r>
+              <a:rPr lang="en-US" dirty="0" smtClean="0"/>
+              <a:t>” : {</a:t>
+            </a:r>
+          </a:p>
+          <a:p>
+            <a:pPr marL="0" indent="0">
+              <a:buNone/>
+            </a:pPr>
+            <a:r>
+              <a:rPr lang="en-US" dirty="0"/>
+              <a:t>	</a:t>
+            </a:r>
+            <a:r>
+              <a:rPr lang="en-US" dirty="0" smtClean="0"/>
+              <a:t>	“Description” : “Environment type.”,</a:t>
+            </a:r>
+          </a:p>
+          <a:p>
+            <a:pPr marL="0" indent="0">
+              <a:buNone/>
+            </a:pPr>
+            <a:r>
+              <a:rPr lang="en-US" dirty="0"/>
+              <a:t>	</a:t>
+            </a:r>
+            <a:r>
+              <a:rPr lang="en-US" dirty="0" smtClean="0"/>
+              <a:t>	“Default” : “</a:t>
+            </a:r>
+            <a:r>
+              <a:rPr lang="en-US" dirty="0" err="1" smtClean="0"/>
+              <a:t>dev</a:t>
+            </a:r>
+            <a:r>
+              <a:rPr lang="en-US" dirty="0" smtClean="0"/>
+              <a:t>”,</a:t>
+            </a:r>
+          </a:p>
+          <a:p>
+            <a:pPr marL="0" indent="0">
+              <a:buNone/>
+            </a:pPr>
+            <a:r>
+              <a:rPr lang="en-US" dirty="0"/>
+              <a:t>	</a:t>
+            </a:r>
+            <a:r>
+              <a:rPr lang="en-US" dirty="0" smtClean="0"/>
+              <a:t>	“Type” : “String”,</a:t>
+            </a:r>
+          </a:p>
+          <a:p>
+            <a:pPr marL="0" indent="0">
+              <a:buNone/>
+            </a:pPr>
+            <a:r>
+              <a:rPr lang="en-US" dirty="0"/>
+              <a:t>	</a:t>
+            </a:r>
+            <a:r>
+              <a:rPr lang="en-US" dirty="0" smtClean="0"/>
+              <a:t>	“</a:t>
+            </a:r>
+            <a:r>
+              <a:rPr lang="en-US" dirty="0" err="1" smtClean="0"/>
+              <a:t>AllowedValues</a:t>
+            </a:r>
+            <a:r>
+              <a:rPr lang="en-US" dirty="0" smtClean="0"/>
+              <a:t>” : [“prod”, “</a:t>
+            </a:r>
+            <a:r>
+              <a:rPr lang="en-US" dirty="0" err="1" smtClean="0"/>
+              <a:t>dev</a:t>
+            </a:r>
+            <a:r>
+              <a:rPr lang="en-US" dirty="0" smtClean="0"/>
+              <a:t>”],</a:t>
+            </a:r>
+          </a:p>
+          <a:p>
+            <a:pPr marL="0" indent="0">
+              <a:buNone/>
+            </a:pPr>
+            <a:r>
+              <a:rPr lang="en-US" dirty="0"/>
+              <a:t>	</a:t>
+            </a:r>
+            <a:r>
+              <a:rPr lang="en-US" dirty="0" smtClean="0"/>
+              <a:t>	“</a:t>
+            </a:r>
+            <a:r>
+              <a:rPr lang="en-US" dirty="0" err="1" smtClean="0"/>
+              <a:t>ConstraintDescription</a:t>
+            </a:r>
+            <a:r>
+              <a:rPr lang="en-US" dirty="0" smtClean="0"/>
+              <a:t>” : “Must specify prod or dev.”</a:t>
+            </a:r>
+          </a:p>
+          <a:p>
+            <a:pPr marL="0" indent="0">
+              <a:buNone/>
+            </a:pPr>
+            <a:r>
+              <a:rPr lang="en-US" dirty="0"/>
+              <a:t>	</a:t>
+            </a:r>
+            <a:r>
+              <a:rPr lang="en-US" dirty="0" smtClean="0"/>
+              <a:t>}</a:t>
+            </a:r>
+          </a:p>
+          <a:p>
+            <a:pPr marL="0" indent="0">
+              <a:buNone/>
+            </a:pPr>
+            <a:r>
+              <a:rPr lang="en-US" dirty="0" smtClean="0"/>
+              <a:t>},</a:t>
+            </a:r>
+          </a:p>
+          <a:p>
+            <a:pPr marL="0" indent="0">
+              <a:buNone/>
+            </a:pPr>
+            <a:endParaRPr lang="en-US" dirty="0"/>
+          </a:p>
+          <a:p>
+            <a:pPr marL="0" indent="0">
+              <a:buNone/>
+            </a:pPr>
+            <a:r>
+              <a:rPr lang="en-US" dirty="0" smtClean="0"/>
+              <a:t>“Conditions” : {</a:t>
+            </a:r>
+          </a:p>
+          <a:p>
+            <a:pPr marL="0" indent="0">
+              <a:buNone/>
+            </a:pPr>
+            <a:r>
+              <a:rPr lang="en-US" dirty="0"/>
+              <a:t>	</a:t>
+            </a:r>
+            <a:r>
+              <a:rPr lang="en-US" dirty="0" smtClean="0"/>
+              <a:t>“</a:t>
+            </a:r>
+            <a:r>
+              <a:rPr lang="en-US" b="1" dirty="0" err="1" smtClean="0"/>
+              <a:t>CreateProdResources</a:t>
+            </a:r>
+            <a:r>
+              <a:rPr lang="en-US" dirty="0" smtClean="0"/>
+              <a:t>” : {“</a:t>
+            </a:r>
+            <a:r>
+              <a:rPr lang="en-US" dirty="0" err="1" smtClean="0"/>
+              <a:t>Fn</a:t>
+            </a:r>
+            <a:r>
+              <a:rPr lang="en-US" dirty="0" smtClean="0"/>
+              <a:t>::Equals” : [{“Ref” : “</a:t>
+            </a:r>
+            <a:r>
+              <a:rPr lang="en-US" dirty="0" err="1" smtClean="0"/>
+              <a:t>EnvType</a:t>
+            </a:r>
+            <a:r>
+              <a:rPr lang="en-US" dirty="0" smtClean="0"/>
+              <a:t>”}, “prod”]}</a:t>
+            </a:r>
+          </a:p>
+          <a:p>
+            <a:pPr marL="0" indent="0">
+              <a:buNone/>
+            </a:pPr>
+            <a:r>
+              <a:rPr lang="en-US" dirty="0" smtClean="0"/>
+              <a:t>},</a:t>
+            </a:r>
+          </a:p>
+          <a:p>
+            <a:pPr marL="0" indent="0">
+              <a:buNone/>
+            </a:pPr>
+            <a:endParaRPr lang="en-US" dirty="0"/>
+          </a:p>
+          <a:p>
+            <a:pPr marL="0" indent="0">
+              <a:buNone/>
+            </a:pPr>
+            <a:r>
+              <a:rPr lang="en-US" dirty="0" smtClean="0"/>
+              <a:t>“</a:t>
+            </a:r>
+            <a:r>
+              <a:rPr lang="en-US" dirty="0" err="1" smtClean="0"/>
+              <a:t>MountPoint</a:t>
+            </a:r>
+            <a:r>
+              <a:rPr lang="en-US" dirty="0" smtClean="0"/>
+              <a:t>” : {</a:t>
+            </a:r>
+          </a:p>
+          <a:p>
+            <a:pPr marL="0" indent="0">
+              <a:buNone/>
+            </a:pPr>
+            <a:r>
+              <a:rPr lang="en-US" dirty="0"/>
+              <a:t>	</a:t>
+            </a:r>
+            <a:r>
+              <a:rPr lang="en-US" dirty="0" smtClean="0"/>
+              <a:t>“Type” : “AWS::EC2:VolumeAttachment”,</a:t>
+            </a:r>
+          </a:p>
+          <a:p>
+            <a:pPr marL="0" indent="0">
+              <a:buNone/>
+            </a:pPr>
+            <a:r>
+              <a:rPr lang="en-US" dirty="0"/>
+              <a:t>	</a:t>
+            </a:r>
+            <a:r>
+              <a:rPr lang="en-US" dirty="0" smtClean="0"/>
+              <a:t>“Condition” : “</a:t>
+            </a:r>
+            <a:r>
+              <a:rPr lang="en-US" b="1" dirty="0" err="1" smtClean="0"/>
+              <a:t>CreateProdResources</a:t>
+            </a:r>
+            <a:r>
+              <a:rPr lang="en-US" dirty="0" smtClean="0"/>
+              <a:t>”,</a:t>
+            </a:r>
+          </a:p>
+          <a:p>
+            <a:pPr marL="0" indent="0">
+              <a:buNone/>
+            </a:pPr>
+            <a:r>
+              <a:rPr lang="en-US" dirty="0"/>
+              <a:t>	</a:t>
+            </a:r>
+            <a:r>
+              <a:rPr lang="en-US" dirty="0" smtClean="0"/>
+              <a:t>“Properties” : {</a:t>
+            </a:r>
+          </a:p>
+          <a:p>
+            <a:pPr marL="0" indent="0">
+              <a:buNone/>
+            </a:pPr>
+            <a:r>
+              <a:rPr lang="en-US" dirty="0"/>
+              <a:t>	</a:t>
+            </a:r>
+            <a:r>
+              <a:rPr lang="en-US" dirty="0" smtClean="0"/>
+              <a:t>	“</a:t>
+            </a:r>
+            <a:r>
+              <a:rPr lang="en-US" dirty="0" err="1" smtClean="0"/>
+              <a:t>InstanceId</a:t>
+            </a:r>
+            <a:r>
+              <a:rPr lang="en-US" dirty="0" smtClean="0"/>
+              <a:t>” : { “Ref” : “EC2Instance” },</a:t>
+            </a:r>
+          </a:p>
+          <a:p>
+            <a:pPr marL="0" indent="0">
+              <a:buNone/>
+            </a:pPr>
+            <a:r>
+              <a:rPr lang="en-US" dirty="0"/>
+              <a:t>	</a:t>
+            </a:r>
+            <a:r>
+              <a:rPr lang="en-US" dirty="0" smtClean="0"/>
+              <a:t>	“</a:t>
+            </a:r>
+            <a:r>
+              <a:rPr lang="en-US" dirty="0" err="1" smtClean="0"/>
+              <a:t>VolumeId</a:t>
+            </a:r>
+            <a:r>
+              <a:rPr lang="en-US" dirty="0" smtClean="0"/>
+              <a:t>” : { “Ref” : “</a:t>
+            </a:r>
+            <a:r>
+              <a:rPr lang="en-US" dirty="0" err="1" smtClean="0"/>
+              <a:t>NewVolume</a:t>
+            </a:r>
+            <a:r>
+              <a:rPr lang="en-US" dirty="0" smtClean="0"/>
+              <a:t>” },</a:t>
+            </a:r>
+          </a:p>
+          <a:p>
+            <a:pPr marL="0" indent="0">
+              <a:buNone/>
+            </a:pPr>
+            <a:r>
+              <a:rPr lang="en-US" dirty="0"/>
+              <a:t>	</a:t>
+            </a:r>
+            <a:r>
+              <a:rPr lang="en-US" dirty="0" smtClean="0"/>
+              <a:t>	“Device” : “/</a:t>
+            </a:r>
+            <a:r>
+              <a:rPr lang="en-US" dirty="0" err="1" smtClean="0"/>
+              <a:t>dev</a:t>
+            </a:r>
+            <a:r>
+              <a:rPr lang="en-US" dirty="0" smtClean="0"/>
+              <a:t>/</a:t>
+            </a:r>
+            <a:r>
+              <a:rPr lang="en-US" dirty="0" err="1" smtClean="0"/>
+              <a:t>sdh</a:t>
+            </a:r>
+            <a:r>
+              <a:rPr lang="en-US" dirty="0" smtClean="0"/>
+              <a:t>”</a:t>
+            </a:r>
+          </a:p>
+          <a:p>
+            <a:pPr marL="0" indent="0">
+              <a:buNone/>
+            </a:pPr>
+            <a:r>
+              <a:rPr lang="en-US" dirty="0"/>
+              <a:t>	</a:t>
+            </a:r>
+            <a:r>
+              <a:rPr lang="en-US" dirty="0" smtClean="0"/>
+              <a:t>}</a:t>
+            </a:r>
+          </a:p>
+          <a:p>
+            <a:pPr marL="0" indent="0">
+              <a:buNone/>
+            </a:pPr>
+            <a:r>
+              <a:rPr lang="en-US" dirty="0"/>
+              <a:t>}</a:t>
+            </a:r>
+            <a:endParaRPr lang="en-US" dirty="0" smtClean="0"/>
+          </a:p>
+        </p:txBody>
+      </p:sp>
+    </p:spTree>
+    <p:extLst>
+      <p:ext uri="{BB962C8B-B14F-4D97-AF65-F5344CB8AC3E}">
+        <p14:creationId xmlns:p14="http://schemas.microsoft.com/office/powerpoint/2010/main" val="3394490991"/>
+      </p:ext>
+    </p:extLst>
+  </p:cSld>
+  <p:clrMapOvr>
+    <a:masterClrMapping/>
+  </p:clrMapOvr>
+</p:sld>
+</file>
+
+<file path=ppt/slides/slide15.xml><?xml version="1.0" encoding="utf-8"?>
+<p:sld xmlns:a="http://schemas.openxmlformats.org/drawingml/2006/main" xmlns:r="http://schemas.openxmlformats.org/officeDocument/2006/relationships" xmlns:p="http://schemas.openxmlformats.org/presentationml/2006/main">
+  <p:cSld>
+    <p:spTree>
+      <p:nvGrpSpPr>
+        <p:cNvPr id="1" name=""/>
+        <p:cNvGrpSpPr/>
+        <p:nvPr/>
+      </p:nvGrpSpPr>
+      <p:grpSpPr>
+        <a:xfrm>
+          <a:off x="0" y="0"/>
+          <a:ext cx="0" cy="0"/>
+          <a:chOff x="0" y="0"/>
+          <a:chExt cx="0" cy="0"/>
+        </a:xfrm>
+      </p:grpSpPr>
+      <p:sp>
+        <p:nvSpPr>
+          <p:cNvPr id="2" name="Title 1"/>
+          <p:cNvSpPr>
+            <a:spLocks noGrp="1"/>
+          </p:cNvSpPr>
+          <p:nvPr>
+            <p:ph type="title"/>
+          </p:nvPr>
+        </p:nvSpPr>
+        <p:spPr/>
+        <p:txBody>
+          <a:bodyPr/>
+          <a:lstStyle/>
+          <a:p>
+            <a:r>
+              <a:rPr lang="en-US" dirty="0" smtClean="0"/>
+              <a:t>Resources section</a:t>
+            </a:r>
+            <a:endParaRPr lang="en-US" dirty="0"/>
+          </a:p>
+        </p:txBody>
+      </p:sp>
+      <p:sp>
+        <p:nvSpPr>
+          <p:cNvPr id="3" name="Content Placeholder 2"/>
+          <p:cNvSpPr>
+            <a:spLocks noGrp="1"/>
+          </p:cNvSpPr>
+          <p:nvPr>
+            <p:ph idx="1"/>
+          </p:nvPr>
+        </p:nvSpPr>
+        <p:spPr/>
+        <p:txBody>
+          <a:bodyPr/>
+          <a:lstStyle/>
+          <a:p>
+            <a:r>
+              <a:rPr lang="en-US" dirty="0" smtClean="0"/>
+              <a:t>Describes the detailed configuration of an AWS resource</a:t>
+            </a:r>
+          </a:p>
+          <a:p>
+            <a:pPr lvl="1"/>
+            <a:r>
+              <a:rPr lang="en-US" dirty="0" smtClean="0"/>
+              <a:t>IAM policies (users, groups, roles)</a:t>
+            </a:r>
+          </a:p>
+          <a:p>
+            <a:pPr lvl="1"/>
+            <a:r>
+              <a:rPr lang="en-US" dirty="0" smtClean="0"/>
+              <a:t>VPCs, Subnets, Security Groups</a:t>
+            </a:r>
+          </a:p>
+          <a:p>
+            <a:pPr lvl="1"/>
+            <a:r>
+              <a:rPr lang="en-US" dirty="0" smtClean="0"/>
+              <a:t>EC2 instances, Elastic Load Balancers</a:t>
+            </a:r>
+          </a:p>
+          <a:p>
+            <a:pPr lvl="1"/>
+            <a:r>
+              <a:rPr lang="en-US" dirty="0" smtClean="0"/>
+              <a:t>RDS databases</a:t>
+            </a:r>
+          </a:p>
+          <a:p>
+            <a:pPr lvl="1"/>
+            <a:r>
+              <a:rPr lang="en-US" dirty="0" smtClean="0"/>
+              <a:t>S3 buckets</a:t>
+            </a:r>
+          </a:p>
+          <a:p>
+            <a:pPr lvl="1"/>
+            <a:r>
+              <a:rPr lang="en-US" dirty="0" err="1" smtClean="0"/>
+              <a:t>CloudWatch</a:t>
+            </a:r>
+            <a:r>
+              <a:rPr lang="en-US" dirty="0" smtClean="0"/>
+              <a:t>, </a:t>
+            </a:r>
+            <a:r>
+              <a:rPr lang="en-US" dirty="0" err="1" smtClean="0"/>
+              <a:t>CloudTrail</a:t>
+            </a:r>
+            <a:endParaRPr lang="en-US" dirty="0" smtClean="0"/>
+          </a:p>
+          <a:p>
+            <a:pPr lvl="1"/>
+            <a:endParaRPr lang="en-US" dirty="0"/>
+          </a:p>
+        </p:txBody>
+      </p:sp>
+    </p:spTree>
+    <p:extLst>
+      <p:ext uri="{BB962C8B-B14F-4D97-AF65-F5344CB8AC3E}">
+        <p14:creationId xmlns:p14="http://schemas.microsoft.com/office/powerpoint/2010/main" val="1291299045"/>
+      </p:ext>
+    </p:extLst>
+  </p:cSld>
+  <p:clrMapOvr>
+    <a:masterClrMapping/>
+  </p:clrMapOvr>
+</p:sld>
+</file>
+
+<file path=ppt/slides/slide16.xml><?xml version="1.0" encoding="utf-8"?>
+<p:sld xmlns:a="http://schemas.openxmlformats.org/drawingml/2006/main" xmlns:r="http://schemas.openxmlformats.org/officeDocument/2006/relationships" xmlns:p="http://schemas.openxmlformats.org/presentationml/2006/main">
+  <p:cSld>
+    <p:spTree>
+      <p:nvGrpSpPr>
+        <p:cNvPr id="1" name=""/>
+        <p:cNvGrpSpPr/>
+        <p:nvPr/>
+      </p:nvGrpSpPr>
+      <p:grpSpPr>
+        <a:xfrm>
+          <a:off x="0" y="0"/>
+          <a:ext cx="0" cy="0"/>
+          <a:chOff x="0" y="0"/>
+          <a:chExt cx="0" cy="0"/>
+        </a:xfrm>
+      </p:grpSpPr>
+      <p:sp>
+        <p:nvSpPr>
+          <p:cNvPr id="2" name="Title 1"/>
+          <p:cNvSpPr>
+            <a:spLocks noGrp="1"/>
+          </p:cNvSpPr>
+          <p:nvPr>
+            <p:ph type="title"/>
+          </p:nvPr>
+        </p:nvSpPr>
+        <p:spPr/>
+        <p:txBody>
+          <a:bodyPr>
+            <a:normAutofit/>
+          </a:bodyPr>
+          <a:lstStyle/>
+          <a:p>
+            <a:r>
+              <a:rPr lang="en-US" dirty="0" smtClean="0"/>
+              <a:t>Homework</a:t>
+            </a:r>
+            <a:endParaRPr lang="en-US" dirty="0"/>
+          </a:p>
+        </p:txBody>
+      </p:sp>
+      <p:sp>
+        <p:nvSpPr>
+          <p:cNvPr id="3" name="Content Placeholder 2"/>
+          <p:cNvSpPr>
+            <a:spLocks noGrp="1"/>
+          </p:cNvSpPr>
+          <p:nvPr>
+            <p:ph idx="1"/>
+          </p:nvPr>
+        </p:nvSpPr>
+        <p:spPr>
+          <a:xfrm>
+            <a:off x="457200" y="1600200"/>
+            <a:ext cx="8229600" cy="4920629"/>
+          </a:xfrm>
+        </p:spPr>
+        <p:txBody>
+          <a:bodyPr>
+            <a:normAutofit/>
+          </a:bodyPr>
+          <a:lstStyle/>
+          <a:p>
+            <a:r>
+              <a:rPr lang="en-US" smtClean="0"/>
+              <a:t>Assignment </a:t>
+            </a:r>
+            <a:r>
+              <a:rPr lang="en-US" dirty="0"/>
+              <a:t>8</a:t>
+            </a:r>
+            <a:endParaRPr lang="en-US" dirty="0" smtClean="0"/>
+          </a:p>
+          <a:p>
+            <a:r>
+              <a:rPr lang="en-US" dirty="0" smtClean="0"/>
+              <a:t>Read</a:t>
+            </a:r>
+            <a:r>
+              <a:rPr lang="en-US" i="1" dirty="0" smtClean="0"/>
+              <a:t> Infrastructure as Code </a:t>
+            </a:r>
+            <a:r>
+              <a:rPr lang="en-US" dirty="0" smtClean="0"/>
+              <a:t>Chapters</a:t>
+            </a:r>
+            <a:r>
+              <a:rPr lang="en-US" i="1" dirty="0" smtClean="0"/>
+              <a:t> 7 &amp; 8</a:t>
+            </a:r>
+            <a:endParaRPr lang="en-US" dirty="0"/>
+          </a:p>
+          <a:p>
+            <a:endParaRPr lang="en-US" dirty="0" smtClean="0"/>
+          </a:p>
+        </p:txBody>
+      </p:sp>
+    </p:spTree>
+    <p:extLst>
+      <p:ext uri="{BB962C8B-B14F-4D97-AF65-F5344CB8AC3E}">
+        <p14:creationId xmlns:p14="http://schemas.microsoft.com/office/powerpoint/2010/main" val="2135093818"/>
+      </p:ext>
+    </p:extLst>
+  </p:cSld>
+  <p:clrMapOvr>
+    <a:masterClrMapping/>
+  </p:clrMapOvr>
+</p:sld>
+</file>
+
 <file path=ppt/slides/slide2.xml><?xml version="1.0" encoding="utf-8"?>
 <p:sld xmlns:a="http://schemas.openxmlformats.org/drawingml/2006/main" xmlns:r="http://schemas.openxmlformats.org/officeDocument/2006/relationships" xmlns:p="http://schemas.openxmlformats.org/presentationml/2006/main">
   <p:cSld>
@@ -3368,14 +4751,214 @@
         </p:nvSpPr>
         <p:spPr/>
         <p:txBody>
+          <a:bodyPr/>
+          <a:lstStyle/>
+          <a:p>
+            <a:r>
+              <a:rPr lang="en-US" dirty="0" smtClean="0"/>
+              <a:t>AWS </a:t>
+            </a:r>
+            <a:r>
+              <a:rPr lang="en-US" dirty="0" err="1" smtClean="0"/>
+              <a:t>CloudFormation</a:t>
+            </a:r>
+            <a:endParaRPr lang="en-US" dirty="0"/>
+          </a:p>
+        </p:txBody>
+      </p:sp>
+      <p:sp>
+        <p:nvSpPr>
+          <p:cNvPr id="3" name="Content Placeholder 2"/>
+          <p:cNvSpPr>
+            <a:spLocks noGrp="1"/>
+          </p:cNvSpPr>
+          <p:nvPr>
+            <p:ph idx="1"/>
+          </p:nvPr>
+        </p:nvSpPr>
+        <p:spPr>
+          <a:xfrm>
+            <a:off x="457200" y="1600201"/>
+            <a:ext cx="8229600" cy="5142610"/>
+          </a:xfrm>
+        </p:spPr>
+        <p:txBody>
           <a:bodyPr>
-            <a:normAutofit/>
+            <a:normAutofit fontScale="70000" lnSpcReduction="20000"/>
           </a:bodyPr>
           <a:lstStyle/>
           <a:p>
             <a:r>
               <a:rPr lang="en-US" dirty="0" smtClean="0"/>
-              <a:t>Homework</a:t>
+              <a:t>AWS service used for automating the deployment of cloud infrastructure</a:t>
+            </a:r>
+          </a:p>
+          <a:p>
+            <a:endParaRPr lang="en-US" dirty="0"/>
+          </a:p>
+          <a:p>
+            <a:r>
+              <a:rPr lang="en-US" dirty="0" smtClean="0"/>
+              <a:t>Several AWS services (Elastic Beanstalk, ECS, etc.) use </a:t>
+            </a:r>
+            <a:r>
+              <a:rPr lang="en-US" dirty="0" err="1" smtClean="0"/>
+              <a:t>CloudFormation</a:t>
+            </a:r>
+            <a:r>
+              <a:rPr lang="en-US" dirty="0" smtClean="0"/>
+              <a:t> for infrastructure provisioning</a:t>
+            </a:r>
+          </a:p>
+          <a:p>
+            <a:endParaRPr lang="en-US" dirty="0" smtClean="0"/>
+          </a:p>
+          <a:p>
+            <a:r>
+              <a:rPr lang="en-US" dirty="0" err="1" smtClean="0"/>
+              <a:t>CloudFormation</a:t>
+            </a:r>
+            <a:r>
+              <a:rPr lang="en-US" dirty="0" smtClean="0"/>
+              <a:t> uses a template to describe what resources to configure on AWS</a:t>
+            </a:r>
+          </a:p>
+          <a:p>
+            <a:endParaRPr lang="en-US" dirty="0" smtClean="0"/>
+          </a:p>
+          <a:p>
+            <a:pPr lvl="1"/>
+            <a:r>
+              <a:rPr lang="en-US" dirty="0" smtClean="0"/>
+              <a:t>Template is written in JSON format</a:t>
+            </a:r>
+          </a:p>
+          <a:p>
+            <a:pPr lvl="1"/>
+            <a:endParaRPr lang="en-US" dirty="0" smtClean="0"/>
+          </a:p>
+          <a:p>
+            <a:pPr lvl="1"/>
+            <a:r>
+              <a:rPr lang="en-US" dirty="0" smtClean="0"/>
+              <a:t> Supports good Infrastructure as Code practices</a:t>
+            </a:r>
+          </a:p>
+          <a:p>
+            <a:pPr lvl="2"/>
+            <a:r>
+              <a:rPr lang="en-US" dirty="0" smtClean="0"/>
+              <a:t>Store in version control</a:t>
+            </a:r>
+          </a:p>
+          <a:p>
+            <a:pPr lvl="2"/>
+            <a:r>
+              <a:rPr lang="en-US" dirty="0" smtClean="0"/>
+              <a:t>Ability to test</a:t>
+            </a:r>
+          </a:p>
+          <a:p>
+            <a:pPr lvl="2"/>
+            <a:r>
+              <a:rPr lang="en-US" dirty="0" smtClean="0"/>
+              <a:t>Repeatable</a:t>
+            </a:r>
+          </a:p>
+          <a:p>
+            <a:pPr lvl="2"/>
+            <a:endParaRPr lang="en-US" dirty="0" smtClean="0"/>
+          </a:p>
+          <a:p>
+            <a:pPr lvl="1"/>
+            <a:r>
+              <a:rPr lang="en-US" dirty="0" smtClean="0"/>
+              <a:t>A set of configured cloud resources is called a </a:t>
+            </a:r>
+            <a:r>
+              <a:rPr lang="en-US" b="1" dirty="0" smtClean="0"/>
+              <a:t>stack</a:t>
+            </a:r>
+            <a:r>
+              <a:rPr lang="en-US" dirty="0" smtClean="0"/>
+              <a:t>.</a:t>
+            </a:r>
+            <a:endParaRPr lang="en-US" dirty="0"/>
+          </a:p>
+        </p:txBody>
+      </p:sp>
+      <p:pic>
+        <p:nvPicPr>
+          <p:cNvPr id="4" name="Picture 3"/>
+          <p:cNvPicPr>
+            <a:picLocks noChangeAspect="1"/>
+          </p:cNvPicPr>
+          <p:nvPr/>
+        </p:nvPicPr>
+        <p:blipFill>
+          <a:blip r:embed="rId2"/>
+          <a:stretch>
+            <a:fillRect/>
+          </a:stretch>
+        </p:blipFill>
+        <p:spPr>
+          <a:xfrm>
+            <a:off x="7552335" y="112822"/>
+            <a:ext cx="1304816" cy="1304816"/>
+          </a:xfrm>
+          <a:prstGeom prst="rect">
+            <a:avLst/>
+          </a:prstGeom>
+        </p:spPr>
+      </p:pic>
+    </p:spTree>
+    <p:extLst>
+      <p:ext uri="{BB962C8B-B14F-4D97-AF65-F5344CB8AC3E}">
+        <p14:creationId xmlns:p14="http://schemas.microsoft.com/office/powerpoint/2010/main" val="3146953688"/>
+      </p:ext>
+    </p:extLst>
+  </p:cSld>
+  <p:clrMapOvr>
+    <a:masterClrMapping/>
+  </p:clrMapOvr>
+</p:sld>
+</file>
+
+<file path=ppt/slides/slide4.xml><?xml version="1.0" encoding="utf-8"?>
+<p:sld xmlns:a="http://schemas.openxmlformats.org/drawingml/2006/main" xmlns:r="http://schemas.openxmlformats.org/officeDocument/2006/relationships" xmlns:p="http://schemas.openxmlformats.org/presentationml/2006/main">
+  <p:cSld>
+    <p:spTree>
+      <p:nvGrpSpPr>
+        <p:cNvPr id="1" name=""/>
+        <p:cNvGrpSpPr/>
+        <p:nvPr/>
+      </p:nvGrpSpPr>
+      <p:grpSpPr>
+        <a:xfrm>
+          <a:off x="0" y="0"/>
+          <a:ext cx="0" cy="0"/>
+          <a:chOff x="0" y="0"/>
+          <a:chExt cx="0" cy="0"/>
+        </a:xfrm>
+      </p:grpSpPr>
+      <p:sp>
+        <p:nvSpPr>
+          <p:cNvPr id="2" name="Title 1"/>
+          <p:cNvSpPr>
+            <a:spLocks noGrp="1"/>
+          </p:cNvSpPr>
+          <p:nvPr>
+            <p:ph type="title"/>
+          </p:nvPr>
+        </p:nvSpPr>
+        <p:spPr/>
+        <p:txBody>
+          <a:bodyPr/>
+          <a:lstStyle/>
+          <a:p>
+            <a:r>
+              <a:rPr lang="en-US" dirty="0" err="1" smtClean="0"/>
+              <a:t>CloudFormation</a:t>
             </a:r>
             <a:endParaRPr lang="en-US" dirty="0"/>
           </a:p>
@@ -3394,53 +4977,1491 @@
         <p:spPr>
           <a:xfrm>
             <a:off x="457200" y="1600200"/>
-            <a:ext cx="8229600" cy="4920629"/>
+            <a:ext cx="8229600" cy="4996516"/>
           </a:xfrm>
         </p:spPr>
         <p:txBody>
           <a:bodyPr>
-            <a:normAutofit/>
+            <a:normAutofit fontScale="92500" lnSpcReduction="10000"/>
           </a:bodyPr>
           <a:lstStyle/>
           <a:p>
             <a:r>
-              <a:rPr lang="en-US" smtClean="0"/>
-              <a:t>Assignment </a:t>
-            </a:r>
-            <a:r>
-              <a:rPr lang="en-US" dirty="0"/>
-              <a:t>8</a:t>
-            </a:r>
+              <a:rPr lang="en-US" dirty="0" smtClean="0"/>
+              <a:t>Common use-cases include:</a:t>
+            </a:r>
+          </a:p>
+          <a:p>
+            <a:pPr lvl="1"/>
+            <a:r>
+              <a:rPr lang="en-US" dirty="0" smtClean="0"/>
+              <a:t>Creating multiple environments for application development, staging, and production</a:t>
+            </a:r>
+          </a:p>
+          <a:p>
+            <a:pPr lvl="2"/>
+            <a:r>
+              <a:rPr lang="en-US" dirty="0" smtClean="0"/>
+              <a:t>Templates support parameters to allow for reuse in different situations</a:t>
+            </a:r>
+          </a:p>
+          <a:p>
+            <a:pPr lvl="2"/>
             <a:endParaRPr lang="en-US" dirty="0" smtClean="0"/>
           </a:p>
           <a:p>
-            <a:r>
-              <a:rPr lang="en-US" dirty="0" smtClean="0"/>
-              <a:t>Read</a:t>
-            </a:r>
-            <a:r>
-              <a:rPr lang="en-US" i="1" dirty="0" smtClean="0"/>
-              <a:t> Infrastructure as Code </a:t>
-            </a:r>
-            <a:r>
-              <a:rPr lang="en-US" dirty="0" smtClean="0"/>
-              <a:t>Chapters</a:t>
-            </a:r>
-            <a:r>
-              <a:rPr lang="en-US" i="1" dirty="0" smtClean="0"/>
-              <a:t> 7 &amp; 8</a:t>
-            </a:r>
-            <a:endParaRPr lang="en-US" dirty="0"/>
-          </a:p>
-          <a:p>
+            <a:pPr lvl="1"/>
+            <a:r>
+              <a:rPr lang="en-US" dirty="0" smtClean="0"/>
+              <a:t>Deploying stacks of cloud resources in different regions</a:t>
+            </a:r>
+          </a:p>
+          <a:p>
+            <a:pPr lvl="1"/>
             <a:endParaRPr lang="en-US" dirty="0" smtClean="0"/>
+          </a:p>
+          <a:p>
+            <a:pPr lvl="1"/>
+            <a:r>
+              <a:rPr lang="en-US" dirty="0" smtClean="0"/>
+              <a:t>Blue/green deployments</a:t>
+            </a:r>
+          </a:p>
+          <a:p>
+            <a:pPr lvl="1"/>
+            <a:endParaRPr lang="en-US" dirty="0" smtClean="0"/>
+          </a:p>
+          <a:p>
+            <a:pPr lvl="1"/>
+            <a:r>
+              <a:rPr lang="en-US" dirty="0" smtClean="0"/>
+              <a:t>Disaster Recovery</a:t>
+            </a:r>
           </a:p>
         </p:txBody>
       </p:sp>
     </p:spTree>
     <p:extLst>
       <p:ext uri="{BB962C8B-B14F-4D97-AF65-F5344CB8AC3E}">
-        <p14:creationId xmlns:p14="http://schemas.microsoft.com/office/powerpoint/2010/main" val="2135093818"/>
+        <p14:creationId xmlns:p14="http://schemas.microsoft.com/office/powerpoint/2010/main" val="2382930744"/>
+      </p:ext>
+    </p:extLst>
+  </p:cSld>
+  <p:clrMapOvr>
+    <a:masterClrMapping/>
+  </p:clrMapOvr>
+</p:sld>
+</file>
+
+<file path=ppt/slides/slide5.xml><?xml version="1.0" encoding="utf-8"?>
+<p:sld xmlns:a="http://schemas.openxmlformats.org/drawingml/2006/main" xmlns:r="http://schemas.openxmlformats.org/officeDocument/2006/relationships" xmlns:p="http://schemas.openxmlformats.org/presentationml/2006/main">
+  <p:cSld>
+    <p:spTree>
+      <p:nvGrpSpPr>
+        <p:cNvPr id="1" name=""/>
+        <p:cNvGrpSpPr/>
+        <p:nvPr/>
+      </p:nvGrpSpPr>
+      <p:grpSpPr>
+        <a:xfrm>
+          <a:off x="0" y="0"/>
+          <a:ext cx="0" cy="0"/>
+          <a:chOff x="0" y="0"/>
+          <a:chExt cx="0" cy="0"/>
+        </a:xfrm>
+      </p:grpSpPr>
+      <p:sp>
+        <p:nvSpPr>
+          <p:cNvPr id="2" name="Title 1"/>
+          <p:cNvSpPr>
+            <a:spLocks noGrp="1"/>
+          </p:cNvSpPr>
+          <p:nvPr>
+            <p:ph type="title"/>
+          </p:nvPr>
+        </p:nvSpPr>
+        <p:spPr/>
+        <p:txBody>
+          <a:bodyPr/>
+          <a:lstStyle/>
+          <a:p>
+            <a:r>
+              <a:rPr lang="en-US" dirty="0" err="1" smtClean="0"/>
+              <a:t>CloudFormation</a:t>
+            </a:r>
+            <a:r>
+              <a:rPr lang="en-US" dirty="0" smtClean="0"/>
+              <a:t> Template</a:t>
+            </a:r>
+            <a:endParaRPr lang="en-US" dirty="0"/>
+          </a:p>
+        </p:txBody>
+      </p:sp>
+      <p:sp>
+        <p:nvSpPr>
+          <p:cNvPr id="3" name="Content Placeholder 2"/>
+          <p:cNvSpPr>
+            <a:spLocks noGrp="1"/>
+          </p:cNvSpPr>
+          <p:nvPr>
+            <p:ph idx="1"/>
+          </p:nvPr>
+        </p:nvSpPr>
+        <p:spPr>
+          <a:xfrm>
+            <a:off x="457200" y="1258658"/>
+            <a:ext cx="8229600" cy="5472914"/>
+          </a:xfrm>
+        </p:spPr>
+        <p:txBody>
+          <a:bodyPr>
+            <a:normAutofit fontScale="40000" lnSpcReduction="20000"/>
+          </a:bodyPr>
+          <a:lstStyle/>
+          <a:p>
+            <a:pPr marL="0" indent="0">
+              <a:buNone/>
+            </a:pPr>
+            <a:r>
+              <a:rPr lang="en-US" sz="2900" dirty="0" smtClean="0"/>
+              <a:t>{</a:t>
+            </a:r>
+          </a:p>
+          <a:p>
+            <a:pPr marL="0" indent="0">
+              <a:buNone/>
+            </a:pPr>
+            <a:r>
+              <a:rPr lang="en-US" sz="2900" dirty="0"/>
+              <a:t>	</a:t>
+            </a:r>
+            <a:r>
+              <a:rPr lang="en-US" sz="2900" dirty="0" smtClean="0"/>
+              <a:t>“</a:t>
+            </a:r>
+            <a:r>
+              <a:rPr lang="en-US" sz="2900" dirty="0" err="1" smtClean="0"/>
+              <a:t>AWSTemplateFormationVersion</a:t>
+            </a:r>
+            <a:r>
+              <a:rPr lang="en-US" sz="2900" dirty="0" smtClean="0"/>
+              <a:t>” : “</a:t>
+            </a:r>
+            <a:r>
+              <a:rPr lang="en-US" sz="2900" i="1" dirty="0" smtClean="0">
+                <a:solidFill>
+                  <a:srgbClr val="FF0000"/>
+                </a:solidFill>
+              </a:rPr>
+              <a:t>version date</a:t>
+            </a:r>
+            <a:r>
+              <a:rPr lang="en-US" sz="2900" dirty="0" smtClean="0"/>
+              <a:t>”,</a:t>
+            </a:r>
+          </a:p>
+          <a:p>
+            <a:pPr marL="0" indent="0">
+              <a:buNone/>
+            </a:pPr>
+            <a:endParaRPr lang="en-US" sz="2900" dirty="0" smtClean="0"/>
+          </a:p>
+          <a:p>
+            <a:pPr marL="0" indent="0">
+              <a:buNone/>
+            </a:pPr>
+            <a:r>
+              <a:rPr lang="en-US" sz="2900" dirty="0"/>
+              <a:t>	</a:t>
+            </a:r>
+            <a:r>
+              <a:rPr lang="en-US" sz="2900" dirty="0" smtClean="0"/>
+              <a:t>“Description” : </a:t>
+            </a:r>
+            <a:r>
+              <a:rPr lang="en-US" sz="2900" dirty="0" smtClean="0">
+                <a:solidFill>
+                  <a:srgbClr val="FF0000"/>
+                </a:solidFill>
+              </a:rPr>
+              <a:t>“</a:t>
+            </a:r>
+            <a:r>
+              <a:rPr lang="en-US" sz="2900" i="1" dirty="0" smtClean="0">
+                <a:solidFill>
+                  <a:srgbClr val="FF0000"/>
+                </a:solidFill>
+              </a:rPr>
+              <a:t>JSON string</a:t>
+            </a:r>
+            <a:r>
+              <a:rPr lang="en-US" sz="2900" dirty="0" smtClean="0"/>
+              <a:t>”,</a:t>
+            </a:r>
+          </a:p>
+          <a:p>
+            <a:pPr marL="0" indent="0">
+              <a:buNone/>
+            </a:pPr>
+            <a:endParaRPr lang="en-US" sz="2900" dirty="0" smtClean="0"/>
+          </a:p>
+          <a:p>
+            <a:pPr marL="0" indent="0">
+              <a:buNone/>
+            </a:pPr>
+            <a:r>
+              <a:rPr lang="en-US" sz="2900" dirty="0"/>
+              <a:t>	</a:t>
+            </a:r>
+            <a:r>
+              <a:rPr lang="en-US" sz="2900" dirty="0" smtClean="0"/>
+              <a:t>“Metadata” : {</a:t>
+            </a:r>
+          </a:p>
+          <a:p>
+            <a:pPr marL="0" indent="0">
+              <a:buNone/>
+            </a:pPr>
+            <a:r>
+              <a:rPr lang="en-US" sz="2900" dirty="0"/>
+              <a:t>	</a:t>
+            </a:r>
+            <a:r>
+              <a:rPr lang="en-US" sz="2900" dirty="0" smtClean="0"/>
+              <a:t>	</a:t>
+            </a:r>
+            <a:r>
+              <a:rPr lang="en-US" sz="2900" i="1" dirty="0" smtClean="0">
+                <a:solidFill>
+                  <a:srgbClr val="FF0000"/>
+                </a:solidFill>
+              </a:rPr>
+              <a:t>template metadata</a:t>
+            </a:r>
+          </a:p>
+          <a:p>
+            <a:pPr marL="0" indent="0">
+              <a:buNone/>
+            </a:pPr>
+            <a:r>
+              <a:rPr lang="en-US" sz="2900" dirty="0"/>
+              <a:t>	</a:t>
+            </a:r>
+            <a:r>
+              <a:rPr lang="en-US" sz="2900" dirty="0" smtClean="0"/>
+              <a:t>},</a:t>
+            </a:r>
+          </a:p>
+          <a:p>
+            <a:pPr marL="0" indent="0">
+              <a:buNone/>
+            </a:pPr>
+            <a:endParaRPr lang="en-US" sz="2900" dirty="0" smtClean="0"/>
+          </a:p>
+          <a:p>
+            <a:pPr marL="0" indent="0">
+              <a:buNone/>
+            </a:pPr>
+            <a:r>
+              <a:rPr lang="en-US" sz="2900" dirty="0"/>
+              <a:t>	</a:t>
+            </a:r>
+            <a:r>
+              <a:rPr lang="en-US" sz="2900" dirty="0" smtClean="0"/>
+              <a:t>“Parameters” : {</a:t>
+            </a:r>
+          </a:p>
+          <a:p>
+            <a:pPr marL="0" indent="0">
+              <a:buNone/>
+            </a:pPr>
+            <a:r>
+              <a:rPr lang="en-US" sz="2900" dirty="0"/>
+              <a:t>	</a:t>
+            </a:r>
+            <a:r>
+              <a:rPr lang="en-US" sz="2900" dirty="0" smtClean="0"/>
+              <a:t>	</a:t>
+            </a:r>
+            <a:r>
+              <a:rPr lang="en-US" sz="2900" i="1" dirty="0" smtClean="0">
+                <a:solidFill>
+                  <a:srgbClr val="FF0000"/>
+                </a:solidFill>
+              </a:rPr>
+              <a:t>set of parameters</a:t>
+            </a:r>
+          </a:p>
+          <a:p>
+            <a:pPr marL="0" indent="0">
+              <a:buNone/>
+            </a:pPr>
+            <a:r>
+              <a:rPr lang="en-US" sz="2900" dirty="0"/>
+              <a:t>	</a:t>
+            </a:r>
+            <a:r>
+              <a:rPr lang="en-US" sz="2900" dirty="0" smtClean="0"/>
+              <a:t>},</a:t>
+            </a:r>
+          </a:p>
+          <a:p>
+            <a:pPr marL="0" indent="0">
+              <a:buNone/>
+            </a:pPr>
+            <a:endParaRPr lang="en-US" sz="2900" dirty="0" smtClean="0"/>
+          </a:p>
+          <a:p>
+            <a:pPr marL="0" indent="0">
+              <a:buNone/>
+            </a:pPr>
+            <a:r>
+              <a:rPr lang="en-US" sz="2900" dirty="0"/>
+              <a:t>	</a:t>
+            </a:r>
+            <a:r>
+              <a:rPr lang="en-US" sz="2900" dirty="0" smtClean="0"/>
+              <a:t>“Mappings” : {</a:t>
+            </a:r>
+          </a:p>
+          <a:p>
+            <a:pPr marL="0" indent="0">
+              <a:buNone/>
+            </a:pPr>
+            <a:r>
+              <a:rPr lang="en-US" sz="2900" dirty="0"/>
+              <a:t>	</a:t>
+            </a:r>
+            <a:r>
+              <a:rPr lang="en-US" sz="2900" dirty="0" smtClean="0"/>
+              <a:t>	</a:t>
+            </a:r>
+            <a:r>
+              <a:rPr lang="en-US" sz="2900" i="1" dirty="0" smtClean="0">
+                <a:solidFill>
+                  <a:srgbClr val="FF0000"/>
+                </a:solidFill>
+              </a:rPr>
+              <a:t>set of mappings</a:t>
+            </a:r>
+          </a:p>
+          <a:p>
+            <a:pPr marL="0" indent="0">
+              <a:buNone/>
+            </a:pPr>
+            <a:r>
+              <a:rPr lang="en-US" sz="2900" dirty="0"/>
+              <a:t>	</a:t>
+            </a:r>
+            <a:r>
+              <a:rPr lang="en-US" sz="2900" dirty="0" smtClean="0"/>
+              <a:t>},</a:t>
+            </a:r>
+          </a:p>
+          <a:p>
+            <a:pPr marL="0" indent="0">
+              <a:buNone/>
+            </a:pPr>
+            <a:endParaRPr lang="en-US" sz="2900" dirty="0" smtClean="0"/>
+          </a:p>
+          <a:p>
+            <a:pPr marL="0" indent="0">
+              <a:buNone/>
+            </a:pPr>
+            <a:r>
+              <a:rPr lang="en-US" sz="2900" dirty="0"/>
+              <a:t>	</a:t>
+            </a:r>
+            <a:r>
+              <a:rPr lang="en-US" sz="2900" dirty="0" smtClean="0"/>
+              <a:t>“Conditions” : {</a:t>
+            </a:r>
+          </a:p>
+          <a:p>
+            <a:pPr marL="0" indent="0">
+              <a:buNone/>
+            </a:pPr>
+            <a:r>
+              <a:rPr lang="en-US" sz="2900" dirty="0"/>
+              <a:t>	</a:t>
+            </a:r>
+            <a:r>
+              <a:rPr lang="en-US" sz="2900" dirty="0" smtClean="0"/>
+              <a:t>	</a:t>
+            </a:r>
+            <a:r>
+              <a:rPr lang="en-US" sz="2900" i="1" dirty="0" smtClean="0">
+                <a:solidFill>
+                  <a:srgbClr val="FF0000"/>
+                </a:solidFill>
+              </a:rPr>
+              <a:t>set of conditions</a:t>
+            </a:r>
+          </a:p>
+          <a:p>
+            <a:pPr marL="0" indent="0">
+              <a:buNone/>
+            </a:pPr>
+            <a:r>
+              <a:rPr lang="en-US" sz="2900" dirty="0"/>
+              <a:t>	</a:t>
+            </a:r>
+            <a:r>
+              <a:rPr lang="en-US" sz="2900" dirty="0" smtClean="0"/>
+              <a:t>},</a:t>
+            </a:r>
+          </a:p>
+          <a:p>
+            <a:pPr marL="0" indent="0">
+              <a:buNone/>
+            </a:pPr>
+            <a:endParaRPr lang="en-US" sz="2900" dirty="0" smtClean="0"/>
+          </a:p>
+          <a:p>
+            <a:pPr marL="0" indent="0">
+              <a:buNone/>
+            </a:pPr>
+            <a:r>
+              <a:rPr lang="en-US" sz="2900" dirty="0"/>
+              <a:t>	</a:t>
+            </a:r>
+            <a:r>
+              <a:rPr lang="en-US" sz="2900" dirty="0" smtClean="0"/>
+              <a:t>“Resources” : {</a:t>
+            </a:r>
+          </a:p>
+          <a:p>
+            <a:pPr marL="0" indent="0">
+              <a:buNone/>
+            </a:pPr>
+            <a:r>
+              <a:rPr lang="en-US" sz="2900" dirty="0"/>
+              <a:t>	</a:t>
+            </a:r>
+            <a:r>
+              <a:rPr lang="en-US" sz="2900" dirty="0" smtClean="0"/>
+              <a:t>	</a:t>
+            </a:r>
+            <a:r>
+              <a:rPr lang="en-US" sz="2900" i="1" dirty="0" smtClean="0">
+                <a:solidFill>
+                  <a:srgbClr val="FF0000"/>
+                </a:solidFill>
+              </a:rPr>
+              <a:t>set of resources</a:t>
+            </a:r>
+          </a:p>
+          <a:p>
+            <a:pPr marL="0" indent="0">
+              <a:buNone/>
+            </a:pPr>
+            <a:r>
+              <a:rPr lang="en-US" sz="2900" dirty="0"/>
+              <a:t>	</a:t>
+            </a:r>
+            <a:r>
+              <a:rPr lang="en-US" sz="2900" dirty="0" smtClean="0"/>
+              <a:t>},</a:t>
+            </a:r>
+          </a:p>
+          <a:p>
+            <a:pPr marL="0" indent="0">
+              <a:buNone/>
+            </a:pPr>
+            <a:endParaRPr lang="en-US" sz="2900" dirty="0" smtClean="0"/>
+          </a:p>
+          <a:p>
+            <a:pPr marL="0" indent="0">
+              <a:buNone/>
+            </a:pPr>
+            <a:r>
+              <a:rPr lang="en-US" sz="2900" dirty="0"/>
+              <a:t>	</a:t>
+            </a:r>
+            <a:r>
+              <a:rPr lang="en-US" sz="2900" dirty="0" smtClean="0"/>
+              <a:t>“Outputs” : {</a:t>
+            </a:r>
+          </a:p>
+          <a:p>
+            <a:pPr marL="0" indent="0">
+              <a:buNone/>
+            </a:pPr>
+            <a:r>
+              <a:rPr lang="en-US" sz="2900" dirty="0"/>
+              <a:t>	</a:t>
+            </a:r>
+            <a:r>
+              <a:rPr lang="en-US" sz="2900" dirty="0" smtClean="0"/>
+              <a:t>	</a:t>
+            </a:r>
+            <a:r>
+              <a:rPr lang="en-US" sz="2900" i="1" dirty="0" smtClean="0">
+                <a:solidFill>
+                  <a:srgbClr val="FF0000"/>
+                </a:solidFill>
+              </a:rPr>
+              <a:t>set of outputs</a:t>
+            </a:r>
+          </a:p>
+          <a:p>
+            <a:pPr marL="0" indent="0">
+              <a:buNone/>
+            </a:pPr>
+            <a:r>
+              <a:rPr lang="en-US" sz="2900" dirty="0"/>
+              <a:t>	</a:t>
+            </a:r>
+            <a:r>
+              <a:rPr lang="en-US" sz="2900" dirty="0" smtClean="0"/>
+              <a:t>}</a:t>
+            </a:r>
+          </a:p>
+          <a:p>
+            <a:pPr marL="0" indent="0">
+              <a:buNone/>
+            </a:pPr>
+            <a:r>
+              <a:rPr lang="en-US" sz="2900" dirty="0"/>
+              <a:t>}</a:t>
+            </a:r>
+            <a:endParaRPr lang="en-US" sz="2900" dirty="0" smtClean="0"/>
+          </a:p>
+          <a:p>
+            <a:pPr marL="0" indent="0">
+              <a:buNone/>
+            </a:pPr>
+            <a:endParaRPr lang="en-US" dirty="0" smtClean="0"/>
+          </a:p>
+        </p:txBody>
+      </p:sp>
+    </p:spTree>
+    <p:extLst>
+      <p:ext uri="{BB962C8B-B14F-4D97-AF65-F5344CB8AC3E}">
+        <p14:creationId xmlns:p14="http://schemas.microsoft.com/office/powerpoint/2010/main" val="3206321846"/>
+      </p:ext>
+    </p:extLst>
+  </p:cSld>
+  <p:clrMapOvr>
+    <a:masterClrMapping/>
+  </p:clrMapOvr>
+</p:sld>
+</file>
+
+<file path=ppt/slides/slide6.xml><?xml version="1.0" encoding="utf-8"?>
+<p:sld xmlns:a="http://schemas.openxmlformats.org/drawingml/2006/main" xmlns:r="http://schemas.openxmlformats.org/officeDocument/2006/relationships" xmlns:p="http://schemas.openxmlformats.org/presentationml/2006/main">
+  <p:cSld>
+    <p:spTree>
+      <p:nvGrpSpPr>
+        <p:cNvPr id="1" name=""/>
+        <p:cNvGrpSpPr/>
+        <p:nvPr/>
+      </p:nvGrpSpPr>
+      <p:grpSpPr>
+        <a:xfrm>
+          <a:off x="0" y="0"/>
+          <a:ext cx="0" cy="0"/>
+          <a:chOff x="0" y="0"/>
+          <a:chExt cx="0" cy="0"/>
+        </a:xfrm>
+      </p:grpSpPr>
+      <p:sp>
+        <p:nvSpPr>
+          <p:cNvPr id="2" name="Title 1"/>
+          <p:cNvSpPr>
+            <a:spLocks noGrp="1"/>
+          </p:cNvSpPr>
+          <p:nvPr>
+            <p:ph type="title"/>
+          </p:nvPr>
+        </p:nvSpPr>
+        <p:spPr/>
+        <p:txBody>
+          <a:bodyPr>
+            <a:normAutofit fontScale="90000"/>
+          </a:bodyPr>
+          <a:lstStyle/>
+          <a:p>
+            <a:r>
+              <a:rPr lang="en-US" dirty="0" smtClean="0"/>
+              <a:t>Format Version &amp; Description sections</a:t>
+            </a:r>
+            <a:endParaRPr lang="en-US" dirty="0"/>
+          </a:p>
+        </p:txBody>
+      </p:sp>
+      <p:sp>
+        <p:nvSpPr>
+          <p:cNvPr id="3" name="Content Placeholder 2"/>
+          <p:cNvSpPr>
+            <a:spLocks noGrp="1"/>
+          </p:cNvSpPr>
+          <p:nvPr>
+            <p:ph idx="1"/>
+          </p:nvPr>
+        </p:nvSpPr>
+        <p:spPr/>
+        <p:txBody>
+          <a:bodyPr>
+            <a:normAutofit fontScale="85000" lnSpcReduction="20000"/>
+          </a:bodyPr>
+          <a:lstStyle/>
+          <a:p>
+            <a:r>
+              <a:rPr lang="en-US" dirty="0" smtClean="0"/>
+              <a:t>The optional </a:t>
+            </a:r>
+            <a:r>
+              <a:rPr lang="en-US" dirty="0" err="1" smtClean="0"/>
+              <a:t>AWSTemplateFormatVersion</a:t>
+            </a:r>
+            <a:r>
+              <a:rPr lang="en-US" dirty="0" smtClean="0"/>
+              <a:t> section specifies the template version to use.</a:t>
+            </a:r>
+          </a:p>
+          <a:p>
+            <a:pPr lvl="1"/>
+            <a:r>
+              <a:rPr lang="en-US" dirty="0" smtClean="0"/>
+              <a:t>Defaults to “2010-09-09” version.</a:t>
+            </a:r>
+          </a:p>
+          <a:p>
+            <a:pPr marL="0" indent="0">
+              <a:buNone/>
+            </a:pPr>
+            <a:endParaRPr lang="en-US" dirty="0"/>
+          </a:p>
+          <a:p>
+            <a:pPr marL="0" indent="0">
+              <a:buNone/>
+            </a:pPr>
+            <a:r>
+              <a:rPr lang="en-US" sz="2600" dirty="0" smtClean="0"/>
+              <a:t>	"</a:t>
+            </a:r>
+            <a:r>
+              <a:rPr lang="en-US" sz="2600" dirty="0" err="1"/>
+              <a:t>AWSTemplateFormatVersion</a:t>
+            </a:r>
+            <a:r>
+              <a:rPr lang="en-US" sz="2600" dirty="0"/>
+              <a:t>" : "2010-09-</a:t>
+            </a:r>
+            <a:r>
+              <a:rPr lang="en-US" sz="2600" dirty="0" smtClean="0"/>
+              <a:t>09”</a:t>
+            </a:r>
+          </a:p>
+          <a:p>
+            <a:pPr marL="0" indent="0">
+              <a:buNone/>
+            </a:pPr>
+            <a:endParaRPr lang="en-US" dirty="0" smtClean="0"/>
+          </a:p>
+          <a:p>
+            <a:r>
+              <a:rPr lang="en-US" dirty="0" smtClean="0"/>
+              <a:t>The optional Description section includes arbitrary comments about the template.</a:t>
+            </a:r>
+          </a:p>
+          <a:p>
+            <a:pPr lvl="1"/>
+            <a:r>
+              <a:rPr lang="en-US" dirty="0" smtClean="0"/>
+              <a:t>Must follow the </a:t>
+            </a:r>
+            <a:r>
+              <a:rPr lang="en-US" dirty="0" err="1" smtClean="0"/>
+              <a:t>AWSTemplateFormatVersion</a:t>
+            </a:r>
+            <a:r>
+              <a:rPr lang="en-US" dirty="0" smtClean="0"/>
+              <a:t> section</a:t>
+            </a:r>
+          </a:p>
+          <a:p>
+            <a:pPr lvl="1"/>
+            <a:r>
+              <a:rPr lang="en-US" dirty="0" smtClean="0"/>
+              <a:t>Literal string of 0-1024 characters</a:t>
+            </a:r>
+          </a:p>
+          <a:p>
+            <a:pPr marL="0" indent="0">
+              <a:buNone/>
+            </a:pPr>
+            <a:endParaRPr lang="en-US" dirty="0"/>
+          </a:p>
+          <a:p>
+            <a:pPr marL="0" indent="0">
+              <a:buNone/>
+            </a:pPr>
+            <a:r>
+              <a:rPr lang="en-US" sz="2600" dirty="0" smtClean="0"/>
+              <a:t>	"</a:t>
+            </a:r>
+            <a:r>
+              <a:rPr lang="en-US" sz="2600" dirty="0"/>
+              <a:t>Description" : "Here are some details about the template."</a:t>
+            </a:r>
+            <a:endParaRPr lang="en-US" sz="2600" dirty="0" smtClean="0"/>
+          </a:p>
+        </p:txBody>
+      </p:sp>
+    </p:spTree>
+    <p:extLst>
+      <p:ext uri="{BB962C8B-B14F-4D97-AF65-F5344CB8AC3E}">
+        <p14:creationId xmlns:p14="http://schemas.microsoft.com/office/powerpoint/2010/main" val="1493860789"/>
+      </p:ext>
+    </p:extLst>
+  </p:cSld>
+  <p:clrMapOvr>
+    <a:masterClrMapping/>
+  </p:clrMapOvr>
+</p:sld>
+</file>
+
+<file path=ppt/slides/slide7.xml><?xml version="1.0" encoding="utf-8"?>
+<p:sld xmlns:a="http://schemas.openxmlformats.org/drawingml/2006/main" xmlns:r="http://schemas.openxmlformats.org/officeDocument/2006/relationships" xmlns:p="http://schemas.openxmlformats.org/presentationml/2006/main">
+  <p:cSld>
+    <p:spTree>
+      <p:nvGrpSpPr>
+        <p:cNvPr id="1" name=""/>
+        <p:cNvGrpSpPr/>
+        <p:nvPr/>
+      </p:nvGrpSpPr>
+      <p:grpSpPr>
+        <a:xfrm>
+          <a:off x="0" y="0"/>
+          <a:ext cx="0" cy="0"/>
+          <a:chOff x="0" y="0"/>
+          <a:chExt cx="0" cy="0"/>
+        </a:xfrm>
+      </p:grpSpPr>
+      <p:sp>
+        <p:nvSpPr>
+          <p:cNvPr id="2" name="Title 1"/>
+          <p:cNvSpPr>
+            <a:spLocks noGrp="1"/>
+          </p:cNvSpPr>
+          <p:nvPr>
+            <p:ph type="title"/>
+          </p:nvPr>
+        </p:nvSpPr>
+        <p:spPr/>
+        <p:txBody>
+          <a:bodyPr/>
+          <a:lstStyle/>
+          <a:p>
+            <a:r>
+              <a:rPr lang="en-US" dirty="0" smtClean="0"/>
+              <a:t>Metadata section</a:t>
+            </a:r>
+            <a:endParaRPr lang="en-US" dirty="0"/>
+          </a:p>
+        </p:txBody>
+      </p:sp>
+      <p:sp>
+        <p:nvSpPr>
+          <p:cNvPr id="3" name="Content Placeholder 2"/>
+          <p:cNvSpPr>
+            <a:spLocks noGrp="1"/>
+          </p:cNvSpPr>
+          <p:nvPr>
+            <p:ph idx="1"/>
+          </p:nvPr>
+        </p:nvSpPr>
+        <p:spPr/>
+        <p:txBody>
+          <a:bodyPr>
+            <a:normAutofit fontScale="85000" lnSpcReduction="10000"/>
+          </a:bodyPr>
+          <a:lstStyle/>
+          <a:p>
+            <a:r>
+              <a:rPr lang="en-US" dirty="0" smtClean="0"/>
+              <a:t>The optional Metadata section includes arbitrary JSON objects that provide details about the template.</a:t>
+            </a:r>
+          </a:p>
+          <a:p>
+            <a:pPr lvl="1"/>
+            <a:r>
+              <a:rPr lang="en-US" dirty="0" smtClean="0"/>
+              <a:t>Useful for documentation/ comments</a:t>
+            </a:r>
+          </a:p>
+          <a:p>
+            <a:pPr lvl="1"/>
+            <a:r>
+              <a:rPr lang="en-US" dirty="0" smtClean="0"/>
+              <a:t>A few special metadata parameters affect other </a:t>
+            </a:r>
+            <a:r>
+              <a:rPr lang="en-US" dirty="0" err="1" smtClean="0"/>
+              <a:t>CloudFormation</a:t>
+            </a:r>
+            <a:r>
+              <a:rPr lang="en-US" dirty="0" smtClean="0"/>
+              <a:t> features:</a:t>
+            </a:r>
+          </a:p>
+          <a:p>
+            <a:pPr lvl="2"/>
+            <a:r>
+              <a:rPr lang="en-US" dirty="0" smtClean="0"/>
+              <a:t>AWS::</a:t>
+            </a:r>
+            <a:r>
+              <a:rPr lang="en-US" dirty="0" err="1" smtClean="0"/>
+              <a:t>CloudFormation</a:t>
+            </a:r>
+            <a:r>
+              <a:rPr lang="en-US" dirty="0" smtClean="0"/>
+              <a:t>::</a:t>
+            </a:r>
+            <a:r>
+              <a:rPr lang="en-US" dirty="0" err="1" smtClean="0"/>
+              <a:t>Init</a:t>
+            </a:r>
+            <a:r>
+              <a:rPr lang="en-US" dirty="0" smtClean="0"/>
+              <a:t>, AWS::</a:t>
+            </a:r>
+            <a:r>
+              <a:rPr lang="en-US" dirty="0" err="1" smtClean="0"/>
+              <a:t>CloudFormation</a:t>
+            </a:r>
+            <a:r>
+              <a:rPr lang="en-US" dirty="0" smtClean="0"/>
+              <a:t>::Interface</a:t>
+            </a:r>
+          </a:p>
+          <a:p>
+            <a:pPr lvl="2"/>
+            <a:endParaRPr lang="en-US" dirty="0" smtClean="0"/>
+          </a:p>
+          <a:p>
+            <a:pPr marL="0" indent="0">
+              <a:buNone/>
+            </a:pPr>
+            <a:r>
+              <a:rPr lang="en-US" sz="2600" dirty="0"/>
+              <a:t>"Metadata" : {</a:t>
+            </a:r>
+          </a:p>
+          <a:p>
+            <a:pPr marL="0" indent="0">
+              <a:buNone/>
+            </a:pPr>
+            <a:r>
+              <a:rPr lang="en-US" sz="2600" dirty="0"/>
+              <a:t>	</a:t>
+            </a:r>
+            <a:r>
+              <a:rPr lang="en-US" sz="2600" dirty="0" smtClean="0"/>
+              <a:t>"</a:t>
+            </a:r>
+            <a:r>
+              <a:rPr lang="en-US" sz="2600" dirty="0"/>
+              <a:t>Instances" : {"Description" : "Information about the instances"},</a:t>
+            </a:r>
+          </a:p>
+          <a:p>
+            <a:pPr marL="0" indent="0">
+              <a:buNone/>
+            </a:pPr>
+            <a:r>
+              <a:rPr lang="en-US" sz="2600" dirty="0"/>
+              <a:t>	</a:t>
+            </a:r>
+            <a:r>
+              <a:rPr lang="en-US" sz="2600" dirty="0" smtClean="0"/>
+              <a:t>"</a:t>
+            </a:r>
+            <a:r>
+              <a:rPr lang="en-US" sz="2600" dirty="0"/>
+              <a:t>Databases" : {"Description" : "Information about the databases"}</a:t>
+            </a:r>
+          </a:p>
+          <a:p>
+            <a:pPr marL="0" indent="0">
+              <a:buNone/>
+            </a:pPr>
+            <a:r>
+              <a:rPr lang="en-US" sz="2600" dirty="0"/>
+              <a:t>}</a:t>
+            </a:r>
+            <a:endParaRPr lang="en-US" sz="2600" dirty="0" smtClean="0"/>
+          </a:p>
+        </p:txBody>
+      </p:sp>
+    </p:spTree>
+    <p:extLst>
+      <p:ext uri="{BB962C8B-B14F-4D97-AF65-F5344CB8AC3E}">
+        <p14:creationId xmlns:p14="http://schemas.microsoft.com/office/powerpoint/2010/main" val="1892091078"/>
+      </p:ext>
+    </p:extLst>
+  </p:cSld>
+  <p:clrMapOvr>
+    <a:masterClrMapping/>
+  </p:clrMapOvr>
+</p:sld>
+</file>
+
+<file path=ppt/slides/slide8.xml><?xml version="1.0" encoding="utf-8"?>
+<p:sld xmlns:a="http://schemas.openxmlformats.org/drawingml/2006/main" xmlns:r="http://schemas.openxmlformats.org/officeDocument/2006/relationships" xmlns:p="http://schemas.openxmlformats.org/presentationml/2006/main">
+  <p:cSld>
+    <p:spTree>
+      <p:nvGrpSpPr>
+        <p:cNvPr id="1" name=""/>
+        <p:cNvGrpSpPr/>
+        <p:nvPr/>
+      </p:nvGrpSpPr>
+      <p:grpSpPr>
+        <a:xfrm>
+          <a:off x="0" y="0"/>
+          <a:ext cx="0" cy="0"/>
+          <a:chOff x="0" y="0"/>
+          <a:chExt cx="0" cy="0"/>
+        </a:xfrm>
+      </p:grpSpPr>
+      <p:sp>
+        <p:nvSpPr>
+          <p:cNvPr id="2" name="Title 1"/>
+          <p:cNvSpPr>
+            <a:spLocks noGrp="1"/>
+          </p:cNvSpPr>
+          <p:nvPr>
+            <p:ph type="title"/>
+          </p:nvPr>
+        </p:nvSpPr>
+        <p:spPr/>
+        <p:txBody>
+          <a:bodyPr/>
+          <a:lstStyle/>
+          <a:p>
+            <a:r>
+              <a:rPr lang="en-US" dirty="0" smtClean="0"/>
+              <a:t>Parameters section</a:t>
+            </a:r>
+            <a:endParaRPr lang="en-US" dirty="0"/>
+          </a:p>
+        </p:txBody>
+      </p:sp>
+      <p:sp>
+        <p:nvSpPr>
+          <p:cNvPr id="3" name="Content Placeholder 2"/>
+          <p:cNvSpPr>
+            <a:spLocks noGrp="1"/>
+          </p:cNvSpPr>
+          <p:nvPr>
+            <p:ph idx="1"/>
+          </p:nvPr>
+        </p:nvSpPr>
+        <p:spPr>
+          <a:xfrm>
+            <a:off x="457200" y="1600200"/>
+            <a:ext cx="8229600" cy="5097658"/>
+          </a:xfrm>
+        </p:spPr>
+        <p:txBody>
+          <a:bodyPr>
+            <a:normAutofit fontScale="62500" lnSpcReduction="20000"/>
+          </a:bodyPr>
+          <a:lstStyle/>
+          <a:p>
+            <a:r>
+              <a:rPr lang="en-US" dirty="0" smtClean="0"/>
+              <a:t>Templates allow the user to supply input parameters when launching a stack.</a:t>
+            </a:r>
+          </a:p>
+          <a:p>
+            <a:pPr lvl="1"/>
+            <a:r>
+              <a:rPr lang="en-US" dirty="0" smtClean="0"/>
+              <a:t>Parameter logical names must be unique</a:t>
+            </a:r>
+          </a:p>
+          <a:p>
+            <a:pPr lvl="1"/>
+            <a:r>
+              <a:rPr lang="en-US" dirty="0" smtClean="0"/>
+              <a:t>Logical name definition followed by a series of parameter properties</a:t>
+            </a:r>
+          </a:p>
+          <a:p>
+            <a:pPr lvl="1"/>
+            <a:r>
+              <a:rPr lang="en-US" dirty="0" smtClean="0"/>
+              <a:t>Types: String, Number, List, or AWS-specific type</a:t>
+            </a:r>
+          </a:p>
+          <a:p>
+            <a:pPr lvl="1"/>
+            <a:r>
+              <a:rPr lang="en-US" dirty="0" smtClean="0"/>
+              <a:t>Maximum of 60 parameters allowed in a template</a:t>
+            </a:r>
+          </a:p>
+          <a:p>
+            <a:endParaRPr lang="en-US" dirty="0" smtClean="0"/>
+          </a:p>
+          <a:p>
+            <a:r>
+              <a:rPr lang="en-US" dirty="0" smtClean="0"/>
+              <a:t>Input parameters are referenced within a template using the “Ref” function.</a:t>
+            </a:r>
+          </a:p>
+          <a:p>
+            <a:endParaRPr lang="en-US" dirty="0" smtClean="0"/>
+          </a:p>
+          <a:p>
+            <a:pPr marL="0" indent="0">
+              <a:buNone/>
+            </a:pPr>
+            <a:r>
+              <a:rPr lang="en-US" dirty="0"/>
+              <a:t>"Parameters" : {</a:t>
+            </a:r>
+          </a:p>
+          <a:p>
+            <a:pPr marL="0" indent="0">
+              <a:buNone/>
+            </a:pPr>
+            <a:r>
+              <a:rPr lang="en-US" dirty="0"/>
+              <a:t>	</a:t>
+            </a:r>
+            <a:r>
+              <a:rPr lang="en-US" dirty="0" smtClean="0"/>
+              <a:t>"</a:t>
+            </a:r>
+            <a:r>
+              <a:rPr lang="en-US" i="1" dirty="0" err="1">
+                <a:solidFill>
+                  <a:srgbClr val="FF0000"/>
+                </a:solidFill>
+              </a:rPr>
+              <a:t>ParameterLogicalID</a:t>
+            </a:r>
+            <a:r>
+              <a:rPr lang="en-US" dirty="0"/>
+              <a:t>" : </a:t>
+            </a:r>
+            <a:r>
+              <a:rPr lang="en-US" dirty="0" smtClean="0"/>
+              <a:t>{</a:t>
+            </a:r>
+          </a:p>
+          <a:p>
+            <a:pPr marL="0" indent="0">
+              <a:buNone/>
+            </a:pPr>
+            <a:r>
+              <a:rPr lang="en-US" dirty="0"/>
+              <a:t>	</a:t>
+            </a:r>
+            <a:r>
+              <a:rPr lang="de-DE" dirty="0" smtClean="0"/>
+              <a:t>"</a:t>
+            </a:r>
+            <a:r>
+              <a:rPr lang="de-DE" dirty="0"/>
+              <a:t>Type" : "</a:t>
+            </a:r>
+            <a:r>
+              <a:rPr lang="de-DE" i="1" dirty="0" err="1">
+                <a:solidFill>
+                  <a:srgbClr val="FF0000"/>
+                </a:solidFill>
+              </a:rPr>
+              <a:t>DataType</a:t>
+            </a:r>
+            <a:r>
+              <a:rPr lang="de-DE" dirty="0"/>
+              <a:t>",</a:t>
+            </a:r>
+          </a:p>
+          <a:p>
+            <a:pPr marL="0" indent="0">
+              <a:buNone/>
+            </a:pPr>
+            <a:r>
+              <a:rPr lang="de-DE" dirty="0"/>
+              <a:t>	</a:t>
+            </a:r>
+            <a:r>
+              <a:rPr lang="de-DE" dirty="0" smtClean="0"/>
+              <a:t> </a:t>
+            </a:r>
+            <a:r>
+              <a:rPr lang="de-DE" dirty="0"/>
+              <a:t>"</a:t>
+            </a:r>
+            <a:r>
+              <a:rPr lang="de-DE" i="1" dirty="0" err="1">
+                <a:solidFill>
+                  <a:srgbClr val="FF0000"/>
+                </a:solidFill>
+              </a:rPr>
+              <a:t>ParameterProperty</a:t>
+            </a:r>
+            <a:r>
+              <a:rPr lang="de-DE" dirty="0"/>
+              <a:t>" : "</a:t>
+            </a:r>
+            <a:r>
+              <a:rPr lang="de-DE" i="1" dirty="0" err="1" smtClean="0">
+                <a:solidFill>
+                  <a:srgbClr val="FF0000"/>
+                </a:solidFill>
+              </a:rPr>
+              <a:t>value</a:t>
+            </a:r>
+            <a:r>
+              <a:rPr lang="de-DE" dirty="0" smtClean="0"/>
+              <a:t>“</a:t>
+            </a:r>
+            <a:endParaRPr lang="de-DE" dirty="0"/>
+          </a:p>
+          <a:p>
+            <a:pPr marL="0" indent="0">
+              <a:buNone/>
+            </a:pPr>
+            <a:r>
+              <a:rPr lang="de-DE" dirty="0"/>
+              <a:t>	</a:t>
+            </a:r>
+            <a:r>
+              <a:rPr lang="de-DE" dirty="0" smtClean="0"/>
+              <a:t>}</a:t>
+            </a:r>
+            <a:endParaRPr lang="de-DE" dirty="0"/>
+          </a:p>
+          <a:p>
+            <a:pPr marL="0" indent="0">
+              <a:buNone/>
+            </a:pPr>
+            <a:r>
+              <a:rPr lang="de-DE" dirty="0"/>
+              <a:t>}</a:t>
+            </a:r>
+          </a:p>
+          <a:p>
+            <a:pPr marL="0" indent="0">
+              <a:buNone/>
+            </a:pPr>
+            <a:endParaRPr lang="en-US" dirty="0" smtClean="0"/>
+          </a:p>
+          <a:p>
+            <a:pPr marL="0" indent="0">
+              <a:buNone/>
+            </a:pPr>
+            <a:endParaRPr lang="en-US" dirty="0" smtClean="0"/>
+          </a:p>
+        </p:txBody>
+      </p:sp>
+    </p:spTree>
+    <p:extLst>
+      <p:ext uri="{BB962C8B-B14F-4D97-AF65-F5344CB8AC3E}">
+        <p14:creationId xmlns:p14="http://schemas.microsoft.com/office/powerpoint/2010/main" val="4278802438"/>
+      </p:ext>
+    </p:extLst>
+  </p:cSld>
+  <p:clrMapOvr>
+    <a:masterClrMapping/>
+  </p:clrMapOvr>
+</p:sld>
+</file>
+
+<file path=ppt/slides/slide9.xml><?xml version="1.0" encoding="utf-8"?>
+<p:sld xmlns:a="http://schemas.openxmlformats.org/drawingml/2006/main" xmlns:r="http://schemas.openxmlformats.org/officeDocument/2006/relationships" xmlns:p="http://schemas.openxmlformats.org/presentationml/2006/main">
+  <p:cSld>
+    <p:spTree>
+      <p:nvGrpSpPr>
+        <p:cNvPr id="1" name=""/>
+        <p:cNvGrpSpPr/>
+        <p:nvPr/>
+      </p:nvGrpSpPr>
+      <p:grpSpPr>
+        <a:xfrm>
+          <a:off x="0" y="0"/>
+          <a:ext cx="0" cy="0"/>
+          <a:chOff x="0" y="0"/>
+          <a:chExt cx="0" cy="0"/>
+        </a:xfrm>
+      </p:grpSpPr>
+      <p:sp>
+        <p:nvSpPr>
+          <p:cNvPr id="2" name="Title 1"/>
+          <p:cNvSpPr>
+            <a:spLocks noGrp="1"/>
+          </p:cNvSpPr>
+          <p:nvPr>
+            <p:ph type="title"/>
+          </p:nvPr>
+        </p:nvSpPr>
+        <p:spPr/>
+        <p:txBody>
+          <a:bodyPr/>
+          <a:lstStyle/>
+          <a:p>
+            <a:r>
+              <a:rPr lang="en-US" dirty="0" smtClean="0"/>
+              <a:t>Parameters section</a:t>
+            </a:r>
+            <a:endParaRPr lang="en-US" dirty="0"/>
+          </a:p>
+        </p:txBody>
+      </p:sp>
+      <p:sp>
+        <p:nvSpPr>
+          <p:cNvPr id="3" name="Content Placeholder 2"/>
+          <p:cNvSpPr>
+            <a:spLocks noGrp="1"/>
+          </p:cNvSpPr>
+          <p:nvPr>
+            <p:ph idx="1"/>
+          </p:nvPr>
+        </p:nvSpPr>
+        <p:spPr>
+          <a:xfrm>
+            <a:off x="457200" y="1600200"/>
+            <a:ext cx="8229600" cy="4929088"/>
+          </a:xfrm>
+        </p:spPr>
+        <p:txBody>
+          <a:bodyPr>
+            <a:normAutofit fontScale="85000" lnSpcReduction="20000"/>
+          </a:bodyPr>
+          <a:lstStyle/>
+          <a:p>
+            <a:pPr marL="0" indent="0">
+              <a:buNone/>
+            </a:pPr>
+            <a:r>
+              <a:rPr lang="en-US" sz="2400" dirty="0" smtClean="0"/>
+              <a:t>“Parameters” {</a:t>
+            </a:r>
+          </a:p>
+          <a:p>
+            <a:pPr marL="0" indent="0">
+              <a:buNone/>
+            </a:pPr>
+            <a:r>
+              <a:rPr lang="en-US" sz="2400" dirty="0" smtClean="0"/>
+              <a:t>	“</a:t>
+            </a:r>
+            <a:r>
+              <a:rPr lang="en-US" sz="2400" b="1" dirty="0" err="1" smtClean="0"/>
+              <a:t>InstanceTypeParameter</a:t>
+            </a:r>
+            <a:r>
+              <a:rPr lang="en-US" sz="2400" dirty="0" smtClean="0"/>
+              <a:t>” : {</a:t>
+            </a:r>
+          </a:p>
+          <a:p>
+            <a:pPr marL="0" indent="0">
+              <a:buNone/>
+            </a:pPr>
+            <a:r>
+              <a:rPr lang="en-US" sz="2400" dirty="0"/>
+              <a:t>	</a:t>
+            </a:r>
+            <a:r>
+              <a:rPr lang="en-US" sz="2400" dirty="0" smtClean="0"/>
+              <a:t>“Type” : “String”,</a:t>
+            </a:r>
+          </a:p>
+          <a:p>
+            <a:pPr marL="0" indent="0">
+              <a:buNone/>
+            </a:pPr>
+            <a:r>
+              <a:rPr lang="en-US" sz="2400" dirty="0"/>
+              <a:t>	</a:t>
+            </a:r>
+            <a:r>
+              <a:rPr lang="en-US" sz="2400" dirty="0" smtClean="0"/>
+              <a:t>“Default” : “t2.micro”,</a:t>
+            </a:r>
+          </a:p>
+          <a:p>
+            <a:pPr marL="0" indent="0">
+              <a:buNone/>
+            </a:pPr>
+            <a:r>
+              <a:rPr lang="en-US" sz="2400" dirty="0"/>
+              <a:t>	</a:t>
+            </a:r>
+            <a:r>
+              <a:rPr lang="en-US" sz="2400" dirty="0" smtClean="0"/>
+              <a:t>“</a:t>
+            </a:r>
+            <a:r>
+              <a:rPr lang="en-US" sz="2400" dirty="0" err="1" smtClean="0"/>
+              <a:t>AllowedValues</a:t>
+            </a:r>
+            <a:r>
+              <a:rPr lang="en-US" sz="2400" dirty="0" smtClean="0"/>
+              <a:t>” : [“t2.micro”, “t2.small”, “t2.medium”},</a:t>
+            </a:r>
+          </a:p>
+          <a:p>
+            <a:pPr marL="0" indent="0">
+              <a:buNone/>
+            </a:pPr>
+            <a:r>
+              <a:rPr lang="en-US" sz="2400" dirty="0"/>
+              <a:t>	</a:t>
+            </a:r>
+            <a:r>
+              <a:rPr lang="en-US" sz="2400" dirty="0" smtClean="0"/>
+              <a:t>“Description” : “Enter the instance type (t2.micro, t2.small, or t2.medium).”</a:t>
+            </a:r>
+          </a:p>
+          <a:p>
+            <a:pPr marL="0" indent="0">
+              <a:buNone/>
+            </a:pPr>
+            <a:r>
+              <a:rPr lang="en-US" sz="2400" dirty="0"/>
+              <a:t>	</a:t>
+            </a:r>
+            <a:r>
+              <a:rPr lang="en-US" sz="2400" dirty="0" smtClean="0"/>
+              <a:t>}</a:t>
+            </a:r>
+          </a:p>
+          <a:p>
+            <a:pPr marL="0" indent="0">
+              <a:buNone/>
+            </a:pPr>
+            <a:r>
+              <a:rPr lang="en-US" sz="2400" dirty="0" smtClean="0"/>
+              <a:t>}</a:t>
+            </a:r>
+          </a:p>
+          <a:p>
+            <a:pPr marL="0" indent="0">
+              <a:buNone/>
+            </a:pPr>
+            <a:endParaRPr lang="en-US" sz="2400" dirty="0" smtClean="0"/>
+          </a:p>
+          <a:p>
+            <a:pPr marL="0" indent="0">
+              <a:buNone/>
+            </a:pPr>
+            <a:r>
+              <a:rPr lang="en-US" sz="2400" dirty="0" smtClean="0"/>
+              <a:t>“Ec2Instance” : {</a:t>
+            </a:r>
+          </a:p>
+          <a:p>
+            <a:pPr marL="0" indent="0">
+              <a:buNone/>
+            </a:pPr>
+            <a:r>
+              <a:rPr lang="en-US" sz="2400" dirty="0" smtClean="0"/>
+              <a:t>	“Type” : “AWS::EC2::Instance”,</a:t>
+            </a:r>
+          </a:p>
+          <a:p>
+            <a:pPr marL="0" indent="0">
+              <a:buNone/>
+            </a:pPr>
+            <a:r>
+              <a:rPr lang="en-US" sz="2400" dirty="0"/>
+              <a:t>	</a:t>
+            </a:r>
+            <a:r>
+              <a:rPr lang="en-US" sz="2400" dirty="0" smtClean="0"/>
+              <a:t>“Properties” : {</a:t>
+            </a:r>
+          </a:p>
+          <a:p>
+            <a:pPr marL="0" indent="0">
+              <a:buNone/>
+            </a:pPr>
+            <a:r>
+              <a:rPr lang="en-US" sz="2400" dirty="0"/>
+              <a:t>	</a:t>
+            </a:r>
+            <a:r>
+              <a:rPr lang="en-US" sz="2400" dirty="0" smtClean="0"/>
+              <a:t>	“</a:t>
+            </a:r>
+            <a:r>
+              <a:rPr lang="en-US" sz="2400" dirty="0" err="1" smtClean="0"/>
+              <a:t>InstanceType</a:t>
+            </a:r>
+            <a:r>
+              <a:rPr lang="en-US" sz="2400" dirty="0" smtClean="0"/>
+              <a:t>” : { “Ref” : “</a:t>
+            </a:r>
+            <a:r>
+              <a:rPr lang="en-US" sz="2400" b="1" dirty="0" err="1" smtClean="0"/>
+              <a:t>InstanceTypeParameter</a:t>
+            </a:r>
+            <a:r>
+              <a:rPr lang="en-US" sz="2400" dirty="0" smtClean="0"/>
+              <a:t>” },</a:t>
+            </a:r>
+          </a:p>
+          <a:p>
+            <a:pPr marL="0" indent="0">
+              <a:buNone/>
+            </a:pPr>
+            <a:r>
+              <a:rPr lang="en-US" sz="2400" dirty="0"/>
+              <a:t>	</a:t>
+            </a:r>
+            <a:r>
+              <a:rPr lang="en-US" sz="2400" dirty="0" smtClean="0"/>
+              <a:t>	“</a:t>
+            </a:r>
+            <a:r>
+              <a:rPr lang="en-US" sz="2400" dirty="0" err="1" smtClean="0"/>
+              <a:t>ImageId</a:t>
+            </a:r>
+            <a:r>
+              <a:rPr lang="en-US" sz="2400" dirty="0" smtClean="0"/>
+              <a:t>” : “ami-398de234”</a:t>
+            </a:r>
+          </a:p>
+          <a:p>
+            <a:pPr marL="0" indent="0">
+              <a:buNone/>
+            </a:pPr>
+            <a:r>
+              <a:rPr lang="en-US" sz="2400" dirty="0"/>
+              <a:t>	</a:t>
+            </a:r>
+            <a:r>
+              <a:rPr lang="en-US" sz="2400" dirty="0" smtClean="0"/>
+              <a:t>}</a:t>
+            </a:r>
+            <a:endParaRPr lang="en-US" sz="2400" dirty="0"/>
+          </a:p>
+          <a:p>
+            <a:pPr marL="0" indent="0">
+              <a:buNone/>
+            </a:pPr>
+            <a:r>
+              <a:rPr lang="en-US" sz="2400" dirty="0" smtClean="0"/>
+              <a:t>}</a:t>
+            </a:r>
+            <a:endParaRPr lang="en-US" sz="2400" dirty="0"/>
+          </a:p>
+        </p:txBody>
+      </p:sp>
+    </p:spTree>
+    <p:extLst>
+      <p:ext uri="{BB962C8B-B14F-4D97-AF65-F5344CB8AC3E}">
+        <p14:creationId xmlns:p14="http://schemas.microsoft.com/office/powerpoint/2010/main" val="242875980"/>
       </p:ext>
     </p:extLst>
   </p:cSld>

--- a/infrastructure-week-9.pptx
+++ b/infrastructure-week-9.pptx
@@ -9,18 +9,34 @@
     <p:sldId id="257" r:id="rId3"/>
     <p:sldId id="259" r:id="rId4"/>
     <p:sldId id="260" r:id="rId5"/>
-    <p:sldId id="261" r:id="rId6"/>
-    <p:sldId id="269" r:id="rId7"/>
-    <p:sldId id="270" r:id="rId8"/>
-    <p:sldId id="263" r:id="rId9"/>
-    <p:sldId id="264" r:id="rId10"/>
-    <p:sldId id="271" r:id="rId11"/>
-    <p:sldId id="265" r:id="rId12"/>
-    <p:sldId id="266" r:id="rId13"/>
-    <p:sldId id="267" r:id="rId14"/>
-    <p:sldId id="268" r:id="rId15"/>
-    <p:sldId id="262" r:id="rId16"/>
-    <p:sldId id="258" r:id="rId17"/>
+    <p:sldId id="283" r:id="rId6"/>
+    <p:sldId id="284" r:id="rId7"/>
+    <p:sldId id="285" r:id="rId8"/>
+    <p:sldId id="261" r:id="rId9"/>
+    <p:sldId id="272" r:id="rId10"/>
+    <p:sldId id="276" r:id="rId11"/>
+    <p:sldId id="277" r:id="rId12"/>
+    <p:sldId id="269" r:id="rId13"/>
+    <p:sldId id="270" r:id="rId14"/>
+    <p:sldId id="263" r:id="rId15"/>
+    <p:sldId id="271" r:id="rId16"/>
+    <p:sldId id="264" r:id="rId17"/>
+    <p:sldId id="274" r:id="rId18"/>
+    <p:sldId id="265" r:id="rId19"/>
+    <p:sldId id="266" r:id="rId20"/>
+    <p:sldId id="267" r:id="rId21"/>
+    <p:sldId id="268" r:id="rId22"/>
+    <p:sldId id="262" r:id="rId23"/>
+    <p:sldId id="278" r:id="rId24"/>
+    <p:sldId id="279" r:id="rId25"/>
+    <p:sldId id="273" r:id="rId26"/>
+    <p:sldId id="275" r:id="rId27"/>
+    <p:sldId id="281" r:id="rId28"/>
+    <p:sldId id="282" r:id="rId29"/>
+    <p:sldId id="280" r:id="rId30"/>
+    <p:sldId id="286" r:id="rId31"/>
+    <p:sldId id="287" r:id="rId32"/>
+    <p:sldId id="258" r:id="rId33"/>
   </p:sldIdLst>
   <p:sldSz cx="9144000" cy="6858000" type="screen4x3"/>
   <p:notesSz cx="6858000" cy="9144000"/>
@@ -3300,7 +3316,7 @@
           <a:p>
             <a:r>
               <a:rPr lang="en-US" dirty="0" smtClean="0"/>
-              <a:t>Parameters section</a:t>
+              <a:t>Intrinsic functions</a:t>
             </a:r>
             <a:endParaRPr lang="en-US" dirty="0"/>
           </a:p>
@@ -3316,35 +3332,65 @@
             <p:ph idx="1"/>
           </p:nvPr>
         </p:nvSpPr>
-        <p:spPr>
-          <a:xfrm>
-            <a:off x="457200" y="1600200"/>
-            <a:ext cx="8229600" cy="4872898"/>
-          </a:xfrm>
-        </p:spPr>
+        <p:spPr/>
         <p:txBody>
           <a:bodyPr>
-            <a:normAutofit fontScale="77500" lnSpcReduction="20000"/>
+            <a:normAutofit fontScale="55000" lnSpcReduction="20000"/>
           </a:bodyPr>
           <a:lstStyle/>
           <a:p>
             <a:r>
-              <a:rPr lang="en-US" dirty="0" smtClean="0"/>
-              <a:t>Useful properties (not a complete list):</a:t>
-            </a:r>
-          </a:p>
-          <a:p>
-            <a:endParaRPr lang="en-US" dirty="0" smtClean="0"/>
+              <a:rPr lang="en-US" dirty="0" err="1" smtClean="0"/>
+              <a:t>Fn</a:t>
+            </a:r>
+            <a:r>
+              <a:rPr lang="en-US" dirty="0" smtClean="0"/>
+              <a:t>::Base64</a:t>
+            </a:r>
           </a:p>
           <a:p>
             <a:pPr lvl="1"/>
             <a:r>
-              <a:rPr lang="en-US" b="1" dirty="0" err="1" smtClean="0"/>
-              <a:t>AllowedValues</a:t>
-            </a:r>
-            <a:r>
-              <a:rPr lang="en-US" dirty="0" smtClean="0"/>
-              <a:t>: an array containing list of values allowed for the parameter.</a:t>
+              <a:rPr lang="en-US" dirty="0"/>
+              <a:t>R</a:t>
+            </a:r>
+            <a:r>
+              <a:rPr lang="en-US" dirty="0" smtClean="0"/>
+              <a:t>eturns the Base64 representation of a string.</a:t>
+            </a:r>
+          </a:p>
+          <a:p>
+            <a:pPr lvl="1"/>
+            <a:r>
+              <a:rPr lang="en-US" dirty="0"/>
+              <a:t>T</a:t>
+            </a:r>
+            <a:r>
+              <a:rPr lang="en-US" dirty="0" smtClean="0"/>
+              <a:t>ypically used for passing </a:t>
+            </a:r>
+            <a:r>
+              <a:rPr lang="en-US" dirty="0" err="1" smtClean="0"/>
+              <a:t>userdata</a:t>
+            </a:r>
+            <a:r>
+              <a:rPr lang="en-US" dirty="0" smtClean="0"/>
+              <a:t> to an EC2 instance.</a:t>
+            </a:r>
+          </a:p>
+          <a:p>
+            <a:pPr lvl="1"/>
+            <a:r>
+              <a:rPr lang="en-US" dirty="0" smtClean="0"/>
+              <a:t>{ “</a:t>
+            </a:r>
+            <a:r>
+              <a:rPr lang="en-US" dirty="0" err="1" smtClean="0"/>
+              <a:t>Fn</a:t>
+            </a:r>
+            <a:r>
+              <a:rPr lang="en-US" dirty="0" smtClean="0"/>
+              <a:t>::Base64” : “SEIS 665” }</a:t>
             </a:r>
           </a:p>
           <a:p>
@@ -3352,14 +3398,68 @@
             <a:endParaRPr lang="en-US" dirty="0" smtClean="0"/>
           </a:p>
           <a:p>
+            <a:r>
+              <a:rPr lang="en-US" dirty="0" err="1" smtClean="0"/>
+              <a:t>Fn:FindInMap</a:t>
+            </a:r>
+            <a:endParaRPr lang="en-US" dirty="0"/>
+          </a:p>
+          <a:p>
             <a:pPr lvl="1"/>
             <a:r>
-              <a:rPr lang="en-US" b="1" dirty="0" smtClean="0"/>
-              <a:t>Default</a:t>
-            </a:r>
-            <a:r>
-              <a:rPr lang="en-US" dirty="0" smtClean="0"/>
-              <a:t>: the value used for the property if no value is specified.</a:t>
+              <a:rPr lang="en-US" dirty="0" smtClean="0"/>
+              <a:t>Returns the value corresponding to keys in a map</a:t>
+            </a:r>
+          </a:p>
+          <a:p>
+            <a:pPr lvl="1"/>
+            <a:r>
+              <a:rPr lang="en-US" dirty="0"/>
+              <a:t>"</a:t>
+            </a:r>
+            <a:r>
+              <a:rPr lang="en-US" dirty="0" err="1"/>
+              <a:t>Fn</a:t>
+            </a:r>
+            <a:r>
+              <a:rPr lang="en-US" dirty="0"/>
+              <a:t>::</a:t>
+            </a:r>
+            <a:r>
+              <a:rPr lang="en-US" dirty="0" err="1"/>
+              <a:t>FindInMap</a:t>
+            </a:r>
+            <a:r>
+              <a:rPr lang="en-US" dirty="0"/>
+              <a:t>" : [ "</a:t>
+            </a:r>
+            <a:r>
+              <a:rPr lang="en-US" i="1" dirty="0" err="1"/>
+              <a:t>MapName</a:t>
+            </a:r>
+            <a:r>
+              <a:rPr lang="en-US" dirty="0"/>
+              <a:t>", "</a:t>
+            </a:r>
+            <a:r>
+              <a:rPr lang="en-US" i="1" dirty="0" err="1"/>
+              <a:t>TopLevelKey</a:t>
+            </a:r>
+            <a:r>
+              <a:rPr lang="en-US" dirty="0"/>
+              <a:t>", "</a:t>
+            </a:r>
+            <a:r>
+              <a:rPr lang="en-US" i="1" dirty="0" err="1"/>
+              <a:t>SecondLevelKey</a:t>
+            </a:r>
+            <a:r>
+              <a:rPr lang="en-US" dirty="0"/>
+              <a:t>"</a:t>
+            </a:r>
+            <a:r>
+              <a:rPr lang="en-US" dirty="0" smtClean="0"/>
+              <a:t>]</a:t>
             </a:r>
           </a:p>
           <a:p>
@@ -3367,14 +3467,60 @@
             <a:endParaRPr lang="en-US" dirty="0" smtClean="0"/>
           </a:p>
           <a:p>
+            <a:r>
+              <a:rPr lang="en-US" dirty="0" err="1" smtClean="0"/>
+              <a:t>Fn:GetAtt</a:t>
+            </a:r>
+            <a:endParaRPr lang="en-US" dirty="0" smtClean="0"/>
+          </a:p>
+          <a:p>
             <a:pPr lvl="1"/>
             <a:r>
-              <a:rPr lang="en-US" b="1" dirty="0" smtClean="0"/>
-              <a:t>Description</a:t>
-            </a:r>
-            <a:r>
-              <a:rPr lang="en-US" dirty="0" smtClean="0"/>
-              <a:t>: a string describing the parameter.</a:t>
+              <a:rPr lang="en-US" dirty="0" smtClean="0"/>
+              <a:t>Returns the value of an attribute from a resource in the template.</a:t>
+            </a:r>
+          </a:p>
+          <a:p>
+            <a:pPr lvl="1"/>
+            <a:r>
+              <a:rPr lang="en-US" dirty="0"/>
+              <a:t>"</a:t>
+            </a:r>
+            <a:r>
+              <a:rPr lang="en-US" dirty="0" err="1"/>
+              <a:t>Fn</a:t>
+            </a:r>
+            <a:r>
+              <a:rPr lang="en-US" dirty="0"/>
+              <a:t>::</a:t>
+            </a:r>
+            <a:r>
+              <a:rPr lang="en-US" dirty="0" err="1"/>
+              <a:t>GetAtt</a:t>
+            </a:r>
+            <a:r>
+              <a:rPr lang="en-US" dirty="0"/>
+              <a:t>" : [ "</a:t>
+            </a:r>
+            <a:r>
+              <a:rPr lang="en-US" dirty="0" err="1"/>
+              <a:t>MyLB</a:t>
+            </a:r>
+            <a:r>
+              <a:rPr lang="en-US" dirty="0"/>
+              <a:t>" , "</a:t>
+            </a:r>
+            <a:r>
+              <a:rPr lang="en-US" dirty="0" err="1"/>
+              <a:t>DNSName</a:t>
+            </a:r>
+            <a:r>
+              <a:rPr lang="en-US" dirty="0"/>
+              <a:t>" </a:t>
+            </a:r>
+            <a:r>
+              <a:rPr lang="en-US" dirty="0" smtClean="0"/>
+              <a:t>]</a:t>
             </a:r>
           </a:p>
           <a:p>
@@ -3382,65 +3528,64 @@
             <a:endParaRPr lang="en-US" dirty="0" smtClean="0"/>
           </a:p>
           <a:p>
+            <a:r>
+              <a:rPr lang="en-US" dirty="0" err="1" smtClean="0"/>
+              <a:t>Fn:GetAZs</a:t>
+            </a:r>
+            <a:endParaRPr lang="en-US" dirty="0" smtClean="0"/>
+          </a:p>
+          <a:p>
             <a:pPr lvl="1"/>
             <a:r>
-              <a:rPr lang="en-US" b="1" dirty="0" err="1" smtClean="0"/>
-              <a:t>MaxLength</a:t>
-            </a:r>
-            <a:r>
-              <a:rPr lang="en-US" dirty="0" smtClean="0"/>
-              <a:t>/</a:t>
-            </a:r>
-            <a:r>
-              <a:rPr lang="en-US" b="1" dirty="0" err="1" smtClean="0"/>
-              <a:t>MinLength</a:t>
-            </a:r>
-            <a:r>
-              <a:rPr lang="en-US" dirty="0" smtClean="0"/>
-              <a:t>/</a:t>
-            </a:r>
-            <a:r>
-              <a:rPr lang="en-US" b="1" dirty="0" err="1" smtClean="0"/>
-              <a:t>MaxValue</a:t>
-            </a:r>
-            <a:r>
-              <a:rPr lang="en-US" dirty="0" smtClean="0"/>
-              <a:t>/</a:t>
-            </a:r>
-            <a:r>
-              <a:rPr lang="en-US" b="1" dirty="0" err="1" smtClean="0"/>
-              <a:t>MinValue</a:t>
-            </a:r>
-            <a:r>
-              <a:rPr lang="en-US" dirty="0" smtClean="0"/>
-              <a:t>: set a constraint on the input value</a:t>
+              <a:rPr lang="en-US" dirty="0" smtClean="0"/>
+              <a:t>Returns an array that lists Availability Zones for a specified region.</a:t>
+            </a:r>
+          </a:p>
+          <a:p>
+            <a:pPr lvl="1"/>
+            <a:r>
+              <a:rPr lang="de-DE" dirty="0"/>
+              <a:t>{ "</a:t>
+            </a:r>
+            <a:r>
+              <a:rPr lang="de-DE" dirty="0" err="1"/>
+              <a:t>Fn</a:t>
+            </a:r>
+            <a:r>
+              <a:rPr lang="de-DE" dirty="0"/>
+              <a:t>::</a:t>
+            </a:r>
+            <a:r>
+              <a:rPr lang="de-DE" dirty="0" err="1"/>
+              <a:t>GetAZs</a:t>
+            </a:r>
+            <a:r>
+              <a:rPr lang="de-DE" dirty="0"/>
+              <a:t>" : { "</a:t>
+            </a:r>
+            <a:r>
+              <a:rPr lang="de-DE" dirty="0" err="1"/>
+              <a:t>Ref</a:t>
+            </a:r>
+            <a:r>
+              <a:rPr lang="de-DE" dirty="0"/>
+              <a:t>" : "AWS::Region" } </a:t>
+            </a:r>
+            <a:r>
+              <a:rPr lang="de-DE" dirty="0" smtClean="0"/>
+              <a:t>}</a:t>
             </a:r>
           </a:p>
           <a:p>
             <a:pPr lvl="1"/>
             <a:endParaRPr lang="en-US" dirty="0" smtClean="0"/>
-          </a:p>
-          <a:p>
-            <a:pPr lvl="1"/>
-            <a:r>
-              <a:rPr lang="en-US" b="1" dirty="0" err="1" smtClean="0"/>
-              <a:t>NoEcho</a:t>
-            </a:r>
-            <a:r>
-              <a:rPr lang="en-US" dirty="0" smtClean="0"/>
-              <a:t>: hide the parameter value in any output logs (useful for passwords)</a:t>
-            </a:r>
-          </a:p>
-          <a:p>
-            <a:pPr lvl="1"/>
-            <a:endParaRPr lang="en-US" dirty="0"/>
           </a:p>
         </p:txBody>
       </p:sp>
     </p:spTree>
     <p:extLst>
       <p:ext uri="{BB962C8B-B14F-4D97-AF65-F5344CB8AC3E}">
-        <p14:creationId xmlns:p14="http://schemas.microsoft.com/office/powerpoint/2010/main" val="3624242507"/>
+        <p14:creationId xmlns:p14="http://schemas.microsoft.com/office/powerpoint/2010/main" val="836326745"/>
       </p:ext>
     </p:extLst>
   </p:cSld>
@@ -3484,7 +3629,7 @@
           <a:p>
             <a:r>
               <a:rPr lang="en-US" dirty="0" smtClean="0"/>
-              <a:t>Mappings section</a:t>
+              <a:t>Intrinsic Functions</a:t>
             </a:r>
             <a:endParaRPr lang="en-US" dirty="0"/>
           </a:p>
@@ -3500,58 +3645,375 @@
             <p:ph idx="1"/>
           </p:nvPr>
         </p:nvSpPr>
-        <p:spPr/>
+        <p:spPr>
+          <a:xfrm>
+            <a:off x="457200" y="1600200"/>
+            <a:ext cx="8229600" cy="5153848"/>
+          </a:xfrm>
+        </p:spPr>
         <p:txBody>
           <a:bodyPr>
-            <a:normAutofit fontScale="92500" lnSpcReduction="10000"/>
+            <a:normAutofit fontScale="55000" lnSpcReduction="20000"/>
           </a:bodyPr>
           <a:lstStyle/>
           <a:p>
             <a:r>
-              <a:rPr lang="en-US" dirty="0" smtClean="0"/>
-              <a:t>Template mappings allow the user to define a custom set of named-value pairs.</a:t>
-            </a:r>
-          </a:p>
-          <a:p>
+              <a:rPr lang="en-US" dirty="0" err="1" smtClean="0"/>
+              <a:t>Fn:Join</a:t>
+            </a:r>
             <a:endParaRPr lang="en-US" dirty="0" smtClean="0"/>
           </a:p>
           <a:p>
-            <a:r>
-              <a:rPr lang="en-US" dirty="0" smtClean="0"/>
-              <a:t>Commonly used for setting values based on different conditions, such as regions.</a:t>
-            </a:r>
-          </a:p>
-          <a:p>
             <a:pPr lvl="1"/>
             <a:r>
               <a:rPr lang="en-US" dirty="0" smtClean="0"/>
-              <a:t>Example: Set a value to an AMI ID based on the region the stack is launching into.</a:t>
+              <a:t>Appends a set of values into a single value with an optional delimiter.</a:t>
             </a:r>
           </a:p>
           <a:p>
             <a:pPr lvl="1"/>
+            <a:r>
+              <a:rPr lang="pt-BR" dirty="0"/>
+              <a:t>"</a:t>
+            </a:r>
+            <a:r>
+              <a:rPr lang="pt-BR" dirty="0" err="1"/>
+              <a:t>Fn</a:t>
+            </a:r>
+            <a:r>
+              <a:rPr lang="pt-BR" dirty="0"/>
+              <a:t>::</a:t>
+            </a:r>
+            <a:r>
+              <a:rPr lang="pt-BR" dirty="0" err="1"/>
+              <a:t>Join</a:t>
+            </a:r>
+            <a:r>
+              <a:rPr lang="pt-BR" dirty="0"/>
+              <a:t>" : [ ":", [ "a", "</a:t>
+            </a:r>
+            <a:r>
+              <a:rPr lang="pt-BR" dirty="0" err="1"/>
+              <a:t>b</a:t>
+            </a:r>
+            <a:r>
+              <a:rPr lang="pt-BR" dirty="0"/>
+              <a:t>", "</a:t>
+            </a:r>
+            <a:r>
+              <a:rPr lang="pt-BR" dirty="0" err="1"/>
+              <a:t>c</a:t>
+            </a:r>
+            <a:r>
+              <a:rPr lang="pt-BR" dirty="0"/>
+              <a:t>" ] </a:t>
+            </a:r>
+            <a:r>
+              <a:rPr lang="pt-BR" dirty="0" smtClean="0"/>
+              <a:t>]</a:t>
+            </a:r>
+          </a:p>
+          <a:p>
+            <a:pPr lvl="1"/>
+            <a:r>
+              <a:rPr lang="pt-BR" dirty="0" err="1" smtClean="0"/>
+              <a:t>Returns</a:t>
+            </a:r>
+            <a:r>
+              <a:rPr lang="pt-BR" dirty="0" smtClean="0"/>
+              <a:t>: “</a:t>
+            </a:r>
+            <a:r>
+              <a:rPr lang="pt-BR" dirty="0" err="1" smtClean="0"/>
+              <a:t>a:b:c</a:t>
+            </a:r>
+            <a:r>
+              <a:rPr lang="pt-BR" dirty="0" smtClean="0"/>
+              <a:t>”</a:t>
+            </a:r>
+          </a:p>
+          <a:p>
+            <a:pPr lvl="1"/>
+            <a:endParaRPr lang="en-US" dirty="0"/>
+          </a:p>
+          <a:p>
+            <a:r>
+              <a:rPr lang="en-US" dirty="0" err="1" smtClean="0"/>
+              <a:t>Fn:Select</a:t>
+            </a:r>
             <a:endParaRPr lang="en-US" dirty="0" smtClean="0"/>
           </a:p>
           <a:p>
-            <a:r>
-              <a:rPr lang="en-US" dirty="0" smtClean="0"/>
-              <a:t>The “</a:t>
-            </a:r>
-            <a:r>
-              <a:rPr lang="en-US" dirty="0" err="1" smtClean="0"/>
-              <a:t>FindInMap</a:t>
-            </a:r>
-            <a:r>
-              <a:rPr lang="en-US" dirty="0" smtClean="0"/>
-              <a:t>” function is used in the template to find a matching value based on a key.</a:t>
-            </a:r>
+            <a:pPr lvl="1"/>
+            <a:r>
+              <a:rPr lang="en-US" dirty="0" smtClean="0"/>
+              <a:t>Returns a single object from a list of objects.</a:t>
+            </a:r>
+          </a:p>
+          <a:p>
+            <a:pPr lvl="1"/>
+            <a:r>
+              <a:rPr lang="en-US" dirty="0"/>
+              <a:t>{ "</a:t>
+            </a:r>
+            <a:r>
+              <a:rPr lang="en-US" dirty="0" err="1"/>
+              <a:t>Fn</a:t>
+            </a:r>
+            <a:r>
+              <a:rPr lang="en-US" dirty="0"/>
+              <a:t>::Select" : [ "1", [ "apples", "grapes", "oranges", "mangoes" ] ] </a:t>
+            </a:r>
+            <a:r>
+              <a:rPr lang="en-US" dirty="0" smtClean="0"/>
+              <a:t>}</a:t>
+            </a:r>
+          </a:p>
+          <a:p>
+            <a:pPr lvl="1"/>
+            <a:r>
+              <a:rPr lang="en-US" dirty="0" smtClean="0"/>
+              <a:t>Returns: “grapes”</a:t>
+            </a:r>
+          </a:p>
+          <a:p>
+            <a:pPr lvl="1"/>
+            <a:endParaRPr lang="en-US" dirty="0"/>
+          </a:p>
+          <a:p>
+            <a:r>
+              <a:rPr lang="en-US" dirty="0" smtClean="0"/>
+              <a:t>Ref</a:t>
+            </a:r>
+          </a:p>
+          <a:p>
+            <a:pPr lvl="1"/>
+            <a:r>
+              <a:rPr lang="en-US" dirty="0" smtClean="0"/>
+              <a:t>Returns the value of the specified parameter or resource.</a:t>
+            </a:r>
+          </a:p>
+          <a:p>
+            <a:pPr lvl="1"/>
+            <a:r>
+              <a:rPr lang="en-US" dirty="0"/>
+              <a:t>"Ref" : "</a:t>
+            </a:r>
+            <a:r>
+              <a:rPr lang="en-US" i="1" dirty="0" err="1" smtClean="0">
+                <a:solidFill>
+                  <a:srgbClr val="FF0000"/>
+                </a:solidFill>
+              </a:rPr>
+              <a:t>logicalName</a:t>
+            </a:r>
+            <a:r>
+              <a:rPr lang="en-US" dirty="0" smtClean="0"/>
+              <a:t>”</a:t>
+            </a:r>
+          </a:p>
+          <a:p>
+            <a:pPr lvl="1"/>
+            <a:endParaRPr lang="en-US" dirty="0"/>
+          </a:p>
+          <a:p>
+            <a:r>
+              <a:rPr lang="en-US" dirty="0"/>
+              <a:t>Condition </a:t>
+            </a:r>
+            <a:r>
+              <a:rPr lang="en-US" dirty="0" smtClean="0"/>
+              <a:t>Functions</a:t>
+            </a:r>
+          </a:p>
+          <a:p>
+            <a:pPr lvl="1"/>
+            <a:r>
+              <a:rPr lang="en-US" dirty="0" smtClean="0"/>
+              <a:t>Used within conditions sections to conditionally create resources.</a:t>
+            </a:r>
+          </a:p>
+          <a:p>
+            <a:pPr lvl="1"/>
+            <a:r>
+              <a:rPr lang="en-US" dirty="0"/>
+              <a:t>"</a:t>
+            </a:r>
+            <a:r>
+              <a:rPr lang="en-US" dirty="0" err="1"/>
+              <a:t>Fn</a:t>
+            </a:r>
+            <a:r>
+              <a:rPr lang="en-US" dirty="0"/>
+              <a:t>::Equals" : ["</a:t>
+            </a:r>
+            <a:r>
+              <a:rPr lang="en-US" i="1" dirty="0"/>
+              <a:t>value_1</a:t>
+            </a:r>
+            <a:r>
+              <a:rPr lang="en-US" dirty="0"/>
+              <a:t>", "</a:t>
+            </a:r>
+            <a:r>
+              <a:rPr lang="en-US" i="1" dirty="0"/>
+              <a:t>value_2</a:t>
+            </a:r>
+            <a:r>
+              <a:rPr lang="en-US" dirty="0"/>
+              <a:t>"</a:t>
+            </a:r>
+            <a:r>
+              <a:rPr lang="en-US" dirty="0" smtClean="0"/>
+              <a:t>]</a:t>
+            </a:r>
+          </a:p>
+          <a:p>
+            <a:pPr lvl="1"/>
+            <a:r>
+              <a:rPr lang="en-US" dirty="0"/>
+              <a:t>"</a:t>
+            </a:r>
+            <a:r>
+              <a:rPr lang="en-US" dirty="0" err="1"/>
+              <a:t>Fn</a:t>
+            </a:r>
+            <a:r>
+              <a:rPr lang="en-US" dirty="0"/>
+              <a:t>::If": [</a:t>
+            </a:r>
+            <a:r>
+              <a:rPr lang="en-US" i="1" dirty="0" err="1"/>
+              <a:t>condition_name</a:t>
+            </a:r>
+            <a:r>
+              <a:rPr lang="en-US" dirty="0"/>
+              <a:t>, </a:t>
+            </a:r>
+            <a:r>
+              <a:rPr lang="en-US" i="1" dirty="0" err="1"/>
+              <a:t>value_if_true</a:t>
+            </a:r>
+            <a:r>
+              <a:rPr lang="en-US" dirty="0"/>
+              <a:t>, </a:t>
+            </a:r>
+            <a:r>
+              <a:rPr lang="en-US" i="1" dirty="0" err="1"/>
+              <a:t>value_if_false</a:t>
+            </a:r>
+            <a:r>
+              <a:rPr lang="en-US" dirty="0" smtClean="0"/>
+              <a:t>]</a:t>
+            </a:r>
+          </a:p>
+          <a:p>
+            <a:pPr lvl="1"/>
+            <a:r>
+              <a:rPr lang="en-US" dirty="0"/>
+              <a:t>"</a:t>
+            </a:r>
+            <a:r>
+              <a:rPr lang="en-US" dirty="0" err="1"/>
+              <a:t>Fn</a:t>
+            </a:r>
+            <a:r>
+              <a:rPr lang="en-US" dirty="0"/>
+              <a:t>::And": [{</a:t>
+            </a:r>
+            <a:r>
+              <a:rPr lang="en-US" i="1" dirty="0"/>
+              <a:t>condition</a:t>
+            </a:r>
+            <a:r>
+              <a:rPr lang="en-US" dirty="0"/>
+              <a:t>}, {</a:t>
+            </a:r>
+            <a:r>
+              <a:rPr lang="en-US" i="1" dirty="0"/>
+              <a:t>...</a:t>
+            </a:r>
+            <a:r>
+              <a:rPr lang="en-US" dirty="0"/>
+              <a:t>}</a:t>
+            </a:r>
+            <a:r>
+              <a:rPr lang="en-US" dirty="0" smtClean="0"/>
+              <a:t>]</a:t>
+            </a:r>
+          </a:p>
+          <a:p>
+            <a:pPr lvl="1"/>
+            <a:r>
+              <a:rPr lang="en-US" dirty="0"/>
+              <a:t>"</a:t>
+            </a:r>
+            <a:r>
+              <a:rPr lang="en-US" dirty="0" err="1"/>
+              <a:t>Fn</a:t>
+            </a:r>
+            <a:r>
+              <a:rPr lang="en-US" dirty="0"/>
+              <a:t>::Or": [{</a:t>
+            </a:r>
+            <a:r>
+              <a:rPr lang="en-US" i="1" dirty="0"/>
+              <a:t>condition</a:t>
+            </a:r>
+            <a:r>
+              <a:rPr lang="en-US" dirty="0"/>
+              <a:t>}, {</a:t>
+            </a:r>
+            <a:r>
+              <a:rPr lang="en-US" i="1" dirty="0"/>
+              <a:t>...</a:t>
+            </a:r>
+            <a:r>
+              <a:rPr lang="en-US" dirty="0"/>
+              <a:t>}</a:t>
+            </a:r>
+            <a:r>
+              <a:rPr lang="en-US" dirty="0" smtClean="0"/>
+              <a:t>]</a:t>
+            </a:r>
+          </a:p>
+          <a:p>
+            <a:pPr lvl="1"/>
+            <a:r>
+              <a:rPr lang="en-US" dirty="0"/>
+              <a:t>"</a:t>
+            </a:r>
+            <a:r>
+              <a:rPr lang="en-US" dirty="0" err="1"/>
+              <a:t>Fn</a:t>
+            </a:r>
+            <a:r>
+              <a:rPr lang="en-US" dirty="0"/>
+              <a:t>::Not": [{</a:t>
+            </a:r>
+            <a:r>
+              <a:rPr lang="en-US" i="1" dirty="0"/>
+              <a:t>condition</a:t>
+            </a:r>
+            <a:r>
+              <a:rPr lang="en-US" dirty="0"/>
+              <a:t>}]</a:t>
+            </a:r>
+            <a:endParaRPr lang="en-US" dirty="0" smtClean="0"/>
+          </a:p>
+          <a:p>
+            <a:pPr lvl="1"/>
+            <a:endParaRPr lang="en-US" dirty="0"/>
+          </a:p>
+          <a:p>
+            <a:endParaRPr lang="en-US" dirty="0"/>
           </a:p>
         </p:txBody>
       </p:sp>
     </p:spTree>
     <p:extLst>
       <p:ext uri="{BB962C8B-B14F-4D97-AF65-F5344CB8AC3E}">
-        <p14:creationId xmlns:p14="http://schemas.microsoft.com/office/powerpoint/2010/main" val="3704288103"/>
+        <p14:creationId xmlns:p14="http://schemas.microsoft.com/office/powerpoint/2010/main" val="1245427089"/>
       </p:ext>
     </p:extLst>
   </p:cSld>
@@ -3590,166 +4052,54 @@
         </p:nvSpPr>
         <p:spPr/>
         <p:txBody>
-          <a:bodyPr/>
-          <a:lstStyle/>
-          <a:p>
-            <a:r>
-              <a:rPr lang="en-US" dirty="0" smtClean="0"/>
-              <a:t>Mappings section</a:t>
-            </a:r>
-            <a:endParaRPr lang="en-US" dirty="0"/>
-          </a:p>
-        </p:txBody>
-      </p:sp>
-      <p:sp>
-        <p:nvSpPr>
-          <p:cNvPr id="3" name="Content Placeholder 2"/>
-          <p:cNvSpPr>
-            <a:spLocks noGrp="1"/>
-          </p:cNvSpPr>
-          <p:nvPr>
-            <p:ph idx="1"/>
-          </p:nvPr>
-        </p:nvSpPr>
-        <p:spPr>
-          <a:xfrm>
-            <a:off x="457200" y="1600200"/>
-            <a:ext cx="8229600" cy="5075182"/>
-          </a:xfrm>
-        </p:spPr>
-        <p:txBody>
           <a:bodyPr>
-            <a:normAutofit fontScale="70000" lnSpcReduction="20000"/>
+            <a:normAutofit fontScale="90000"/>
           </a:bodyPr>
           <a:lstStyle/>
           <a:p>
-            <a:pPr marL="0" indent="0">
-              <a:buNone/>
-            </a:pPr>
-            <a:r>
-              <a:rPr lang="en-US" dirty="0" smtClean="0"/>
-              <a:t>“Mappings” : {</a:t>
-            </a:r>
-          </a:p>
-          <a:p>
-            <a:pPr marL="0" indent="0">
-              <a:buNone/>
-            </a:pPr>
-            <a:r>
-              <a:rPr lang="en-US" dirty="0"/>
-              <a:t>	</a:t>
-            </a:r>
-            <a:r>
-              <a:rPr lang="en-US" dirty="0" smtClean="0"/>
-              <a:t>“</a:t>
+            <a:r>
+              <a:rPr lang="en-US" dirty="0" smtClean="0"/>
+              <a:t>Format Version &amp; Description sections</a:t>
+            </a:r>
+            <a:endParaRPr lang="en-US" dirty="0"/>
+          </a:p>
+        </p:txBody>
+      </p:sp>
+      <p:sp>
+        <p:nvSpPr>
+          <p:cNvPr id="3" name="Content Placeholder 2"/>
+          <p:cNvSpPr>
+            <a:spLocks noGrp="1"/>
+          </p:cNvSpPr>
+          <p:nvPr>
+            <p:ph idx="1"/>
+          </p:nvPr>
+        </p:nvSpPr>
+        <p:spPr/>
+        <p:txBody>
+          <a:bodyPr>
+            <a:normAutofit fontScale="85000" lnSpcReduction="20000"/>
+          </a:bodyPr>
+          <a:lstStyle/>
+          <a:p>
+            <a:r>
+              <a:rPr lang="en-US" dirty="0" smtClean="0"/>
+              <a:t>The optional </a:t>
             </a:r>
             <a:r>
               <a:rPr lang="en-US" dirty="0" err="1" smtClean="0"/>
-              <a:t>RegionMap</a:t>
-            </a:r>
-            <a:r>
-              <a:rPr lang="en-US" dirty="0" smtClean="0"/>
-              <a:t>” : {</a:t>
-            </a:r>
-          </a:p>
-          <a:p>
-            <a:pPr marL="0" indent="0">
-              <a:buNone/>
-            </a:pPr>
-            <a:r>
-              <a:rPr lang="en-US" dirty="0"/>
-              <a:t>	</a:t>
-            </a:r>
-            <a:r>
-              <a:rPr lang="en-US" dirty="0" smtClean="0"/>
-              <a:t>	“us-east-1” : {</a:t>
-            </a:r>
-          </a:p>
-          <a:p>
-            <a:pPr marL="0" indent="0">
-              <a:buNone/>
-            </a:pPr>
-            <a:r>
-              <a:rPr lang="en-US" dirty="0"/>
-              <a:t>	</a:t>
-            </a:r>
-            <a:r>
-              <a:rPr lang="en-US" dirty="0" smtClean="0"/>
-              <a:t>		“AMI” : “ami-38293ea”</a:t>
-            </a:r>
-          </a:p>
-          <a:p>
-            <a:pPr marL="0" indent="0">
-              <a:buNone/>
-            </a:pPr>
-            <a:r>
-              <a:rPr lang="en-US" dirty="0"/>
-              <a:t>	</a:t>
-            </a:r>
-            <a:r>
-              <a:rPr lang="en-US" dirty="0" smtClean="0"/>
-              <a:t>	},</a:t>
-            </a:r>
-          </a:p>
-          <a:p>
-            <a:pPr marL="0" indent="0">
-              <a:buNone/>
-            </a:pPr>
-            <a:r>
-              <a:rPr lang="en-US" dirty="0"/>
-              <a:t>	</a:t>
-            </a:r>
-            <a:r>
-              <a:rPr lang="en-US" dirty="0" smtClean="0"/>
-              <a:t>	“us-west-1” : {</a:t>
-            </a:r>
-          </a:p>
-          <a:p>
-            <a:pPr marL="0" indent="0">
-              <a:buNone/>
-            </a:pPr>
-            <a:r>
-              <a:rPr lang="en-US" dirty="0"/>
-              <a:t>	</a:t>
-            </a:r>
-            <a:r>
-              <a:rPr lang="en-US" dirty="0" smtClean="0"/>
-              <a:t>		“AMI” : “ami-3d3e22a”</a:t>
-            </a:r>
-          </a:p>
-          <a:p>
-            <a:pPr marL="0" indent="0">
-              <a:buNone/>
-            </a:pPr>
-            <a:r>
-              <a:rPr lang="en-US" dirty="0"/>
-              <a:t>	</a:t>
-            </a:r>
-            <a:r>
-              <a:rPr lang="en-US" dirty="0" smtClean="0"/>
-              <a:t>	}</a:t>
-            </a:r>
-          </a:p>
-          <a:p>
-            <a:pPr marL="0" indent="0">
-              <a:buNone/>
-            </a:pPr>
-            <a:r>
-              <a:rPr lang="en-US" dirty="0"/>
-              <a:t>	</a:t>
-            </a:r>
-            <a:r>
-              <a:rPr lang="en-US" dirty="0" smtClean="0"/>
-              <a:t>}</a:t>
-            </a:r>
-          </a:p>
-          <a:p>
-            <a:pPr marL="0" indent="0">
-              <a:buNone/>
-            </a:pPr>
-            <a:r>
-              <a:rPr lang="en-US" dirty="0" smtClean="0"/>
-              <a:t>}</a:t>
+              <a:t>AWSTemplateFormatVersion</a:t>
+            </a:r>
+            <a:r>
+              <a:rPr lang="en-US" dirty="0" smtClean="0"/>
+              <a:t> section specifies the template version to use.</a:t>
+            </a:r>
+          </a:p>
+          <a:p>
+            <a:pPr lvl="1"/>
+            <a:r>
+              <a:rPr lang="en-US" dirty="0" smtClean="0"/>
+              <a:t>Defaults to “2010-09-09” version.</a:t>
             </a:r>
           </a:p>
           <a:p>
@@ -3762,6 +4112,61 @@
             <a:pPr marL="0" indent="0">
               <a:buNone/>
             </a:pPr>
+            <a:r>
+              <a:rPr lang="en-US" sz="2600" dirty="0" smtClean="0"/>
+              <a:t>	"</a:t>
+            </a:r>
+            <a:r>
+              <a:rPr lang="en-US" sz="2600" dirty="0" err="1"/>
+              <a:t>AWSTemplateFormatVersion</a:t>
+            </a:r>
+            <a:r>
+              <a:rPr lang="en-US" sz="2600" dirty="0"/>
+              <a:t>" : "2010-09-</a:t>
+            </a:r>
+            <a:r>
+              <a:rPr lang="en-US" sz="2600" dirty="0" smtClean="0"/>
+              <a:t>09”</a:t>
+            </a:r>
+          </a:p>
+          <a:p>
+            <a:pPr marL="0" indent="0">
+              <a:buNone/>
+            </a:pPr>
+            <a:endParaRPr lang="en-US" dirty="0" smtClean="0"/>
+          </a:p>
+          <a:p>
+            <a:r>
+              <a:rPr lang="en-US" dirty="0" smtClean="0"/>
+              <a:t>The optional Description section includes arbitrary comments about the template.</a:t>
+            </a:r>
+          </a:p>
+          <a:p>
+            <a:pPr lvl="1"/>
+            <a:r>
+              <a:rPr lang="en-US" dirty="0" smtClean="0"/>
+              <a:t>Must follow the </a:t>
+            </a:r>
+            <a:r>
+              <a:rPr lang="en-US" dirty="0" err="1" smtClean="0"/>
+              <a:t>AWSTemplateFormatVersion</a:t>
+            </a:r>
+            <a:r>
+              <a:rPr lang="en-US" dirty="0" smtClean="0"/>
+              <a:t> section</a:t>
+            </a:r>
+          </a:p>
+          <a:p>
+            <a:pPr lvl="1"/>
+            <a:r>
+              <a:rPr lang="en-US" dirty="0" smtClean="0"/>
+              <a:t>Literal string of 0-1024 characters</a:t>
+            </a:r>
+          </a:p>
+          <a:p>
+            <a:pPr marL="0" indent="0">
+              <a:buNone/>
+            </a:pPr>
             <a:endParaRPr lang="en-US" dirty="0"/>
           </a:p>
           <a:p>
@@ -3769,71 +4174,21 @@
               <a:buNone/>
             </a:pPr>
             <a:r>
+              <a:rPr lang="en-US" sz="2600" dirty="0" smtClean="0"/>
+              <a:t>	"</a:t>
+            </a:r>
+            <a:r>
               <a:rPr lang="en-US" sz="2600" dirty="0"/>
-              <a:t>“</a:t>
-            </a:r>
-            <a:r>
-              <a:rPr lang="en-US" sz="2600" dirty="0" err="1"/>
-              <a:t>ImageId</a:t>
-            </a:r>
-            <a:r>
-              <a:rPr lang="en-US" sz="2600" dirty="0"/>
-              <a:t>” : { “</a:t>
-            </a:r>
-            <a:r>
-              <a:rPr lang="en-US" sz="2600" b="1" dirty="0" err="1"/>
-              <a:t>Fn</a:t>
-            </a:r>
-            <a:r>
-              <a:rPr lang="en-US" sz="2600" b="1" dirty="0" smtClean="0"/>
-              <a:t>::</a:t>
-            </a:r>
-            <a:r>
-              <a:rPr lang="en-US" sz="2600" b="1" dirty="0" err="1" smtClean="0"/>
-              <a:t>FindInMap</a:t>
-            </a:r>
-            <a:r>
-              <a:rPr lang="en-US" sz="2600" dirty="0"/>
-              <a:t>” : [ “</a:t>
-            </a:r>
-            <a:r>
-              <a:rPr lang="en-US" sz="2600" dirty="0" err="1"/>
-              <a:t>RegionMap</a:t>
-            </a:r>
-            <a:r>
-              <a:rPr lang="en-US" sz="2600" dirty="0"/>
-              <a:t>”, { “Ref” : “AWS::Region” }, “AMI” ]}</a:t>
-            </a:r>
-          </a:p>
-          <a:p>
-            <a:pPr marL="0" indent="0">
-              <a:buNone/>
-            </a:pPr>
-            <a:endParaRPr lang="en-US" dirty="0" smtClean="0"/>
-          </a:p>
-          <a:p>
-            <a:pPr marL="0" indent="0">
-              <a:buNone/>
-            </a:pPr>
-            <a:r>
-              <a:rPr lang="en-US" dirty="0" smtClean="0"/>
-              <a:t>If AWS::Region == “us-east-1” then </a:t>
-            </a:r>
-            <a:r>
-              <a:rPr lang="en-US" dirty="0" err="1" smtClean="0"/>
-              <a:t>ImageId</a:t>
-            </a:r>
-            <a:r>
-              <a:rPr lang="en-US" dirty="0" smtClean="0"/>
-              <a:t> set to “ami-38293ea”.</a:t>
-            </a:r>
+              <a:t>Description" : "Here are some details about the template."</a:t>
+            </a:r>
+            <a:endParaRPr lang="en-US" sz="2600" dirty="0" smtClean="0"/>
           </a:p>
         </p:txBody>
       </p:sp>
     </p:spTree>
     <p:extLst>
       <p:ext uri="{BB962C8B-B14F-4D97-AF65-F5344CB8AC3E}">
-        <p14:creationId xmlns:p14="http://schemas.microsoft.com/office/powerpoint/2010/main" val="3300923973"/>
+        <p14:creationId xmlns:p14="http://schemas.microsoft.com/office/powerpoint/2010/main" val="1493860789"/>
       </p:ext>
     </p:extLst>
   </p:cSld>
@@ -3877,7 +4232,7 @@
           <a:p>
             <a:r>
               <a:rPr lang="en-US" dirty="0" smtClean="0"/>
-              <a:t>Conditions section</a:t>
+              <a:t>Metadata section</a:t>
             </a:r>
             <a:endParaRPr lang="en-US" dirty="0"/>
           </a:p>
@@ -3895,39 +4250,108 @@
         </p:nvSpPr>
         <p:spPr/>
         <p:txBody>
-          <a:bodyPr/>
+          <a:bodyPr>
+            <a:normAutofit fontScale="85000" lnSpcReduction="10000"/>
+          </a:bodyPr>
           <a:lstStyle/>
           <a:p>
             <a:r>
               <a:rPr lang="en-US" dirty="0" smtClean="0"/>
-              <a:t>Template conditions control the creation of resources or the definition of properties</a:t>
-            </a:r>
-          </a:p>
-          <a:p>
+              <a:t>The optional Metadata section includes arbitrary JSON objects that provide details about the template.</a:t>
+            </a:r>
+          </a:p>
+          <a:p>
+            <a:pPr lvl="1"/>
+            <a:r>
+              <a:rPr lang="en-US" dirty="0" smtClean="0"/>
+              <a:t>Useful for documentation/ comments</a:t>
+            </a:r>
+          </a:p>
+          <a:p>
+            <a:pPr lvl="1"/>
+            <a:r>
+              <a:rPr lang="en-US" dirty="0" smtClean="0"/>
+              <a:t>A few special metadata parameters affect other CloudFormation features:</a:t>
+            </a:r>
+          </a:p>
+          <a:p>
+            <a:pPr lvl="2"/>
+            <a:r>
+              <a:rPr lang="en-US" dirty="0" smtClean="0"/>
+              <a:t>AWS::CloudFormation::</a:t>
+            </a:r>
+            <a:r>
+              <a:rPr lang="en-US" dirty="0" err="1" smtClean="0"/>
+              <a:t>Init</a:t>
+            </a:r>
+            <a:r>
+              <a:rPr lang="en-US" dirty="0" smtClean="0"/>
+              <a:t>, AWS::CloudFormation::Interface</a:t>
+            </a:r>
+          </a:p>
+          <a:p>
+            <a:pPr lvl="2"/>
             <a:endParaRPr lang="en-US" dirty="0" smtClean="0"/>
           </a:p>
           <a:p>
-            <a:r>
-              <a:rPr lang="en-US" dirty="0" smtClean="0"/>
-              <a:t>Conditions are defined by the template author and applied to resources.</a:t>
-            </a:r>
-          </a:p>
-          <a:p>
-            <a:endParaRPr lang="en-US" dirty="0" smtClean="0"/>
-          </a:p>
-          <a:p>
-            <a:r>
-              <a:rPr lang="en-US" dirty="0" smtClean="0"/>
-              <a:t>A condition must evaluate to true in order for the resources to get built.</a:t>
-            </a:r>
-            <a:endParaRPr lang="en-US" dirty="0"/>
+            <a:pPr marL="0" indent="0">
+              <a:buNone/>
+            </a:pPr>
+            <a:r>
+              <a:rPr lang="en-US" sz="2600" dirty="0"/>
+              <a:t>"Metadata" : {</a:t>
+            </a:r>
+          </a:p>
+          <a:p>
+            <a:pPr marL="0" indent="0">
+              <a:buNone/>
+            </a:pPr>
+            <a:r>
+              <a:rPr lang="en-US" sz="2600" dirty="0"/>
+              <a:t>	</a:t>
+            </a:r>
+            <a:r>
+              <a:rPr lang="en-US" sz="2600" dirty="0" smtClean="0"/>
+              <a:t>"</a:t>
+            </a:r>
+            <a:r>
+              <a:rPr lang="en-US" sz="2600" dirty="0"/>
+              <a:t>Instances" : {"Description" : "Information about the instances"},</a:t>
+            </a:r>
+          </a:p>
+          <a:p>
+            <a:pPr marL="0" indent="0">
+              <a:buNone/>
+            </a:pPr>
+            <a:r>
+              <a:rPr lang="en-US" sz="2600" dirty="0"/>
+              <a:t>	</a:t>
+            </a:r>
+            <a:r>
+              <a:rPr lang="en-US" sz="2600" dirty="0" smtClean="0"/>
+              <a:t>"</a:t>
+            </a:r>
+            <a:r>
+              <a:rPr lang="en-US" sz="2600" dirty="0"/>
+              <a:t>Databases" : {"Description" : "Information about the databases"}</a:t>
+            </a:r>
+          </a:p>
+          <a:p>
+            <a:pPr marL="0" indent="0">
+              <a:buNone/>
+            </a:pPr>
+            <a:r>
+              <a:rPr lang="en-US" sz="2600" dirty="0"/>
+              <a:t>}</a:t>
+            </a:r>
+            <a:endParaRPr lang="en-US" sz="2600" dirty="0" smtClean="0"/>
           </a:p>
         </p:txBody>
       </p:sp>
     </p:spTree>
     <p:extLst>
       <p:ext uri="{BB962C8B-B14F-4D97-AF65-F5344CB8AC3E}">
-        <p14:creationId xmlns:p14="http://schemas.microsoft.com/office/powerpoint/2010/main" val="3813506154"/>
+        <p14:creationId xmlns:p14="http://schemas.microsoft.com/office/powerpoint/2010/main" val="1892091078"/>
       </p:ext>
     </p:extLst>
   </p:cSld>
@@ -3971,7 +4395,7 @@
           <a:p>
             <a:r>
               <a:rPr lang="en-US" dirty="0" smtClean="0"/>
-              <a:t>Conditions section</a:t>
+              <a:t>Parameters section</a:t>
             </a:r>
             <a:endParaRPr lang="en-US" dirty="0"/>
           </a:p>
@@ -3990,21 +4414,67 @@
         <p:spPr>
           <a:xfrm>
             <a:off x="457200" y="1600200"/>
-            <a:ext cx="8229600" cy="5052706"/>
+            <a:ext cx="8229600" cy="5097658"/>
           </a:xfrm>
         </p:spPr>
         <p:txBody>
           <a:bodyPr>
-            <a:normAutofit fontScale="40000" lnSpcReduction="20000"/>
+            <a:normAutofit fontScale="62500" lnSpcReduction="20000"/>
           </a:bodyPr>
           <a:lstStyle/>
           <a:p>
-            <a:pPr marL="0" indent="0">
-              <a:buNone/>
-            </a:pPr>
-            <a:r>
-              <a:rPr lang="en-US" dirty="0" smtClean="0"/>
-              <a:t>“Parameters” : {</a:t>
+            <a:r>
+              <a:rPr lang="en-US" dirty="0" smtClean="0"/>
+              <a:t>Templates allow the user to supply input parameters when launching a stack.</a:t>
+            </a:r>
+          </a:p>
+          <a:p>
+            <a:pPr lvl="1"/>
+            <a:r>
+              <a:rPr lang="en-US" dirty="0" smtClean="0"/>
+              <a:t>Parameter logical names must be unique</a:t>
+            </a:r>
+          </a:p>
+          <a:p>
+            <a:pPr lvl="1"/>
+            <a:r>
+              <a:rPr lang="en-US" dirty="0" smtClean="0"/>
+              <a:t>Logical name definition followed by a series of parameter properties</a:t>
+            </a:r>
+          </a:p>
+          <a:p>
+            <a:pPr lvl="1"/>
+            <a:r>
+              <a:rPr lang="en-US" dirty="0" smtClean="0"/>
+              <a:t>Types: String, Number, List, or AWS-specific type</a:t>
+            </a:r>
+          </a:p>
+          <a:p>
+            <a:pPr lvl="1"/>
+            <a:r>
+              <a:rPr lang="en-US" dirty="0" smtClean="0"/>
+              <a:t>Maximum of 60 parameters allowed in a template</a:t>
+            </a:r>
+          </a:p>
+          <a:p>
+            <a:endParaRPr lang="en-US" dirty="0" smtClean="0"/>
+          </a:p>
+          <a:p>
+            <a:r>
+              <a:rPr lang="en-US" dirty="0" smtClean="0"/>
+              <a:t>Input parameters are referenced within a template using the “Ref” function.</a:t>
+            </a:r>
+          </a:p>
+          <a:p>
+            <a:endParaRPr lang="en-US" dirty="0" smtClean="0"/>
+          </a:p>
+          <a:p>
+            <a:pPr marL="0" indent="0">
+              <a:buNone/>
+            </a:pPr>
+            <a:r>
+              <a:rPr lang="en-US" dirty="0"/>
+              <a:t>"Parameters" : {</a:t>
             </a:r>
           </a:p>
           <a:p>
@@ -4017,15 +4487,23 @@
             </a:r>
             <a:r>
               <a:rPr lang="en-US" dirty="0" smtClean="0"/>
-              <a:t>“</a:t>
-            </a:r>
-            <a:r>
-              <a:rPr lang="en-US" dirty="0" err="1" smtClean="0"/>
-              <a:t>EnvType</a:t>
-            </a:r>
-            <a:r>
-              <a:rPr lang="en-US" dirty="0" smtClean="0"/>
-              <a:t>” : {</a:t>
+              <a:t>"</a:t>
+            </a:r>
+            <a:r>
+              <a:rPr lang="en-US" i="1" dirty="0" err="1">
+                <a:solidFill>
+                  <a:srgbClr val="FF0000"/>
+                </a:solidFill>
+              </a:rPr>
+              <a:t>ParameterLogicalID</a:t>
+            </a:r>
+            <a:r>
+              <a:rPr lang="en-US" dirty="0"/>
+              <a:t>" : </a:t>
+            </a:r>
+            <a:r>
+              <a:rPr lang="en-US" dirty="0" smtClean="0"/>
+              <a:t>{</a:t>
             </a:r>
           </a:p>
           <a:p>
@@ -4037,336 +4515,88 @@
               <a:t>	</a:t>
             </a:r>
             <a:r>
-              <a:rPr lang="en-US" dirty="0" smtClean="0"/>
-              <a:t>	“Description” : “Environment type.”,</a:t>
-            </a:r>
-          </a:p>
-          <a:p>
-            <a:pPr marL="0" indent="0">
-              <a:buNone/>
-            </a:pPr>
-            <a:r>
-              <a:rPr lang="en-US" dirty="0"/>
+              <a:rPr lang="de-DE" dirty="0" smtClean="0"/>
+              <a:t>"</a:t>
+            </a:r>
+            <a:r>
+              <a:rPr lang="de-DE" dirty="0"/>
+              <a:t>Type" : "</a:t>
+            </a:r>
+            <a:r>
+              <a:rPr lang="de-DE" i="1" dirty="0" err="1">
+                <a:solidFill>
+                  <a:srgbClr val="FF0000"/>
+                </a:solidFill>
+              </a:rPr>
+              <a:t>DataType</a:t>
+            </a:r>
+            <a:r>
+              <a:rPr lang="de-DE" dirty="0"/>
+              <a:t>",</a:t>
+            </a:r>
+          </a:p>
+          <a:p>
+            <a:pPr marL="0" indent="0">
+              <a:buNone/>
+            </a:pPr>
+            <a:r>
+              <a:rPr lang="de-DE" dirty="0"/>
               <a:t>	</a:t>
             </a:r>
             <a:r>
-              <a:rPr lang="en-US" dirty="0" smtClean="0"/>
-              <a:t>	“Default” : “</a:t>
-            </a:r>
-            <a:r>
-              <a:rPr lang="en-US" dirty="0" err="1" smtClean="0"/>
-              <a:t>dev</a:t>
-            </a:r>
-            <a:r>
-              <a:rPr lang="en-US" dirty="0" smtClean="0"/>
-              <a:t>”,</a:t>
-            </a:r>
-          </a:p>
-          <a:p>
-            <a:pPr marL="0" indent="0">
-              <a:buNone/>
-            </a:pPr>
-            <a:r>
-              <a:rPr lang="en-US" dirty="0"/>
+              <a:rPr lang="de-DE" dirty="0" smtClean="0"/>
+              <a:t> </a:t>
+            </a:r>
+            <a:r>
+              <a:rPr lang="de-DE" dirty="0"/>
+              <a:t>"</a:t>
+            </a:r>
+            <a:r>
+              <a:rPr lang="de-DE" i="1" dirty="0" err="1">
+                <a:solidFill>
+                  <a:srgbClr val="FF0000"/>
+                </a:solidFill>
+              </a:rPr>
+              <a:t>ParameterProperty</a:t>
+            </a:r>
+            <a:r>
+              <a:rPr lang="de-DE" dirty="0"/>
+              <a:t>" : "</a:t>
+            </a:r>
+            <a:r>
+              <a:rPr lang="de-DE" i="1" dirty="0" err="1" smtClean="0">
+                <a:solidFill>
+                  <a:srgbClr val="FF0000"/>
+                </a:solidFill>
+              </a:rPr>
+              <a:t>value</a:t>
+            </a:r>
+            <a:r>
+              <a:rPr lang="de-DE" dirty="0" smtClean="0"/>
+              <a:t>“</a:t>
+            </a:r>
+            <a:endParaRPr lang="de-DE" dirty="0"/>
+          </a:p>
+          <a:p>
+            <a:pPr marL="0" indent="0">
+              <a:buNone/>
+            </a:pPr>
+            <a:r>
+              <a:rPr lang="de-DE" dirty="0"/>
               <a:t>	</a:t>
             </a:r>
             <a:r>
-              <a:rPr lang="en-US" dirty="0" smtClean="0"/>
-              <a:t>	“Type” : “String”,</a:t>
-            </a:r>
-          </a:p>
-          <a:p>
-            <a:pPr marL="0" indent="0">
-              <a:buNone/>
-            </a:pPr>
-            <a:r>
-              <a:rPr lang="en-US" dirty="0"/>
-              <a:t>	</a:t>
-            </a:r>
-            <a:r>
-              <a:rPr lang="en-US" dirty="0" smtClean="0"/>
-              <a:t>	“</a:t>
-            </a:r>
-            <a:r>
-              <a:rPr lang="en-US" dirty="0" err="1" smtClean="0"/>
-              <a:t>AllowedValues</a:t>
-            </a:r>
-            <a:r>
-              <a:rPr lang="en-US" dirty="0" smtClean="0"/>
-              <a:t>” : [“prod”, “</a:t>
-            </a:r>
-            <a:r>
-              <a:rPr lang="en-US" dirty="0" err="1" smtClean="0"/>
-              <a:t>dev</a:t>
-            </a:r>
-            <a:r>
-              <a:rPr lang="en-US" dirty="0" smtClean="0"/>
-              <a:t>”],</a:t>
-            </a:r>
-          </a:p>
-          <a:p>
-            <a:pPr marL="0" indent="0">
-              <a:buNone/>
-            </a:pPr>
-            <a:r>
-              <a:rPr lang="en-US" dirty="0"/>
-              <a:t>	</a:t>
-            </a:r>
-            <a:r>
-              <a:rPr lang="en-US" dirty="0" smtClean="0"/>
-              <a:t>	“</a:t>
-            </a:r>
-            <a:r>
-              <a:rPr lang="en-US" dirty="0" err="1" smtClean="0"/>
-              <a:t>ConstraintDescription</a:t>
-            </a:r>
-            <a:r>
-              <a:rPr lang="en-US" dirty="0" smtClean="0"/>
-              <a:t>” : “Must specify prod or dev.”</a:t>
-            </a:r>
-          </a:p>
-          <a:p>
-            <a:pPr marL="0" indent="0">
-              <a:buNone/>
-            </a:pPr>
-            <a:r>
-              <a:rPr lang="en-US" dirty="0"/>
-              <a:t>	</a:t>
-            </a:r>
-            <a:r>
-              <a:rPr lang="en-US" dirty="0" smtClean="0"/>
+              <a:rPr lang="de-DE" dirty="0" smtClean="0"/>
               <a:t>}</a:t>
             </a:r>
-          </a:p>
-          <a:p>
-            <a:pPr marL="0" indent="0">
-              <a:buNone/>
-            </a:pPr>
-            <a:r>
-              <a:rPr lang="en-US" dirty="0" smtClean="0"/>
-              <a:t>},</a:t>
-            </a:r>
-          </a:p>
-          <a:p>
-            <a:pPr marL="0" indent="0">
-              <a:buNone/>
-            </a:pPr>
-            <a:endParaRPr lang="en-US" dirty="0"/>
-          </a:p>
-          <a:p>
-            <a:pPr marL="0" indent="0">
-              <a:buNone/>
-            </a:pPr>
-            <a:r>
-              <a:rPr lang="en-US" dirty="0" smtClean="0"/>
-              <a:t>“Conditions” : {</a:t>
-            </a:r>
-          </a:p>
-          <a:p>
-            <a:pPr marL="0" indent="0">
-              <a:buNone/>
-            </a:pPr>
-            <a:r>
-              <a:rPr lang="en-US" dirty="0"/>
-              <a:t>	</a:t>
-            </a:r>
-            <a:r>
-              <a:rPr lang="en-US" dirty="0" smtClean="0"/>
-              <a:t>“</a:t>
-            </a:r>
-            <a:r>
-              <a:rPr lang="en-US" b="1" dirty="0" err="1" smtClean="0"/>
-              <a:t>CreateProdResources</a:t>
-            </a:r>
-            <a:r>
-              <a:rPr lang="en-US" dirty="0" smtClean="0"/>
-              <a:t>” : {“</a:t>
-            </a:r>
-            <a:r>
-              <a:rPr lang="en-US" dirty="0" err="1" smtClean="0"/>
-              <a:t>Fn</a:t>
-            </a:r>
-            <a:r>
-              <a:rPr lang="en-US" dirty="0" smtClean="0"/>
-              <a:t>::Equals” : [{“Ref” : “</a:t>
-            </a:r>
-            <a:r>
-              <a:rPr lang="en-US" dirty="0" err="1" smtClean="0"/>
-              <a:t>EnvType</a:t>
-            </a:r>
-            <a:r>
-              <a:rPr lang="en-US" dirty="0" smtClean="0"/>
-              <a:t>”}, “prod”]}</a:t>
-            </a:r>
-          </a:p>
-          <a:p>
-            <a:pPr marL="0" indent="0">
-              <a:buNone/>
-            </a:pPr>
-            <a:r>
-              <a:rPr lang="en-US" dirty="0" smtClean="0"/>
-              <a:t>},</a:t>
-            </a:r>
-          </a:p>
-          <a:p>
-            <a:pPr marL="0" indent="0">
-              <a:buNone/>
-            </a:pPr>
-            <a:endParaRPr lang="en-US" dirty="0"/>
-          </a:p>
-          <a:p>
-            <a:pPr marL="0" indent="0">
-              <a:buNone/>
-            </a:pPr>
-            <a:r>
-              <a:rPr lang="en-US" dirty="0" smtClean="0"/>
-              <a:t>“</a:t>
-            </a:r>
-            <a:r>
-              <a:rPr lang="en-US" dirty="0" err="1" smtClean="0"/>
-              <a:t>MountPoint</a:t>
-            </a:r>
-            <a:r>
-              <a:rPr lang="en-US" dirty="0" smtClean="0"/>
-              <a:t>” : {</a:t>
-            </a:r>
-          </a:p>
-          <a:p>
-            <a:pPr marL="0" indent="0">
-              <a:buNone/>
-            </a:pPr>
-            <a:r>
-              <a:rPr lang="en-US" dirty="0"/>
-              <a:t>	</a:t>
-            </a:r>
-            <a:r>
-              <a:rPr lang="en-US" dirty="0" smtClean="0"/>
-              <a:t>“Type” : “AWS::EC2:VolumeAttachment”,</a:t>
-            </a:r>
-          </a:p>
-          <a:p>
-            <a:pPr marL="0" indent="0">
-              <a:buNone/>
-            </a:pPr>
-            <a:r>
-              <a:rPr lang="en-US" dirty="0"/>
-              <a:t>	</a:t>
-            </a:r>
-            <a:r>
-              <a:rPr lang="en-US" dirty="0" smtClean="0"/>
-              <a:t>“Condition” : “</a:t>
-            </a:r>
-            <a:r>
-              <a:rPr lang="en-US" b="1" dirty="0" err="1" smtClean="0"/>
-              <a:t>CreateProdResources</a:t>
-            </a:r>
-            <a:r>
-              <a:rPr lang="en-US" dirty="0" smtClean="0"/>
-              <a:t>”,</a:t>
-            </a:r>
-          </a:p>
-          <a:p>
-            <a:pPr marL="0" indent="0">
-              <a:buNone/>
-            </a:pPr>
-            <a:r>
-              <a:rPr lang="en-US" dirty="0"/>
-              <a:t>	</a:t>
-            </a:r>
-            <a:r>
-              <a:rPr lang="en-US" dirty="0" smtClean="0"/>
-              <a:t>“Properties” : {</a:t>
-            </a:r>
-          </a:p>
-          <a:p>
-            <a:pPr marL="0" indent="0">
-              <a:buNone/>
-            </a:pPr>
-            <a:r>
-              <a:rPr lang="en-US" dirty="0"/>
-              <a:t>	</a:t>
-            </a:r>
-            <a:r>
-              <a:rPr lang="en-US" dirty="0" smtClean="0"/>
-              <a:t>	“</a:t>
-            </a:r>
-            <a:r>
-              <a:rPr lang="en-US" dirty="0" err="1" smtClean="0"/>
-              <a:t>InstanceId</a:t>
-            </a:r>
-            <a:r>
-              <a:rPr lang="en-US" dirty="0" smtClean="0"/>
-              <a:t>” : { “Ref” : “EC2Instance” },</a:t>
-            </a:r>
-          </a:p>
-          <a:p>
-            <a:pPr marL="0" indent="0">
-              <a:buNone/>
-            </a:pPr>
-            <a:r>
-              <a:rPr lang="en-US" dirty="0"/>
-              <a:t>	</a:t>
-            </a:r>
-            <a:r>
-              <a:rPr lang="en-US" dirty="0" smtClean="0"/>
-              <a:t>	“</a:t>
-            </a:r>
-            <a:r>
-              <a:rPr lang="en-US" dirty="0" err="1" smtClean="0"/>
-              <a:t>VolumeId</a:t>
-            </a:r>
-            <a:r>
-              <a:rPr lang="en-US" dirty="0" smtClean="0"/>
-              <a:t>” : { “Ref” : “</a:t>
-            </a:r>
-            <a:r>
-              <a:rPr lang="en-US" dirty="0" err="1" smtClean="0"/>
-              <a:t>NewVolume</a:t>
-            </a:r>
-            <a:r>
-              <a:rPr lang="en-US" dirty="0" smtClean="0"/>
-              <a:t>” },</a:t>
-            </a:r>
-          </a:p>
-          <a:p>
-            <a:pPr marL="0" indent="0">
-              <a:buNone/>
-            </a:pPr>
-            <a:r>
-              <a:rPr lang="en-US" dirty="0"/>
-              <a:t>	</a:t>
-            </a:r>
-            <a:r>
-              <a:rPr lang="en-US" dirty="0" smtClean="0"/>
-              <a:t>	“Device” : “/</a:t>
-            </a:r>
-            <a:r>
-              <a:rPr lang="en-US" dirty="0" err="1" smtClean="0"/>
-              <a:t>dev</a:t>
-            </a:r>
-            <a:r>
-              <a:rPr lang="en-US" dirty="0" smtClean="0"/>
-              <a:t>/</a:t>
-            </a:r>
-            <a:r>
-              <a:rPr lang="en-US" dirty="0" err="1" smtClean="0"/>
-              <a:t>sdh</a:t>
-            </a:r>
-            <a:r>
-              <a:rPr lang="en-US" dirty="0" smtClean="0"/>
-              <a:t>”</a:t>
-            </a:r>
-          </a:p>
-          <a:p>
-            <a:pPr marL="0" indent="0">
-              <a:buNone/>
-            </a:pPr>
-            <a:r>
-              <a:rPr lang="en-US" dirty="0"/>
-              <a:t>	</a:t>
-            </a:r>
-            <a:r>
-              <a:rPr lang="en-US" dirty="0" smtClean="0"/>
+            <a:endParaRPr lang="de-DE" dirty="0"/>
+          </a:p>
+          <a:p>
+            <a:pPr marL="0" indent="0">
+              <a:buNone/>
+            </a:pPr>
+            <a:r>
+              <a:rPr lang="de-DE" dirty="0"/>
               <a:t>}</a:t>
             </a:r>
           </a:p>
@@ -4374,10 +4604,12 @@
             <a:pPr marL="0" indent="0">
               <a:buNone/>
             </a:pPr>
-            <a:r>
-              <a:rPr lang="en-US" dirty="0"/>
-              <a:t>}</a:t>
-            </a:r>
+            <a:endParaRPr lang="en-US" dirty="0" smtClean="0"/>
+          </a:p>
+          <a:p>
+            <a:pPr marL="0" indent="0">
+              <a:buNone/>
+            </a:pPr>
             <a:endParaRPr lang="en-US" dirty="0" smtClean="0"/>
           </a:p>
         </p:txBody>
@@ -4385,7 +4617,7 @@
     </p:spTree>
     <p:extLst>
       <p:ext uri="{BB962C8B-B14F-4D97-AF65-F5344CB8AC3E}">
-        <p14:creationId xmlns:p14="http://schemas.microsoft.com/office/powerpoint/2010/main" val="3394490991"/>
+        <p14:creationId xmlns:p14="http://schemas.microsoft.com/office/powerpoint/2010/main" val="4278802438"/>
       </p:ext>
     </p:extLst>
   </p:cSld>
@@ -4429,7 +4661,7 @@
           <a:p>
             <a:r>
               <a:rPr lang="en-US" dirty="0" smtClean="0"/>
-              <a:t>Resources section</a:t>
+              <a:t>Parameters section</a:t>
             </a:r>
             <a:endParaRPr lang="en-US" dirty="0"/>
           </a:p>
@@ -4445,66 +4677,120 @@
             <p:ph idx="1"/>
           </p:nvPr>
         </p:nvSpPr>
-        <p:spPr/>
-        <p:txBody>
-          <a:bodyPr/>
+        <p:spPr>
+          <a:xfrm>
+            <a:off x="457200" y="1600200"/>
+            <a:ext cx="8229600" cy="4872898"/>
+          </a:xfrm>
+        </p:spPr>
+        <p:txBody>
+          <a:bodyPr>
+            <a:normAutofit fontScale="77500" lnSpcReduction="20000"/>
+          </a:bodyPr>
           <a:lstStyle/>
           <a:p>
             <a:r>
               <a:rPr lang="en-US" dirty="0" smtClean="0"/>
-              <a:t>Describes the detailed configuration of an AWS resource</a:t>
-            </a:r>
+              <a:t>Useful properties (not a complete list):</a:t>
+            </a:r>
+          </a:p>
+          <a:p>
+            <a:endParaRPr lang="en-US" dirty="0" smtClean="0"/>
           </a:p>
           <a:p>
             <a:pPr lvl="1"/>
             <a:r>
-              <a:rPr lang="en-US" dirty="0" smtClean="0"/>
-              <a:t>IAM policies (users, groups, roles)</a:t>
+              <a:rPr lang="en-US" b="1" dirty="0" err="1" smtClean="0"/>
+              <a:t>AllowedValues</a:t>
+            </a:r>
+            <a:r>
+              <a:rPr lang="en-US" dirty="0" smtClean="0"/>
+              <a:t>: an array containing list of values allowed for the parameter.</a:t>
             </a:r>
           </a:p>
           <a:p>
             <a:pPr lvl="1"/>
-            <a:r>
-              <a:rPr lang="en-US" dirty="0" smtClean="0"/>
-              <a:t>VPCs, Subnets, Security Groups</a:t>
-            </a:r>
+            <a:endParaRPr lang="en-US" dirty="0" smtClean="0"/>
           </a:p>
           <a:p>
             <a:pPr lvl="1"/>
             <a:r>
-              <a:rPr lang="en-US" dirty="0" smtClean="0"/>
-              <a:t>EC2 instances, Elastic Load Balancers</a:t>
+              <a:rPr lang="en-US" b="1" dirty="0" smtClean="0"/>
+              <a:t>Default</a:t>
+            </a:r>
+            <a:r>
+              <a:rPr lang="en-US" dirty="0" smtClean="0"/>
+              <a:t>: the value used for the property if no value is specified.</a:t>
             </a:r>
           </a:p>
           <a:p>
             <a:pPr lvl="1"/>
-            <a:r>
-              <a:rPr lang="en-US" dirty="0" smtClean="0"/>
-              <a:t>RDS databases</a:t>
-            </a:r>
+            <a:endParaRPr lang="en-US" dirty="0" smtClean="0"/>
           </a:p>
           <a:p>
             <a:pPr lvl="1"/>
             <a:r>
-              <a:rPr lang="en-US" dirty="0" smtClean="0"/>
-              <a:t>S3 buckets</a:t>
+              <a:rPr lang="en-US" b="1" dirty="0" smtClean="0"/>
+              <a:t>Description</a:t>
+            </a:r>
+            <a:r>
+              <a:rPr lang="en-US" dirty="0" smtClean="0"/>
+              <a:t>: a string describing the parameter.</a:t>
             </a:r>
           </a:p>
           <a:p>
             <a:pPr lvl="1"/>
-            <a:r>
-              <a:rPr lang="en-US" dirty="0" err="1" smtClean="0"/>
-              <a:t>CloudWatch</a:t>
-            </a:r>
-            <a:r>
-              <a:rPr lang="en-US" dirty="0" smtClean="0"/>
-              <a:t>, </a:t>
-            </a:r>
-            <a:r>
-              <a:rPr lang="en-US" dirty="0" err="1" smtClean="0"/>
-              <a:t>CloudTrail</a:t>
-            </a:r>
             <a:endParaRPr lang="en-US" dirty="0" smtClean="0"/>
+          </a:p>
+          <a:p>
+            <a:pPr lvl="1"/>
+            <a:r>
+              <a:rPr lang="en-US" b="1" dirty="0" err="1" smtClean="0"/>
+              <a:t>MaxLength</a:t>
+            </a:r>
+            <a:r>
+              <a:rPr lang="en-US" dirty="0" smtClean="0"/>
+              <a:t>/</a:t>
+            </a:r>
+            <a:r>
+              <a:rPr lang="en-US" b="1" dirty="0" err="1" smtClean="0"/>
+              <a:t>MinLength</a:t>
+            </a:r>
+            <a:r>
+              <a:rPr lang="en-US" dirty="0" smtClean="0"/>
+              <a:t>/</a:t>
+            </a:r>
+            <a:r>
+              <a:rPr lang="en-US" b="1" dirty="0" err="1" smtClean="0"/>
+              <a:t>MaxValue</a:t>
+            </a:r>
+            <a:r>
+              <a:rPr lang="en-US" dirty="0" smtClean="0"/>
+              <a:t>/</a:t>
+            </a:r>
+            <a:r>
+              <a:rPr lang="en-US" b="1" dirty="0" err="1" smtClean="0"/>
+              <a:t>MinValue</a:t>
+            </a:r>
+            <a:r>
+              <a:rPr lang="en-US" dirty="0" smtClean="0"/>
+              <a:t>: set a constraint on the input value</a:t>
+            </a:r>
+          </a:p>
+          <a:p>
+            <a:pPr lvl="1"/>
+            <a:endParaRPr lang="en-US" dirty="0" smtClean="0"/>
+          </a:p>
+          <a:p>
+            <a:pPr lvl="1"/>
+            <a:r>
+              <a:rPr lang="en-US" b="1" dirty="0" err="1" smtClean="0"/>
+              <a:t>NoEcho</a:t>
+            </a:r>
+            <a:r>
+              <a:rPr lang="en-US" dirty="0" smtClean="0"/>
+              <a:t>: hide the parameter value in any output logs (useful for passwords)</a:t>
+            </a:r>
           </a:p>
           <a:p>
             <a:pPr lvl="1"/>
@@ -4515,7 +4801,7 @@
     </p:spTree>
     <p:extLst>
       <p:ext uri="{BB962C8B-B14F-4D97-AF65-F5344CB8AC3E}">
-        <p14:creationId xmlns:p14="http://schemas.microsoft.com/office/powerpoint/2010/main" val="1291299045"/>
+        <p14:creationId xmlns:p14="http://schemas.microsoft.com/office/powerpoint/2010/main" val="3624242507"/>
       </p:ext>
     </p:extLst>
   </p:cSld>
@@ -4554,14 +4840,12 @@
         </p:nvSpPr>
         <p:spPr/>
         <p:txBody>
-          <a:bodyPr>
-            <a:normAutofit/>
-          </a:bodyPr>
+          <a:bodyPr/>
           <a:lstStyle/>
           <a:p>
             <a:r>
               <a:rPr lang="en-US" dirty="0" smtClean="0"/>
-              <a:t>Homework</a:t>
+              <a:t>Parameters section</a:t>
             </a:r>
             <a:endParaRPr lang="en-US" dirty="0"/>
           </a:p>
@@ -4580,53 +4864,1300 @@
         <p:spPr>
           <a:xfrm>
             <a:off x="457200" y="1600200"/>
-            <a:ext cx="8229600" cy="4920629"/>
+            <a:ext cx="8229600" cy="4929088"/>
           </a:xfrm>
         </p:spPr>
         <p:txBody>
           <a:bodyPr>
-            <a:normAutofit/>
+            <a:normAutofit fontScale="85000" lnSpcReduction="20000"/>
           </a:bodyPr>
           <a:lstStyle/>
           <a:p>
-            <a:r>
-              <a:rPr lang="en-US" smtClean="0"/>
-              <a:t>Assignment </a:t>
-            </a:r>
-            <a:r>
-              <a:rPr lang="en-US" dirty="0"/>
-              <a:t>8</a:t>
-            </a:r>
-            <a:endParaRPr lang="en-US" dirty="0" smtClean="0"/>
-          </a:p>
-          <a:p>
-            <a:r>
-              <a:rPr lang="en-US" dirty="0" smtClean="0"/>
-              <a:t>Read</a:t>
-            </a:r>
-            <a:r>
-              <a:rPr lang="en-US" i="1" dirty="0" smtClean="0"/>
-              <a:t> Infrastructure as Code </a:t>
-            </a:r>
-            <a:r>
-              <a:rPr lang="en-US" dirty="0" smtClean="0"/>
-              <a:t>Chapters</a:t>
-            </a:r>
-            <a:r>
-              <a:rPr lang="en-US" i="1" dirty="0" smtClean="0"/>
-              <a:t> 7 &amp; 8</a:t>
-            </a:r>
-            <a:endParaRPr lang="en-US" dirty="0"/>
-          </a:p>
-          <a:p>
-            <a:endParaRPr lang="en-US" dirty="0" smtClean="0"/>
+            <a:pPr marL="0" indent="0">
+              <a:buNone/>
+            </a:pPr>
+            <a:r>
+              <a:rPr lang="en-US" sz="2400" dirty="0" smtClean="0"/>
+              <a:t>“Parameters” {</a:t>
+            </a:r>
+          </a:p>
+          <a:p>
+            <a:pPr marL="0" indent="0">
+              <a:buNone/>
+            </a:pPr>
+            <a:r>
+              <a:rPr lang="en-US" sz="2400" dirty="0" smtClean="0"/>
+              <a:t>	“</a:t>
+            </a:r>
+            <a:r>
+              <a:rPr lang="en-US" sz="2400" b="1" dirty="0" err="1" smtClean="0"/>
+              <a:t>InstanceTypeParameter</a:t>
+            </a:r>
+            <a:r>
+              <a:rPr lang="en-US" sz="2400" dirty="0" smtClean="0"/>
+              <a:t>” : {</a:t>
+            </a:r>
+          </a:p>
+          <a:p>
+            <a:pPr marL="0" indent="0">
+              <a:buNone/>
+            </a:pPr>
+            <a:r>
+              <a:rPr lang="en-US" sz="2400" dirty="0"/>
+              <a:t>	</a:t>
+            </a:r>
+            <a:r>
+              <a:rPr lang="en-US" sz="2400" dirty="0" smtClean="0"/>
+              <a:t>“Type” : “String”,</a:t>
+            </a:r>
+          </a:p>
+          <a:p>
+            <a:pPr marL="0" indent="0">
+              <a:buNone/>
+            </a:pPr>
+            <a:r>
+              <a:rPr lang="en-US" sz="2400" dirty="0"/>
+              <a:t>	</a:t>
+            </a:r>
+            <a:r>
+              <a:rPr lang="en-US" sz="2400" dirty="0" smtClean="0"/>
+              <a:t>“Default” : “t2.micro”,</a:t>
+            </a:r>
+          </a:p>
+          <a:p>
+            <a:pPr marL="0" indent="0">
+              <a:buNone/>
+            </a:pPr>
+            <a:r>
+              <a:rPr lang="en-US" sz="2400" dirty="0"/>
+              <a:t>	</a:t>
+            </a:r>
+            <a:r>
+              <a:rPr lang="en-US" sz="2400" dirty="0" smtClean="0"/>
+              <a:t>“</a:t>
+            </a:r>
+            <a:r>
+              <a:rPr lang="en-US" sz="2400" dirty="0" err="1" smtClean="0"/>
+              <a:t>AllowedValues</a:t>
+            </a:r>
+            <a:r>
+              <a:rPr lang="en-US" sz="2400" dirty="0" smtClean="0"/>
+              <a:t>” : [“t2.micro”, “t2.small”, “t2.medium”},</a:t>
+            </a:r>
+          </a:p>
+          <a:p>
+            <a:pPr marL="0" indent="0">
+              <a:buNone/>
+            </a:pPr>
+            <a:r>
+              <a:rPr lang="en-US" sz="2400" dirty="0"/>
+              <a:t>	</a:t>
+            </a:r>
+            <a:r>
+              <a:rPr lang="en-US" sz="2400" dirty="0" smtClean="0"/>
+              <a:t>“Description” : “Enter the instance type (t2.micro, t2.small, or t2.medium).”</a:t>
+            </a:r>
+          </a:p>
+          <a:p>
+            <a:pPr marL="0" indent="0">
+              <a:buNone/>
+            </a:pPr>
+            <a:r>
+              <a:rPr lang="en-US" sz="2400" dirty="0"/>
+              <a:t>	</a:t>
+            </a:r>
+            <a:r>
+              <a:rPr lang="en-US" sz="2400" dirty="0" smtClean="0"/>
+              <a:t>}</a:t>
+            </a:r>
+          </a:p>
+          <a:p>
+            <a:pPr marL="0" indent="0">
+              <a:buNone/>
+            </a:pPr>
+            <a:r>
+              <a:rPr lang="en-US" sz="2400" dirty="0" smtClean="0"/>
+              <a:t>}</a:t>
+            </a:r>
+          </a:p>
+          <a:p>
+            <a:pPr marL="0" indent="0">
+              <a:buNone/>
+            </a:pPr>
+            <a:endParaRPr lang="en-US" sz="2400" dirty="0" smtClean="0"/>
+          </a:p>
+          <a:p>
+            <a:pPr marL="0" indent="0">
+              <a:buNone/>
+            </a:pPr>
+            <a:r>
+              <a:rPr lang="en-US" sz="2400" dirty="0" smtClean="0"/>
+              <a:t>“Ec2Instance” : {</a:t>
+            </a:r>
+          </a:p>
+          <a:p>
+            <a:pPr marL="0" indent="0">
+              <a:buNone/>
+            </a:pPr>
+            <a:r>
+              <a:rPr lang="en-US" sz="2400" dirty="0" smtClean="0"/>
+              <a:t>	“Type” : “AWS::EC2::Instance”,</a:t>
+            </a:r>
+          </a:p>
+          <a:p>
+            <a:pPr marL="0" indent="0">
+              <a:buNone/>
+            </a:pPr>
+            <a:r>
+              <a:rPr lang="en-US" sz="2400" dirty="0"/>
+              <a:t>	</a:t>
+            </a:r>
+            <a:r>
+              <a:rPr lang="en-US" sz="2400" dirty="0" smtClean="0"/>
+              <a:t>“Properties” : {</a:t>
+            </a:r>
+          </a:p>
+          <a:p>
+            <a:pPr marL="0" indent="0">
+              <a:buNone/>
+            </a:pPr>
+            <a:r>
+              <a:rPr lang="en-US" sz="2400" dirty="0"/>
+              <a:t>	</a:t>
+            </a:r>
+            <a:r>
+              <a:rPr lang="en-US" sz="2400" dirty="0" smtClean="0"/>
+              <a:t>	“</a:t>
+            </a:r>
+            <a:r>
+              <a:rPr lang="en-US" sz="2400" dirty="0" err="1" smtClean="0"/>
+              <a:t>InstanceType</a:t>
+            </a:r>
+            <a:r>
+              <a:rPr lang="en-US" sz="2400" dirty="0" smtClean="0"/>
+              <a:t>” : { “Ref” : “</a:t>
+            </a:r>
+            <a:r>
+              <a:rPr lang="en-US" sz="2400" b="1" dirty="0" err="1" smtClean="0"/>
+              <a:t>InstanceTypeParameter</a:t>
+            </a:r>
+            <a:r>
+              <a:rPr lang="en-US" sz="2400" dirty="0" smtClean="0"/>
+              <a:t>” },</a:t>
+            </a:r>
+          </a:p>
+          <a:p>
+            <a:pPr marL="0" indent="0">
+              <a:buNone/>
+            </a:pPr>
+            <a:r>
+              <a:rPr lang="en-US" sz="2400" dirty="0"/>
+              <a:t>	</a:t>
+            </a:r>
+            <a:r>
+              <a:rPr lang="en-US" sz="2400" dirty="0" smtClean="0"/>
+              <a:t>	“</a:t>
+            </a:r>
+            <a:r>
+              <a:rPr lang="en-US" sz="2400" dirty="0" err="1" smtClean="0"/>
+              <a:t>ImageId</a:t>
+            </a:r>
+            <a:r>
+              <a:rPr lang="en-US" sz="2400" dirty="0" smtClean="0"/>
+              <a:t>” : “ami-398de234”</a:t>
+            </a:r>
+          </a:p>
+          <a:p>
+            <a:pPr marL="0" indent="0">
+              <a:buNone/>
+            </a:pPr>
+            <a:r>
+              <a:rPr lang="en-US" sz="2400" dirty="0"/>
+              <a:t>	</a:t>
+            </a:r>
+            <a:r>
+              <a:rPr lang="en-US" sz="2400" dirty="0" smtClean="0"/>
+              <a:t>}</a:t>
+            </a:r>
+            <a:endParaRPr lang="en-US" sz="2400" dirty="0"/>
+          </a:p>
+          <a:p>
+            <a:pPr marL="0" indent="0">
+              <a:buNone/>
+            </a:pPr>
+            <a:r>
+              <a:rPr lang="en-US" sz="2400" dirty="0" smtClean="0"/>
+              <a:t>}</a:t>
+            </a:r>
+            <a:endParaRPr lang="en-US" sz="2400" dirty="0"/>
           </a:p>
         </p:txBody>
       </p:sp>
     </p:spTree>
     <p:extLst>
       <p:ext uri="{BB962C8B-B14F-4D97-AF65-F5344CB8AC3E}">
-        <p14:creationId xmlns:p14="http://schemas.microsoft.com/office/powerpoint/2010/main" val="2135093818"/>
+        <p14:creationId xmlns:p14="http://schemas.microsoft.com/office/powerpoint/2010/main" val="242875980"/>
+      </p:ext>
+    </p:extLst>
+  </p:cSld>
+  <p:clrMapOvr>
+    <a:masterClrMapping/>
+  </p:clrMapOvr>
+</p:sld>
+</file>
+
+<file path=ppt/slides/slide17.xml><?xml version="1.0" encoding="utf-8"?>
+<p:sld xmlns:a="http://schemas.openxmlformats.org/drawingml/2006/main" xmlns:r="http://schemas.openxmlformats.org/officeDocument/2006/relationships" xmlns:p="http://schemas.openxmlformats.org/presentationml/2006/main">
+  <p:cSld>
+    <p:spTree>
+      <p:nvGrpSpPr>
+        <p:cNvPr id="1" name=""/>
+        <p:cNvGrpSpPr/>
+        <p:nvPr/>
+      </p:nvGrpSpPr>
+      <p:grpSpPr>
+        <a:xfrm>
+          <a:off x="0" y="0"/>
+          <a:ext cx="0" cy="0"/>
+          <a:chOff x="0" y="0"/>
+          <a:chExt cx="0" cy="0"/>
+        </a:xfrm>
+      </p:grpSpPr>
+      <p:sp>
+        <p:nvSpPr>
+          <p:cNvPr id="2" name="Title 1"/>
+          <p:cNvSpPr>
+            <a:spLocks noGrp="1"/>
+          </p:cNvSpPr>
+          <p:nvPr>
+            <p:ph type="title"/>
+          </p:nvPr>
+        </p:nvSpPr>
+        <p:spPr/>
+        <p:txBody>
+          <a:bodyPr/>
+          <a:lstStyle/>
+          <a:p>
+            <a:r>
+              <a:rPr lang="en-US" dirty="0" smtClean="0"/>
+              <a:t>Pseudo Parameters</a:t>
+            </a:r>
+            <a:endParaRPr lang="en-US" dirty="0"/>
+          </a:p>
+        </p:txBody>
+      </p:sp>
+      <p:sp>
+        <p:nvSpPr>
+          <p:cNvPr id="3" name="Content Placeholder 2"/>
+          <p:cNvSpPr>
+            <a:spLocks noGrp="1"/>
+          </p:cNvSpPr>
+          <p:nvPr>
+            <p:ph idx="1"/>
+          </p:nvPr>
+        </p:nvSpPr>
+        <p:spPr>
+          <a:xfrm>
+            <a:off x="457200" y="1600200"/>
+            <a:ext cx="8229600" cy="5131372"/>
+          </a:xfrm>
+        </p:spPr>
+        <p:txBody>
+          <a:bodyPr>
+            <a:normAutofit fontScale="70000" lnSpcReduction="20000"/>
+          </a:bodyPr>
+          <a:lstStyle/>
+          <a:p>
+            <a:r>
+              <a:rPr lang="en-US" dirty="0" smtClean="0"/>
+              <a:t>Pseudo Parameters are predefined parameters provided by CloudFormation.</a:t>
+            </a:r>
+          </a:p>
+          <a:p>
+            <a:pPr lvl="1"/>
+            <a:r>
+              <a:rPr lang="en-US" dirty="0" smtClean="0"/>
+              <a:t>Use them the same way as normal parameters.</a:t>
+            </a:r>
+          </a:p>
+          <a:p>
+            <a:pPr lvl="1"/>
+            <a:endParaRPr lang="en-US" dirty="0" smtClean="0"/>
+          </a:p>
+          <a:p>
+            <a:r>
+              <a:rPr lang="en-US" dirty="0" smtClean="0"/>
+              <a:t>List of pseudo parameters:</a:t>
+            </a:r>
+          </a:p>
+          <a:p>
+            <a:pPr lvl="1"/>
+            <a:r>
+              <a:rPr lang="en-US" b="1" dirty="0" smtClean="0"/>
+              <a:t>AWS::</a:t>
+            </a:r>
+            <a:r>
+              <a:rPr lang="en-US" b="1" dirty="0" err="1" smtClean="0"/>
+              <a:t>AccountId</a:t>
+            </a:r>
+            <a:r>
+              <a:rPr lang="en-US" b="1" dirty="0" smtClean="0"/>
+              <a:t> </a:t>
+            </a:r>
+          </a:p>
+          <a:p>
+            <a:pPr lvl="2"/>
+            <a:r>
+              <a:rPr lang="en-US" dirty="0" smtClean="0"/>
+              <a:t>returns AWS account ID in which stack is created</a:t>
+            </a:r>
+          </a:p>
+          <a:p>
+            <a:pPr lvl="1"/>
+            <a:r>
+              <a:rPr lang="en-US" b="1" dirty="0" smtClean="0"/>
+              <a:t>AWS::</a:t>
+            </a:r>
+            <a:r>
+              <a:rPr lang="en-US" b="1" dirty="0" err="1" smtClean="0"/>
+              <a:t>NotificationARNs</a:t>
+            </a:r>
+            <a:r>
+              <a:rPr lang="en-US" b="1" dirty="0" smtClean="0"/>
+              <a:t> </a:t>
+            </a:r>
+          </a:p>
+          <a:p>
+            <a:pPr lvl="2"/>
+            <a:r>
+              <a:rPr lang="en-US" dirty="0" smtClean="0"/>
+              <a:t>returns list of AWS Resource Names for stack</a:t>
+            </a:r>
+          </a:p>
+          <a:p>
+            <a:pPr lvl="1"/>
+            <a:r>
+              <a:rPr lang="de-DE" b="1" dirty="0" smtClean="0"/>
+              <a:t>AWS::</a:t>
+            </a:r>
+            <a:r>
+              <a:rPr lang="de-DE" b="1" dirty="0" err="1" smtClean="0"/>
+              <a:t>NoValue</a:t>
+            </a:r>
+            <a:r>
+              <a:rPr lang="de-DE" b="1" dirty="0" smtClean="0"/>
+              <a:t> </a:t>
+            </a:r>
+          </a:p>
+          <a:p>
+            <a:pPr lvl="2"/>
+            <a:r>
+              <a:rPr lang="de-DE" dirty="0" err="1" smtClean="0"/>
+              <a:t>acts</a:t>
+            </a:r>
+            <a:r>
+              <a:rPr lang="de-DE" dirty="0" smtClean="0"/>
+              <a:t> </a:t>
+            </a:r>
+            <a:r>
+              <a:rPr lang="de-DE" dirty="0" err="1" smtClean="0"/>
+              <a:t>like</a:t>
+            </a:r>
+            <a:r>
+              <a:rPr lang="de-DE" dirty="0" smtClean="0"/>
+              <a:t> a NOOP </a:t>
+            </a:r>
+            <a:r>
+              <a:rPr lang="de-DE" dirty="0" err="1" smtClean="0"/>
+              <a:t>and</a:t>
+            </a:r>
+            <a:r>
+              <a:rPr lang="de-DE" dirty="0" smtClean="0"/>
+              <a:t> </a:t>
+            </a:r>
+            <a:r>
+              <a:rPr lang="de-DE" dirty="0" err="1" smtClean="0"/>
+              <a:t>removes</a:t>
+            </a:r>
+            <a:r>
+              <a:rPr lang="de-DE" dirty="0" smtClean="0"/>
+              <a:t> </a:t>
+            </a:r>
+            <a:r>
+              <a:rPr lang="de-DE" dirty="0" err="1" smtClean="0"/>
+              <a:t>the</a:t>
+            </a:r>
+            <a:r>
+              <a:rPr lang="de-DE" dirty="0" smtClean="0"/>
+              <a:t> </a:t>
+            </a:r>
+            <a:r>
+              <a:rPr lang="de-DE" dirty="0" err="1" smtClean="0"/>
+              <a:t>property</a:t>
+            </a:r>
+            <a:r>
+              <a:rPr lang="de-DE" dirty="0" smtClean="0"/>
+              <a:t> </a:t>
+            </a:r>
+            <a:r>
+              <a:rPr lang="de-DE" dirty="0" err="1" smtClean="0"/>
+              <a:t>identifier</a:t>
+            </a:r>
+            <a:endParaRPr lang="de-DE" dirty="0" smtClean="0"/>
+          </a:p>
+          <a:p>
+            <a:pPr lvl="1"/>
+            <a:r>
+              <a:rPr lang="de-DE" b="1" dirty="0" smtClean="0"/>
+              <a:t>AWS::Region </a:t>
+            </a:r>
+          </a:p>
+          <a:p>
+            <a:pPr lvl="2"/>
+            <a:r>
+              <a:rPr lang="de-DE" dirty="0" err="1" smtClean="0"/>
+              <a:t>returns</a:t>
+            </a:r>
+            <a:r>
+              <a:rPr lang="de-DE" dirty="0" smtClean="0"/>
+              <a:t> a </a:t>
+            </a:r>
+            <a:r>
+              <a:rPr lang="de-DE" dirty="0" err="1" smtClean="0"/>
+              <a:t>string</a:t>
+            </a:r>
+            <a:r>
+              <a:rPr lang="de-DE" dirty="0" smtClean="0"/>
+              <a:t> </a:t>
+            </a:r>
+            <a:r>
+              <a:rPr lang="de-DE" dirty="0" err="1" smtClean="0"/>
+              <a:t>representing</a:t>
+            </a:r>
+            <a:r>
+              <a:rPr lang="de-DE" dirty="0" smtClean="0"/>
+              <a:t> </a:t>
+            </a:r>
+            <a:r>
+              <a:rPr lang="de-DE" dirty="0" err="1" smtClean="0"/>
+              <a:t>the</a:t>
+            </a:r>
+            <a:r>
+              <a:rPr lang="de-DE" dirty="0" smtClean="0"/>
+              <a:t> AWS </a:t>
+            </a:r>
+            <a:r>
+              <a:rPr lang="de-DE" dirty="0" err="1" smtClean="0"/>
+              <a:t>region</a:t>
+            </a:r>
+            <a:r>
+              <a:rPr lang="de-DE" dirty="0" smtClean="0"/>
+              <a:t> </a:t>
+            </a:r>
+            <a:r>
+              <a:rPr lang="de-DE" dirty="0" err="1" smtClean="0"/>
+              <a:t>for</a:t>
+            </a:r>
+            <a:r>
+              <a:rPr lang="de-DE" dirty="0" smtClean="0"/>
+              <a:t> </a:t>
+            </a:r>
+            <a:r>
+              <a:rPr lang="de-DE" dirty="0" err="1" smtClean="0"/>
+              <a:t>the</a:t>
+            </a:r>
+            <a:r>
+              <a:rPr lang="de-DE" dirty="0" smtClean="0"/>
+              <a:t> </a:t>
+            </a:r>
+            <a:r>
+              <a:rPr lang="de-DE" dirty="0" err="1" smtClean="0"/>
+              <a:t>stack</a:t>
+            </a:r>
+            <a:endParaRPr lang="de-DE" dirty="0" smtClean="0"/>
+          </a:p>
+          <a:p>
+            <a:pPr lvl="1"/>
+            <a:r>
+              <a:rPr lang="de-DE" b="1" dirty="0" smtClean="0"/>
+              <a:t>AWS::</a:t>
+            </a:r>
+            <a:r>
+              <a:rPr lang="de-DE" b="1" dirty="0" err="1" smtClean="0"/>
+              <a:t>StackId</a:t>
+            </a:r>
+            <a:r>
+              <a:rPr lang="de-DE" b="1" dirty="0" smtClean="0"/>
+              <a:t> </a:t>
+            </a:r>
+          </a:p>
+          <a:p>
+            <a:pPr lvl="2"/>
+            <a:r>
+              <a:rPr lang="de-DE" dirty="0" err="1" smtClean="0"/>
+              <a:t>returns</a:t>
+            </a:r>
+            <a:r>
+              <a:rPr lang="de-DE" dirty="0" smtClean="0"/>
+              <a:t> ID </a:t>
+            </a:r>
+            <a:r>
+              <a:rPr lang="de-DE" dirty="0" err="1" smtClean="0"/>
+              <a:t>of</a:t>
+            </a:r>
+            <a:r>
+              <a:rPr lang="de-DE" dirty="0" smtClean="0"/>
+              <a:t> </a:t>
+            </a:r>
+            <a:r>
+              <a:rPr lang="de-DE" dirty="0" err="1" smtClean="0"/>
+              <a:t>the</a:t>
+            </a:r>
+            <a:r>
+              <a:rPr lang="de-DE" dirty="0" smtClean="0"/>
+              <a:t> </a:t>
+            </a:r>
+            <a:r>
+              <a:rPr lang="de-DE" dirty="0" err="1" smtClean="0"/>
+              <a:t>stack</a:t>
+            </a:r>
+            <a:endParaRPr lang="de-DE" dirty="0" smtClean="0"/>
+          </a:p>
+          <a:p>
+            <a:pPr lvl="1"/>
+            <a:r>
+              <a:rPr lang="de-DE" b="1" dirty="0" err="1" smtClean="0"/>
+              <a:t>AWS:StackName</a:t>
+            </a:r>
+            <a:r>
+              <a:rPr lang="de-DE" dirty="0" smtClean="0"/>
+              <a:t> </a:t>
+            </a:r>
+          </a:p>
+          <a:p>
+            <a:pPr lvl="2"/>
+            <a:r>
+              <a:rPr lang="de-DE" dirty="0" err="1" smtClean="0"/>
+              <a:t>returns</a:t>
+            </a:r>
+            <a:r>
+              <a:rPr lang="de-DE" dirty="0" smtClean="0"/>
+              <a:t> </a:t>
+            </a:r>
+            <a:r>
+              <a:rPr lang="de-DE" dirty="0" err="1" smtClean="0"/>
+              <a:t>the</a:t>
+            </a:r>
+            <a:r>
+              <a:rPr lang="de-DE" dirty="0" smtClean="0"/>
+              <a:t> </a:t>
+            </a:r>
+            <a:r>
+              <a:rPr lang="de-DE" dirty="0" err="1" smtClean="0"/>
+              <a:t>name</a:t>
+            </a:r>
+            <a:r>
+              <a:rPr lang="de-DE" dirty="0" smtClean="0"/>
+              <a:t> </a:t>
+            </a:r>
+            <a:r>
+              <a:rPr lang="de-DE" dirty="0" err="1" smtClean="0"/>
+              <a:t>of</a:t>
+            </a:r>
+            <a:r>
+              <a:rPr lang="de-DE" dirty="0" smtClean="0"/>
+              <a:t> </a:t>
+            </a:r>
+            <a:r>
+              <a:rPr lang="de-DE" dirty="0" err="1" smtClean="0"/>
+              <a:t>the</a:t>
+            </a:r>
+            <a:r>
+              <a:rPr lang="de-DE" dirty="0" smtClean="0"/>
+              <a:t> </a:t>
+            </a:r>
+            <a:r>
+              <a:rPr lang="de-DE" dirty="0" err="1" smtClean="0"/>
+              <a:t>stack</a:t>
+            </a:r>
+            <a:endParaRPr lang="de-DE" dirty="0" smtClean="0"/>
+          </a:p>
+          <a:p>
+            <a:pPr lvl="2"/>
+            <a:endParaRPr lang="de-DE" dirty="0" smtClean="0"/>
+          </a:p>
+          <a:p>
+            <a:pPr lvl="1"/>
+            <a:endParaRPr lang="de-DE" dirty="0" smtClean="0"/>
+          </a:p>
+        </p:txBody>
+      </p:sp>
+    </p:spTree>
+    <p:extLst>
+      <p:ext uri="{BB962C8B-B14F-4D97-AF65-F5344CB8AC3E}">
+        <p14:creationId xmlns:p14="http://schemas.microsoft.com/office/powerpoint/2010/main" val="2367280575"/>
+      </p:ext>
+    </p:extLst>
+  </p:cSld>
+  <p:clrMapOvr>
+    <a:masterClrMapping/>
+  </p:clrMapOvr>
+</p:sld>
+</file>
+
+<file path=ppt/slides/slide18.xml><?xml version="1.0" encoding="utf-8"?>
+<p:sld xmlns:a="http://schemas.openxmlformats.org/drawingml/2006/main" xmlns:r="http://schemas.openxmlformats.org/officeDocument/2006/relationships" xmlns:p="http://schemas.openxmlformats.org/presentationml/2006/main">
+  <p:cSld>
+    <p:spTree>
+      <p:nvGrpSpPr>
+        <p:cNvPr id="1" name=""/>
+        <p:cNvGrpSpPr/>
+        <p:nvPr/>
+      </p:nvGrpSpPr>
+      <p:grpSpPr>
+        <a:xfrm>
+          <a:off x="0" y="0"/>
+          <a:ext cx="0" cy="0"/>
+          <a:chOff x="0" y="0"/>
+          <a:chExt cx="0" cy="0"/>
+        </a:xfrm>
+      </p:grpSpPr>
+      <p:sp>
+        <p:nvSpPr>
+          <p:cNvPr id="2" name="Title 1"/>
+          <p:cNvSpPr>
+            <a:spLocks noGrp="1"/>
+          </p:cNvSpPr>
+          <p:nvPr>
+            <p:ph type="title"/>
+          </p:nvPr>
+        </p:nvSpPr>
+        <p:spPr/>
+        <p:txBody>
+          <a:bodyPr/>
+          <a:lstStyle/>
+          <a:p>
+            <a:r>
+              <a:rPr lang="en-US" dirty="0" smtClean="0"/>
+              <a:t>Mappings section</a:t>
+            </a:r>
+            <a:endParaRPr lang="en-US" dirty="0"/>
+          </a:p>
+        </p:txBody>
+      </p:sp>
+      <p:sp>
+        <p:nvSpPr>
+          <p:cNvPr id="3" name="Content Placeholder 2"/>
+          <p:cNvSpPr>
+            <a:spLocks noGrp="1"/>
+          </p:cNvSpPr>
+          <p:nvPr>
+            <p:ph idx="1"/>
+          </p:nvPr>
+        </p:nvSpPr>
+        <p:spPr>
+          <a:xfrm>
+            <a:off x="457200" y="1600200"/>
+            <a:ext cx="8229600" cy="5120134"/>
+          </a:xfrm>
+        </p:spPr>
+        <p:txBody>
+          <a:bodyPr>
+            <a:normAutofit fontScale="55000" lnSpcReduction="20000"/>
+          </a:bodyPr>
+          <a:lstStyle/>
+          <a:p>
+            <a:r>
+              <a:rPr lang="en-US" dirty="0" smtClean="0"/>
+              <a:t>Template mappings allow the user to define keys that map to corresponding sets of named values.</a:t>
+            </a:r>
+          </a:p>
+          <a:p>
+            <a:endParaRPr lang="en-US" dirty="0" smtClean="0"/>
+          </a:p>
+          <a:p>
+            <a:r>
+              <a:rPr lang="en-US" dirty="0" smtClean="0"/>
+              <a:t>Commonly used for setting values based on different conditions, such as regions.</a:t>
+            </a:r>
+          </a:p>
+          <a:p>
+            <a:pPr lvl="1"/>
+            <a:r>
+              <a:rPr lang="en-US" dirty="0" smtClean="0"/>
+              <a:t>Example: Set a value to an AMI ID based on the region the stack is launching into.</a:t>
+            </a:r>
+          </a:p>
+          <a:p>
+            <a:pPr lvl="1"/>
+            <a:endParaRPr lang="en-US" dirty="0" smtClean="0"/>
+          </a:p>
+          <a:p>
+            <a:r>
+              <a:rPr lang="en-US" dirty="0" smtClean="0"/>
+              <a:t>The “</a:t>
+            </a:r>
+            <a:r>
+              <a:rPr lang="en-US" dirty="0" err="1" smtClean="0"/>
+              <a:t>FindInMap</a:t>
+            </a:r>
+            <a:r>
+              <a:rPr lang="en-US" dirty="0" smtClean="0"/>
+              <a:t>” function is used in the template to find a matching value based on a key.</a:t>
+            </a:r>
+          </a:p>
+          <a:p>
+            <a:pPr marL="0" indent="0">
+              <a:buNone/>
+            </a:pPr>
+            <a:endParaRPr lang="en-US" dirty="0" smtClean="0"/>
+          </a:p>
+          <a:p>
+            <a:pPr marL="0" indent="0">
+              <a:buNone/>
+            </a:pPr>
+            <a:r>
+              <a:rPr lang="en-US" dirty="0"/>
+              <a:t>"Mappings" : {</a:t>
+            </a:r>
+          </a:p>
+          <a:p>
+            <a:pPr marL="0" indent="0">
+              <a:buNone/>
+            </a:pPr>
+            <a:r>
+              <a:rPr lang="de-DE" dirty="0"/>
+              <a:t>	</a:t>
+            </a:r>
+            <a:r>
+              <a:rPr lang="de-DE" dirty="0" smtClean="0"/>
+              <a:t>"</a:t>
+            </a:r>
+            <a:r>
+              <a:rPr lang="de-DE" dirty="0"/>
+              <a:t>Mapping01" : </a:t>
+            </a:r>
+            <a:r>
+              <a:rPr lang="de-DE" dirty="0" smtClean="0"/>
+              <a:t>{</a:t>
+            </a:r>
+          </a:p>
+          <a:p>
+            <a:pPr marL="0" indent="0">
+              <a:buNone/>
+            </a:pPr>
+            <a:r>
+              <a:rPr lang="de-DE" dirty="0"/>
+              <a:t>	</a:t>
+            </a:r>
+            <a:r>
+              <a:rPr lang="de-DE" dirty="0" smtClean="0"/>
+              <a:t> 	"</a:t>
+            </a:r>
+            <a:r>
+              <a:rPr lang="de-DE" dirty="0"/>
+              <a:t>Key01" : </a:t>
+            </a:r>
+            <a:r>
+              <a:rPr lang="de-DE" dirty="0" smtClean="0"/>
+              <a:t>{</a:t>
+            </a:r>
+          </a:p>
+          <a:p>
+            <a:pPr marL="0" indent="0">
+              <a:buNone/>
+            </a:pPr>
+            <a:r>
+              <a:rPr lang="de-DE" dirty="0"/>
+              <a:t>	</a:t>
+            </a:r>
+            <a:r>
+              <a:rPr lang="de-DE" dirty="0" smtClean="0"/>
+              <a:t>		"</a:t>
+            </a:r>
+            <a:r>
+              <a:rPr lang="de-DE" dirty="0"/>
+              <a:t>Name" : "</a:t>
+            </a:r>
+            <a:r>
+              <a:rPr lang="de-DE" dirty="0" smtClean="0"/>
+              <a:t>Value01“</a:t>
+            </a:r>
+            <a:endParaRPr lang="de-DE" dirty="0"/>
+          </a:p>
+          <a:p>
+            <a:pPr marL="0" indent="0">
+              <a:buNone/>
+            </a:pPr>
+            <a:r>
+              <a:rPr lang="de-DE" dirty="0"/>
+              <a:t>	</a:t>
+            </a:r>
+            <a:r>
+              <a:rPr lang="de-DE" dirty="0" smtClean="0"/>
+              <a:t>	},</a:t>
+            </a:r>
+          </a:p>
+          <a:p>
+            <a:pPr marL="0" indent="0">
+              <a:buNone/>
+            </a:pPr>
+            <a:r>
+              <a:rPr lang="de-DE" dirty="0"/>
+              <a:t>	</a:t>
+            </a:r>
+            <a:r>
+              <a:rPr lang="de-DE" dirty="0" smtClean="0"/>
+              <a:t>	 </a:t>
+            </a:r>
+            <a:r>
+              <a:rPr lang="de-DE" dirty="0"/>
+              <a:t>"Key02" : </a:t>
+            </a:r>
+            <a:r>
+              <a:rPr lang="de-DE" dirty="0" smtClean="0"/>
+              <a:t>{</a:t>
+            </a:r>
+          </a:p>
+          <a:p>
+            <a:pPr marL="0" indent="0">
+              <a:buNone/>
+            </a:pPr>
+            <a:r>
+              <a:rPr lang="de-DE" dirty="0"/>
+              <a:t>	</a:t>
+            </a:r>
+            <a:r>
+              <a:rPr lang="de-DE" dirty="0" smtClean="0"/>
+              <a:t>		"</a:t>
+            </a:r>
+            <a:r>
+              <a:rPr lang="de-DE" dirty="0"/>
+              <a:t>Name" : "</a:t>
+            </a:r>
+            <a:r>
+              <a:rPr lang="de-DE" dirty="0" smtClean="0"/>
+              <a:t>Value02“</a:t>
+            </a:r>
+            <a:endParaRPr lang="de-DE" dirty="0"/>
+          </a:p>
+          <a:p>
+            <a:pPr marL="0" indent="0">
+              <a:buNone/>
+            </a:pPr>
+            <a:r>
+              <a:rPr lang="de-DE" dirty="0"/>
+              <a:t>	</a:t>
+            </a:r>
+            <a:r>
+              <a:rPr lang="de-DE" dirty="0" smtClean="0"/>
+              <a:t>	 </a:t>
+            </a:r>
+            <a:r>
+              <a:rPr lang="de-DE" dirty="0"/>
+              <a:t>},</a:t>
+            </a:r>
+          </a:p>
+          <a:p>
+            <a:pPr marL="0" indent="0">
+              <a:buNone/>
+            </a:pPr>
+            <a:r>
+              <a:rPr lang="de-DE" dirty="0" smtClean="0"/>
+              <a:t>	}</a:t>
+            </a:r>
+            <a:endParaRPr lang="de-DE" dirty="0"/>
+          </a:p>
+          <a:p>
+            <a:pPr marL="0" indent="0">
+              <a:buNone/>
+            </a:pPr>
+            <a:r>
+              <a:rPr lang="de-DE" dirty="0"/>
+              <a:t>}</a:t>
+            </a:r>
+            <a:endParaRPr lang="en-US" dirty="0" smtClean="0"/>
+          </a:p>
+          <a:p>
+            <a:pPr marL="0" indent="0">
+              <a:buNone/>
+            </a:pPr>
+            <a:endParaRPr lang="en-US" dirty="0" smtClean="0"/>
+          </a:p>
+        </p:txBody>
+      </p:sp>
+    </p:spTree>
+    <p:extLst>
+      <p:ext uri="{BB962C8B-B14F-4D97-AF65-F5344CB8AC3E}">
+        <p14:creationId xmlns:p14="http://schemas.microsoft.com/office/powerpoint/2010/main" val="3704288103"/>
+      </p:ext>
+    </p:extLst>
+  </p:cSld>
+  <p:clrMapOvr>
+    <a:masterClrMapping/>
+  </p:clrMapOvr>
+</p:sld>
+</file>
+
+<file path=ppt/slides/slide19.xml><?xml version="1.0" encoding="utf-8"?>
+<p:sld xmlns:a="http://schemas.openxmlformats.org/drawingml/2006/main" xmlns:r="http://schemas.openxmlformats.org/officeDocument/2006/relationships" xmlns:p="http://schemas.openxmlformats.org/presentationml/2006/main">
+  <p:cSld>
+    <p:spTree>
+      <p:nvGrpSpPr>
+        <p:cNvPr id="1" name=""/>
+        <p:cNvGrpSpPr/>
+        <p:nvPr/>
+      </p:nvGrpSpPr>
+      <p:grpSpPr>
+        <a:xfrm>
+          <a:off x="0" y="0"/>
+          <a:ext cx="0" cy="0"/>
+          <a:chOff x="0" y="0"/>
+          <a:chExt cx="0" cy="0"/>
+        </a:xfrm>
+      </p:grpSpPr>
+      <p:sp>
+        <p:nvSpPr>
+          <p:cNvPr id="2" name="Title 1"/>
+          <p:cNvSpPr>
+            <a:spLocks noGrp="1"/>
+          </p:cNvSpPr>
+          <p:nvPr>
+            <p:ph type="title"/>
+          </p:nvPr>
+        </p:nvSpPr>
+        <p:spPr/>
+        <p:txBody>
+          <a:bodyPr/>
+          <a:lstStyle/>
+          <a:p>
+            <a:r>
+              <a:rPr lang="en-US" dirty="0" smtClean="0"/>
+              <a:t>Mappings section</a:t>
+            </a:r>
+            <a:endParaRPr lang="en-US" dirty="0"/>
+          </a:p>
+        </p:txBody>
+      </p:sp>
+      <p:sp>
+        <p:nvSpPr>
+          <p:cNvPr id="3" name="Content Placeholder 2"/>
+          <p:cNvSpPr>
+            <a:spLocks noGrp="1"/>
+          </p:cNvSpPr>
+          <p:nvPr>
+            <p:ph idx="1"/>
+          </p:nvPr>
+        </p:nvSpPr>
+        <p:spPr>
+          <a:xfrm>
+            <a:off x="457200" y="1600200"/>
+            <a:ext cx="8229600" cy="5075182"/>
+          </a:xfrm>
+        </p:spPr>
+        <p:txBody>
+          <a:bodyPr>
+            <a:normAutofit fontScale="47500" lnSpcReduction="20000"/>
+          </a:bodyPr>
+          <a:lstStyle/>
+          <a:p>
+            <a:pPr marL="0" indent="0">
+              <a:buNone/>
+            </a:pPr>
+            <a:r>
+              <a:rPr lang="de-DE" dirty="0"/>
+              <a:t> </a:t>
+            </a:r>
+            <a:r>
+              <a:rPr lang="de-DE" dirty="0" smtClean="0"/>
+              <a:t>"</a:t>
+            </a:r>
+            <a:r>
+              <a:rPr lang="de-DE" dirty="0" err="1"/>
+              <a:t>Mappings</a:t>
+            </a:r>
+            <a:r>
+              <a:rPr lang="de-DE" dirty="0"/>
+              <a:t>" : {</a:t>
+            </a:r>
+          </a:p>
+          <a:p>
+            <a:pPr marL="0" indent="0">
+              <a:buNone/>
+            </a:pPr>
+            <a:r>
+              <a:rPr lang="de-DE" dirty="0"/>
+              <a:t>    "</a:t>
+            </a:r>
+            <a:r>
+              <a:rPr lang="de-DE" dirty="0" err="1"/>
+              <a:t>RegionMap</a:t>
+            </a:r>
+            <a:r>
+              <a:rPr lang="de-DE" dirty="0"/>
+              <a:t>" : {</a:t>
+            </a:r>
+          </a:p>
+          <a:p>
+            <a:pPr marL="0" indent="0">
+              <a:buNone/>
+            </a:pPr>
+            <a:r>
+              <a:rPr lang="en-US" dirty="0"/>
+              <a:t>      "us-east-1" : { "32" : "ami-6411e20d", "64" : "ami-7a11e213" },</a:t>
+            </a:r>
+          </a:p>
+          <a:p>
+            <a:pPr marL="0" indent="0">
+              <a:buNone/>
+            </a:pPr>
+            <a:r>
+              <a:rPr lang="fr-FR" dirty="0"/>
+              <a:t>      "us-west-1" : { "32" : "ami-c9c7978c", "64" : "ami-cfc7978a" },</a:t>
+            </a:r>
+          </a:p>
+          <a:p>
+            <a:pPr marL="0" indent="0">
+              <a:buNone/>
+            </a:pPr>
+            <a:r>
+              <a:rPr lang="de-DE" dirty="0"/>
+              <a:t>      "eu-west-1" : { "32" : "ami-37c2f643", "64" : "ami-31c2f645" },</a:t>
+            </a:r>
+          </a:p>
+          <a:p>
+            <a:pPr marL="0" indent="0">
+              <a:buNone/>
+            </a:pPr>
+            <a:r>
+              <a:rPr lang="en-US" dirty="0"/>
+              <a:t>      "ap-southeast-1" : { "32" : "ami-66f28c34", "64" : "ami-60f28c32" },</a:t>
+            </a:r>
+          </a:p>
+          <a:p>
+            <a:pPr marL="0" indent="0">
+              <a:buNone/>
+            </a:pPr>
+            <a:r>
+              <a:rPr lang="en-US" dirty="0"/>
+              <a:t>      "ap-northeast-1" : { "32" : "ami-9c03a89d", "64" : "ami-a003a8a1" }</a:t>
+            </a:r>
+          </a:p>
+          <a:p>
+            <a:pPr marL="0" indent="0">
+              <a:buNone/>
+            </a:pPr>
+            <a:r>
+              <a:rPr lang="de-DE" dirty="0"/>
+              <a:t>    }</a:t>
+            </a:r>
+          </a:p>
+          <a:p>
+            <a:pPr marL="0" indent="0">
+              <a:buNone/>
+            </a:pPr>
+            <a:r>
+              <a:rPr lang="de-DE" dirty="0"/>
+              <a:t>  },</a:t>
+            </a:r>
+          </a:p>
+          <a:p>
+            <a:pPr marL="0" indent="0">
+              <a:buNone/>
+            </a:pPr>
+            <a:endParaRPr lang="de-DE" dirty="0"/>
+          </a:p>
+          <a:p>
+            <a:pPr marL="0" indent="0">
+              <a:buNone/>
+            </a:pPr>
+            <a:r>
+              <a:rPr lang="en-US" dirty="0"/>
+              <a:t>  "Resources" : {</a:t>
+            </a:r>
+          </a:p>
+          <a:p>
+            <a:pPr marL="0" indent="0">
+              <a:buNone/>
+            </a:pPr>
+            <a:r>
+              <a:rPr lang="de-DE" dirty="0"/>
+              <a:t>    "myEC2Instance" : {</a:t>
+            </a:r>
+          </a:p>
+          <a:p>
+            <a:pPr marL="0" indent="0">
+              <a:buNone/>
+            </a:pPr>
+            <a:r>
+              <a:rPr lang="de-DE" dirty="0"/>
+              <a:t>      "Type" : "AWS::EC2::Instance",</a:t>
+            </a:r>
+          </a:p>
+          <a:p>
+            <a:pPr marL="0" indent="0">
+              <a:buNone/>
+            </a:pPr>
+            <a:r>
+              <a:rPr lang="en-US" dirty="0"/>
+              <a:t>      "Properties" : {</a:t>
+            </a:r>
+          </a:p>
+          <a:p>
+            <a:pPr marL="0" indent="0">
+              <a:buNone/>
+            </a:pPr>
+            <a:r>
+              <a:rPr lang="en-US" dirty="0"/>
+              <a:t>        "</a:t>
+            </a:r>
+            <a:r>
+              <a:rPr lang="en-US" dirty="0" err="1"/>
+              <a:t>ImageId</a:t>
+            </a:r>
+            <a:r>
+              <a:rPr lang="en-US" dirty="0"/>
+              <a:t>" : { "</a:t>
+            </a:r>
+            <a:r>
+              <a:rPr lang="en-US" dirty="0" err="1"/>
+              <a:t>Fn</a:t>
+            </a:r>
+            <a:r>
+              <a:rPr lang="en-US" dirty="0"/>
+              <a:t>::</a:t>
+            </a:r>
+            <a:r>
+              <a:rPr lang="en-US" dirty="0" err="1"/>
+              <a:t>FindInMap</a:t>
+            </a:r>
+            <a:r>
+              <a:rPr lang="en-US" dirty="0"/>
+              <a:t>" : [ "</a:t>
+            </a:r>
+            <a:r>
+              <a:rPr lang="en-US" dirty="0" err="1"/>
+              <a:t>RegionMap</a:t>
+            </a:r>
+            <a:r>
+              <a:rPr lang="en-US" dirty="0"/>
+              <a:t>", { "Ref" : "AWS::Region" }, "32"]},</a:t>
+            </a:r>
+          </a:p>
+          <a:p>
+            <a:pPr marL="0" indent="0">
+              <a:buNone/>
+            </a:pPr>
+            <a:r>
+              <a:rPr lang="en-US" dirty="0"/>
+              <a:t>        "</a:t>
+            </a:r>
+            <a:r>
+              <a:rPr lang="en-US" dirty="0" err="1"/>
+              <a:t>InstanceType</a:t>
+            </a:r>
+            <a:r>
+              <a:rPr lang="en-US" dirty="0"/>
+              <a:t>" : "m1.small"</a:t>
+            </a:r>
+          </a:p>
+          <a:p>
+            <a:pPr marL="0" indent="0">
+              <a:buNone/>
+            </a:pPr>
+            <a:r>
+              <a:rPr lang="de-DE" dirty="0"/>
+              <a:t>      }</a:t>
+            </a:r>
+          </a:p>
+          <a:p>
+            <a:pPr marL="0" indent="0">
+              <a:buNone/>
+            </a:pPr>
+            <a:r>
+              <a:rPr lang="de-DE" dirty="0"/>
+              <a:t>    }</a:t>
+            </a:r>
+          </a:p>
+          <a:p>
+            <a:pPr marL="0" indent="0">
+              <a:buNone/>
+            </a:pPr>
+            <a:r>
+              <a:rPr lang="de-DE" dirty="0"/>
+              <a:t>  </a:t>
+            </a:r>
+            <a:r>
+              <a:rPr lang="de-DE" dirty="0" smtClean="0"/>
+              <a:t>}</a:t>
+            </a:r>
+          </a:p>
+          <a:p>
+            <a:pPr marL="0" indent="0">
+              <a:buNone/>
+            </a:pPr>
+            <a:endParaRPr lang="de-DE" dirty="0"/>
+          </a:p>
+          <a:p>
+            <a:pPr marL="0" indent="0">
+              <a:buNone/>
+            </a:pPr>
+            <a:r>
+              <a:rPr lang="de-DE" dirty="0" err="1" smtClean="0"/>
+              <a:t>If</a:t>
+            </a:r>
+            <a:r>
+              <a:rPr lang="de-DE" dirty="0" smtClean="0"/>
+              <a:t> AWS::Region </a:t>
+            </a:r>
+            <a:r>
+              <a:rPr lang="de-DE" dirty="0" err="1" smtClean="0"/>
+              <a:t>is</a:t>
+            </a:r>
+            <a:r>
+              <a:rPr lang="de-DE" dirty="0" smtClean="0"/>
+              <a:t> us-east-1, </a:t>
+            </a:r>
+            <a:r>
+              <a:rPr lang="de-DE" dirty="0" err="1" smtClean="0"/>
+              <a:t>ImageId</a:t>
+            </a:r>
+            <a:r>
+              <a:rPr lang="de-DE" dirty="0" smtClean="0"/>
+              <a:t> </a:t>
+            </a:r>
+            <a:r>
+              <a:rPr lang="de-DE" dirty="0" err="1" smtClean="0"/>
+              <a:t>is</a:t>
+            </a:r>
+            <a:r>
+              <a:rPr lang="de-DE" dirty="0" smtClean="0"/>
+              <a:t> </a:t>
+            </a:r>
+            <a:r>
+              <a:rPr lang="de-DE" dirty="0" err="1" smtClean="0"/>
+              <a:t>set</a:t>
+            </a:r>
+            <a:r>
+              <a:rPr lang="de-DE" dirty="0" smtClean="0"/>
+              <a:t> </a:t>
+            </a:r>
+            <a:r>
+              <a:rPr lang="de-DE" dirty="0" err="1" smtClean="0"/>
+              <a:t>to</a:t>
+            </a:r>
+            <a:r>
+              <a:rPr lang="de-DE" dirty="0" smtClean="0"/>
+              <a:t> ami-6411e20d.</a:t>
+            </a:r>
+            <a:endParaRPr lang="en-US" dirty="0" smtClean="0"/>
+          </a:p>
+        </p:txBody>
+      </p:sp>
+    </p:spTree>
+    <p:extLst>
+      <p:ext uri="{BB962C8B-B14F-4D97-AF65-F5344CB8AC3E}">
+        <p14:creationId xmlns:p14="http://schemas.microsoft.com/office/powerpoint/2010/main" val="3300923973"/>
       </p:ext>
     </p:extLst>
   </p:cSld>
@@ -4699,13 +6230,8 @@
           <a:p>
             <a:r>
               <a:rPr lang="en-US" dirty="0" smtClean="0"/>
-              <a:t>AWS </a:t>
-            </a:r>
-            <a:r>
-              <a:rPr lang="en-US" dirty="0" err="1" smtClean="0"/>
-              <a:t>CloudFormation</a:t>
-            </a:r>
-            <a:endParaRPr lang="en-US" dirty="0" smtClean="0"/>
+              <a:t>AWS CloudFormation</a:t>
+            </a:r>
           </a:p>
         </p:txBody>
       </p:sp>
@@ -4713,6 +6239,2419 @@
     <p:extLst>
       <p:ext uri="{BB962C8B-B14F-4D97-AF65-F5344CB8AC3E}">
         <p14:creationId xmlns:p14="http://schemas.microsoft.com/office/powerpoint/2010/main" val="1923720609"/>
+      </p:ext>
+    </p:extLst>
+  </p:cSld>
+  <p:clrMapOvr>
+    <a:masterClrMapping/>
+  </p:clrMapOvr>
+</p:sld>
+</file>
+
+<file path=ppt/slides/slide20.xml><?xml version="1.0" encoding="utf-8"?>
+<p:sld xmlns:a="http://schemas.openxmlformats.org/drawingml/2006/main" xmlns:r="http://schemas.openxmlformats.org/officeDocument/2006/relationships" xmlns:p="http://schemas.openxmlformats.org/presentationml/2006/main">
+  <p:cSld>
+    <p:spTree>
+      <p:nvGrpSpPr>
+        <p:cNvPr id="1" name=""/>
+        <p:cNvGrpSpPr/>
+        <p:nvPr/>
+      </p:nvGrpSpPr>
+      <p:grpSpPr>
+        <a:xfrm>
+          <a:off x="0" y="0"/>
+          <a:ext cx="0" cy="0"/>
+          <a:chOff x="0" y="0"/>
+          <a:chExt cx="0" cy="0"/>
+        </a:xfrm>
+      </p:grpSpPr>
+      <p:sp>
+        <p:nvSpPr>
+          <p:cNvPr id="2" name="Title 1"/>
+          <p:cNvSpPr>
+            <a:spLocks noGrp="1"/>
+          </p:cNvSpPr>
+          <p:nvPr>
+            <p:ph type="title"/>
+          </p:nvPr>
+        </p:nvSpPr>
+        <p:spPr/>
+        <p:txBody>
+          <a:bodyPr/>
+          <a:lstStyle/>
+          <a:p>
+            <a:r>
+              <a:rPr lang="en-US" dirty="0" smtClean="0"/>
+              <a:t>Conditions section</a:t>
+            </a:r>
+            <a:endParaRPr lang="en-US" dirty="0"/>
+          </a:p>
+        </p:txBody>
+      </p:sp>
+      <p:sp>
+        <p:nvSpPr>
+          <p:cNvPr id="3" name="Content Placeholder 2"/>
+          <p:cNvSpPr>
+            <a:spLocks noGrp="1"/>
+          </p:cNvSpPr>
+          <p:nvPr>
+            <p:ph idx="1"/>
+          </p:nvPr>
+        </p:nvSpPr>
+        <p:spPr/>
+        <p:txBody>
+          <a:bodyPr/>
+          <a:lstStyle/>
+          <a:p>
+            <a:r>
+              <a:rPr lang="en-US" dirty="0" smtClean="0"/>
+              <a:t>Template conditions control the creation of resources or the definition of properties</a:t>
+            </a:r>
+          </a:p>
+          <a:p>
+            <a:endParaRPr lang="en-US" dirty="0" smtClean="0"/>
+          </a:p>
+          <a:p>
+            <a:r>
+              <a:rPr lang="en-US" dirty="0" smtClean="0"/>
+              <a:t>Conditions are defined by the template author and applied to resources.</a:t>
+            </a:r>
+          </a:p>
+          <a:p>
+            <a:endParaRPr lang="en-US" dirty="0" smtClean="0"/>
+          </a:p>
+          <a:p>
+            <a:r>
+              <a:rPr lang="en-US" dirty="0" smtClean="0"/>
+              <a:t>A condition must evaluate to true in order for the resources to get built.</a:t>
+            </a:r>
+            <a:endParaRPr lang="en-US" dirty="0"/>
+          </a:p>
+        </p:txBody>
+      </p:sp>
+    </p:spTree>
+    <p:extLst>
+      <p:ext uri="{BB962C8B-B14F-4D97-AF65-F5344CB8AC3E}">
+        <p14:creationId xmlns:p14="http://schemas.microsoft.com/office/powerpoint/2010/main" val="3813506154"/>
+      </p:ext>
+    </p:extLst>
+  </p:cSld>
+  <p:clrMapOvr>
+    <a:masterClrMapping/>
+  </p:clrMapOvr>
+</p:sld>
+</file>
+
+<file path=ppt/slides/slide21.xml><?xml version="1.0" encoding="utf-8"?>
+<p:sld xmlns:a="http://schemas.openxmlformats.org/drawingml/2006/main" xmlns:r="http://schemas.openxmlformats.org/officeDocument/2006/relationships" xmlns:p="http://schemas.openxmlformats.org/presentationml/2006/main">
+  <p:cSld>
+    <p:spTree>
+      <p:nvGrpSpPr>
+        <p:cNvPr id="1" name=""/>
+        <p:cNvGrpSpPr/>
+        <p:nvPr/>
+      </p:nvGrpSpPr>
+      <p:grpSpPr>
+        <a:xfrm>
+          <a:off x="0" y="0"/>
+          <a:ext cx="0" cy="0"/>
+          <a:chOff x="0" y="0"/>
+          <a:chExt cx="0" cy="0"/>
+        </a:xfrm>
+      </p:grpSpPr>
+      <p:sp>
+        <p:nvSpPr>
+          <p:cNvPr id="2" name="Title 1"/>
+          <p:cNvSpPr>
+            <a:spLocks noGrp="1"/>
+          </p:cNvSpPr>
+          <p:nvPr>
+            <p:ph type="title"/>
+          </p:nvPr>
+        </p:nvSpPr>
+        <p:spPr/>
+        <p:txBody>
+          <a:bodyPr/>
+          <a:lstStyle/>
+          <a:p>
+            <a:r>
+              <a:rPr lang="en-US" dirty="0" smtClean="0"/>
+              <a:t>Conditions section</a:t>
+            </a:r>
+            <a:endParaRPr lang="en-US" dirty="0"/>
+          </a:p>
+        </p:txBody>
+      </p:sp>
+      <p:sp>
+        <p:nvSpPr>
+          <p:cNvPr id="3" name="Content Placeholder 2"/>
+          <p:cNvSpPr>
+            <a:spLocks noGrp="1"/>
+          </p:cNvSpPr>
+          <p:nvPr>
+            <p:ph idx="1"/>
+          </p:nvPr>
+        </p:nvSpPr>
+        <p:spPr>
+          <a:xfrm>
+            <a:off x="457200" y="1600200"/>
+            <a:ext cx="8229600" cy="5052706"/>
+          </a:xfrm>
+        </p:spPr>
+        <p:txBody>
+          <a:bodyPr>
+            <a:normAutofit fontScale="40000" lnSpcReduction="20000"/>
+          </a:bodyPr>
+          <a:lstStyle/>
+          <a:p>
+            <a:pPr marL="0" indent="0">
+              <a:buNone/>
+            </a:pPr>
+            <a:r>
+              <a:rPr lang="en-US" dirty="0" smtClean="0"/>
+              <a:t>“Parameters” : {</a:t>
+            </a:r>
+          </a:p>
+          <a:p>
+            <a:pPr marL="0" indent="0">
+              <a:buNone/>
+            </a:pPr>
+            <a:r>
+              <a:rPr lang="en-US" dirty="0"/>
+              <a:t>	</a:t>
+            </a:r>
+            <a:r>
+              <a:rPr lang="en-US" dirty="0" smtClean="0"/>
+              <a:t>“</a:t>
+            </a:r>
+            <a:r>
+              <a:rPr lang="en-US" dirty="0" err="1" smtClean="0"/>
+              <a:t>EnvType</a:t>
+            </a:r>
+            <a:r>
+              <a:rPr lang="en-US" dirty="0" smtClean="0"/>
+              <a:t>” : {</a:t>
+            </a:r>
+          </a:p>
+          <a:p>
+            <a:pPr marL="0" indent="0">
+              <a:buNone/>
+            </a:pPr>
+            <a:r>
+              <a:rPr lang="en-US" dirty="0"/>
+              <a:t>	</a:t>
+            </a:r>
+            <a:r>
+              <a:rPr lang="en-US" dirty="0" smtClean="0"/>
+              <a:t>	“Description” : “Environment type.”,</a:t>
+            </a:r>
+          </a:p>
+          <a:p>
+            <a:pPr marL="0" indent="0">
+              <a:buNone/>
+            </a:pPr>
+            <a:r>
+              <a:rPr lang="en-US" dirty="0"/>
+              <a:t>	</a:t>
+            </a:r>
+            <a:r>
+              <a:rPr lang="en-US" dirty="0" smtClean="0"/>
+              <a:t>	“Default” : “</a:t>
+            </a:r>
+            <a:r>
+              <a:rPr lang="en-US" dirty="0" err="1" smtClean="0"/>
+              <a:t>dev</a:t>
+            </a:r>
+            <a:r>
+              <a:rPr lang="en-US" dirty="0" smtClean="0"/>
+              <a:t>”,</a:t>
+            </a:r>
+          </a:p>
+          <a:p>
+            <a:pPr marL="0" indent="0">
+              <a:buNone/>
+            </a:pPr>
+            <a:r>
+              <a:rPr lang="en-US" dirty="0"/>
+              <a:t>	</a:t>
+            </a:r>
+            <a:r>
+              <a:rPr lang="en-US" dirty="0" smtClean="0"/>
+              <a:t>	“Type” : “String”,</a:t>
+            </a:r>
+          </a:p>
+          <a:p>
+            <a:pPr marL="0" indent="0">
+              <a:buNone/>
+            </a:pPr>
+            <a:r>
+              <a:rPr lang="en-US" dirty="0"/>
+              <a:t>	</a:t>
+            </a:r>
+            <a:r>
+              <a:rPr lang="en-US" dirty="0" smtClean="0"/>
+              <a:t>	“</a:t>
+            </a:r>
+            <a:r>
+              <a:rPr lang="en-US" dirty="0" err="1" smtClean="0"/>
+              <a:t>AllowedValues</a:t>
+            </a:r>
+            <a:r>
+              <a:rPr lang="en-US" dirty="0" smtClean="0"/>
+              <a:t>” : [“prod”, “</a:t>
+            </a:r>
+            <a:r>
+              <a:rPr lang="en-US" dirty="0" err="1" smtClean="0"/>
+              <a:t>dev</a:t>
+            </a:r>
+            <a:r>
+              <a:rPr lang="en-US" dirty="0" smtClean="0"/>
+              <a:t>”],</a:t>
+            </a:r>
+          </a:p>
+          <a:p>
+            <a:pPr marL="0" indent="0">
+              <a:buNone/>
+            </a:pPr>
+            <a:r>
+              <a:rPr lang="en-US" dirty="0"/>
+              <a:t>	</a:t>
+            </a:r>
+            <a:r>
+              <a:rPr lang="en-US" dirty="0" smtClean="0"/>
+              <a:t>	“</a:t>
+            </a:r>
+            <a:r>
+              <a:rPr lang="en-US" dirty="0" err="1" smtClean="0"/>
+              <a:t>ConstraintDescription</a:t>
+            </a:r>
+            <a:r>
+              <a:rPr lang="en-US" dirty="0" smtClean="0"/>
+              <a:t>” : “Must specify prod or dev.”</a:t>
+            </a:r>
+          </a:p>
+          <a:p>
+            <a:pPr marL="0" indent="0">
+              <a:buNone/>
+            </a:pPr>
+            <a:r>
+              <a:rPr lang="en-US" dirty="0"/>
+              <a:t>	</a:t>
+            </a:r>
+            <a:r>
+              <a:rPr lang="en-US" dirty="0" smtClean="0"/>
+              <a:t>}</a:t>
+            </a:r>
+          </a:p>
+          <a:p>
+            <a:pPr marL="0" indent="0">
+              <a:buNone/>
+            </a:pPr>
+            <a:r>
+              <a:rPr lang="en-US" dirty="0" smtClean="0"/>
+              <a:t>},</a:t>
+            </a:r>
+          </a:p>
+          <a:p>
+            <a:pPr marL="0" indent="0">
+              <a:buNone/>
+            </a:pPr>
+            <a:endParaRPr lang="en-US" dirty="0"/>
+          </a:p>
+          <a:p>
+            <a:pPr marL="0" indent="0">
+              <a:buNone/>
+            </a:pPr>
+            <a:r>
+              <a:rPr lang="en-US" dirty="0" smtClean="0"/>
+              <a:t>“Conditions” : {</a:t>
+            </a:r>
+          </a:p>
+          <a:p>
+            <a:pPr marL="0" indent="0">
+              <a:buNone/>
+            </a:pPr>
+            <a:r>
+              <a:rPr lang="en-US" dirty="0"/>
+              <a:t>	</a:t>
+            </a:r>
+            <a:r>
+              <a:rPr lang="en-US" dirty="0" smtClean="0"/>
+              <a:t>“</a:t>
+            </a:r>
+            <a:r>
+              <a:rPr lang="en-US" b="1" dirty="0" err="1" smtClean="0"/>
+              <a:t>CreateProdResources</a:t>
+            </a:r>
+            <a:r>
+              <a:rPr lang="en-US" dirty="0" smtClean="0"/>
+              <a:t>” : {“</a:t>
+            </a:r>
+            <a:r>
+              <a:rPr lang="en-US" dirty="0" err="1" smtClean="0"/>
+              <a:t>Fn</a:t>
+            </a:r>
+            <a:r>
+              <a:rPr lang="en-US" dirty="0" smtClean="0"/>
+              <a:t>::Equals” : [{“Ref” : “</a:t>
+            </a:r>
+            <a:r>
+              <a:rPr lang="en-US" dirty="0" err="1" smtClean="0"/>
+              <a:t>EnvType</a:t>
+            </a:r>
+            <a:r>
+              <a:rPr lang="en-US" dirty="0" smtClean="0"/>
+              <a:t>”}, “prod”]}</a:t>
+            </a:r>
+          </a:p>
+          <a:p>
+            <a:pPr marL="0" indent="0">
+              <a:buNone/>
+            </a:pPr>
+            <a:r>
+              <a:rPr lang="en-US" dirty="0" smtClean="0"/>
+              <a:t>},</a:t>
+            </a:r>
+          </a:p>
+          <a:p>
+            <a:pPr marL="0" indent="0">
+              <a:buNone/>
+            </a:pPr>
+            <a:endParaRPr lang="en-US" dirty="0"/>
+          </a:p>
+          <a:p>
+            <a:pPr marL="0" indent="0">
+              <a:buNone/>
+            </a:pPr>
+            <a:r>
+              <a:rPr lang="en-US" dirty="0" smtClean="0"/>
+              <a:t>“</a:t>
+            </a:r>
+            <a:r>
+              <a:rPr lang="en-US" dirty="0" err="1" smtClean="0"/>
+              <a:t>MountPoint</a:t>
+            </a:r>
+            <a:r>
+              <a:rPr lang="en-US" dirty="0" smtClean="0"/>
+              <a:t>” : {</a:t>
+            </a:r>
+          </a:p>
+          <a:p>
+            <a:pPr marL="0" indent="0">
+              <a:buNone/>
+            </a:pPr>
+            <a:r>
+              <a:rPr lang="en-US" dirty="0"/>
+              <a:t>	</a:t>
+            </a:r>
+            <a:r>
+              <a:rPr lang="en-US" dirty="0" smtClean="0"/>
+              <a:t>“Type” : “AWS::EC2:VolumeAttachment”,</a:t>
+            </a:r>
+          </a:p>
+          <a:p>
+            <a:pPr marL="0" indent="0">
+              <a:buNone/>
+            </a:pPr>
+            <a:r>
+              <a:rPr lang="en-US" dirty="0"/>
+              <a:t>	</a:t>
+            </a:r>
+            <a:r>
+              <a:rPr lang="en-US" dirty="0" smtClean="0"/>
+              <a:t>“Condition” : “</a:t>
+            </a:r>
+            <a:r>
+              <a:rPr lang="en-US" b="1" dirty="0" err="1" smtClean="0"/>
+              <a:t>CreateProdResources</a:t>
+            </a:r>
+            <a:r>
+              <a:rPr lang="en-US" dirty="0" smtClean="0"/>
+              <a:t>”,</a:t>
+            </a:r>
+          </a:p>
+          <a:p>
+            <a:pPr marL="0" indent="0">
+              <a:buNone/>
+            </a:pPr>
+            <a:r>
+              <a:rPr lang="en-US" dirty="0"/>
+              <a:t>	</a:t>
+            </a:r>
+            <a:r>
+              <a:rPr lang="en-US" dirty="0" smtClean="0"/>
+              <a:t>“Properties” : {</a:t>
+            </a:r>
+          </a:p>
+          <a:p>
+            <a:pPr marL="0" indent="0">
+              <a:buNone/>
+            </a:pPr>
+            <a:r>
+              <a:rPr lang="en-US" dirty="0"/>
+              <a:t>	</a:t>
+            </a:r>
+            <a:r>
+              <a:rPr lang="en-US" dirty="0" smtClean="0"/>
+              <a:t>	“</a:t>
+            </a:r>
+            <a:r>
+              <a:rPr lang="en-US" dirty="0" err="1" smtClean="0"/>
+              <a:t>InstanceId</a:t>
+            </a:r>
+            <a:r>
+              <a:rPr lang="en-US" dirty="0" smtClean="0"/>
+              <a:t>” : { “Ref” : “EC2Instance” },</a:t>
+            </a:r>
+          </a:p>
+          <a:p>
+            <a:pPr marL="0" indent="0">
+              <a:buNone/>
+            </a:pPr>
+            <a:r>
+              <a:rPr lang="en-US" dirty="0"/>
+              <a:t>	</a:t>
+            </a:r>
+            <a:r>
+              <a:rPr lang="en-US" dirty="0" smtClean="0"/>
+              <a:t>	“</a:t>
+            </a:r>
+            <a:r>
+              <a:rPr lang="en-US" dirty="0" err="1" smtClean="0"/>
+              <a:t>VolumeId</a:t>
+            </a:r>
+            <a:r>
+              <a:rPr lang="en-US" dirty="0" smtClean="0"/>
+              <a:t>” : { “Ref” : “</a:t>
+            </a:r>
+            <a:r>
+              <a:rPr lang="en-US" dirty="0" err="1" smtClean="0"/>
+              <a:t>NewVolume</a:t>
+            </a:r>
+            <a:r>
+              <a:rPr lang="en-US" dirty="0" smtClean="0"/>
+              <a:t>” },</a:t>
+            </a:r>
+          </a:p>
+          <a:p>
+            <a:pPr marL="0" indent="0">
+              <a:buNone/>
+            </a:pPr>
+            <a:r>
+              <a:rPr lang="en-US" dirty="0"/>
+              <a:t>	</a:t>
+            </a:r>
+            <a:r>
+              <a:rPr lang="en-US" dirty="0" smtClean="0"/>
+              <a:t>	“Device” : “/</a:t>
+            </a:r>
+            <a:r>
+              <a:rPr lang="en-US" dirty="0" err="1" smtClean="0"/>
+              <a:t>dev</a:t>
+            </a:r>
+            <a:r>
+              <a:rPr lang="en-US" dirty="0" smtClean="0"/>
+              <a:t>/</a:t>
+            </a:r>
+            <a:r>
+              <a:rPr lang="en-US" dirty="0" err="1" smtClean="0"/>
+              <a:t>sdh</a:t>
+            </a:r>
+            <a:r>
+              <a:rPr lang="en-US" dirty="0" smtClean="0"/>
+              <a:t>”</a:t>
+            </a:r>
+          </a:p>
+          <a:p>
+            <a:pPr marL="0" indent="0">
+              <a:buNone/>
+            </a:pPr>
+            <a:r>
+              <a:rPr lang="en-US" dirty="0"/>
+              <a:t>	</a:t>
+            </a:r>
+            <a:r>
+              <a:rPr lang="en-US" dirty="0" smtClean="0"/>
+              <a:t>}</a:t>
+            </a:r>
+          </a:p>
+          <a:p>
+            <a:pPr marL="0" indent="0">
+              <a:buNone/>
+            </a:pPr>
+            <a:r>
+              <a:rPr lang="en-US" dirty="0"/>
+              <a:t>}</a:t>
+            </a:r>
+            <a:endParaRPr lang="en-US" dirty="0" smtClean="0"/>
+          </a:p>
+        </p:txBody>
+      </p:sp>
+    </p:spTree>
+    <p:extLst>
+      <p:ext uri="{BB962C8B-B14F-4D97-AF65-F5344CB8AC3E}">
+        <p14:creationId xmlns:p14="http://schemas.microsoft.com/office/powerpoint/2010/main" val="3394490991"/>
+      </p:ext>
+    </p:extLst>
+  </p:cSld>
+  <p:clrMapOvr>
+    <a:masterClrMapping/>
+  </p:clrMapOvr>
+</p:sld>
+</file>
+
+<file path=ppt/slides/slide22.xml><?xml version="1.0" encoding="utf-8"?>
+<p:sld xmlns:a="http://schemas.openxmlformats.org/drawingml/2006/main" xmlns:r="http://schemas.openxmlformats.org/officeDocument/2006/relationships" xmlns:p="http://schemas.openxmlformats.org/presentationml/2006/main">
+  <p:cSld>
+    <p:spTree>
+      <p:nvGrpSpPr>
+        <p:cNvPr id="1" name=""/>
+        <p:cNvGrpSpPr/>
+        <p:nvPr/>
+      </p:nvGrpSpPr>
+      <p:grpSpPr>
+        <a:xfrm>
+          <a:off x="0" y="0"/>
+          <a:ext cx="0" cy="0"/>
+          <a:chOff x="0" y="0"/>
+          <a:chExt cx="0" cy="0"/>
+        </a:xfrm>
+      </p:grpSpPr>
+      <p:sp>
+        <p:nvSpPr>
+          <p:cNvPr id="2" name="Title 1"/>
+          <p:cNvSpPr>
+            <a:spLocks noGrp="1"/>
+          </p:cNvSpPr>
+          <p:nvPr>
+            <p:ph type="title"/>
+          </p:nvPr>
+        </p:nvSpPr>
+        <p:spPr/>
+        <p:txBody>
+          <a:bodyPr/>
+          <a:lstStyle/>
+          <a:p>
+            <a:r>
+              <a:rPr lang="en-US" dirty="0" smtClean="0"/>
+              <a:t>Resources section</a:t>
+            </a:r>
+            <a:endParaRPr lang="en-US" dirty="0"/>
+          </a:p>
+        </p:txBody>
+      </p:sp>
+      <p:sp>
+        <p:nvSpPr>
+          <p:cNvPr id="3" name="Content Placeholder 2"/>
+          <p:cNvSpPr>
+            <a:spLocks noGrp="1"/>
+          </p:cNvSpPr>
+          <p:nvPr>
+            <p:ph idx="1"/>
+          </p:nvPr>
+        </p:nvSpPr>
+        <p:spPr/>
+        <p:txBody>
+          <a:bodyPr>
+            <a:normAutofit fontScale="70000" lnSpcReduction="20000"/>
+          </a:bodyPr>
+          <a:lstStyle/>
+          <a:p>
+            <a:r>
+              <a:rPr lang="en-US" dirty="0" smtClean="0"/>
+              <a:t>Required section that describes the AWS resource to be built in the stack.</a:t>
+            </a:r>
+          </a:p>
+          <a:p>
+            <a:pPr lvl="1"/>
+            <a:r>
+              <a:rPr lang="en-US" dirty="0" smtClean="0"/>
+              <a:t>IAM policies, VPCs, Subnets, Security Groups, EC2 instances, Elastic Load Balancers, RDS databases, S3 buckets, etc.</a:t>
+            </a:r>
+          </a:p>
+          <a:p>
+            <a:pPr lvl="1"/>
+            <a:endParaRPr lang="en-US" dirty="0" smtClean="0"/>
+          </a:p>
+          <a:p>
+            <a:pPr marL="0" indent="0">
+              <a:buNone/>
+            </a:pPr>
+            <a:r>
+              <a:rPr lang="en-US" dirty="0"/>
+              <a:t>"Resources" : {</a:t>
+            </a:r>
+          </a:p>
+          <a:p>
+            <a:pPr marL="0" indent="0">
+              <a:buNone/>
+            </a:pPr>
+            <a:r>
+              <a:rPr lang="ro-RO" dirty="0"/>
+              <a:t>    "</a:t>
+            </a:r>
+            <a:r>
+              <a:rPr lang="ro-RO" i="1" dirty="0">
+                <a:solidFill>
+                  <a:srgbClr val="FF0000"/>
+                </a:solidFill>
+              </a:rPr>
+              <a:t>Logical ID</a:t>
+            </a:r>
+            <a:r>
+              <a:rPr lang="ro-RO" dirty="0"/>
+              <a:t>" : {</a:t>
+            </a:r>
+          </a:p>
+          <a:p>
+            <a:pPr marL="0" indent="0">
+              <a:buNone/>
+            </a:pPr>
+            <a:r>
+              <a:rPr lang="en-US" dirty="0"/>
+              <a:t>        "Type" : "</a:t>
+            </a:r>
+            <a:r>
+              <a:rPr lang="en-US" i="1" dirty="0">
+                <a:solidFill>
+                  <a:srgbClr val="FF0000"/>
+                </a:solidFill>
+              </a:rPr>
+              <a:t>Resource type</a:t>
+            </a:r>
+            <a:r>
+              <a:rPr lang="en-US" dirty="0"/>
+              <a:t>",</a:t>
+            </a:r>
+          </a:p>
+          <a:p>
+            <a:pPr marL="0" indent="0">
+              <a:buNone/>
+            </a:pPr>
+            <a:r>
+              <a:rPr lang="de-DE" dirty="0"/>
+              <a:t>        "Properties" : {</a:t>
+            </a:r>
+          </a:p>
+          <a:p>
+            <a:pPr marL="0" indent="0">
+              <a:buNone/>
+            </a:pPr>
+            <a:r>
+              <a:rPr lang="en-US" dirty="0"/>
+              <a:t>            </a:t>
+            </a:r>
+            <a:r>
+              <a:rPr lang="en-US" i="1" dirty="0">
+                <a:solidFill>
+                  <a:srgbClr val="FF0000"/>
+                </a:solidFill>
+              </a:rPr>
+              <a:t>Set of properties</a:t>
+            </a:r>
+            <a:endParaRPr lang="en-US" dirty="0">
+              <a:solidFill>
+                <a:srgbClr val="FF0000"/>
+              </a:solidFill>
+            </a:endParaRPr>
+          </a:p>
+          <a:p>
+            <a:pPr marL="0" indent="0">
+              <a:buNone/>
+            </a:pPr>
+            <a:r>
+              <a:rPr lang="de-DE" dirty="0"/>
+              <a:t>        }</a:t>
+            </a:r>
+          </a:p>
+          <a:p>
+            <a:pPr marL="0" indent="0">
+              <a:buNone/>
+            </a:pPr>
+            <a:r>
+              <a:rPr lang="de-DE" dirty="0"/>
+              <a:t>    }</a:t>
+            </a:r>
+          </a:p>
+          <a:p>
+            <a:pPr marL="0" indent="0">
+              <a:buNone/>
+            </a:pPr>
+            <a:r>
+              <a:rPr lang="de-DE" dirty="0"/>
+              <a:t>}</a:t>
+            </a:r>
+            <a:endParaRPr lang="en-US" dirty="0" smtClean="0"/>
+          </a:p>
+        </p:txBody>
+      </p:sp>
+    </p:spTree>
+    <p:extLst>
+      <p:ext uri="{BB962C8B-B14F-4D97-AF65-F5344CB8AC3E}">
+        <p14:creationId xmlns:p14="http://schemas.microsoft.com/office/powerpoint/2010/main" val="1291299045"/>
+      </p:ext>
+    </p:extLst>
+  </p:cSld>
+  <p:clrMapOvr>
+    <a:masterClrMapping/>
+  </p:clrMapOvr>
+</p:sld>
+</file>
+
+<file path=ppt/slides/slide23.xml><?xml version="1.0" encoding="utf-8"?>
+<p:sld xmlns:a="http://schemas.openxmlformats.org/drawingml/2006/main" xmlns:r="http://schemas.openxmlformats.org/officeDocument/2006/relationships" xmlns:p="http://schemas.openxmlformats.org/presentationml/2006/main">
+  <p:cSld>
+    <p:spTree>
+      <p:nvGrpSpPr>
+        <p:cNvPr id="1" name=""/>
+        <p:cNvGrpSpPr/>
+        <p:nvPr/>
+      </p:nvGrpSpPr>
+      <p:grpSpPr>
+        <a:xfrm>
+          <a:off x="0" y="0"/>
+          <a:ext cx="0" cy="0"/>
+          <a:chOff x="0" y="0"/>
+          <a:chExt cx="0" cy="0"/>
+        </a:xfrm>
+      </p:grpSpPr>
+      <p:sp>
+        <p:nvSpPr>
+          <p:cNvPr id="2" name="Title 1"/>
+          <p:cNvSpPr>
+            <a:spLocks noGrp="1"/>
+          </p:cNvSpPr>
+          <p:nvPr>
+            <p:ph type="title"/>
+          </p:nvPr>
+        </p:nvSpPr>
+        <p:spPr/>
+        <p:txBody>
+          <a:bodyPr/>
+          <a:lstStyle/>
+          <a:p>
+            <a:r>
+              <a:rPr lang="en-US" dirty="0" smtClean="0"/>
+              <a:t>Resources section</a:t>
+            </a:r>
+            <a:endParaRPr lang="en-US" dirty="0"/>
+          </a:p>
+        </p:txBody>
+      </p:sp>
+      <p:sp>
+        <p:nvSpPr>
+          <p:cNvPr id="3" name="Content Placeholder 2"/>
+          <p:cNvSpPr>
+            <a:spLocks noGrp="1"/>
+          </p:cNvSpPr>
+          <p:nvPr>
+            <p:ph idx="1"/>
+          </p:nvPr>
+        </p:nvSpPr>
+        <p:spPr/>
+        <p:txBody>
+          <a:bodyPr>
+            <a:normAutofit lnSpcReduction="10000"/>
+          </a:bodyPr>
+          <a:lstStyle/>
+          <a:p>
+            <a:r>
+              <a:rPr lang="en-US" dirty="0" smtClean="0"/>
+              <a:t>Multiple ways to define properties:</a:t>
+            </a:r>
+          </a:p>
+          <a:p>
+            <a:endParaRPr lang="en-US" dirty="0"/>
+          </a:p>
+          <a:p>
+            <a:pPr marL="0" indent="0">
+              <a:buNone/>
+            </a:pPr>
+            <a:r>
+              <a:rPr lang="en-US" sz="2200" dirty="0"/>
+              <a:t>"Properties" : {</a:t>
+            </a:r>
+          </a:p>
+          <a:p>
+            <a:pPr marL="0" indent="0">
+              <a:buNone/>
+            </a:pPr>
+            <a:r>
+              <a:rPr lang="en-US" sz="2200" dirty="0"/>
+              <a:t>    "String" : "one-string-value",</a:t>
+            </a:r>
+          </a:p>
+          <a:p>
+            <a:pPr marL="0" indent="0">
+              <a:buNone/>
+            </a:pPr>
+            <a:r>
+              <a:rPr lang="ro-RO" sz="2200" dirty="0"/>
+              <a:t>    "Number" : "123",</a:t>
+            </a:r>
+          </a:p>
+          <a:p>
+            <a:pPr marL="0" indent="0">
+              <a:buNone/>
+            </a:pPr>
+            <a:r>
+              <a:rPr lang="ro-RO" sz="2200" dirty="0"/>
+              <a:t>    "LiteralList" : [ "first-value", "second-value" ],</a:t>
+            </a:r>
+          </a:p>
+          <a:p>
+            <a:pPr marL="0" indent="0">
+              <a:buNone/>
+            </a:pPr>
+            <a:r>
+              <a:rPr lang="ro-RO" sz="2200" dirty="0"/>
+              <a:t>    "Boolean" : "true",</a:t>
+            </a:r>
+          </a:p>
+          <a:p>
+            <a:pPr marL="0" indent="0">
+              <a:buNone/>
+            </a:pPr>
+            <a:r>
+              <a:rPr lang="ro-RO" sz="2200" dirty="0"/>
+              <a:t>    "ReferenceForOneValue" :  { "Ref" : "MyLogicalResourceName" } ,</a:t>
+            </a:r>
+          </a:p>
+          <a:p>
+            <a:pPr marL="0" indent="0">
+              <a:buNone/>
+            </a:pPr>
+            <a:r>
+              <a:rPr lang="ro-RO" sz="2200" dirty="0"/>
+              <a:t>    "FunctionResultWithFunctionParams" : {</a:t>
+            </a:r>
+          </a:p>
+          <a:p>
+            <a:pPr marL="0" indent="0">
+              <a:buNone/>
+            </a:pPr>
+            <a:r>
+              <a:rPr lang="en-US" sz="2200" dirty="0"/>
+              <a:t>        "</a:t>
+            </a:r>
+            <a:r>
+              <a:rPr lang="en-US" sz="2200" dirty="0" err="1"/>
+              <a:t>Fn</a:t>
+            </a:r>
+            <a:r>
+              <a:rPr lang="en-US" sz="2200" dirty="0"/>
+              <a:t>::Join" : [ "%", [ "Key=", { "Ref" : "</a:t>
+            </a:r>
+            <a:r>
+              <a:rPr lang="en-US" sz="2200" dirty="0" err="1"/>
+              <a:t>MyParameter</a:t>
+            </a:r>
+            <a:r>
+              <a:rPr lang="en-US" sz="2200" dirty="0"/>
+              <a:t>" } ] ] }</a:t>
+            </a:r>
+          </a:p>
+          <a:p>
+            <a:pPr marL="0" indent="0">
+              <a:buNone/>
+            </a:pPr>
+            <a:r>
+              <a:rPr lang="en-US" sz="2200" dirty="0"/>
+              <a:t>}</a:t>
+            </a:r>
+            <a:endParaRPr lang="en-US" sz="2200" dirty="0"/>
+          </a:p>
+        </p:txBody>
+      </p:sp>
+    </p:spTree>
+    <p:extLst>
+      <p:ext uri="{BB962C8B-B14F-4D97-AF65-F5344CB8AC3E}">
+        <p14:creationId xmlns:p14="http://schemas.microsoft.com/office/powerpoint/2010/main" val="4035327035"/>
+      </p:ext>
+    </p:extLst>
+  </p:cSld>
+  <p:clrMapOvr>
+    <a:masterClrMapping/>
+  </p:clrMapOvr>
+</p:sld>
+</file>
+
+<file path=ppt/slides/slide24.xml><?xml version="1.0" encoding="utf-8"?>
+<p:sld xmlns:a="http://schemas.openxmlformats.org/drawingml/2006/main" xmlns:r="http://schemas.openxmlformats.org/officeDocument/2006/relationships" xmlns:p="http://schemas.openxmlformats.org/presentationml/2006/main">
+  <p:cSld>
+    <p:spTree>
+      <p:nvGrpSpPr>
+        <p:cNvPr id="1" name=""/>
+        <p:cNvGrpSpPr/>
+        <p:nvPr/>
+      </p:nvGrpSpPr>
+      <p:grpSpPr>
+        <a:xfrm>
+          <a:off x="0" y="0"/>
+          <a:ext cx="0" cy="0"/>
+          <a:chOff x="0" y="0"/>
+          <a:chExt cx="0" cy="0"/>
+        </a:xfrm>
+      </p:grpSpPr>
+      <p:sp>
+        <p:nvSpPr>
+          <p:cNvPr id="2" name="Title 1"/>
+          <p:cNvSpPr>
+            <a:spLocks noGrp="1"/>
+          </p:cNvSpPr>
+          <p:nvPr>
+            <p:ph type="title"/>
+          </p:nvPr>
+        </p:nvSpPr>
+        <p:spPr/>
+        <p:txBody>
+          <a:bodyPr/>
+          <a:lstStyle/>
+          <a:p>
+            <a:r>
+              <a:rPr lang="en-US" dirty="0" smtClean="0"/>
+              <a:t>Resources section</a:t>
+            </a:r>
+            <a:endParaRPr lang="en-US" dirty="0"/>
+          </a:p>
+        </p:txBody>
+      </p:sp>
+      <p:sp>
+        <p:nvSpPr>
+          <p:cNvPr id="3" name="Content Placeholder 2"/>
+          <p:cNvSpPr>
+            <a:spLocks noGrp="1"/>
+          </p:cNvSpPr>
+          <p:nvPr>
+            <p:ph idx="1"/>
+          </p:nvPr>
+        </p:nvSpPr>
+        <p:spPr/>
+        <p:txBody>
+          <a:bodyPr>
+            <a:normAutofit fontScale="47500" lnSpcReduction="20000"/>
+          </a:bodyPr>
+          <a:lstStyle/>
+          <a:p>
+            <a:pPr marL="0" indent="0">
+              <a:buNone/>
+            </a:pPr>
+            <a:r>
+              <a:rPr lang="en-US" dirty="0"/>
+              <a:t> "Resources" : {</a:t>
+            </a:r>
+          </a:p>
+          <a:p>
+            <a:pPr marL="0" indent="0">
+              <a:buNone/>
+            </a:pPr>
+            <a:r>
+              <a:rPr lang="de-DE" dirty="0"/>
+              <a:t>    "</a:t>
+            </a:r>
+            <a:r>
+              <a:rPr lang="de-DE" dirty="0" err="1"/>
+              <a:t>MyInstance</a:t>
+            </a:r>
+            <a:r>
+              <a:rPr lang="de-DE" dirty="0"/>
+              <a:t>" : {</a:t>
+            </a:r>
+          </a:p>
+          <a:p>
+            <a:pPr marL="0" indent="0">
+              <a:buNone/>
+            </a:pPr>
+            <a:r>
+              <a:rPr lang="de-DE" dirty="0"/>
+              <a:t>        "Type" : "AWS::EC2::Instance",</a:t>
+            </a:r>
+          </a:p>
+          <a:p>
+            <a:pPr marL="0" indent="0">
+              <a:buNone/>
+            </a:pPr>
+            <a:r>
+              <a:rPr lang="de-DE" dirty="0"/>
+              <a:t>        "Properties" : {</a:t>
+            </a:r>
+          </a:p>
+          <a:p>
+            <a:pPr marL="0" indent="0">
+              <a:buNone/>
+            </a:pPr>
+            <a:r>
+              <a:rPr lang="de-DE" dirty="0"/>
+              <a:t>            "</a:t>
+            </a:r>
+            <a:r>
+              <a:rPr lang="de-DE" dirty="0" err="1"/>
+              <a:t>UserData</a:t>
+            </a:r>
+            <a:r>
+              <a:rPr lang="de-DE" dirty="0"/>
+              <a:t>" : {</a:t>
+            </a:r>
+          </a:p>
+          <a:p>
+            <a:pPr marL="0" indent="0">
+              <a:buNone/>
+            </a:pPr>
+            <a:r>
+              <a:rPr lang="de-DE" dirty="0"/>
+              <a:t>                "</a:t>
+            </a:r>
+            <a:r>
+              <a:rPr lang="de-DE" dirty="0" err="1"/>
+              <a:t>Fn</a:t>
+            </a:r>
+            <a:r>
+              <a:rPr lang="de-DE" dirty="0"/>
+              <a:t>::Base64" : {</a:t>
+            </a:r>
+          </a:p>
+          <a:p>
+            <a:pPr marL="0" indent="0">
+              <a:buNone/>
+            </a:pPr>
+            <a:r>
+              <a:rPr lang="de-DE" dirty="0"/>
+              <a:t>                    "</a:t>
+            </a:r>
+            <a:r>
+              <a:rPr lang="de-DE" dirty="0" err="1"/>
+              <a:t>Fn</a:t>
+            </a:r>
+            <a:r>
+              <a:rPr lang="de-DE" dirty="0"/>
+              <a:t>::</a:t>
+            </a:r>
+            <a:r>
+              <a:rPr lang="de-DE" dirty="0" err="1"/>
+              <a:t>Join</a:t>
+            </a:r>
+            <a:r>
+              <a:rPr lang="de-DE" dirty="0"/>
+              <a:t>" : [ "", [ "Queue=", { "</a:t>
+            </a:r>
+            <a:r>
+              <a:rPr lang="de-DE" dirty="0" err="1"/>
+              <a:t>Ref</a:t>
+            </a:r>
+            <a:r>
+              <a:rPr lang="de-DE" dirty="0"/>
+              <a:t>" : "</a:t>
+            </a:r>
+            <a:r>
+              <a:rPr lang="de-DE" dirty="0" err="1"/>
+              <a:t>MyQueue</a:t>
+            </a:r>
+            <a:r>
+              <a:rPr lang="de-DE" dirty="0"/>
+              <a:t>" } ] ]</a:t>
+            </a:r>
+          </a:p>
+          <a:p>
+            <a:pPr marL="0" indent="0">
+              <a:buNone/>
+            </a:pPr>
+            <a:r>
+              <a:rPr lang="de-DE" dirty="0"/>
+              <a:t>                 } },</a:t>
+            </a:r>
+          </a:p>
+          <a:p>
+            <a:pPr marL="0" indent="0">
+              <a:buNone/>
+            </a:pPr>
+            <a:r>
+              <a:rPr lang="en-US" dirty="0"/>
+              <a:t>            "</a:t>
+            </a:r>
+            <a:r>
+              <a:rPr lang="en-US" dirty="0" err="1"/>
+              <a:t>AvailabilityZone</a:t>
+            </a:r>
+            <a:r>
+              <a:rPr lang="en-US" dirty="0"/>
+              <a:t>" : "us-east-1a",</a:t>
+            </a:r>
+          </a:p>
+          <a:p>
+            <a:pPr marL="0" indent="0">
+              <a:buNone/>
+            </a:pPr>
+            <a:r>
+              <a:rPr lang="de-DE" dirty="0"/>
+              <a:t>            "</a:t>
+            </a:r>
+            <a:r>
+              <a:rPr lang="de-DE" dirty="0" err="1"/>
+              <a:t>ImageId</a:t>
+            </a:r>
+            <a:r>
+              <a:rPr lang="de-DE" dirty="0"/>
+              <a:t>" : "ami-20b65349"</a:t>
+            </a:r>
+          </a:p>
+          <a:p>
+            <a:pPr marL="0" indent="0">
+              <a:buNone/>
+            </a:pPr>
+            <a:r>
+              <a:rPr lang="de-DE" dirty="0"/>
+              <a:t>        }</a:t>
+            </a:r>
+          </a:p>
+          <a:p>
+            <a:pPr marL="0" indent="0">
+              <a:buNone/>
+            </a:pPr>
+            <a:r>
+              <a:rPr lang="de-DE" dirty="0"/>
+              <a:t>    },</a:t>
+            </a:r>
+          </a:p>
+          <a:p>
+            <a:pPr marL="0" indent="0">
+              <a:buNone/>
+            </a:pPr>
+            <a:endParaRPr lang="de-DE" dirty="0"/>
+          </a:p>
+          <a:p>
+            <a:pPr marL="0" indent="0">
+              <a:buNone/>
+            </a:pPr>
+            <a:r>
+              <a:rPr lang="de-DE" dirty="0"/>
+              <a:t>    "</a:t>
+            </a:r>
+            <a:r>
+              <a:rPr lang="de-DE" dirty="0" err="1"/>
+              <a:t>MyQueue</a:t>
+            </a:r>
+            <a:r>
+              <a:rPr lang="de-DE" dirty="0"/>
+              <a:t>" : {</a:t>
+            </a:r>
+          </a:p>
+          <a:p>
+            <a:pPr marL="0" indent="0">
+              <a:buNone/>
+            </a:pPr>
+            <a:r>
+              <a:rPr lang="de-DE" dirty="0"/>
+              <a:t>        "Type" : "AWS::SQS::Queue",</a:t>
+            </a:r>
+          </a:p>
+          <a:p>
+            <a:pPr marL="0" indent="0">
+              <a:buNone/>
+            </a:pPr>
+            <a:r>
+              <a:rPr lang="de-DE" dirty="0"/>
+              <a:t>        "Properties" : {</a:t>
+            </a:r>
+          </a:p>
+          <a:p>
+            <a:pPr marL="0" indent="0">
+              <a:buNone/>
+            </a:pPr>
+            <a:r>
+              <a:rPr lang="de-DE" dirty="0"/>
+              <a:t>        }</a:t>
+            </a:r>
+          </a:p>
+          <a:p>
+            <a:pPr marL="0" indent="0">
+              <a:buNone/>
+            </a:pPr>
+            <a:r>
+              <a:rPr lang="de-DE" dirty="0"/>
+              <a:t>    }</a:t>
+            </a:r>
+          </a:p>
+          <a:p>
+            <a:pPr marL="0" indent="0">
+              <a:buNone/>
+            </a:pPr>
+            <a:r>
+              <a:rPr lang="de-DE" dirty="0"/>
+              <a:t>} </a:t>
+            </a:r>
+            <a:endParaRPr lang="en-US" dirty="0"/>
+          </a:p>
+        </p:txBody>
+      </p:sp>
+    </p:spTree>
+    <p:extLst>
+      <p:ext uri="{BB962C8B-B14F-4D97-AF65-F5344CB8AC3E}">
+        <p14:creationId xmlns:p14="http://schemas.microsoft.com/office/powerpoint/2010/main" val="715701311"/>
+      </p:ext>
+    </p:extLst>
+  </p:cSld>
+  <p:clrMapOvr>
+    <a:masterClrMapping/>
+  </p:clrMapOvr>
+</p:sld>
+</file>
+
+<file path=ppt/slides/slide25.xml><?xml version="1.0" encoding="utf-8"?>
+<p:sld xmlns:a="http://schemas.openxmlformats.org/drawingml/2006/main" xmlns:r="http://schemas.openxmlformats.org/officeDocument/2006/relationships" xmlns:p="http://schemas.openxmlformats.org/presentationml/2006/main">
+  <p:cSld>
+    <p:spTree>
+      <p:nvGrpSpPr>
+        <p:cNvPr id="1" name=""/>
+        <p:cNvGrpSpPr/>
+        <p:nvPr/>
+      </p:nvGrpSpPr>
+      <p:grpSpPr>
+        <a:xfrm>
+          <a:off x="0" y="0"/>
+          <a:ext cx="0" cy="0"/>
+          <a:chOff x="0" y="0"/>
+          <a:chExt cx="0" cy="0"/>
+        </a:xfrm>
+      </p:grpSpPr>
+      <p:sp>
+        <p:nvSpPr>
+          <p:cNvPr id="2" name="Title 1"/>
+          <p:cNvSpPr>
+            <a:spLocks noGrp="1"/>
+          </p:cNvSpPr>
+          <p:nvPr>
+            <p:ph type="title"/>
+          </p:nvPr>
+        </p:nvSpPr>
+        <p:spPr/>
+        <p:txBody>
+          <a:bodyPr/>
+          <a:lstStyle/>
+          <a:p>
+            <a:r>
+              <a:rPr lang="en-US" dirty="0" smtClean="0"/>
+              <a:t>Outputs section</a:t>
+            </a:r>
+            <a:endParaRPr lang="en-US" dirty="0"/>
+          </a:p>
+        </p:txBody>
+      </p:sp>
+      <p:sp>
+        <p:nvSpPr>
+          <p:cNvPr id="3" name="Content Placeholder 2"/>
+          <p:cNvSpPr>
+            <a:spLocks noGrp="1"/>
+          </p:cNvSpPr>
+          <p:nvPr>
+            <p:ph idx="1"/>
+          </p:nvPr>
+        </p:nvSpPr>
+        <p:spPr/>
+        <p:txBody>
+          <a:bodyPr>
+            <a:normAutofit fontScale="62500" lnSpcReduction="20000"/>
+          </a:bodyPr>
+          <a:lstStyle/>
+          <a:p>
+            <a:r>
+              <a:rPr lang="en-US" dirty="0" smtClean="0"/>
+              <a:t>The optional outputs section declares values that CloudFormation will return when the stack is created.</a:t>
+            </a:r>
+          </a:p>
+          <a:p>
+            <a:pPr lvl="1"/>
+            <a:r>
+              <a:rPr lang="en-US" dirty="0" smtClean="0"/>
+              <a:t>Example: return the name of an S3 bucket after CloudFormation creates it</a:t>
+            </a:r>
+          </a:p>
+          <a:p>
+            <a:pPr lvl="1"/>
+            <a:r>
+              <a:rPr lang="en-US" dirty="0" smtClean="0"/>
+              <a:t>Maximum of 60 outputs allowed in a template</a:t>
+            </a:r>
+          </a:p>
+          <a:p>
+            <a:endParaRPr lang="en-US" dirty="0"/>
+          </a:p>
+          <a:p>
+            <a:r>
+              <a:rPr lang="en-US" dirty="0" smtClean="0"/>
+              <a:t>Value of an output can be a literal, parameter reference, pseudo parameter, mapping value, or intrinsic function</a:t>
+            </a:r>
+          </a:p>
+          <a:p>
+            <a:pPr lvl="1"/>
+            <a:r>
+              <a:rPr lang="en-US" dirty="0" smtClean="0"/>
+              <a:t>It’s possible to set a condition on the output using the “Condition” parameter</a:t>
+            </a:r>
+          </a:p>
+          <a:p>
+            <a:endParaRPr lang="de-DE" dirty="0" smtClean="0"/>
+          </a:p>
+          <a:p>
+            <a:pPr marL="0" indent="0">
+              <a:buNone/>
+            </a:pPr>
+            <a:r>
+              <a:rPr lang="de-DE" dirty="0" smtClean="0"/>
+              <a:t>"</a:t>
+            </a:r>
+            <a:r>
+              <a:rPr lang="de-DE" dirty="0"/>
+              <a:t>Outputs" : {</a:t>
+            </a:r>
+          </a:p>
+          <a:p>
+            <a:pPr marL="0" indent="0">
+              <a:buNone/>
+            </a:pPr>
+            <a:r>
+              <a:rPr lang="es-ES_tradnl" dirty="0"/>
+              <a:t>  "</a:t>
+            </a:r>
+            <a:r>
+              <a:rPr lang="es-ES_tradnl" i="1" dirty="0" err="1">
+                <a:solidFill>
+                  <a:srgbClr val="FF0000"/>
+                </a:solidFill>
+              </a:rPr>
+              <a:t>Logical</a:t>
+            </a:r>
+            <a:r>
+              <a:rPr lang="es-ES_tradnl" i="1" dirty="0">
+                <a:solidFill>
+                  <a:srgbClr val="FF0000"/>
+                </a:solidFill>
+              </a:rPr>
+              <a:t> ID</a:t>
+            </a:r>
+            <a:r>
+              <a:rPr lang="es-ES_tradnl" dirty="0"/>
+              <a:t>" : {</a:t>
+            </a:r>
+          </a:p>
+          <a:p>
+            <a:pPr marL="0" indent="0">
+              <a:buNone/>
+            </a:pPr>
+            <a:r>
+              <a:rPr lang="es-ES_tradnl" dirty="0"/>
+              <a:t>    "</a:t>
+            </a:r>
+            <a:r>
+              <a:rPr lang="es-ES_tradnl" dirty="0" err="1"/>
+              <a:t>Description</a:t>
+            </a:r>
+            <a:r>
+              <a:rPr lang="es-ES_tradnl" dirty="0"/>
+              <a:t>" : "</a:t>
+            </a:r>
+            <a:r>
+              <a:rPr lang="es-ES_tradnl" i="1" dirty="0" err="1">
+                <a:solidFill>
+                  <a:srgbClr val="FF0000"/>
+                </a:solidFill>
+              </a:rPr>
+              <a:t>Information</a:t>
+            </a:r>
+            <a:r>
+              <a:rPr lang="es-ES_tradnl" i="1" dirty="0">
+                <a:solidFill>
+                  <a:srgbClr val="FF0000"/>
+                </a:solidFill>
+              </a:rPr>
+              <a:t> </a:t>
+            </a:r>
+            <a:r>
+              <a:rPr lang="es-ES_tradnl" i="1" dirty="0" err="1">
+                <a:solidFill>
+                  <a:srgbClr val="FF0000"/>
+                </a:solidFill>
+              </a:rPr>
+              <a:t>about</a:t>
+            </a:r>
+            <a:r>
+              <a:rPr lang="es-ES_tradnl" i="1" dirty="0">
+                <a:solidFill>
+                  <a:srgbClr val="FF0000"/>
+                </a:solidFill>
+              </a:rPr>
+              <a:t> </a:t>
+            </a:r>
+            <a:r>
+              <a:rPr lang="es-ES_tradnl" i="1" dirty="0" err="1">
+                <a:solidFill>
+                  <a:srgbClr val="FF0000"/>
+                </a:solidFill>
+              </a:rPr>
+              <a:t>the</a:t>
+            </a:r>
+            <a:r>
+              <a:rPr lang="es-ES_tradnl" i="1" dirty="0">
+                <a:solidFill>
+                  <a:srgbClr val="FF0000"/>
+                </a:solidFill>
+              </a:rPr>
+              <a:t> </a:t>
+            </a:r>
+            <a:r>
+              <a:rPr lang="es-ES_tradnl" i="1" dirty="0" err="1">
+                <a:solidFill>
+                  <a:srgbClr val="FF0000"/>
+                </a:solidFill>
+              </a:rPr>
+              <a:t>value</a:t>
+            </a:r>
+            <a:r>
+              <a:rPr lang="es-ES_tradnl" dirty="0"/>
+              <a:t>",</a:t>
+            </a:r>
+          </a:p>
+          <a:p>
+            <a:pPr marL="0" indent="0">
+              <a:buNone/>
+            </a:pPr>
+            <a:r>
+              <a:rPr lang="es-ES_tradnl" dirty="0"/>
+              <a:t>    "</a:t>
+            </a:r>
+            <a:r>
+              <a:rPr lang="es-ES_tradnl" dirty="0" err="1"/>
+              <a:t>Value</a:t>
+            </a:r>
+            <a:r>
+              <a:rPr lang="es-ES_tradnl" dirty="0"/>
+              <a:t>" : "</a:t>
+            </a:r>
+            <a:r>
+              <a:rPr lang="es-ES_tradnl" i="1" dirty="0" err="1">
+                <a:solidFill>
+                  <a:srgbClr val="FF0000"/>
+                </a:solidFill>
+              </a:rPr>
+              <a:t>Value</a:t>
+            </a:r>
+            <a:r>
+              <a:rPr lang="es-ES_tradnl" i="1" dirty="0">
+                <a:solidFill>
+                  <a:srgbClr val="FF0000"/>
+                </a:solidFill>
+              </a:rPr>
+              <a:t> </a:t>
+            </a:r>
+            <a:r>
+              <a:rPr lang="es-ES_tradnl" i="1" dirty="0" err="1">
+                <a:solidFill>
+                  <a:srgbClr val="FF0000"/>
+                </a:solidFill>
+              </a:rPr>
+              <a:t>to</a:t>
+            </a:r>
+            <a:r>
+              <a:rPr lang="es-ES_tradnl" i="1" dirty="0">
+                <a:solidFill>
+                  <a:srgbClr val="FF0000"/>
+                </a:solidFill>
+              </a:rPr>
+              <a:t> </a:t>
+            </a:r>
+            <a:r>
+              <a:rPr lang="es-ES_tradnl" i="1" dirty="0" err="1">
+                <a:solidFill>
+                  <a:srgbClr val="FF0000"/>
+                </a:solidFill>
+              </a:rPr>
+              <a:t>return</a:t>
+            </a:r>
+            <a:r>
+              <a:rPr lang="es-ES_tradnl" dirty="0"/>
+              <a:t>"</a:t>
+            </a:r>
+          </a:p>
+          <a:p>
+            <a:pPr marL="0" indent="0">
+              <a:buNone/>
+            </a:pPr>
+            <a:r>
+              <a:rPr lang="de-DE" dirty="0"/>
+              <a:t>  }</a:t>
+            </a:r>
+          </a:p>
+          <a:p>
+            <a:pPr marL="0" indent="0">
+              <a:buNone/>
+            </a:pPr>
+            <a:r>
+              <a:rPr lang="de-DE" dirty="0"/>
+              <a:t>}</a:t>
+            </a:r>
+            <a:endParaRPr lang="en-US" dirty="0" smtClean="0"/>
+          </a:p>
+          <a:p>
+            <a:endParaRPr lang="en-US" dirty="0" smtClean="0"/>
+          </a:p>
+          <a:p>
+            <a:endParaRPr lang="en-US" dirty="0"/>
+          </a:p>
+        </p:txBody>
+      </p:sp>
+    </p:spTree>
+    <p:extLst>
+      <p:ext uri="{BB962C8B-B14F-4D97-AF65-F5344CB8AC3E}">
+        <p14:creationId xmlns:p14="http://schemas.microsoft.com/office/powerpoint/2010/main" val="1803119814"/>
+      </p:ext>
+    </p:extLst>
+  </p:cSld>
+  <p:clrMapOvr>
+    <a:masterClrMapping/>
+  </p:clrMapOvr>
+</p:sld>
+</file>
+
+<file path=ppt/slides/slide26.xml><?xml version="1.0" encoding="utf-8"?>
+<p:sld xmlns:a="http://schemas.openxmlformats.org/drawingml/2006/main" xmlns:r="http://schemas.openxmlformats.org/officeDocument/2006/relationships" xmlns:p="http://schemas.openxmlformats.org/presentationml/2006/main">
+  <p:cSld>
+    <p:spTree>
+      <p:nvGrpSpPr>
+        <p:cNvPr id="1" name=""/>
+        <p:cNvGrpSpPr/>
+        <p:nvPr/>
+      </p:nvGrpSpPr>
+      <p:grpSpPr>
+        <a:xfrm>
+          <a:off x="0" y="0"/>
+          <a:ext cx="0" cy="0"/>
+          <a:chOff x="0" y="0"/>
+          <a:chExt cx="0" cy="0"/>
+        </a:xfrm>
+      </p:grpSpPr>
+      <p:sp>
+        <p:nvSpPr>
+          <p:cNvPr id="2" name="Title 1"/>
+          <p:cNvSpPr>
+            <a:spLocks noGrp="1"/>
+          </p:cNvSpPr>
+          <p:nvPr>
+            <p:ph type="title"/>
+          </p:nvPr>
+        </p:nvSpPr>
+        <p:spPr/>
+        <p:txBody>
+          <a:bodyPr/>
+          <a:lstStyle/>
+          <a:p>
+            <a:r>
+              <a:rPr lang="en-US" dirty="0" smtClean="0"/>
+              <a:t>Outputs section</a:t>
+            </a:r>
+            <a:endParaRPr lang="en-US" dirty="0"/>
+          </a:p>
+        </p:txBody>
+      </p:sp>
+      <p:sp>
+        <p:nvSpPr>
+          <p:cNvPr id="3" name="Content Placeholder 2"/>
+          <p:cNvSpPr>
+            <a:spLocks noGrp="1"/>
+          </p:cNvSpPr>
+          <p:nvPr>
+            <p:ph idx="1"/>
+          </p:nvPr>
+        </p:nvSpPr>
+        <p:spPr/>
+        <p:txBody>
+          <a:bodyPr>
+            <a:normAutofit/>
+          </a:bodyPr>
+          <a:lstStyle/>
+          <a:p>
+            <a:pPr marL="0" indent="0">
+              <a:buNone/>
+            </a:pPr>
+            <a:r>
+              <a:rPr lang="de-DE" sz="2000" dirty="0"/>
+              <a:t>"Outputs" : {</a:t>
+            </a:r>
+          </a:p>
+          <a:p>
+            <a:pPr marL="0" indent="0">
+              <a:buNone/>
+            </a:pPr>
+            <a:r>
+              <a:rPr lang="de-DE" sz="2000" dirty="0"/>
+              <a:t>  "</a:t>
+            </a:r>
+            <a:r>
+              <a:rPr lang="de-DE" sz="2000" dirty="0" err="1"/>
+              <a:t>BackupLoadBalancerDNSName</a:t>
+            </a:r>
+            <a:r>
+              <a:rPr lang="de-DE" sz="2000" dirty="0"/>
+              <a:t>" : {</a:t>
+            </a:r>
+          </a:p>
+          <a:p>
+            <a:pPr marL="0" indent="0">
+              <a:buNone/>
+            </a:pPr>
+            <a:r>
+              <a:rPr lang="de-DE" sz="2000" dirty="0"/>
+              <a:t>    "Description": "The </a:t>
+            </a:r>
+            <a:r>
+              <a:rPr lang="de-DE" sz="2000" dirty="0" err="1"/>
+              <a:t>DNSName</a:t>
+            </a:r>
+            <a:r>
+              <a:rPr lang="de-DE" sz="2000" dirty="0"/>
+              <a:t> </a:t>
+            </a:r>
+            <a:r>
+              <a:rPr lang="de-DE" sz="2000" dirty="0" err="1"/>
+              <a:t>of</a:t>
+            </a:r>
+            <a:r>
+              <a:rPr lang="de-DE" sz="2000" dirty="0"/>
+              <a:t> </a:t>
+            </a:r>
+            <a:r>
+              <a:rPr lang="de-DE" sz="2000" dirty="0" err="1"/>
+              <a:t>the</a:t>
+            </a:r>
+            <a:r>
+              <a:rPr lang="de-DE" sz="2000" dirty="0"/>
+              <a:t> </a:t>
+            </a:r>
+            <a:r>
+              <a:rPr lang="de-DE" sz="2000" dirty="0" err="1"/>
+              <a:t>backup</a:t>
+            </a:r>
+            <a:r>
+              <a:rPr lang="de-DE" sz="2000" dirty="0"/>
+              <a:t> </a:t>
+            </a:r>
+            <a:r>
+              <a:rPr lang="de-DE" sz="2000" dirty="0" err="1"/>
+              <a:t>load</a:t>
+            </a:r>
+            <a:r>
+              <a:rPr lang="de-DE" sz="2000" dirty="0"/>
+              <a:t> </a:t>
+            </a:r>
+            <a:r>
+              <a:rPr lang="de-DE" sz="2000" dirty="0" err="1"/>
+              <a:t>balancer</a:t>
+            </a:r>
+            <a:r>
+              <a:rPr lang="de-DE" sz="2000" dirty="0"/>
+              <a:t>",  </a:t>
+            </a:r>
+          </a:p>
+          <a:p>
+            <a:pPr marL="0" indent="0">
+              <a:buNone/>
+            </a:pPr>
+            <a:r>
+              <a:rPr lang="de-DE" sz="2000" dirty="0"/>
+              <a:t>    "Value" : { "</a:t>
+            </a:r>
+            <a:r>
+              <a:rPr lang="de-DE" sz="2000" dirty="0" err="1"/>
+              <a:t>Fn</a:t>
+            </a:r>
+            <a:r>
+              <a:rPr lang="de-DE" sz="2000" dirty="0"/>
+              <a:t>::</a:t>
+            </a:r>
+            <a:r>
+              <a:rPr lang="de-DE" sz="2000" dirty="0" err="1"/>
+              <a:t>GetAtt</a:t>
+            </a:r>
+            <a:r>
+              <a:rPr lang="de-DE" sz="2000" dirty="0"/>
+              <a:t>" : [ "</a:t>
+            </a:r>
+            <a:r>
+              <a:rPr lang="de-DE" sz="2000" dirty="0" err="1"/>
+              <a:t>BackupLoadBalancer</a:t>
+            </a:r>
+            <a:r>
+              <a:rPr lang="de-DE" sz="2000" dirty="0"/>
+              <a:t>", "</a:t>
+            </a:r>
+            <a:r>
+              <a:rPr lang="de-DE" sz="2000" dirty="0" err="1"/>
+              <a:t>DNSName</a:t>
+            </a:r>
+            <a:r>
+              <a:rPr lang="de-DE" sz="2000" dirty="0"/>
+              <a:t>" ]},</a:t>
+            </a:r>
+          </a:p>
+          <a:p>
+            <a:pPr marL="0" indent="0">
+              <a:buNone/>
+            </a:pPr>
+            <a:r>
+              <a:rPr lang="de-DE" sz="2000" dirty="0"/>
+              <a:t>    "</a:t>
+            </a:r>
+            <a:r>
+              <a:rPr lang="de-DE" sz="2000" dirty="0" err="1"/>
+              <a:t>Condition</a:t>
+            </a:r>
+            <a:r>
+              <a:rPr lang="de-DE" sz="2000" dirty="0"/>
+              <a:t>" : "</a:t>
+            </a:r>
+            <a:r>
+              <a:rPr lang="de-DE" sz="2000" dirty="0" err="1"/>
+              <a:t>CreateProdResources</a:t>
+            </a:r>
+            <a:r>
+              <a:rPr lang="de-DE" sz="2000" dirty="0"/>
+              <a:t>"</a:t>
+            </a:r>
+          </a:p>
+          <a:p>
+            <a:pPr marL="0" indent="0">
+              <a:buNone/>
+            </a:pPr>
+            <a:r>
+              <a:rPr lang="de-DE" sz="2000" dirty="0"/>
+              <a:t>  },</a:t>
+            </a:r>
+          </a:p>
+          <a:p>
+            <a:pPr marL="0" indent="0">
+              <a:buNone/>
+            </a:pPr>
+            <a:r>
+              <a:rPr lang="de-DE" sz="2000" dirty="0"/>
+              <a:t>  "</a:t>
+            </a:r>
+            <a:r>
+              <a:rPr lang="de-DE" sz="2000" dirty="0" err="1"/>
+              <a:t>InstanceID</a:t>
+            </a:r>
+            <a:r>
+              <a:rPr lang="de-DE" sz="2000" dirty="0"/>
+              <a:t>" : {</a:t>
+            </a:r>
+          </a:p>
+          <a:p>
+            <a:pPr marL="0" indent="0">
+              <a:buNone/>
+            </a:pPr>
+            <a:r>
+              <a:rPr lang="de-DE" sz="2000" dirty="0"/>
+              <a:t>    "Description": "The Instance ID",  </a:t>
+            </a:r>
+          </a:p>
+          <a:p>
+            <a:pPr marL="0" indent="0">
+              <a:buNone/>
+            </a:pPr>
+            <a:r>
+              <a:rPr lang="fr-FR" sz="2000" dirty="0"/>
+              <a:t>    "Value" : { "</a:t>
+            </a:r>
+            <a:r>
+              <a:rPr lang="fr-FR" sz="2000" dirty="0" err="1"/>
+              <a:t>Ref</a:t>
+            </a:r>
+            <a:r>
+              <a:rPr lang="fr-FR" sz="2000" dirty="0"/>
+              <a:t>" : "EC2Instance" }</a:t>
+            </a:r>
+          </a:p>
+          <a:p>
+            <a:pPr marL="0" indent="0">
+              <a:buNone/>
+            </a:pPr>
+            <a:r>
+              <a:rPr lang="de-DE" sz="2000" dirty="0"/>
+              <a:t>  }</a:t>
+            </a:r>
+          </a:p>
+          <a:p>
+            <a:pPr marL="0" indent="0">
+              <a:buNone/>
+            </a:pPr>
+            <a:r>
+              <a:rPr lang="de-DE" sz="2000" dirty="0"/>
+              <a:t>}</a:t>
+            </a:r>
+            <a:endParaRPr lang="en-US" sz="2000" dirty="0"/>
+          </a:p>
+        </p:txBody>
+      </p:sp>
+    </p:spTree>
+    <p:extLst>
+      <p:ext uri="{BB962C8B-B14F-4D97-AF65-F5344CB8AC3E}">
+        <p14:creationId xmlns:p14="http://schemas.microsoft.com/office/powerpoint/2010/main" val="2442897666"/>
+      </p:ext>
+    </p:extLst>
+  </p:cSld>
+  <p:clrMapOvr>
+    <a:masterClrMapping/>
+  </p:clrMapOvr>
+</p:sld>
+</file>
+
+<file path=ppt/slides/slide27.xml><?xml version="1.0" encoding="utf-8"?>
+<p:sld xmlns:a="http://schemas.openxmlformats.org/drawingml/2006/main" xmlns:r="http://schemas.openxmlformats.org/officeDocument/2006/relationships" xmlns:p="http://schemas.openxmlformats.org/presentationml/2006/main">
+  <p:cSld>
+    <p:spTree>
+      <p:nvGrpSpPr>
+        <p:cNvPr id="1" name=""/>
+        <p:cNvGrpSpPr/>
+        <p:nvPr/>
+      </p:nvGrpSpPr>
+      <p:grpSpPr>
+        <a:xfrm>
+          <a:off x="0" y="0"/>
+          <a:ext cx="0" cy="0"/>
+          <a:chOff x="0" y="0"/>
+          <a:chExt cx="0" cy="0"/>
+        </a:xfrm>
+      </p:grpSpPr>
+      <p:sp>
+        <p:nvSpPr>
+          <p:cNvPr id="2" name="Title 1"/>
+          <p:cNvSpPr>
+            <a:spLocks noGrp="1"/>
+          </p:cNvSpPr>
+          <p:nvPr>
+            <p:ph type="title"/>
+          </p:nvPr>
+        </p:nvSpPr>
+        <p:spPr/>
+        <p:txBody>
+          <a:bodyPr/>
+          <a:lstStyle/>
+          <a:p>
+            <a:r>
+              <a:rPr lang="en-US" dirty="0" smtClean="0"/>
+              <a:t>Nested Stacks</a:t>
+            </a:r>
+            <a:endParaRPr lang="en-US" dirty="0"/>
+          </a:p>
+        </p:txBody>
+      </p:sp>
+      <p:sp>
+        <p:nvSpPr>
+          <p:cNvPr id="3" name="Content Placeholder 2"/>
+          <p:cNvSpPr>
+            <a:spLocks noGrp="1"/>
+          </p:cNvSpPr>
+          <p:nvPr>
+            <p:ph idx="1"/>
+          </p:nvPr>
+        </p:nvSpPr>
+        <p:spPr/>
+        <p:txBody>
+          <a:bodyPr>
+            <a:normAutofit fontScale="92500" lnSpcReduction="20000"/>
+          </a:bodyPr>
+          <a:lstStyle/>
+          <a:p>
+            <a:r>
+              <a:rPr lang="en-US" dirty="0" smtClean="0"/>
+              <a:t>CloudFormation stacks can be used as resources in other stacks.</a:t>
+            </a:r>
+          </a:p>
+          <a:p>
+            <a:endParaRPr lang="en-US" dirty="0" smtClean="0"/>
+          </a:p>
+          <a:p>
+            <a:r>
+              <a:rPr lang="en-US" dirty="0" smtClean="0"/>
+              <a:t>Useful for making reusable templates and segmenting resources.</a:t>
+            </a:r>
+          </a:p>
+          <a:p>
+            <a:endParaRPr lang="en-US" dirty="0" smtClean="0"/>
+          </a:p>
+          <a:p>
+            <a:r>
+              <a:rPr lang="en-US" dirty="0" smtClean="0"/>
+              <a:t>Launching a template with nested stacks will launch multiple sub-stacks.</a:t>
+            </a:r>
+          </a:p>
+          <a:p>
+            <a:pPr lvl="1"/>
+            <a:r>
+              <a:rPr lang="en-US" dirty="0" smtClean="0"/>
+              <a:t>Nested stack templates must be stored in an S3 bucket.</a:t>
+            </a:r>
+          </a:p>
+          <a:p>
+            <a:pPr lvl="1"/>
+            <a:r>
+              <a:rPr lang="en-US" dirty="0" smtClean="0"/>
+              <a:t>Deleting launching stack will delete all </a:t>
+            </a:r>
+            <a:r>
+              <a:rPr lang="en-US" dirty="0" err="1" smtClean="0"/>
+              <a:t>substacks</a:t>
+            </a:r>
+            <a:r>
+              <a:rPr lang="en-US" dirty="0" smtClean="0"/>
+              <a:t>.</a:t>
+            </a:r>
+            <a:endParaRPr lang="en-US" dirty="0"/>
+          </a:p>
+        </p:txBody>
+      </p:sp>
+    </p:spTree>
+    <p:extLst>
+      <p:ext uri="{BB962C8B-B14F-4D97-AF65-F5344CB8AC3E}">
+        <p14:creationId xmlns:p14="http://schemas.microsoft.com/office/powerpoint/2010/main" val="4064337368"/>
+      </p:ext>
+    </p:extLst>
+  </p:cSld>
+  <p:clrMapOvr>
+    <a:masterClrMapping/>
+  </p:clrMapOvr>
+</p:sld>
+</file>
+
+<file path=ppt/slides/slide28.xml><?xml version="1.0" encoding="utf-8"?>
+<p:sld xmlns:a="http://schemas.openxmlformats.org/drawingml/2006/main" xmlns:r="http://schemas.openxmlformats.org/officeDocument/2006/relationships" xmlns:p="http://schemas.openxmlformats.org/presentationml/2006/main">
+  <p:cSld>
+    <p:spTree>
+      <p:nvGrpSpPr>
+        <p:cNvPr id="1" name=""/>
+        <p:cNvGrpSpPr/>
+        <p:nvPr/>
+      </p:nvGrpSpPr>
+      <p:grpSpPr>
+        <a:xfrm>
+          <a:off x="0" y="0"/>
+          <a:ext cx="0" cy="0"/>
+          <a:chOff x="0" y="0"/>
+          <a:chExt cx="0" cy="0"/>
+        </a:xfrm>
+      </p:grpSpPr>
+      <p:sp>
+        <p:nvSpPr>
+          <p:cNvPr id="2" name="Title 1"/>
+          <p:cNvSpPr>
+            <a:spLocks noGrp="1"/>
+          </p:cNvSpPr>
+          <p:nvPr>
+            <p:ph type="title"/>
+          </p:nvPr>
+        </p:nvSpPr>
+        <p:spPr/>
+        <p:txBody>
+          <a:bodyPr/>
+          <a:lstStyle/>
+          <a:p>
+            <a:r>
+              <a:rPr lang="en-US" dirty="0" smtClean="0"/>
+              <a:t>Nested Stacks</a:t>
+            </a:r>
+            <a:endParaRPr lang="en-US" dirty="0"/>
+          </a:p>
+        </p:txBody>
+      </p:sp>
+      <p:sp>
+        <p:nvSpPr>
+          <p:cNvPr id="3" name="Content Placeholder 2"/>
+          <p:cNvSpPr>
+            <a:spLocks noGrp="1"/>
+          </p:cNvSpPr>
+          <p:nvPr>
+            <p:ph idx="1"/>
+          </p:nvPr>
+        </p:nvSpPr>
+        <p:spPr>
+          <a:xfrm>
+            <a:off x="457200" y="1600200"/>
+            <a:ext cx="8229600" cy="5007754"/>
+          </a:xfrm>
+        </p:spPr>
+        <p:txBody>
+          <a:bodyPr>
+            <a:normAutofit fontScale="62500" lnSpcReduction="20000"/>
+          </a:bodyPr>
+          <a:lstStyle/>
+          <a:p>
+            <a:r>
+              <a:rPr lang="en-US" dirty="0" smtClean="0"/>
+              <a:t>Nested Stack definition properties:</a:t>
+            </a:r>
+          </a:p>
+          <a:p>
+            <a:pPr lvl="1"/>
+            <a:r>
+              <a:rPr lang="en-US" b="1" dirty="0" smtClean="0"/>
+              <a:t>Parameters</a:t>
+            </a:r>
+            <a:r>
+              <a:rPr lang="en-US" dirty="0" smtClean="0"/>
+              <a:t>: define set of parameters passed to nested stack.</a:t>
+            </a:r>
+          </a:p>
+          <a:p>
+            <a:pPr lvl="1"/>
+            <a:r>
+              <a:rPr lang="en-US" b="1" dirty="0" err="1" smtClean="0"/>
+              <a:t>TemplateURL</a:t>
+            </a:r>
+            <a:r>
+              <a:rPr lang="en-US" dirty="0" smtClean="0"/>
+              <a:t>: S3 bucket location for the nested stack.</a:t>
+            </a:r>
+          </a:p>
+          <a:p>
+            <a:pPr lvl="1"/>
+            <a:r>
+              <a:rPr lang="en-US" b="1" dirty="0" err="1" smtClean="0"/>
+              <a:t>TimeoutInMinutes</a:t>
+            </a:r>
+            <a:r>
+              <a:rPr lang="en-US" dirty="0" smtClean="0"/>
+              <a:t>: length of time CloudFormation waits for the nested stack to complete (default is no timeout).</a:t>
+            </a:r>
+          </a:p>
+          <a:p>
+            <a:pPr lvl="1"/>
+            <a:endParaRPr lang="en-US" dirty="0" smtClean="0"/>
+          </a:p>
+          <a:p>
+            <a:pPr marL="0" indent="0">
+              <a:buNone/>
+            </a:pPr>
+            <a:r>
+              <a:rPr lang="en-US" dirty="0"/>
+              <a:t>{</a:t>
+            </a:r>
+          </a:p>
+          <a:p>
+            <a:pPr marL="0" indent="0">
+              <a:buNone/>
+            </a:pPr>
+            <a:r>
+              <a:rPr lang="en-US" dirty="0"/>
+              <a:t>  "Type" : "AWS::CloudFormation::Stack",</a:t>
+            </a:r>
+          </a:p>
+          <a:p>
+            <a:pPr marL="0" indent="0">
+              <a:buNone/>
+            </a:pPr>
+            <a:r>
+              <a:rPr lang="en-US" dirty="0"/>
+              <a:t>  "Properties" : {</a:t>
+            </a:r>
+          </a:p>
+          <a:p>
+            <a:pPr marL="0" indent="0">
+              <a:buNone/>
+            </a:pPr>
+            <a:r>
+              <a:rPr lang="en-US" dirty="0"/>
+              <a:t>    "</a:t>
+            </a:r>
+            <a:r>
+              <a:rPr lang="en-US" dirty="0">
+                <a:hlinkClick r:id="rId2"/>
+              </a:rPr>
+              <a:t>NotificationARNs" : [ </a:t>
+            </a:r>
+            <a:r>
+              <a:rPr lang="en-US" i="1" dirty="0">
+                <a:hlinkClick r:id="rId2"/>
+              </a:rPr>
+              <a:t>String, ...</a:t>
+            </a:r>
+            <a:r>
+              <a:rPr lang="en-US" dirty="0">
+                <a:hlinkClick r:id="rId2"/>
+              </a:rPr>
+              <a:t> ],</a:t>
+            </a:r>
+          </a:p>
+          <a:p>
+            <a:pPr marL="0" indent="0">
+              <a:buNone/>
+            </a:pPr>
+            <a:r>
+              <a:rPr lang="en-US" dirty="0"/>
+              <a:t>    "</a:t>
+            </a:r>
+            <a:r>
+              <a:rPr lang="en-US" dirty="0">
+                <a:hlinkClick r:id="rId3"/>
+              </a:rPr>
+              <a:t>Parameters" : { </a:t>
+            </a:r>
+            <a:r>
+              <a:rPr lang="en-US" dirty="0">
+                <a:hlinkClick r:id="rId4"/>
+              </a:rPr>
+              <a:t>CloudFormation Stack Parameters Property Type },</a:t>
+            </a:r>
+          </a:p>
+          <a:p>
+            <a:pPr marL="0" indent="0">
+              <a:buNone/>
+            </a:pPr>
+            <a:r>
+              <a:rPr lang="en-US" dirty="0"/>
+              <a:t>    "</a:t>
+            </a:r>
+            <a:r>
+              <a:rPr lang="en-US" dirty="0">
+                <a:hlinkClick r:id="rId5"/>
+              </a:rPr>
+              <a:t>Tags" : [ </a:t>
+            </a:r>
+            <a:r>
+              <a:rPr lang="en-US" i="1" dirty="0">
+                <a:hlinkClick r:id="rId5"/>
+              </a:rPr>
+              <a:t>Resource Tag, ...</a:t>
+            </a:r>
+            <a:r>
+              <a:rPr lang="en-US" dirty="0">
+                <a:hlinkClick r:id="rId5"/>
+              </a:rPr>
+              <a:t> ],</a:t>
+            </a:r>
+          </a:p>
+          <a:p>
+            <a:pPr marL="0" indent="0">
+              <a:buNone/>
+            </a:pPr>
+            <a:r>
+              <a:rPr lang="en-US" dirty="0"/>
+              <a:t>    "</a:t>
+            </a:r>
+            <a:r>
+              <a:rPr lang="en-US" dirty="0">
+                <a:hlinkClick r:id="rId6"/>
+              </a:rPr>
+              <a:t>TemplateURL" : </a:t>
+            </a:r>
+            <a:r>
+              <a:rPr lang="en-US" i="1" dirty="0">
+                <a:hlinkClick r:id="rId6"/>
+              </a:rPr>
+              <a:t>String</a:t>
+            </a:r>
+            <a:r>
+              <a:rPr lang="en-US" dirty="0">
+                <a:hlinkClick r:id="rId6"/>
+              </a:rPr>
+              <a:t>,</a:t>
+            </a:r>
+          </a:p>
+          <a:p>
+            <a:pPr marL="0" indent="0">
+              <a:buNone/>
+            </a:pPr>
+            <a:r>
+              <a:rPr lang="en-US" dirty="0"/>
+              <a:t>    "</a:t>
+            </a:r>
+            <a:r>
+              <a:rPr lang="en-US" dirty="0">
+                <a:hlinkClick r:id="rId7"/>
+              </a:rPr>
+              <a:t>TimeoutInMinutes" : </a:t>
+            </a:r>
+            <a:r>
+              <a:rPr lang="en-US" i="1" dirty="0">
+                <a:hlinkClick r:id="rId7"/>
+              </a:rPr>
+              <a:t>String</a:t>
+            </a:r>
+            <a:endParaRPr lang="en-US" dirty="0">
+              <a:hlinkClick r:id="rId7"/>
+            </a:endParaRPr>
+          </a:p>
+          <a:p>
+            <a:pPr marL="0" indent="0">
+              <a:buNone/>
+            </a:pPr>
+            <a:r>
+              <a:rPr lang="de-DE" dirty="0"/>
+              <a:t>  }</a:t>
+            </a:r>
+          </a:p>
+          <a:p>
+            <a:pPr marL="0" indent="0">
+              <a:buNone/>
+            </a:pPr>
+            <a:r>
+              <a:rPr lang="de-DE" dirty="0"/>
+              <a:t>}</a:t>
+            </a:r>
+            <a:endParaRPr lang="en-US" dirty="0"/>
+          </a:p>
+        </p:txBody>
+      </p:sp>
+    </p:spTree>
+    <p:extLst>
+      <p:ext uri="{BB962C8B-B14F-4D97-AF65-F5344CB8AC3E}">
+        <p14:creationId xmlns:p14="http://schemas.microsoft.com/office/powerpoint/2010/main" val="2240952335"/>
+      </p:ext>
+    </p:extLst>
+  </p:cSld>
+  <p:clrMapOvr>
+    <a:masterClrMapping/>
+  </p:clrMapOvr>
+</p:sld>
+</file>
+
+<file path=ppt/slides/slide29.xml><?xml version="1.0" encoding="utf-8"?>
+<p:sld xmlns:a="http://schemas.openxmlformats.org/drawingml/2006/main" xmlns:r="http://schemas.openxmlformats.org/officeDocument/2006/relationships" xmlns:p="http://schemas.openxmlformats.org/presentationml/2006/main">
+  <p:cSld>
+    <p:spTree>
+      <p:nvGrpSpPr>
+        <p:cNvPr id="1" name=""/>
+        <p:cNvGrpSpPr/>
+        <p:nvPr/>
+      </p:nvGrpSpPr>
+      <p:grpSpPr>
+        <a:xfrm>
+          <a:off x="0" y="0"/>
+          <a:ext cx="0" cy="0"/>
+          <a:chOff x="0" y="0"/>
+          <a:chExt cx="0" cy="0"/>
+        </a:xfrm>
+      </p:grpSpPr>
+      <p:sp>
+        <p:nvSpPr>
+          <p:cNvPr id="2" name="Title 1"/>
+          <p:cNvSpPr>
+            <a:spLocks noGrp="1"/>
+          </p:cNvSpPr>
+          <p:nvPr>
+            <p:ph type="title"/>
+          </p:nvPr>
+        </p:nvSpPr>
+        <p:spPr/>
+        <p:txBody>
+          <a:bodyPr/>
+          <a:lstStyle/>
+          <a:p>
+            <a:r>
+              <a:rPr lang="en-US" dirty="0" smtClean="0"/>
+              <a:t>CloudFormation Best Practices</a:t>
+            </a:r>
+            <a:endParaRPr lang="en-US" dirty="0"/>
+          </a:p>
+        </p:txBody>
+      </p:sp>
+      <p:sp>
+        <p:nvSpPr>
+          <p:cNvPr id="3" name="Content Placeholder 2"/>
+          <p:cNvSpPr>
+            <a:spLocks noGrp="1"/>
+          </p:cNvSpPr>
+          <p:nvPr>
+            <p:ph idx="1"/>
+          </p:nvPr>
+        </p:nvSpPr>
+        <p:spPr>
+          <a:xfrm>
+            <a:off x="457200" y="1600200"/>
+            <a:ext cx="8229600" cy="4917850"/>
+          </a:xfrm>
+        </p:spPr>
+        <p:txBody>
+          <a:bodyPr>
+            <a:normAutofit fontScale="62500" lnSpcReduction="20000"/>
+          </a:bodyPr>
+          <a:lstStyle/>
+          <a:p>
+            <a:r>
+              <a:rPr lang="en-US" dirty="0" smtClean="0"/>
+              <a:t>Don’t build a template from scratch. </a:t>
+            </a:r>
+          </a:p>
+          <a:p>
+            <a:pPr lvl="1"/>
+            <a:r>
+              <a:rPr lang="en-US" dirty="0" smtClean="0"/>
+              <a:t>Read sample templates or use AWS CloudFormation Designer as a starting point.</a:t>
+            </a:r>
+          </a:p>
+          <a:p>
+            <a:pPr lvl="1"/>
+            <a:endParaRPr lang="en-US" dirty="0" smtClean="0"/>
+          </a:p>
+          <a:p>
+            <a:r>
+              <a:rPr lang="en-US" dirty="0" smtClean="0"/>
+              <a:t>Reuse templates as much as possible.</a:t>
+            </a:r>
+          </a:p>
+          <a:p>
+            <a:endParaRPr lang="en-US" dirty="0" smtClean="0"/>
+          </a:p>
+          <a:p>
+            <a:r>
+              <a:rPr lang="en-US" dirty="0" smtClean="0"/>
+              <a:t>Don’t nest stacks more than one level.</a:t>
+            </a:r>
+          </a:p>
+          <a:p>
+            <a:endParaRPr lang="en-US" dirty="0" smtClean="0"/>
+          </a:p>
+          <a:p>
+            <a:r>
+              <a:rPr lang="en-US" dirty="0" smtClean="0"/>
+              <a:t>Use parameters to set the environment, region, instance names &amp; sizes, etc.</a:t>
+            </a:r>
+          </a:p>
+          <a:p>
+            <a:endParaRPr lang="en-US" dirty="0" smtClean="0"/>
+          </a:p>
+          <a:p>
+            <a:r>
+              <a:rPr lang="en-US" dirty="0" smtClean="0"/>
+              <a:t>Remember to add tags to all resources.</a:t>
+            </a:r>
+          </a:p>
+          <a:p>
+            <a:endParaRPr lang="en-US" dirty="0" smtClean="0"/>
+          </a:p>
+          <a:p>
+            <a:r>
+              <a:rPr lang="en-US" dirty="0" smtClean="0"/>
+              <a:t>Consider using a snapshot to backup resources that may be changed during a stack update.</a:t>
+            </a:r>
+          </a:p>
+          <a:p>
+            <a:pPr lvl="1"/>
+            <a:r>
+              <a:rPr lang="en-US" dirty="0" smtClean="0"/>
+              <a:t>Example: changing engine type of an RDS instance.</a:t>
+            </a:r>
+          </a:p>
+          <a:p>
+            <a:pPr lvl="1"/>
+            <a:r>
+              <a:rPr lang="en-US" dirty="0" smtClean="0"/>
+              <a:t>Alternatively: set a stack policy to protect resources from updates.</a:t>
+            </a:r>
+            <a:endParaRPr lang="en-US" dirty="0"/>
+          </a:p>
+        </p:txBody>
+      </p:sp>
+    </p:spTree>
+    <p:extLst>
+      <p:ext uri="{BB962C8B-B14F-4D97-AF65-F5344CB8AC3E}">
+        <p14:creationId xmlns:p14="http://schemas.microsoft.com/office/powerpoint/2010/main" val="2240820050"/>
       </p:ext>
     </p:extLst>
   </p:cSld>
@@ -4756,11 +8695,7 @@
           <a:p>
             <a:r>
               <a:rPr lang="en-US" dirty="0" smtClean="0"/>
-              <a:t>AWS </a:t>
-            </a:r>
-            <a:r>
-              <a:rPr lang="en-US" dirty="0" err="1" smtClean="0"/>
-              <a:t>CloudFormation</a:t>
+              <a:t>AWS CloudFormation</a:t>
             </a:r>
             <a:endParaRPr lang="en-US" dirty="0"/>
           </a:p>
@@ -4799,15 +8734,7 @@
           <a:p>
             <a:r>
               <a:rPr lang="en-US" dirty="0" smtClean="0"/>
-              <a:t>Several AWS services (Elastic Beanstalk, ECS, etc.) use </a:t>
-            </a:r>
-            <a:r>
-              <a:rPr lang="en-US" dirty="0" err="1" smtClean="0"/>
-              <a:t>CloudFormation</a:t>
-            </a:r>
-            <a:r>
-              <a:rPr lang="en-US" dirty="0" smtClean="0"/>
-              <a:t> for infrastructure provisioning</a:t>
+              <a:t>Several AWS services (Elastic Beanstalk, ECS, etc.) use CloudFormation for infrastructure provisioning</a:t>
             </a:r>
           </a:p>
           <a:p>
@@ -4815,12 +8742,8 @@
           </a:p>
           <a:p>
             <a:r>
-              <a:rPr lang="en-US" dirty="0" err="1" smtClean="0"/>
-              <a:t>CloudFormation</a:t>
-            </a:r>
-            <a:r>
-              <a:rPr lang="en-US" dirty="0" smtClean="0"/>
-              <a:t> uses a template to describe what resources to configure on AWS</a:t>
+              <a:rPr lang="en-US" dirty="0" smtClean="0"/>
+              <a:t>CloudFormation uses a template to describe what resources to configure on AWS</a:t>
             </a:r>
           </a:p>
           <a:p>
@@ -4924,6 +8847,342 @@
 </p:sld>
 </file>
 
+<file path=ppt/slides/slide30.xml><?xml version="1.0" encoding="utf-8"?>
+<p:sld xmlns:a="http://schemas.openxmlformats.org/drawingml/2006/main" xmlns:r="http://schemas.openxmlformats.org/officeDocument/2006/relationships" xmlns:p="http://schemas.openxmlformats.org/presentationml/2006/main">
+  <p:cSld>
+    <p:spTree>
+      <p:nvGrpSpPr>
+        <p:cNvPr id="1" name=""/>
+        <p:cNvGrpSpPr/>
+        <p:nvPr/>
+      </p:nvGrpSpPr>
+      <p:grpSpPr>
+        <a:xfrm>
+          <a:off x="0" y="0"/>
+          <a:ext cx="0" cy="0"/>
+          <a:chOff x="0" y="0"/>
+          <a:chExt cx="0" cy="0"/>
+        </a:xfrm>
+      </p:grpSpPr>
+      <p:sp>
+        <p:nvSpPr>
+          <p:cNvPr id="2" name="Title 1"/>
+          <p:cNvSpPr>
+            <a:spLocks noGrp="1"/>
+          </p:cNvSpPr>
+          <p:nvPr>
+            <p:ph type="title"/>
+          </p:nvPr>
+        </p:nvSpPr>
+        <p:spPr/>
+        <p:txBody>
+          <a:bodyPr/>
+          <a:lstStyle/>
+          <a:p>
+            <a:r>
+              <a:rPr lang="en-US" dirty="0" smtClean="0"/>
+              <a:t>CloudFormation Designer</a:t>
+            </a:r>
+            <a:endParaRPr lang="en-US" dirty="0"/>
+          </a:p>
+        </p:txBody>
+      </p:sp>
+      <p:sp>
+        <p:nvSpPr>
+          <p:cNvPr id="3" name="Content Placeholder 2"/>
+          <p:cNvSpPr>
+            <a:spLocks noGrp="1"/>
+          </p:cNvSpPr>
+          <p:nvPr>
+            <p:ph idx="1"/>
+          </p:nvPr>
+        </p:nvSpPr>
+        <p:spPr/>
+        <p:txBody>
+          <a:bodyPr/>
+          <a:lstStyle/>
+          <a:p>
+            <a:r>
+              <a:rPr lang="en-US" dirty="0" smtClean="0"/>
+              <a:t>A graphical tool to visualize and edit CloudFormation templates.</a:t>
+            </a:r>
+          </a:p>
+          <a:p>
+            <a:endParaRPr lang="en-US" dirty="0" smtClean="0"/>
+          </a:p>
+          <a:p>
+            <a:r>
+              <a:rPr lang="en-US" dirty="0" smtClean="0"/>
+              <a:t>Easy way to start new</a:t>
+            </a:r>
+            <a:br>
+              <a:rPr lang="en-US" dirty="0" smtClean="0"/>
+            </a:br>
+            <a:r>
+              <a:rPr lang="en-US" dirty="0" smtClean="0"/>
+              <a:t>designs or edit</a:t>
+            </a:r>
+            <a:br>
+              <a:rPr lang="en-US" dirty="0" smtClean="0"/>
+            </a:br>
+            <a:r>
+              <a:rPr lang="en-US" dirty="0" smtClean="0"/>
+              <a:t>specific resources in</a:t>
+            </a:r>
+            <a:br>
+              <a:rPr lang="en-US" dirty="0" smtClean="0"/>
+            </a:br>
+            <a:r>
+              <a:rPr lang="en-US" dirty="0" smtClean="0"/>
+              <a:t>complex templates.</a:t>
+            </a:r>
+            <a:endParaRPr lang="en-US" dirty="0"/>
+          </a:p>
+        </p:txBody>
+      </p:sp>
+      <p:pic>
+        <p:nvPicPr>
+          <p:cNvPr id="5" name="Picture 4"/>
+          <p:cNvPicPr>
+            <a:picLocks noChangeAspect="1"/>
+          </p:cNvPicPr>
+          <p:nvPr/>
+        </p:nvPicPr>
+        <p:blipFill rotWithShape="1">
+          <a:blip r:embed="rId2"/>
+          <a:srcRect b="8470"/>
+          <a:stretch/>
+        </p:blipFill>
+        <p:spPr>
+          <a:xfrm>
+            <a:off x="4521065" y="2746272"/>
+            <a:ext cx="4476834" cy="3931920"/>
+          </a:xfrm>
+          <a:prstGeom prst="rect">
+            <a:avLst/>
+          </a:prstGeom>
+        </p:spPr>
+      </p:pic>
+    </p:spTree>
+    <p:extLst>
+      <p:ext uri="{BB962C8B-B14F-4D97-AF65-F5344CB8AC3E}">
+        <p14:creationId xmlns:p14="http://schemas.microsoft.com/office/powerpoint/2010/main" val="2831848540"/>
+      </p:ext>
+    </p:extLst>
+  </p:cSld>
+  <p:clrMapOvr>
+    <a:masterClrMapping/>
+  </p:clrMapOvr>
+</p:sld>
+</file>
+
+<file path=ppt/slides/slide31.xml><?xml version="1.0" encoding="utf-8"?>
+<p:sld xmlns:a="http://schemas.openxmlformats.org/drawingml/2006/main" xmlns:r="http://schemas.openxmlformats.org/officeDocument/2006/relationships" xmlns:p="http://schemas.openxmlformats.org/presentationml/2006/main">
+  <p:cSld>
+    <p:spTree>
+      <p:nvGrpSpPr>
+        <p:cNvPr id="1" name=""/>
+        <p:cNvGrpSpPr/>
+        <p:nvPr/>
+      </p:nvGrpSpPr>
+      <p:grpSpPr>
+        <a:xfrm>
+          <a:off x="0" y="0"/>
+          <a:ext cx="0" cy="0"/>
+          <a:chOff x="0" y="0"/>
+          <a:chExt cx="0" cy="0"/>
+        </a:xfrm>
+      </p:grpSpPr>
+      <p:sp>
+        <p:nvSpPr>
+          <p:cNvPr id="2" name="Title 1"/>
+          <p:cNvSpPr>
+            <a:spLocks noGrp="1"/>
+          </p:cNvSpPr>
+          <p:nvPr>
+            <p:ph type="title"/>
+          </p:nvPr>
+        </p:nvSpPr>
+        <p:spPr/>
+        <p:txBody>
+          <a:bodyPr/>
+          <a:lstStyle/>
+          <a:p>
+            <a:r>
+              <a:rPr lang="en-US" dirty="0" smtClean="0"/>
+              <a:t>CloudFormation Hands-on</a:t>
+            </a:r>
+            <a:endParaRPr lang="en-US" dirty="0"/>
+          </a:p>
+        </p:txBody>
+      </p:sp>
+      <p:sp>
+        <p:nvSpPr>
+          <p:cNvPr id="3" name="Content Placeholder 2"/>
+          <p:cNvSpPr>
+            <a:spLocks noGrp="1"/>
+          </p:cNvSpPr>
+          <p:nvPr>
+            <p:ph idx="1"/>
+          </p:nvPr>
+        </p:nvSpPr>
+        <p:spPr/>
+        <p:txBody>
+          <a:bodyPr/>
+          <a:lstStyle/>
+          <a:p>
+            <a:endParaRPr lang="en-US"/>
+          </a:p>
+        </p:txBody>
+      </p:sp>
+      <p:pic>
+        <p:nvPicPr>
+          <p:cNvPr id="4" name="Picture 3"/>
+          <p:cNvPicPr>
+            <a:picLocks noChangeAspect="1"/>
+          </p:cNvPicPr>
+          <p:nvPr/>
+        </p:nvPicPr>
+        <p:blipFill>
+          <a:blip r:embed="rId2"/>
+          <a:stretch>
+            <a:fillRect/>
+          </a:stretch>
+        </p:blipFill>
+        <p:spPr>
+          <a:xfrm>
+            <a:off x="7891174" y="403586"/>
+            <a:ext cx="1014052" cy="1014052"/>
+          </a:xfrm>
+          <a:prstGeom prst="rect">
+            <a:avLst/>
+          </a:prstGeom>
+        </p:spPr>
+      </p:pic>
+    </p:spTree>
+    <p:extLst>
+      <p:ext uri="{BB962C8B-B14F-4D97-AF65-F5344CB8AC3E}">
+        <p14:creationId xmlns:p14="http://schemas.microsoft.com/office/powerpoint/2010/main" val="926055089"/>
+      </p:ext>
+    </p:extLst>
+  </p:cSld>
+  <p:clrMapOvr>
+    <a:masterClrMapping/>
+  </p:clrMapOvr>
+</p:sld>
+</file>
+
+<file path=ppt/slides/slide32.xml><?xml version="1.0" encoding="utf-8"?>
+<p:sld xmlns:a="http://schemas.openxmlformats.org/drawingml/2006/main" xmlns:r="http://schemas.openxmlformats.org/officeDocument/2006/relationships" xmlns:p="http://schemas.openxmlformats.org/presentationml/2006/main">
+  <p:cSld>
+    <p:spTree>
+      <p:nvGrpSpPr>
+        <p:cNvPr id="1" name=""/>
+        <p:cNvGrpSpPr/>
+        <p:nvPr/>
+      </p:nvGrpSpPr>
+      <p:grpSpPr>
+        <a:xfrm>
+          <a:off x="0" y="0"/>
+          <a:ext cx="0" cy="0"/>
+          <a:chOff x="0" y="0"/>
+          <a:chExt cx="0" cy="0"/>
+        </a:xfrm>
+      </p:grpSpPr>
+      <p:sp>
+        <p:nvSpPr>
+          <p:cNvPr id="2" name="Title 1"/>
+          <p:cNvSpPr>
+            <a:spLocks noGrp="1"/>
+          </p:cNvSpPr>
+          <p:nvPr>
+            <p:ph type="title"/>
+          </p:nvPr>
+        </p:nvSpPr>
+        <p:spPr/>
+        <p:txBody>
+          <a:bodyPr>
+            <a:normAutofit/>
+          </a:bodyPr>
+          <a:lstStyle/>
+          <a:p>
+            <a:r>
+              <a:rPr lang="en-US" dirty="0" smtClean="0"/>
+              <a:t>Homework</a:t>
+            </a:r>
+            <a:endParaRPr lang="en-US" dirty="0"/>
+          </a:p>
+        </p:txBody>
+      </p:sp>
+      <p:sp>
+        <p:nvSpPr>
+          <p:cNvPr id="3" name="Content Placeholder 2"/>
+          <p:cNvSpPr>
+            <a:spLocks noGrp="1"/>
+          </p:cNvSpPr>
+          <p:nvPr>
+            <p:ph idx="1"/>
+          </p:nvPr>
+        </p:nvSpPr>
+        <p:spPr>
+          <a:xfrm>
+            <a:off x="457200" y="1600200"/>
+            <a:ext cx="8229600" cy="4920629"/>
+          </a:xfrm>
+        </p:spPr>
+        <p:txBody>
+          <a:bodyPr>
+            <a:normAutofit/>
+          </a:bodyPr>
+          <a:lstStyle/>
+          <a:p>
+            <a:r>
+              <a:rPr lang="en-US" smtClean="0"/>
+              <a:t>Assignment </a:t>
+            </a:r>
+            <a:r>
+              <a:rPr lang="en-US" dirty="0"/>
+              <a:t>8</a:t>
+            </a:r>
+            <a:endParaRPr lang="en-US" dirty="0" smtClean="0"/>
+          </a:p>
+          <a:p>
+            <a:r>
+              <a:rPr lang="en-US" dirty="0" smtClean="0"/>
+              <a:t>Read</a:t>
+            </a:r>
+            <a:r>
+              <a:rPr lang="en-US" i="1" dirty="0" smtClean="0"/>
+              <a:t> Infrastructure as Code </a:t>
+            </a:r>
+            <a:r>
+              <a:rPr lang="en-US" dirty="0" smtClean="0"/>
+              <a:t>Chapters</a:t>
+            </a:r>
+            <a:r>
+              <a:rPr lang="en-US" i="1" dirty="0" smtClean="0"/>
+              <a:t> 7 &amp; 8</a:t>
+            </a:r>
+            <a:endParaRPr lang="en-US" dirty="0"/>
+          </a:p>
+          <a:p>
+            <a:endParaRPr lang="en-US" dirty="0" smtClean="0"/>
+          </a:p>
+        </p:txBody>
+      </p:sp>
+    </p:spTree>
+    <p:extLst>
+      <p:ext uri="{BB962C8B-B14F-4D97-AF65-F5344CB8AC3E}">
+        <p14:creationId xmlns:p14="http://schemas.microsoft.com/office/powerpoint/2010/main" val="2135093818"/>
+      </p:ext>
+    </p:extLst>
+  </p:cSld>
+  <p:clrMapOvr>
+    <a:masterClrMapping/>
+  </p:clrMapOvr>
+</p:sld>
+</file>
+
 <file path=ppt/slides/slide4.xml><?xml version="1.0" encoding="utf-8"?>
 <p:sld xmlns:a="http://schemas.openxmlformats.org/drawingml/2006/main" xmlns:r="http://schemas.openxmlformats.org/officeDocument/2006/relationships" xmlns:p="http://schemas.openxmlformats.org/presentationml/2006/main">
   <p:cSld>
@@ -4957,7 +9216,7 @@
           <a:lstStyle/>
           <a:p>
             <a:r>
-              <a:rPr lang="en-US" dirty="0" err="1" smtClean="0"/>
+              <a:rPr lang="en-US" dirty="0" smtClean="0"/>
               <a:t>CloudFormation</a:t>
             </a:r>
             <a:endParaRPr lang="en-US" dirty="0"/>
@@ -5086,12 +9345,8 @@
           <a:lstStyle/>
           <a:p>
             <a:r>
-              <a:rPr lang="en-US" dirty="0" err="1" smtClean="0"/>
-              <a:t>CloudFormation</a:t>
-            </a:r>
-            <a:r>
-              <a:rPr lang="en-US" dirty="0" smtClean="0"/>
-              <a:t> Template</a:t>
+              <a:rPr lang="en-US" dirty="0" smtClean="0"/>
+              <a:t>How CloudFormation Works	</a:t>
             </a:r>
             <a:endParaRPr lang="en-US" dirty="0"/>
           </a:p>
@@ -5109,436 +9364,97 @@
         </p:nvSpPr>
         <p:spPr>
           <a:xfrm>
-            <a:off x="457200" y="1258658"/>
-            <a:ext cx="8229600" cy="5472914"/>
+            <a:off x="457200" y="1600200"/>
+            <a:ext cx="8229600" cy="3018625"/>
           </a:xfrm>
         </p:spPr>
         <p:txBody>
           <a:bodyPr>
-            <a:normAutofit fontScale="40000" lnSpcReduction="20000"/>
+            <a:normAutofit fontScale="62500" lnSpcReduction="20000"/>
           </a:bodyPr>
           <a:lstStyle/>
           <a:p>
-            <a:pPr marL="0" indent="0">
-              <a:buNone/>
-            </a:pPr>
-            <a:r>
-              <a:rPr lang="en-US" sz="2900" dirty="0" smtClean="0"/>
-              <a:t>{</a:t>
-            </a:r>
-          </a:p>
-          <a:p>
-            <a:pPr marL="0" indent="0">
-              <a:buNone/>
-            </a:pPr>
-            <a:r>
-              <a:rPr lang="en-US" sz="2900" dirty="0"/>
-              <a:t>	</a:t>
-            </a:r>
-            <a:r>
-              <a:rPr lang="en-US" sz="2900" dirty="0" smtClean="0"/>
-              <a:t>“</a:t>
-            </a:r>
-            <a:r>
-              <a:rPr lang="en-US" sz="2900" dirty="0" err="1" smtClean="0"/>
-              <a:t>AWSTemplateFormationVersion</a:t>
-            </a:r>
-            <a:r>
-              <a:rPr lang="en-US" sz="2900" dirty="0" smtClean="0"/>
-              <a:t>” : “</a:t>
-            </a:r>
-            <a:r>
-              <a:rPr lang="en-US" sz="2900" i="1" dirty="0" smtClean="0">
-                <a:solidFill>
-                  <a:srgbClr val="FF0000"/>
-                </a:solidFill>
-              </a:rPr>
-              <a:t>version date</a:t>
-            </a:r>
-            <a:r>
-              <a:rPr lang="en-US" sz="2900" dirty="0" smtClean="0"/>
-              <a:t>”,</a:t>
-            </a:r>
-          </a:p>
-          <a:p>
-            <a:pPr marL="0" indent="0">
-              <a:buNone/>
-            </a:pPr>
-            <a:endParaRPr lang="en-US" sz="2900" dirty="0" smtClean="0"/>
-          </a:p>
-          <a:p>
-            <a:pPr marL="0" indent="0">
-              <a:buNone/>
-            </a:pPr>
-            <a:r>
-              <a:rPr lang="en-US" sz="2900" dirty="0"/>
-              <a:t>	</a:t>
-            </a:r>
-            <a:r>
-              <a:rPr lang="en-US" sz="2900" dirty="0" smtClean="0"/>
-              <a:t>“Description” : </a:t>
-            </a:r>
-            <a:r>
-              <a:rPr lang="en-US" sz="2900" dirty="0" smtClean="0">
-                <a:solidFill>
-                  <a:srgbClr val="FF0000"/>
-                </a:solidFill>
-              </a:rPr>
-              <a:t>“</a:t>
-            </a:r>
-            <a:r>
-              <a:rPr lang="en-US" sz="2900" i="1" dirty="0" smtClean="0">
-                <a:solidFill>
-                  <a:srgbClr val="FF0000"/>
-                </a:solidFill>
-              </a:rPr>
-              <a:t>JSON string</a:t>
-            </a:r>
-            <a:r>
-              <a:rPr lang="en-US" sz="2900" dirty="0" smtClean="0"/>
-              <a:t>”,</a:t>
-            </a:r>
-          </a:p>
-          <a:p>
-            <a:pPr marL="0" indent="0">
-              <a:buNone/>
-            </a:pPr>
-            <a:endParaRPr lang="en-US" sz="2900" dirty="0" smtClean="0"/>
-          </a:p>
-          <a:p>
-            <a:pPr marL="0" indent="0">
-              <a:buNone/>
-            </a:pPr>
-            <a:r>
-              <a:rPr lang="en-US" sz="2900" dirty="0"/>
-              <a:t>	</a:t>
-            </a:r>
-            <a:r>
-              <a:rPr lang="en-US" sz="2900" dirty="0" smtClean="0"/>
-              <a:t>“Metadata” : {</a:t>
-            </a:r>
-          </a:p>
-          <a:p>
-            <a:pPr marL="0" indent="0">
-              <a:buNone/>
-            </a:pPr>
-            <a:r>
-              <a:rPr lang="en-US" sz="2900" dirty="0"/>
-              <a:t>	</a:t>
-            </a:r>
-            <a:r>
-              <a:rPr lang="en-US" sz="2900" dirty="0" smtClean="0"/>
-              <a:t>	</a:t>
-            </a:r>
-            <a:r>
-              <a:rPr lang="en-US" sz="2900" i="1" dirty="0" smtClean="0">
-                <a:solidFill>
-                  <a:srgbClr val="FF0000"/>
-                </a:solidFill>
-              </a:rPr>
-              <a:t>template metadata</a:t>
-            </a:r>
-          </a:p>
-          <a:p>
-            <a:pPr marL="0" indent="0">
-              <a:buNone/>
-            </a:pPr>
-            <a:r>
-              <a:rPr lang="en-US" sz="2900" dirty="0"/>
-              <a:t>	</a:t>
-            </a:r>
-            <a:r>
-              <a:rPr lang="en-US" sz="2900" dirty="0" smtClean="0"/>
-              <a:t>},</a:t>
-            </a:r>
-          </a:p>
-          <a:p>
-            <a:pPr marL="0" indent="0">
-              <a:buNone/>
-            </a:pPr>
-            <a:endParaRPr lang="en-US" sz="2900" dirty="0" smtClean="0"/>
-          </a:p>
-          <a:p>
-            <a:pPr marL="0" indent="0">
-              <a:buNone/>
-            </a:pPr>
-            <a:r>
-              <a:rPr lang="en-US" sz="2900" dirty="0"/>
-              <a:t>	</a:t>
-            </a:r>
-            <a:r>
-              <a:rPr lang="en-US" sz="2900" dirty="0" smtClean="0"/>
-              <a:t>“Parameters” : {</a:t>
-            </a:r>
-          </a:p>
-          <a:p>
-            <a:pPr marL="0" indent="0">
-              <a:buNone/>
-            </a:pPr>
-            <a:r>
-              <a:rPr lang="en-US" sz="2900" dirty="0"/>
-              <a:t>	</a:t>
-            </a:r>
-            <a:r>
-              <a:rPr lang="en-US" sz="2900" dirty="0" smtClean="0"/>
-              <a:t>	</a:t>
-            </a:r>
-            <a:r>
-              <a:rPr lang="en-US" sz="2900" i="1" dirty="0" smtClean="0">
-                <a:solidFill>
-                  <a:srgbClr val="FF0000"/>
-                </a:solidFill>
-              </a:rPr>
-              <a:t>set of parameters</a:t>
-            </a:r>
-          </a:p>
-          <a:p>
-            <a:pPr marL="0" indent="0">
-              <a:buNone/>
-            </a:pPr>
-            <a:r>
-              <a:rPr lang="en-US" sz="2900" dirty="0"/>
-              <a:t>	</a:t>
-            </a:r>
-            <a:r>
-              <a:rPr lang="en-US" sz="2900" dirty="0" smtClean="0"/>
-              <a:t>},</a:t>
-            </a:r>
-          </a:p>
-          <a:p>
-            <a:pPr marL="0" indent="0">
-              <a:buNone/>
-            </a:pPr>
-            <a:endParaRPr lang="en-US" sz="2900" dirty="0" smtClean="0"/>
-          </a:p>
-          <a:p>
-            <a:pPr marL="0" indent="0">
-              <a:buNone/>
-            </a:pPr>
-            <a:r>
-              <a:rPr lang="en-US" sz="2900" dirty="0"/>
-              <a:t>	</a:t>
-            </a:r>
-            <a:r>
-              <a:rPr lang="en-US" sz="2900" dirty="0" smtClean="0"/>
-              <a:t>“Mappings” : {</a:t>
-            </a:r>
-          </a:p>
-          <a:p>
-            <a:pPr marL="0" indent="0">
-              <a:buNone/>
-            </a:pPr>
-            <a:r>
-              <a:rPr lang="en-US" sz="2900" dirty="0"/>
-              <a:t>	</a:t>
-            </a:r>
-            <a:r>
-              <a:rPr lang="en-US" sz="2900" dirty="0" smtClean="0"/>
-              <a:t>	</a:t>
-            </a:r>
-            <a:r>
-              <a:rPr lang="en-US" sz="2900" i="1" dirty="0" smtClean="0">
-                <a:solidFill>
-                  <a:srgbClr val="FF0000"/>
-                </a:solidFill>
-              </a:rPr>
-              <a:t>set of mappings</a:t>
-            </a:r>
-          </a:p>
-          <a:p>
-            <a:pPr marL="0" indent="0">
-              <a:buNone/>
-            </a:pPr>
-            <a:r>
-              <a:rPr lang="en-US" sz="2900" dirty="0"/>
-              <a:t>	</a:t>
-            </a:r>
-            <a:r>
-              <a:rPr lang="en-US" sz="2900" dirty="0" smtClean="0"/>
-              <a:t>},</a:t>
-            </a:r>
-          </a:p>
-          <a:p>
-            <a:pPr marL="0" indent="0">
-              <a:buNone/>
-            </a:pPr>
-            <a:endParaRPr lang="en-US" sz="2900" dirty="0" smtClean="0"/>
-          </a:p>
-          <a:p>
-            <a:pPr marL="0" indent="0">
-              <a:buNone/>
-            </a:pPr>
-            <a:r>
-              <a:rPr lang="en-US" sz="2900" dirty="0"/>
-              <a:t>	</a:t>
-            </a:r>
-            <a:r>
-              <a:rPr lang="en-US" sz="2900" dirty="0" smtClean="0"/>
-              <a:t>“Conditions” : {</a:t>
-            </a:r>
-          </a:p>
-          <a:p>
-            <a:pPr marL="0" indent="0">
-              <a:buNone/>
-            </a:pPr>
-            <a:r>
-              <a:rPr lang="en-US" sz="2900" dirty="0"/>
-              <a:t>	</a:t>
-            </a:r>
-            <a:r>
-              <a:rPr lang="en-US" sz="2900" dirty="0" smtClean="0"/>
-              <a:t>	</a:t>
-            </a:r>
-            <a:r>
-              <a:rPr lang="en-US" sz="2900" i="1" dirty="0" smtClean="0">
-                <a:solidFill>
-                  <a:srgbClr val="FF0000"/>
-                </a:solidFill>
-              </a:rPr>
-              <a:t>set of conditions</a:t>
-            </a:r>
-          </a:p>
-          <a:p>
-            <a:pPr marL="0" indent="0">
-              <a:buNone/>
-            </a:pPr>
-            <a:r>
-              <a:rPr lang="en-US" sz="2900" dirty="0"/>
-              <a:t>	</a:t>
-            </a:r>
-            <a:r>
-              <a:rPr lang="en-US" sz="2900" dirty="0" smtClean="0"/>
-              <a:t>},</a:t>
-            </a:r>
-          </a:p>
-          <a:p>
-            <a:pPr marL="0" indent="0">
-              <a:buNone/>
-            </a:pPr>
-            <a:endParaRPr lang="en-US" sz="2900" dirty="0" smtClean="0"/>
-          </a:p>
-          <a:p>
-            <a:pPr marL="0" indent="0">
-              <a:buNone/>
-            </a:pPr>
-            <a:r>
-              <a:rPr lang="en-US" sz="2900" dirty="0"/>
-              <a:t>	</a:t>
-            </a:r>
-            <a:r>
-              <a:rPr lang="en-US" sz="2900" dirty="0" smtClean="0"/>
-              <a:t>“Resources” : {</a:t>
-            </a:r>
-          </a:p>
-          <a:p>
-            <a:pPr marL="0" indent="0">
-              <a:buNone/>
-            </a:pPr>
-            <a:r>
-              <a:rPr lang="en-US" sz="2900" dirty="0"/>
-              <a:t>	</a:t>
-            </a:r>
-            <a:r>
-              <a:rPr lang="en-US" sz="2900" dirty="0" smtClean="0"/>
-              <a:t>	</a:t>
-            </a:r>
-            <a:r>
-              <a:rPr lang="en-US" sz="2900" i="1" dirty="0" smtClean="0">
-                <a:solidFill>
-                  <a:srgbClr val="FF0000"/>
-                </a:solidFill>
-              </a:rPr>
-              <a:t>set of resources</a:t>
-            </a:r>
-          </a:p>
-          <a:p>
-            <a:pPr marL="0" indent="0">
-              <a:buNone/>
-            </a:pPr>
-            <a:r>
-              <a:rPr lang="en-US" sz="2900" dirty="0"/>
-              <a:t>	</a:t>
-            </a:r>
-            <a:r>
-              <a:rPr lang="en-US" sz="2900" dirty="0" smtClean="0"/>
-              <a:t>},</a:t>
-            </a:r>
-          </a:p>
-          <a:p>
-            <a:pPr marL="0" indent="0">
-              <a:buNone/>
-            </a:pPr>
-            <a:endParaRPr lang="en-US" sz="2900" dirty="0" smtClean="0"/>
-          </a:p>
-          <a:p>
-            <a:pPr marL="0" indent="0">
-              <a:buNone/>
-            </a:pPr>
-            <a:r>
-              <a:rPr lang="en-US" sz="2900" dirty="0"/>
-              <a:t>	</a:t>
-            </a:r>
-            <a:r>
-              <a:rPr lang="en-US" sz="2900" dirty="0" smtClean="0"/>
-              <a:t>“Outputs” : {</a:t>
-            </a:r>
-          </a:p>
-          <a:p>
-            <a:pPr marL="0" indent="0">
-              <a:buNone/>
-            </a:pPr>
-            <a:r>
-              <a:rPr lang="en-US" sz="2900" dirty="0"/>
-              <a:t>	</a:t>
-            </a:r>
-            <a:r>
-              <a:rPr lang="en-US" sz="2900" dirty="0" smtClean="0"/>
-              <a:t>	</a:t>
-            </a:r>
-            <a:r>
-              <a:rPr lang="en-US" sz="2900" i="1" dirty="0" smtClean="0">
-                <a:solidFill>
-                  <a:srgbClr val="FF0000"/>
-                </a:solidFill>
-              </a:rPr>
-              <a:t>set of outputs</a:t>
-            </a:r>
-          </a:p>
-          <a:p>
-            <a:pPr marL="0" indent="0">
-              <a:buNone/>
-            </a:pPr>
-            <a:r>
-              <a:rPr lang="en-US" sz="2900" dirty="0"/>
-              <a:t>	</a:t>
-            </a:r>
-            <a:r>
-              <a:rPr lang="en-US" sz="2900" dirty="0" smtClean="0"/>
-              <a:t>}</a:t>
-            </a:r>
-          </a:p>
-          <a:p>
-            <a:pPr marL="0" indent="0">
-              <a:buNone/>
-            </a:pPr>
-            <a:r>
-              <a:rPr lang="en-US" sz="2900" dirty="0"/>
-              <a:t>}</a:t>
-            </a:r>
-            <a:endParaRPr lang="en-US" sz="2900" dirty="0" smtClean="0"/>
-          </a:p>
-          <a:p>
-            <a:pPr marL="0" indent="0">
-              <a:buNone/>
-            </a:pPr>
+            <a:r>
+              <a:rPr lang="en-US" dirty="0" smtClean="0"/>
+              <a:t>CloudFormation uses template definition to make API calls to AWS</a:t>
+            </a:r>
+          </a:p>
+          <a:p>
+            <a:pPr lvl="1"/>
+            <a:r>
+              <a:rPr lang="en-US" dirty="0" smtClean="0"/>
+              <a:t>User’s permissions determines what resources it can create.</a:t>
+            </a:r>
+          </a:p>
+          <a:p>
+            <a:pPr lvl="1"/>
             <a:endParaRPr lang="en-US" dirty="0" smtClean="0"/>
           </a:p>
-        </p:txBody>
-      </p:sp>
+          <a:p>
+            <a:r>
+              <a:rPr lang="en-US" dirty="0" smtClean="0"/>
+              <a:t>Process:</a:t>
+            </a:r>
+          </a:p>
+          <a:p>
+            <a:pPr lvl="1"/>
+            <a:r>
+              <a:rPr lang="en-US" dirty="0" smtClean="0"/>
+              <a:t>1. Create a CloudFormation Template (JSON) in CloudFormation Designer or a text editor.</a:t>
+            </a:r>
+          </a:p>
+          <a:p>
+            <a:pPr lvl="1"/>
+            <a:r>
+              <a:rPr lang="en-US" dirty="0" smtClean="0"/>
+              <a:t>2. Save the template locally or in an S3 bucket.</a:t>
+            </a:r>
+          </a:p>
+          <a:p>
+            <a:pPr lvl="1"/>
+            <a:r>
+              <a:rPr lang="en-US" dirty="0" smtClean="0"/>
+              <a:t>3. Create a stack by specifying the template and providing any required input parameters using console, API, or CLI.</a:t>
+            </a:r>
+          </a:p>
+          <a:p>
+            <a:pPr lvl="1"/>
+            <a:r>
+              <a:rPr lang="en-US" dirty="0" smtClean="0"/>
+              <a:t>4. CloudFormation provisions resources and reports back when the stack is created. </a:t>
+            </a:r>
+            <a:endParaRPr lang="en-US" dirty="0"/>
+          </a:p>
+        </p:txBody>
+      </p:sp>
+      <p:pic>
+        <p:nvPicPr>
+          <p:cNvPr id="4" name="Picture 3"/>
+          <p:cNvPicPr>
+            <a:picLocks noChangeAspect="1"/>
+          </p:cNvPicPr>
+          <p:nvPr/>
+        </p:nvPicPr>
+        <p:blipFill>
+          <a:blip r:embed="rId2"/>
+          <a:stretch>
+            <a:fillRect/>
+          </a:stretch>
+        </p:blipFill>
+        <p:spPr>
+          <a:xfrm>
+            <a:off x="1584641" y="4283004"/>
+            <a:ext cx="5511878" cy="2459763"/>
+          </a:xfrm>
+          <a:prstGeom prst="rect">
+            <a:avLst/>
+          </a:prstGeom>
+        </p:spPr>
+      </p:pic>
     </p:spTree>
     <p:extLst>
       <p:ext uri="{BB962C8B-B14F-4D97-AF65-F5344CB8AC3E}">
-        <p14:creationId xmlns:p14="http://schemas.microsoft.com/office/powerpoint/2010/main" val="3206321846"/>
+        <p14:creationId xmlns:p14="http://schemas.microsoft.com/office/powerpoint/2010/main" val="3139190880"/>
       </p:ext>
     </p:extLst>
   </p:cSld>
@@ -5565,6 +9481,30 @@
           <a:chExt cx="0" cy="0"/>
         </a:xfrm>
       </p:grpSpPr>
+      <p:pic>
+        <p:nvPicPr>
+          <p:cNvPr id="4" name="Picture 3"/>
+          <p:cNvPicPr>
+            <a:picLocks noChangeAspect="1"/>
+          </p:cNvPicPr>
+          <p:nvPr/>
+        </p:nvPicPr>
+        <p:blipFill>
+          <a:blip r:embed="rId2"/>
+          <a:stretch>
+            <a:fillRect/>
+          </a:stretch>
+        </p:blipFill>
+        <p:spPr>
+          <a:xfrm>
+            <a:off x="254903" y="4456577"/>
+            <a:ext cx="8686800" cy="2203615"/>
+          </a:xfrm>
+          <a:prstGeom prst="rect">
+            <a:avLst/>
+          </a:prstGeom>
+        </p:spPr>
+      </p:pic>
       <p:sp>
         <p:nvSpPr>
           <p:cNvPr id="2" name="Title 1"/>
@@ -5577,143 +9517,75 @@
         </p:nvSpPr>
         <p:spPr/>
         <p:txBody>
+          <a:bodyPr/>
+          <a:lstStyle/>
+          <a:p>
+            <a:r>
+              <a:rPr lang="en-US" dirty="0" smtClean="0"/>
+              <a:t>Updating a stack</a:t>
+            </a:r>
+            <a:endParaRPr lang="en-US" dirty="0"/>
+          </a:p>
+        </p:txBody>
+      </p:sp>
+      <p:sp>
+        <p:nvSpPr>
+          <p:cNvPr id="3" name="Content Placeholder 2"/>
+          <p:cNvSpPr>
+            <a:spLocks noGrp="1"/>
+          </p:cNvSpPr>
+          <p:nvPr>
+            <p:ph idx="1"/>
+          </p:nvPr>
+        </p:nvSpPr>
+        <p:spPr>
+          <a:xfrm>
+            <a:off x="457200" y="1600200"/>
+            <a:ext cx="8229600" cy="3378242"/>
+          </a:xfrm>
+        </p:spPr>
+        <p:txBody>
           <a:bodyPr>
-            <a:normAutofit fontScale="90000"/>
+            <a:normAutofit fontScale="70000" lnSpcReduction="20000"/>
           </a:bodyPr>
           <a:lstStyle/>
           <a:p>
             <a:r>
               <a:rPr lang="en-US" dirty="0" smtClean="0"/>
-              <a:t>Format Version &amp; Description sections</a:t>
-            </a:r>
-            <a:endParaRPr lang="en-US" dirty="0"/>
-          </a:p>
-        </p:txBody>
-      </p:sp>
-      <p:sp>
-        <p:nvSpPr>
-          <p:cNvPr id="3" name="Content Placeholder 2"/>
-          <p:cNvSpPr>
-            <a:spLocks noGrp="1"/>
-          </p:cNvSpPr>
-          <p:nvPr>
-            <p:ph idx="1"/>
-          </p:nvPr>
-        </p:nvSpPr>
-        <p:spPr/>
-        <p:txBody>
-          <a:bodyPr>
-            <a:normAutofit fontScale="85000" lnSpcReduction="20000"/>
-          </a:bodyPr>
-          <a:lstStyle/>
-          <a:p>
-            <a:r>
-              <a:rPr lang="en-US" dirty="0" smtClean="0"/>
-              <a:t>The optional </a:t>
-            </a:r>
-            <a:r>
-              <a:rPr lang="en-US" dirty="0" err="1" smtClean="0"/>
-              <a:t>AWSTemplateFormatVersion</a:t>
-            </a:r>
-            <a:r>
-              <a:rPr lang="en-US" dirty="0" smtClean="0"/>
-              <a:t> section specifies the template version to use.</a:t>
+              <a:t>Update stacks by submitting a modified version of the original stack template or by providing new input parameters.</a:t>
+            </a:r>
+          </a:p>
+          <a:p>
+            <a:endParaRPr lang="en-US" dirty="0" smtClean="0"/>
+          </a:p>
+          <a:p>
+            <a:r>
+              <a:rPr lang="en-US" dirty="0" smtClean="0"/>
+              <a:t>CloudFormation compares the original and modified template and generates a change set.</a:t>
+            </a:r>
+          </a:p>
+          <a:p>
+            <a:endParaRPr lang="en-US" dirty="0" smtClean="0"/>
+          </a:p>
+          <a:p>
+            <a:r>
+              <a:rPr lang="en-US" dirty="0" smtClean="0"/>
+              <a:t>After reviewing the changes, you can execute the change set to update the stack.</a:t>
             </a:r>
           </a:p>
           <a:p>
             <a:pPr lvl="1"/>
             <a:r>
               <a:rPr lang="en-US" dirty="0" smtClean="0"/>
-              <a:t>Defaults to “2010-09-09” version.</a:t>
-            </a:r>
-          </a:p>
-          <a:p>
-            <a:pPr marL="0" indent="0">
-              <a:buNone/>
-            </a:pPr>
-            <a:endParaRPr lang="en-US" dirty="0"/>
-          </a:p>
-          <a:p>
-            <a:pPr marL="0" indent="0">
-              <a:buNone/>
-            </a:pPr>
-            <a:r>
-              <a:rPr lang="en-US" sz="2600" dirty="0" smtClean="0"/>
-              <a:t>	"</a:t>
-            </a:r>
-            <a:r>
-              <a:rPr lang="en-US" sz="2600" dirty="0" err="1"/>
-              <a:t>AWSTemplateFormatVersion</a:t>
-            </a:r>
-            <a:r>
-              <a:rPr lang="en-US" sz="2600" dirty="0"/>
-              <a:t>" : "2010-09-</a:t>
-            </a:r>
-            <a:r>
-              <a:rPr lang="en-US" sz="2600" dirty="0" smtClean="0"/>
-              <a:t>09”</a:t>
-            </a:r>
-          </a:p>
-          <a:p>
-            <a:pPr marL="0" indent="0">
-              <a:buNone/>
-            </a:pPr>
-            <a:endParaRPr lang="en-US" dirty="0" smtClean="0"/>
-          </a:p>
-          <a:p>
-            <a:r>
-              <a:rPr lang="en-US" dirty="0" smtClean="0"/>
-              <a:t>The optional Description section includes arbitrary comments about the template.</a:t>
-            </a:r>
-          </a:p>
-          <a:p>
-            <a:pPr lvl="1"/>
-            <a:r>
-              <a:rPr lang="en-US" dirty="0" smtClean="0"/>
-              <a:t>Must follow the </a:t>
-            </a:r>
-            <a:r>
-              <a:rPr lang="en-US" dirty="0" err="1" smtClean="0"/>
-              <a:t>AWSTemplateFormatVersion</a:t>
-            </a:r>
-            <a:r>
-              <a:rPr lang="en-US" dirty="0" smtClean="0"/>
-              <a:t> section</a:t>
-            </a:r>
-          </a:p>
-          <a:p>
-            <a:pPr lvl="1"/>
-            <a:r>
-              <a:rPr lang="en-US" dirty="0" smtClean="0"/>
-              <a:t>Literal string of 0-1024 characters</a:t>
-            </a:r>
-          </a:p>
-          <a:p>
-            <a:pPr marL="0" indent="0">
-              <a:buNone/>
-            </a:pPr>
-            <a:endParaRPr lang="en-US" dirty="0"/>
-          </a:p>
-          <a:p>
-            <a:pPr marL="0" indent="0">
-              <a:buNone/>
-            </a:pPr>
-            <a:r>
-              <a:rPr lang="en-US" sz="2600" dirty="0" smtClean="0"/>
-              <a:t>	"</a:t>
-            </a:r>
-            <a:r>
-              <a:rPr lang="en-US" sz="2600" dirty="0"/>
-              <a:t>Description" : "Here are some details about the template."</a:t>
-            </a:r>
-            <a:endParaRPr lang="en-US" sz="2600" dirty="0" smtClean="0"/>
+              <a:t>Note: the update may disrupt stack services because some may be replace.</a:t>
+            </a:r>
           </a:p>
         </p:txBody>
       </p:sp>
     </p:spTree>
     <p:extLst>
       <p:ext uri="{BB962C8B-B14F-4D97-AF65-F5344CB8AC3E}">
-        <p14:creationId xmlns:p14="http://schemas.microsoft.com/office/powerpoint/2010/main" val="1493860789"/>
+        <p14:creationId xmlns:p14="http://schemas.microsoft.com/office/powerpoint/2010/main" val="1447923938"/>
       </p:ext>
     </p:extLst>
   </p:cSld>
@@ -5757,7 +9629,7 @@
           <a:p>
             <a:r>
               <a:rPr lang="en-US" dirty="0" smtClean="0"/>
-              <a:t>Metadata section</a:t>
+              <a:t>Stack Policies</a:t>
             </a:r>
             <a:endParaRPr lang="en-US" dirty="0"/>
           </a:p>
@@ -5773,134 +9645,213 @@
             <p:ph idx="1"/>
           </p:nvPr>
         </p:nvSpPr>
-        <p:spPr/>
+        <p:spPr>
+          <a:xfrm>
+            <a:off x="457200" y="1600200"/>
+            <a:ext cx="8229600" cy="5041468"/>
+          </a:xfrm>
+        </p:spPr>
         <p:txBody>
           <a:bodyPr>
-            <a:normAutofit fontScale="85000" lnSpcReduction="10000"/>
+            <a:normAutofit fontScale="25000" lnSpcReduction="20000"/>
           </a:bodyPr>
           <a:lstStyle/>
           <a:p>
             <a:r>
-              <a:rPr lang="en-US" dirty="0" smtClean="0"/>
-              <a:t>The optional Metadata section includes arbitrary JSON objects that provide details about the template.</a:t>
+              <a:rPr lang="en-US" sz="6400" dirty="0" smtClean="0"/>
+              <a:t>Sometimes you may not want to update all the resources in a stack during stack updates.</a:t>
+            </a:r>
+          </a:p>
+          <a:p>
+            <a:endParaRPr lang="en-US" sz="6400" dirty="0" smtClean="0"/>
+          </a:p>
+          <a:p>
+            <a:r>
+              <a:rPr lang="en-US" sz="6400" dirty="0" smtClean="0"/>
+              <a:t>Use stack policies to protect resources.</a:t>
             </a:r>
           </a:p>
           <a:p>
             <a:pPr lvl="1"/>
             <a:r>
-              <a:rPr lang="en-US" dirty="0" smtClean="0"/>
-              <a:t>Useful for documentation/ comments</a:t>
+              <a:rPr lang="en-US" sz="6400" dirty="0" smtClean="0"/>
+              <a:t>Creating a stack policy protects all resources by default so you have to specify what types of updates are allowed.</a:t>
             </a:r>
           </a:p>
           <a:p>
             <a:pPr lvl="1"/>
-            <a:r>
-              <a:rPr lang="en-US" dirty="0" smtClean="0"/>
-              <a:t>A few special metadata parameters affect other </a:t>
-            </a:r>
-            <a:r>
-              <a:rPr lang="en-US" dirty="0" err="1" smtClean="0"/>
-              <a:t>CloudFormation</a:t>
-            </a:r>
-            <a:r>
-              <a:rPr lang="en-US" dirty="0" smtClean="0"/>
-              <a:t> features:</a:t>
-            </a:r>
-          </a:p>
-          <a:p>
-            <a:pPr lvl="2"/>
-            <a:r>
-              <a:rPr lang="en-US" dirty="0" smtClean="0"/>
-              <a:t>AWS::</a:t>
-            </a:r>
-            <a:r>
-              <a:rPr lang="en-US" dirty="0" err="1" smtClean="0"/>
-              <a:t>CloudFormation</a:t>
-            </a:r>
-            <a:r>
-              <a:rPr lang="en-US" dirty="0" smtClean="0"/>
-              <a:t>::</a:t>
-            </a:r>
-            <a:r>
-              <a:rPr lang="en-US" dirty="0" err="1" smtClean="0"/>
-              <a:t>Init</a:t>
-            </a:r>
-            <a:r>
-              <a:rPr lang="en-US" dirty="0" smtClean="0"/>
-              <a:t>, AWS::</a:t>
-            </a:r>
-            <a:r>
-              <a:rPr lang="en-US" dirty="0" err="1" smtClean="0"/>
-              <a:t>CloudFormation</a:t>
-            </a:r>
-            <a:r>
-              <a:rPr lang="en-US" dirty="0" smtClean="0"/>
-              <a:t>::Interface</a:t>
-            </a:r>
-          </a:p>
-          <a:p>
-            <a:pPr lvl="2"/>
+            <a:endParaRPr lang="en-US" sz="6400" dirty="0" smtClean="0"/>
+          </a:p>
+          <a:p>
+            <a:r>
+              <a:rPr lang="en-US" sz="6400" dirty="0" smtClean="0"/>
+              <a:t>Example: preventing the update or replacement of a production database instance.</a:t>
+            </a:r>
+          </a:p>
+          <a:p>
+            <a:pPr marL="0" indent="0">
+              <a:buNone/>
+            </a:pPr>
             <a:endParaRPr lang="en-US" dirty="0" smtClean="0"/>
           </a:p>
           <a:p>
             <a:pPr marL="0" indent="0">
               <a:buNone/>
             </a:pPr>
-            <a:r>
-              <a:rPr lang="en-US" sz="2600" dirty="0"/>
-              <a:t>"Metadata" : {</a:t>
-            </a:r>
-          </a:p>
-          <a:p>
-            <a:pPr marL="0" indent="0">
-              <a:buNone/>
-            </a:pPr>
-            <a:r>
-              <a:rPr lang="en-US" sz="2600" dirty="0"/>
-              <a:t>	</a:t>
-            </a:r>
-            <a:r>
-              <a:rPr lang="en-US" sz="2600" dirty="0" smtClean="0"/>
-              <a:t>"</a:t>
-            </a:r>
-            <a:r>
-              <a:rPr lang="en-US" sz="2600" dirty="0"/>
-              <a:t>Instances" : {"Description" : "Information about the instances"},</a:t>
-            </a:r>
-          </a:p>
-          <a:p>
-            <a:pPr marL="0" indent="0">
-              <a:buNone/>
-            </a:pPr>
-            <a:r>
-              <a:rPr lang="en-US" sz="2600" dirty="0"/>
-              <a:t>	</a:t>
-            </a:r>
-            <a:r>
-              <a:rPr lang="en-US" sz="2600" dirty="0" smtClean="0"/>
-              <a:t>"</a:t>
-            </a:r>
-            <a:r>
-              <a:rPr lang="en-US" sz="2600" dirty="0"/>
-              <a:t>Databases" : {"Description" : "Information about the databases"}</a:t>
-            </a:r>
-          </a:p>
-          <a:p>
-            <a:pPr marL="0" indent="0">
-              <a:buNone/>
-            </a:pPr>
-            <a:r>
-              <a:rPr lang="en-US" sz="2600" dirty="0"/>
+            <a:endParaRPr lang="en-US" dirty="0" smtClean="0"/>
+          </a:p>
+          <a:p>
+            <a:pPr marL="0" indent="0">
+              <a:buNone/>
+            </a:pPr>
+            <a:r>
+              <a:rPr lang="en-US" sz="4800" dirty="0" smtClean="0"/>
+              <a:t>{</a:t>
+            </a:r>
+            <a:endParaRPr lang="en-US" sz="4800" dirty="0"/>
+          </a:p>
+          <a:p>
+            <a:pPr marL="0" indent="0">
+              <a:buNone/>
+            </a:pPr>
+            <a:r>
+              <a:rPr lang="en-US" sz="4800" dirty="0"/>
+              <a:t>  "Statement" : [</a:t>
+            </a:r>
+          </a:p>
+          <a:p>
+            <a:pPr marL="0" indent="0">
+              <a:buNone/>
+            </a:pPr>
+            <a:r>
+              <a:rPr lang="de-DE" sz="4800" dirty="0"/>
+              <a:t>    {</a:t>
+            </a:r>
+          </a:p>
+          <a:p>
+            <a:pPr marL="0" indent="0">
+              <a:buNone/>
+            </a:pPr>
+            <a:r>
+              <a:rPr lang="en-US" sz="4800" dirty="0"/>
+              <a:t>      "Effect" : "Allow",</a:t>
+            </a:r>
+          </a:p>
+          <a:p>
+            <a:pPr marL="0" indent="0">
+              <a:buNone/>
+            </a:pPr>
+            <a:r>
+              <a:rPr lang="de-DE" sz="4800" dirty="0"/>
+              <a:t>      "Action" : "Update:*",</a:t>
+            </a:r>
+          </a:p>
+          <a:p>
+            <a:pPr marL="0" indent="0">
+              <a:buNone/>
+            </a:pPr>
+            <a:r>
+              <a:rPr lang="ro-RO" sz="4800" dirty="0"/>
+              <a:t>      "Principal": "*",</a:t>
+            </a:r>
+          </a:p>
+          <a:p>
+            <a:pPr marL="0" indent="0">
+              <a:buNone/>
+            </a:pPr>
+            <a:r>
+              <a:rPr lang="en-US" sz="4800" dirty="0"/>
+              <a:t>      "Resource" : "*"</a:t>
+            </a:r>
+          </a:p>
+          <a:p>
+            <a:pPr marL="0" indent="0">
+              <a:buNone/>
+            </a:pPr>
+            <a:r>
+              <a:rPr lang="de-DE" sz="4800" dirty="0"/>
+              <a:t>    },</a:t>
+            </a:r>
+          </a:p>
+          <a:p>
+            <a:pPr marL="0" indent="0">
+              <a:buNone/>
+            </a:pPr>
+            <a:r>
+              <a:rPr lang="de-DE" sz="4800" dirty="0"/>
+              <a:t>    {</a:t>
+            </a:r>
+          </a:p>
+          <a:p>
+            <a:pPr marL="0" indent="0">
+              <a:buNone/>
+            </a:pPr>
+            <a:r>
+              <a:rPr lang="en-US" sz="4800" dirty="0"/>
+              <a:t>      "Effect" : "Deny",</a:t>
+            </a:r>
+          </a:p>
+          <a:p>
+            <a:pPr marL="0" indent="0">
+              <a:buNone/>
+            </a:pPr>
+            <a:r>
+              <a:rPr lang="de-DE" sz="4800" dirty="0"/>
+              <a:t>      "Action" : "Update:*",</a:t>
+            </a:r>
+          </a:p>
+          <a:p>
+            <a:pPr marL="0" indent="0">
+              <a:buNone/>
+            </a:pPr>
+            <a:r>
+              <a:rPr lang="ro-RO" sz="4800" dirty="0"/>
+              <a:t>      "Principal": "*",</a:t>
+            </a:r>
+          </a:p>
+          <a:p>
+            <a:pPr marL="0" indent="0">
+              <a:buNone/>
+            </a:pPr>
+            <a:r>
+              <a:rPr lang="ro-RO" sz="4800" dirty="0"/>
+              <a:t>      "Resource" : "LogicalResourceId/ProductionDatabase"</a:t>
+            </a:r>
+          </a:p>
+          <a:p>
+            <a:pPr marL="0" indent="0">
+              <a:buNone/>
+            </a:pPr>
+            <a:r>
+              <a:rPr lang="de-DE" sz="4800" dirty="0"/>
+              <a:t>    }</a:t>
+            </a:r>
+          </a:p>
+          <a:p>
+            <a:pPr marL="0" indent="0">
+              <a:buNone/>
+            </a:pPr>
+            <a:r>
+              <a:rPr lang="en-US" sz="4800" dirty="0"/>
+              <a:t>  ]</a:t>
+            </a:r>
+          </a:p>
+          <a:p>
+            <a:pPr marL="0" indent="0">
+              <a:buNone/>
+            </a:pPr>
+            <a:r>
+              <a:rPr lang="en-US" sz="4800" dirty="0"/>
               <a:t>}</a:t>
             </a:r>
-            <a:endParaRPr lang="en-US" sz="2600" dirty="0" smtClean="0"/>
+            <a:endParaRPr lang="en-US" sz="4800" dirty="0" smtClean="0"/>
           </a:p>
         </p:txBody>
       </p:sp>
     </p:spTree>
     <p:extLst>
       <p:ext uri="{BB962C8B-B14F-4D97-AF65-F5344CB8AC3E}">
-        <p14:creationId xmlns:p14="http://schemas.microsoft.com/office/powerpoint/2010/main" val="1892091078"/>
+        <p14:creationId xmlns:p14="http://schemas.microsoft.com/office/powerpoint/2010/main" val="4168916894"/>
       </p:ext>
     </p:extLst>
   </p:cSld>
@@ -5944,7 +9895,7 @@
           <a:p>
             <a:r>
               <a:rPr lang="en-US" dirty="0" smtClean="0"/>
-              <a:t>Parameters section</a:t>
+              <a:t>CloudFormation Template</a:t>
             </a:r>
             <a:endParaRPr lang="en-US" dirty="0"/>
           </a:p>
@@ -5962,198 +9913,423 @@
         </p:nvSpPr>
         <p:spPr>
           <a:xfrm>
-            <a:off x="457200" y="1600200"/>
-            <a:ext cx="8229600" cy="5097658"/>
+            <a:off x="457200" y="1258658"/>
+            <a:ext cx="8229600" cy="5472914"/>
           </a:xfrm>
         </p:spPr>
         <p:txBody>
           <a:bodyPr>
-            <a:normAutofit fontScale="62500" lnSpcReduction="20000"/>
+            <a:normAutofit fontScale="40000" lnSpcReduction="20000"/>
           </a:bodyPr>
           <a:lstStyle/>
           <a:p>
-            <a:r>
-              <a:rPr lang="en-US" dirty="0" smtClean="0"/>
-              <a:t>Templates allow the user to supply input parameters when launching a stack.</a:t>
-            </a:r>
-          </a:p>
-          <a:p>
-            <a:pPr lvl="1"/>
-            <a:r>
-              <a:rPr lang="en-US" dirty="0" smtClean="0"/>
-              <a:t>Parameter logical names must be unique</a:t>
-            </a:r>
-          </a:p>
-          <a:p>
-            <a:pPr lvl="1"/>
-            <a:r>
-              <a:rPr lang="en-US" dirty="0" smtClean="0"/>
-              <a:t>Logical name definition followed by a series of parameter properties</a:t>
-            </a:r>
-          </a:p>
-          <a:p>
-            <a:pPr lvl="1"/>
-            <a:r>
-              <a:rPr lang="en-US" dirty="0" smtClean="0"/>
-              <a:t>Types: String, Number, List, or AWS-specific type</a:t>
-            </a:r>
-          </a:p>
-          <a:p>
-            <a:pPr lvl="1"/>
-            <a:r>
-              <a:rPr lang="en-US" dirty="0" smtClean="0"/>
-              <a:t>Maximum of 60 parameters allowed in a template</a:t>
-            </a:r>
-          </a:p>
-          <a:p>
-            <a:endParaRPr lang="en-US" dirty="0" smtClean="0"/>
-          </a:p>
-          <a:p>
-            <a:r>
-              <a:rPr lang="en-US" dirty="0" smtClean="0"/>
-              <a:t>Input parameters are referenced within a template using the “Ref” function.</a:t>
-            </a:r>
-          </a:p>
-          <a:p>
-            <a:endParaRPr lang="en-US" dirty="0" smtClean="0"/>
-          </a:p>
-          <a:p>
-            <a:pPr marL="0" indent="0">
-              <a:buNone/>
-            </a:pPr>
-            <a:r>
-              <a:rPr lang="en-US" dirty="0"/>
-              <a:t>"Parameters" : {</a:t>
-            </a:r>
-          </a:p>
-          <a:p>
-            <a:pPr marL="0" indent="0">
-              <a:buNone/>
-            </a:pPr>
-            <a:r>
-              <a:rPr lang="en-US" dirty="0"/>
+            <a:pPr marL="0" indent="0">
+              <a:buNone/>
+            </a:pPr>
+            <a:r>
+              <a:rPr lang="en-US" sz="2900" dirty="0" smtClean="0"/>
+              <a:t>{</a:t>
+            </a:r>
+          </a:p>
+          <a:p>
+            <a:pPr marL="0" indent="0">
+              <a:buNone/>
+            </a:pPr>
+            <a:r>
+              <a:rPr lang="en-US" sz="2900" dirty="0"/>
               <a:t>	</a:t>
             </a:r>
             <a:r>
-              <a:rPr lang="en-US" dirty="0" smtClean="0"/>
-              <a:t>"</a:t>
-            </a:r>
-            <a:r>
-              <a:rPr lang="en-US" i="1" dirty="0" err="1">
+              <a:rPr lang="en-US" sz="2900" dirty="0" smtClean="0"/>
+              <a:t>“</a:t>
+            </a:r>
+            <a:r>
+              <a:rPr lang="en-US" sz="2900" dirty="0" err="1" smtClean="0"/>
+              <a:t>AWSTemplateFormationVersion</a:t>
+            </a:r>
+            <a:r>
+              <a:rPr lang="en-US" sz="2900" dirty="0" smtClean="0"/>
+              <a:t>” : “</a:t>
+            </a:r>
+            <a:r>
+              <a:rPr lang="en-US" sz="2900" i="1" dirty="0" smtClean="0">
                 <a:solidFill>
                   <a:srgbClr val="FF0000"/>
                 </a:solidFill>
               </a:rPr>
-              <a:t>ParameterLogicalID</a:t>
-            </a:r>
-            <a:r>
-              <a:rPr lang="en-US" dirty="0"/>
-              <a:t>" : </a:t>
-            </a:r>
-            <a:r>
-              <a:rPr lang="en-US" dirty="0" smtClean="0"/>
-              <a:t>{</a:t>
-            </a:r>
-          </a:p>
-          <a:p>
-            <a:pPr marL="0" indent="0">
-              <a:buNone/>
-            </a:pPr>
-            <a:r>
-              <a:rPr lang="en-US" dirty="0"/>
+              <a:t>version date</a:t>
+            </a:r>
+            <a:r>
+              <a:rPr lang="en-US" sz="2900" dirty="0" smtClean="0"/>
+              <a:t>”,</a:t>
+            </a:r>
+          </a:p>
+          <a:p>
+            <a:pPr marL="0" indent="0">
+              <a:buNone/>
+            </a:pPr>
+            <a:endParaRPr lang="en-US" sz="2900" dirty="0" smtClean="0"/>
+          </a:p>
+          <a:p>
+            <a:pPr marL="0" indent="0">
+              <a:buNone/>
+            </a:pPr>
+            <a:r>
+              <a:rPr lang="en-US" sz="2900" dirty="0"/>
               <a:t>	</a:t>
             </a:r>
             <a:r>
-              <a:rPr lang="de-DE" dirty="0" smtClean="0"/>
-              <a:t>"</a:t>
-            </a:r>
-            <a:r>
-              <a:rPr lang="de-DE" dirty="0"/>
-              <a:t>Type" : "</a:t>
-            </a:r>
-            <a:r>
-              <a:rPr lang="de-DE" i="1" dirty="0" err="1">
+              <a:rPr lang="en-US" sz="2900" dirty="0" smtClean="0"/>
+              <a:t>“Description” : </a:t>
+            </a:r>
+            <a:r>
+              <a:rPr lang="en-US" sz="2900" dirty="0" smtClean="0">
                 <a:solidFill>
                   <a:srgbClr val="FF0000"/>
                 </a:solidFill>
               </a:rPr>
-              <a:t>DataType</a:t>
-            </a:r>
-            <a:r>
-              <a:rPr lang="de-DE" dirty="0"/>
-              <a:t>",</a:t>
-            </a:r>
-          </a:p>
-          <a:p>
-            <a:pPr marL="0" indent="0">
-              <a:buNone/>
-            </a:pPr>
-            <a:r>
-              <a:rPr lang="de-DE" dirty="0"/>
-              <a:t>	</a:t>
-            </a:r>
-            <a:r>
-              <a:rPr lang="de-DE" dirty="0" smtClean="0"/>
-              <a:t> </a:t>
-            </a:r>
-            <a:r>
-              <a:rPr lang="de-DE" dirty="0"/>
-              <a:t>"</a:t>
-            </a:r>
-            <a:r>
-              <a:rPr lang="de-DE" i="1" dirty="0" err="1">
+              <a:t>“</a:t>
+            </a:r>
+            <a:r>
+              <a:rPr lang="en-US" sz="2900" i="1" dirty="0" smtClean="0">
                 <a:solidFill>
                   <a:srgbClr val="FF0000"/>
                 </a:solidFill>
               </a:rPr>
-              <a:t>ParameterProperty</a:t>
-            </a:r>
-            <a:r>
-              <a:rPr lang="de-DE" dirty="0"/>
-              <a:t>" : "</a:t>
-            </a:r>
-            <a:r>
-              <a:rPr lang="de-DE" i="1" dirty="0" err="1" smtClean="0">
+              <a:t>JSON string</a:t>
+            </a:r>
+            <a:r>
+              <a:rPr lang="en-US" sz="2900" dirty="0" smtClean="0"/>
+              <a:t>”,</a:t>
+            </a:r>
+          </a:p>
+          <a:p>
+            <a:pPr marL="0" indent="0">
+              <a:buNone/>
+            </a:pPr>
+            <a:endParaRPr lang="en-US" sz="2900" dirty="0" smtClean="0"/>
+          </a:p>
+          <a:p>
+            <a:pPr marL="0" indent="0">
+              <a:buNone/>
+            </a:pPr>
+            <a:r>
+              <a:rPr lang="en-US" sz="2900" dirty="0"/>
+              <a:t>	</a:t>
+            </a:r>
+            <a:r>
+              <a:rPr lang="en-US" sz="2900" dirty="0" smtClean="0"/>
+              <a:t>“Metadata” : {</a:t>
+            </a:r>
+          </a:p>
+          <a:p>
+            <a:pPr marL="0" indent="0">
+              <a:buNone/>
+            </a:pPr>
+            <a:r>
+              <a:rPr lang="en-US" sz="2900" dirty="0"/>
+              <a:t>	</a:t>
+            </a:r>
+            <a:r>
+              <a:rPr lang="en-US" sz="2900" dirty="0" smtClean="0"/>
+              <a:t>	</a:t>
+            </a:r>
+            <a:r>
+              <a:rPr lang="en-US" sz="2900" i="1" dirty="0" smtClean="0">
                 <a:solidFill>
                   <a:srgbClr val="FF0000"/>
                 </a:solidFill>
               </a:rPr>
-              <a:t>value</a:t>
-            </a:r>
-            <a:r>
-              <a:rPr lang="de-DE" dirty="0" smtClean="0"/>
-              <a:t>“</a:t>
-            </a:r>
-            <a:endParaRPr lang="de-DE" dirty="0"/>
-          </a:p>
-          <a:p>
-            <a:pPr marL="0" indent="0">
-              <a:buNone/>
-            </a:pPr>
-            <a:r>
-              <a:rPr lang="de-DE" dirty="0"/>
+              <a:t>template metadata</a:t>
+            </a:r>
+          </a:p>
+          <a:p>
+            <a:pPr marL="0" indent="0">
+              <a:buNone/>
+            </a:pPr>
+            <a:r>
+              <a:rPr lang="en-US" sz="2900" dirty="0"/>
               <a:t>	</a:t>
             </a:r>
             <a:r>
-              <a:rPr lang="de-DE" dirty="0" smtClean="0"/>
+              <a:rPr lang="en-US" sz="2900" dirty="0" smtClean="0"/>
+              <a:t>},</a:t>
+            </a:r>
+          </a:p>
+          <a:p>
+            <a:pPr marL="0" indent="0">
+              <a:buNone/>
+            </a:pPr>
+            <a:endParaRPr lang="en-US" sz="2900" dirty="0" smtClean="0"/>
+          </a:p>
+          <a:p>
+            <a:pPr marL="0" indent="0">
+              <a:buNone/>
+            </a:pPr>
+            <a:r>
+              <a:rPr lang="en-US" sz="2900" dirty="0"/>
+              <a:t>	</a:t>
+            </a:r>
+            <a:r>
+              <a:rPr lang="en-US" sz="2900" dirty="0" smtClean="0"/>
+              <a:t>“Parameters” : {</a:t>
+            </a:r>
+          </a:p>
+          <a:p>
+            <a:pPr marL="0" indent="0">
+              <a:buNone/>
+            </a:pPr>
+            <a:r>
+              <a:rPr lang="en-US" sz="2900" dirty="0"/>
+              <a:t>	</a:t>
+            </a:r>
+            <a:r>
+              <a:rPr lang="en-US" sz="2900" dirty="0" smtClean="0"/>
+              <a:t>	</a:t>
+            </a:r>
+            <a:r>
+              <a:rPr lang="en-US" sz="2900" i="1" dirty="0" smtClean="0">
+                <a:solidFill>
+                  <a:srgbClr val="FF0000"/>
+                </a:solidFill>
+              </a:rPr>
+              <a:t>set of parameters</a:t>
+            </a:r>
+          </a:p>
+          <a:p>
+            <a:pPr marL="0" indent="0">
+              <a:buNone/>
+            </a:pPr>
+            <a:r>
+              <a:rPr lang="en-US" sz="2900" dirty="0"/>
+              <a:t>	</a:t>
+            </a:r>
+            <a:r>
+              <a:rPr lang="en-US" sz="2900" dirty="0" smtClean="0"/>
+              <a:t>},</a:t>
+            </a:r>
+          </a:p>
+          <a:p>
+            <a:pPr marL="0" indent="0">
+              <a:buNone/>
+            </a:pPr>
+            <a:endParaRPr lang="en-US" sz="2900" dirty="0" smtClean="0"/>
+          </a:p>
+          <a:p>
+            <a:pPr marL="0" indent="0">
+              <a:buNone/>
+            </a:pPr>
+            <a:r>
+              <a:rPr lang="en-US" sz="2900" dirty="0"/>
+              <a:t>	</a:t>
+            </a:r>
+            <a:r>
+              <a:rPr lang="en-US" sz="2900" dirty="0" smtClean="0"/>
+              <a:t>“Mappings” : {</a:t>
+            </a:r>
+          </a:p>
+          <a:p>
+            <a:pPr marL="0" indent="0">
+              <a:buNone/>
+            </a:pPr>
+            <a:r>
+              <a:rPr lang="en-US" sz="2900" dirty="0"/>
+              <a:t>	</a:t>
+            </a:r>
+            <a:r>
+              <a:rPr lang="en-US" sz="2900" dirty="0" smtClean="0"/>
+              <a:t>	</a:t>
+            </a:r>
+            <a:r>
+              <a:rPr lang="en-US" sz="2900" i="1" dirty="0" smtClean="0">
+                <a:solidFill>
+                  <a:srgbClr val="FF0000"/>
+                </a:solidFill>
+              </a:rPr>
+              <a:t>set of mappings</a:t>
+            </a:r>
+          </a:p>
+          <a:p>
+            <a:pPr marL="0" indent="0">
+              <a:buNone/>
+            </a:pPr>
+            <a:r>
+              <a:rPr lang="en-US" sz="2900" dirty="0"/>
+              <a:t>	</a:t>
+            </a:r>
+            <a:r>
+              <a:rPr lang="en-US" sz="2900" dirty="0" smtClean="0"/>
+              <a:t>},</a:t>
+            </a:r>
+          </a:p>
+          <a:p>
+            <a:pPr marL="0" indent="0">
+              <a:buNone/>
+            </a:pPr>
+            <a:endParaRPr lang="en-US" sz="2900" dirty="0" smtClean="0"/>
+          </a:p>
+          <a:p>
+            <a:pPr marL="0" indent="0">
+              <a:buNone/>
+            </a:pPr>
+            <a:r>
+              <a:rPr lang="en-US" sz="2900" dirty="0"/>
+              <a:t>	</a:t>
+            </a:r>
+            <a:r>
+              <a:rPr lang="en-US" sz="2900" dirty="0" smtClean="0"/>
+              <a:t>“Conditions” : {</a:t>
+            </a:r>
+          </a:p>
+          <a:p>
+            <a:pPr marL="0" indent="0">
+              <a:buNone/>
+            </a:pPr>
+            <a:r>
+              <a:rPr lang="en-US" sz="2900" dirty="0"/>
+              <a:t>	</a:t>
+            </a:r>
+            <a:r>
+              <a:rPr lang="en-US" sz="2900" dirty="0" smtClean="0"/>
+              <a:t>	</a:t>
+            </a:r>
+            <a:r>
+              <a:rPr lang="en-US" sz="2900" i="1" dirty="0" smtClean="0">
+                <a:solidFill>
+                  <a:srgbClr val="FF0000"/>
+                </a:solidFill>
+              </a:rPr>
+              <a:t>set of conditions</a:t>
+            </a:r>
+          </a:p>
+          <a:p>
+            <a:pPr marL="0" indent="0">
+              <a:buNone/>
+            </a:pPr>
+            <a:r>
+              <a:rPr lang="en-US" sz="2900" dirty="0"/>
+              <a:t>	</a:t>
+            </a:r>
+            <a:r>
+              <a:rPr lang="en-US" sz="2900" dirty="0" smtClean="0"/>
+              <a:t>},</a:t>
+            </a:r>
+          </a:p>
+          <a:p>
+            <a:pPr marL="0" indent="0">
+              <a:buNone/>
+            </a:pPr>
+            <a:endParaRPr lang="en-US" sz="2900" dirty="0" smtClean="0"/>
+          </a:p>
+          <a:p>
+            <a:pPr marL="0" indent="0">
+              <a:buNone/>
+            </a:pPr>
+            <a:r>
+              <a:rPr lang="en-US" sz="2900" dirty="0"/>
+              <a:t>	</a:t>
+            </a:r>
+            <a:r>
+              <a:rPr lang="en-US" sz="2900" dirty="0" smtClean="0"/>
+              <a:t>“Resources” : {</a:t>
+            </a:r>
+          </a:p>
+          <a:p>
+            <a:pPr marL="0" indent="0">
+              <a:buNone/>
+            </a:pPr>
+            <a:r>
+              <a:rPr lang="en-US" sz="2900" dirty="0"/>
+              <a:t>	</a:t>
+            </a:r>
+            <a:r>
+              <a:rPr lang="en-US" sz="2900" dirty="0" smtClean="0"/>
+              <a:t>	</a:t>
+            </a:r>
+            <a:r>
+              <a:rPr lang="en-US" sz="2900" i="1" dirty="0" smtClean="0">
+                <a:solidFill>
+                  <a:srgbClr val="FF0000"/>
+                </a:solidFill>
+              </a:rPr>
+              <a:t>set of resources</a:t>
+            </a:r>
+          </a:p>
+          <a:p>
+            <a:pPr marL="0" indent="0">
+              <a:buNone/>
+            </a:pPr>
+            <a:r>
+              <a:rPr lang="en-US" sz="2900" dirty="0"/>
+              <a:t>	</a:t>
+            </a:r>
+            <a:r>
+              <a:rPr lang="en-US" sz="2900" dirty="0" smtClean="0"/>
+              <a:t>},</a:t>
+            </a:r>
+          </a:p>
+          <a:p>
+            <a:pPr marL="0" indent="0">
+              <a:buNone/>
+            </a:pPr>
+            <a:endParaRPr lang="en-US" sz="2900" dirty="0" smtClean="0"/>
+          </a:p>
+          <a:p>
+            <a:pPr marL="0" indent="0">
+              <a:buNone/>
+            </a:pPr>
+            <a:r>
+              <a:rPr lang="en-US" sz="2900" dirty="0"/>
+              <a:t>	</a:t>
+            </a:r>
+            <a:r>
+              <a:rPr lang="en-US" sz="2900" dirty="0" smtClean="0"/>
+              <a:t>“Outputs” : {</a:t>
+            </a:r>
+          </a:p>
+          <a:p>
+            <a:pPr marL="0" indent="0">
+              <a:buNone/>
+            </a:pPr>
+            <a:r>
+              <a:rPr lang="en-US" sz="2900" dirty="0"/>
+              <a:t>	</a:t>
+            </a:r>
+            <a:r>
+              <a:rPr lang="en-US" sz="2900" dirty="0" smtClean="0"/>
+              <a:t>	</a:t>
+            </a:r>
+            <a:r>
+              <a:rPr lang="en-US" sz="2900" i="1" dirty="0" smtClean="0">
+                <a:solidFill>
+                  <a:srgbClr val="FF0000"/>
+                </a:solidFill>
+              </a:rPr>
+              <a:t>set of outputs</a:t>
+            </a:r>
+          </a:p>
+          <a:p>
+            <a:pPr marL="0" indent="0">
+              <a:buNone/>
+            </a:pPr>
+            <a:r>
+              <a:rPr lang="en-US" sz="2900" dirty="0"/>
+              <a:t>	</a:t>
+            </a:r>
+            <a:r>
+              <a:rPr lang="en-US" sz="2900" dirty="0" smtClean="0"/>
               <a:t>}</a:t>
             </a:r>
-            <a:endParaRPr lang="de-DE" dirty="0"/>
-          </a:p>
-          <a:p>
-            <a:pPr marL="0" indent="0">
-              <a:buNone/>
-            </a:pPr>
-            <a:r>
-              <a:rPr lang="de-DE" dirty="0"/>
+          </a:p>
+          <a:p>
+            <a:pPr marL="0" indent="0">
+              <a:buNone/>
+            </a:pPr>
+            <a:r>
+              <a:rPr lang="en-US" sz="2900" dirty="0"/>
               <a:t>}</a:t>
             </a:r>
-          </a:p>
-          <a:p>
-            <a:pPr marL="0" indent="0">
-              <a:buNone/>
-            </a:pPr>
-            <a:endParaRPr lang="en-US" dirty="0" smtClean="0"/>
+            <a:endParaRPr lang="en-US" sz="2900" dirty="0" smtClean="0"/>
           </a:p>
           <a:p>
             <a:pPr marL="0" indent="0">
@@ -6166,7 +10342,7 @@
     </p:spTree>
     <p:extLst>
       <p:ext uri="{BB962C8B-B14F-4D97-AF65-F5344CB8AC3E}">
-        <p14:creationId xmlns:p14="http://schemas.microsoft.com/office/powerpoint/2010/main" val="4278802438"/>
+        <p14:creationId xmlns:p14="http://schemas.microsoft.com/office/powerpoint/2010/main" val="3206321846"/>
       </p:ext>
     </p:extLst>
   </p:cSld>
@@ -6210,7 +10386,7 @@
           <a:p>
             <a:r>
               <a:rPr lang="en-US" dirty="0" smtClean="0"/>
-              <a:t>Parameters section</a:t>
+              <a:t>Intrinsic Functions</a:t>
             </a:r>
             <a:endParaRPr lang="en-US" dirty="0"/>
           </a:p>
@@ -6226,242 +10402,129 @@
             <p:ph idx="1"/>
           </p:nvPr>
         </p:nvSpPr>
-        <p:spPr>
-          <a:xfrm>
-            <a:off x="457200" y="1600200"/>
-            <a:ext cx="8229600" cy="4929088"/>
-          </a:xfrm>
-        </p:spPr>
+        <p:spPr/>
         <p:txBody>
           <a:bodyPr>
             <a:normAutofit fontScale="85000" lnSpcReduction="20000"/>
           </a:bodyPr>
           <a:lstStyle/>
           <a:p>
-            <a:pPr marL="0" indent="0">
-              <a:buNone/>
-            </a:pPr>
-            <a:r>
-              <a:rPr lang="en-US" sz="2400" dirty="0" smtClean="0"/>
-              <a:t>“Parameters” {</a:t>
-            </a:r>
-          </a:p>
-          <a:p>
-            <a:pPr marL="0" indent="0">
-              <a:buNone/>
-            </a:pPr>
-            <a:r>
-              <a:rPr lang="en-US" sz="2400" dirty="0" smtClean="0"/>
-              <a:t>	“</a:t>
-            </a:r>
-            <a:r>
-              <a:rPr lang="en-US" sz="2400" b="1" dirty="0" err="1" smtClean="0"/>
-              <a:t>InstanceTypeParameter</a:t>
-            </a:r>
-            <a:r>
-              <a:rPr lang="en-US" sz="2400" dirty="0" smtClean="0"/>
-              <a:t>” : {</a:t>
-            </a:r>
-          </a:p>
-          <a:p>
-            <a:pPr marL="0" indent="0">
-              <a:buNone/>
-            </a:pPr>
-            <a:r>
-              <a:rPr lang="en-US" sz="2400" dirty="0"/>
-              <a:t>	</a:t>
-            </a:r>
-            <a:r>
-              <a:rPr lang="en-US" sz="2400" dirty="0" smtClean="0"/>
-              <a:t>“Type” : “String”,</a:t>
-            </a:r>
-          </a:p>
-          <a:p>
-            <a:pPr marL="0" indent="0">
-              <a:buNone/>
-            </a:pPr>
-            <a:r>
-              <a:rPr lang="en-US" sz="2400" dirty="0"/>
-              <a:t>	</a:t>
-            </a:r>
-            <a:r>
-              <a:rPr lang="en-US" sz="2400" dirty="0" smtClean="0"/>
-              <a:t>“Default” : “t2.micro”,</a:t>
-            </a:r>
-          </a:p>
-          <a:p>
-            <a:pPr marL="0" indent="0">
-              <a:buNone/>
-            </a:pPr>
-            <a:r>
-              <a:rPr lang="en-US" sz="2400" dirty="0"/>
-              <a:t>	</a:t>
-            </a:r>
-            <a:r>
-              <a:rPr lang="en-US" sz="2400" dirty="0" smtClean="0"/>
-              <a:t>“</a:t>
-            </a:r>
-            <a:r>
-              <a:rPr lang="en-US" sz="2400" dirty="0" err="1" smtClean="0"/>
-              <a:t>AllowedValues</a:t>
-            </a:r>
-            <a:r>
-              <a:rPr lang="en-US" sz="2400" dirty="0" smtClean="0"/>
-              <a:t>” : [“t2.micro”, “t2.small”, “t2.medium”},</a:t>
-            </a:r>
-          </a:p>
-          <a:p>
-            <a:pPr marL="0" indent="0">
-              <a:buNone/>
-            </a:pPr>
-            <a:r>
-              <a:rPr lang="en-US" sz="2400" dirty="0"/>
-              <a:t>	</a:t>
-            </a:r>
-            <a:r>
-              <a:rPr lang="en-US" sz="2400" dirty="0" smtClean="0"/>
-              <a:t>“Description” : “Enter the instance type (t2.micro, t2.small, or t2.medium).”</a:t>
-            </a:r>
-          </a:p>
-          <a:p>
-            <a:pPr marL="0" indent="0">
-              <a:buNone/>
-            </a:pPr>
-            <a:r>
-              <a:rPr lang="en-US" sz="2400" dirty="0"/>
-              <a:t>	</a:t>
-            </a:r>
-            <a:r>
-              <a:rPr lang="en-US" sz="2400" dirty="0" smtClean="0"/>
+            <a:r>
+              <a:rPr lang="en-US" dirty="0" smtClean="0"/>
+              <a:t>CloudFormation supports several built-in functions to help you build stacks.</a:t>
+            </a:r>
+          </a:p>
+          <a:p>
+            <a:endParaRPr lang="en-US" dirty="0" smtClean="0"/>
+          </a:p>
+          <a:p>
+            <a:r>
+              <a:rPr lang="en-US" dirty="0" smtClean="0"/>
+              <a:t>Only usable in certain parts of the template – mainly in resource properties.</a:t>
+            </a:r>
+          </a:p>
+          <a:p>
+            <a:pPr marL="0" indent="0">
+              <a:buNone/>
+            </a:pPr>
+            <a:endParaRPr lang="en-US" dirty="0" smtClean="0"/>
+          </a:p>
+          <a:p>
+            <a:pPr marL="0" indent="0">
+              <a:buNone/>
+            </a:pPr>
+            <a:r>
+              <a:rPr lang="en-US" dirty="0" smtClean="0"/>
+              <a:t>"</a:t>
+            </a:r>
+            <a:r>
+              <a:rPr lang="en-US" dirty="0"/>
+              <a:t>Properties" : {</a:t>
+            </a:r>
+          </a:p>
+          <a:p>
+            <a:pPr marL="0" indent="0">
+              <a:buNone/>
+            </a:pPr>
+            <a:r>
+              <a:rPr lang="en-US" dirty="0"/>
+              <a:t>   "</a:t>
+            </a:r>
+            <a:r>
+              <a:rPr lang="en-US" dirty="0" err="1"/>
+              <a:t>MyMyLBDNSName</a:t>
+            </a:r>
+            <a:r>
+              <a:rPr lang="en-US" dirty="0"/>
+              <a:t>" : {</a:t>
+            </a:r>
+          </a:p>
+          <a:p>
+            <a:pPr marL="0" indent="0">
+              <a:buNone/>
+            </a:pPr>
+            <a:r>
+              <a:rPr lang="en-US" dirty="0"/>
+              <a:t>      "</a:t>
+            </a:r>
+            <a:r>
+              <a:rPr lang="en-US" dirty="0" err="1"/>
+              <a:t>Fn</a:t>
+            </a:r>
+            <a:r>
+              <a:rPr lang="en-US" dirty="0"/>
+              <a:t>::</a:t>
+            </a:r>
+            <a:r>
+              <a:rPr lang="en-US" dirty="0" err="1"/>
+              <a:t>GetAtt</a:t>
+            </a:r>
+            <a:r>
+              <a:rPr lang="en-US" dirty="0"/>
+              <a:t>" : [ "</a:t>
+            </a:r>
+            <a:r>
+              <a:rPr lang="en-US" dirty="0" err="1"/>
+              <a:t>MyLoadBalancer</a:t>
+            </a:r>
+            <a:r>
+              <a:rPr lang="en-US" dirty="0"/>
+              <a:t>", "</a:t>
+            </a:r>
+            <a:r>
+              <a:rPr lang="en-US" dirty="0" err="1"/>
+              <a:t>DNSName</a:t>
+            </a:r>
+            <a:r>
+              <a:rPr lang="en-US" dirty="0"/>
+              <a:t>" ]</a:t>
+            </a:r>
+          </a:p>
+          <a:p>
+            <a:pPr marL="0" indent="0">
+              <a:buNone/>
+            </a:pPr>
+            <a:r>
+              <a:rPr lang="de-DE" dirty="0"/>
+              <a:t>   }</a:t>
+            </a:r>
+          </a:p>
+          <a:p>
+            <a:pPr marL="0" indent="0">
+              <a:buNone/>
+            </a:pPr>
+            <a:r>
+              <a:rPr lang="de-DE" dirty="0"/>
               <a:t>}</a:t>
             </a:r>
-          </a:p>
-          <a:p>
-            <a:pPr marL="0" indent="0">
-              <a:buNone/>
-            </a:pPr>
-            <a:r>
-              <a:rPr lang="en-US" sz="2400" dirty="0" smtClean="0"/>
-              <a:t>}</a:t>
-            </a:r>
-          </a:p>
-          <a:p>
-            <a:pPr marL="0" indent="0">
-              <a:buNone/>
-            </a:pPr>
-            <a:endParaRPr lang="en-US" sz="2400" dirty="0" smtClean="0"/>
-          </a:p>
-          <a:p>
-            <a:pPr marL="0" indent="0">
-              <a:buNone/>
-            </a:pPr>
-            <a:r>
-              <a:rPr lang="en-US" sz="2400" dirty="0" smtClean="0"/>
-              <a:t>“Ec2Instance” : {</a:t>
-            </a:r>
-          </a:p>
-          <a:p>
-            <a:pPr marL="0" indent="0">
-              <a:buNone/>
-            </a:pPr>
-            <a:r>
-              <a:rPr lang="en-US" sz="2400" dirty="0" smtClean="0"/>
-              <a:t>	“Type” : “AWS::EC2::Instance”,</a:t>
-            </a:r>
-          </a:p>
-          <a:p>
-            <a:pPr marL="0" indent="0">
-              <a:buNone/>
-            </a:pPr>
-            <a:r>
-              <a:rPr lang="en-US" sz="2400" dirty="0"/>
-              <a:t>	</a:t>
-            </a:r>
-            <a:r>
-              <a:rPr lang="en-US" sz="2400" dirty="0" smtClean="0"/>
-              <a:t>“Properties” : {</a:t>
-            </a:r>
-          </a:p>
-          <a:p>
-            <a:pPr marL="0" indent="0">
-              <a:buNone/>
-            </a:pPr>
-            <a:r>
-              <a:rPr lang="en-US" sz="2400" dirty="0"/>
-              <a:t>	</a:t>
-            </a:r>
-            <a:r>
-              <a:rPr lang="en-US" sz="2400" dirty="0" smtClean="0"/>
-              <a:t>	“</a:t>
-            </a:r>
-            <a:r>
-              <a:rPr lang="en-US" sz="2400" dirty="0" err="1" smtClean="0"/>
-              <a:t>InstanceType</a:t>
-            </a:r>
-            <a:r>
-              <a:rPr lang="en-US" sz="2400" dirty="0" smtClean="0"/>
-              <a:t>” : { “Ref” : “</a:t>
-            </a:r>
-            <a:r>
-              <a:rPr lang="en-US" sz="2400" b="1" dirty="0" err="1" smtClean="0"/>
-              <a:t>InstanceTypeParameter</a:t>
-            </a:r>
-            <a:r>
-              <a:rPr lang="en-US" sz="2400" dirty="0" smtClean="0"/>
-              <a:t>” },</a:t>
-            </a:r>
-          </a:p>
-          <a:p>
-            <a:pPr marL="0" indent="0">
-              <a:buNone/>
-            </a:pPr>
-            <a:r>
-              <a:rPr lang="en-US" sz="2400" dirty="0"/>
-              <a:t>	</a:t>
-            </a:r>
-            <a:r>
-              <a:rPr lang="en-US" sz="2400" dirty="0" smtClean="0"/>
-              <a:t>	“</a:t>
-            </a:r>
-            <a:r>
-              <a:rPr lang="en-US" sz="2400" dirty="0" err="1" smtClean="0"/>
-              <a:t>ImageId</a:t>
-            </a:r>
-            <a:r>
-              <a:rPr lang="en-US" sz="2400" dirty="0" smtClean="0"/>
-              <a:t>” : “ami-398de234”</a:t>
-            </a:r>
-          </a:p>
-          <a:p>
-            <a:pPr marL="0" indent="0">
-              <a:buNone/>
-            </a:pPr>
-            <a:r>
-              <a:rPr lang="en-US" sz="2400" dirty="0"/>
-              <a:t>	</a:t>
-            </a:r>
-            <a:r>
-              <a:rPr lang="en-US" sz="2400" dirty="0" smtClean="0"/>
-              <a:t>}</a:t>
-            </a:r>
-            <a:endParaRPr lang="en-US" sz="2400" dirty="0"/>
-          </a:p>
-          <a:p>
-            <a:pPr marL="0" indent="0">
-              <a:buNone/>
-            </a:pPr>
-            <a:r>
-              <a:rPr lang="en-US" sz="2400" dirty="0" smtClean="0"/>
-              <a:t>}</a:t>
-            </a:r>
-            <a:endParaRPr lang="en-US" sz="2400" dirty="0"/>
+            <a:endParaRPr lang="en-US" dirty="0"/>
           </a:p>
         </p:txBody>
       </p:sp>
     </p:spTree>
     <p:extLst>
       <p:ext uri="{BB962C8B-B14F-4D97-AF65-F5344CB8AC3E}">
-        <p14:creationId xmlns:p14="http://schemas.microsoft.com/office/powerpoint/2010/main" val="242875980"/>
+        <p14:creationId xmlns:p14="http://schemas.microsoft.com/office/powerpoint/2010/main" val="240778473"/>
       </p:ext>
     </p:extLst>
   </p:cSld>

--- a/infrastructure-week-9.pptx
+++ b/infrastructure-week-9.pptx
@@ -36,7 +36,9 @@
     <p:sldId id="280" r:id="rId30"/>
     <p:sldId id="286" r:id="rId31"/>
     <p:sldId id="287" r:id="rId32"/>
-    <p:sldId id="258" r:id="rId33"/>
+    <p:sldId id="289" r:id="rId33"/>
+    <p:sldId id="288" r:id="rId34"/>
+    <p:sldId id="258" r:id="rId35"/>
   </p:sldIdLst>
   <p:sldSz cx="9144000" cy="6858000" type="screen4x3"/>
   <p:notesSz cx="6858000" cy="9144000"/>
@@ -3316,7 +3318,7 @@
           <a:p>
             <a:r>
               <a:rPr lang="en-US" dirty="0" smtClean="0"/>
-              <a:t>Intrinsic functions</a:t>
+              <a:t>Intrinsic Functions</a:t>
             </a:r>
             <a:endParaRPr lang="en-US" dirty="0"/>
           </a:p>
@@ -6850,10 +6852,15 @@
             <p:ph idx="1"/>
           </p:nvPr>
         </p:nvSpPr>
-        <p:spPr/>
+        <p:spPr>
+          <a:xfrm>
+            <a:off x="457200" y="1600200"/>
+            <a:ext cx="8229600" cy="4861660"/>
+          </a:xfrm>
+        </p:spPr>
         <p:txBody>
           <a:bodyPr>
-            <a:normAutofit fontScale="70000" lnSpcReduction="20000"/>
+            <a:normAutofit fontScale="55000" lnSpcReduction="20000"/>
           </a:bodyPr>
           <a:lstStyle/>
           <a:p>
@@ -6978,8 +6985,172 @@
               <a:buNone/>
             </a:pPr>
             <a:r>
-              <a:rPr lang="de-DE" dirty="0"/>
+              <a:rPr lang="de-DE" dirty="0" smtClean="0"/>
               <a:t>}</a:t>
+            </a:r>
+          </a:p>
+          <a:p>
+            <a:pPr marL="0" indent="0">
+              <a:buNone/>
+            </a:pPr>
+            <a:endParaRPr lang="de-DE" dirty="0"/>
+          </a:p>
+          <a:p>
+            <a:r>
+              <a:rPr lang="de-DE" b="1" dirty="0" err="1" smtClean="0"/>
+              <a:t>DependsOn</a:t>
+            </a:r>
+            <a:r>
+              <a:rPr lang="de-DE" dirty="0" smtClean="0"/>
+              <a:t> </a:t>
+            </a:r>
+            <a:r>
+              <a:rPr lang="de-DE" dirty="0" err="1" smtClean="0"/>
+              <a:t>attribute</a:t>
+            </a:r>
+            <a:r>
+              <a:rPr lang="de-DE" dirty="0" smtClean="0"/>
+              <a:t> </a:t>
+            </a:r>
+            <a:r>
+              <a:rPr lang="de-DE" dirty="0" err="1" smtClean="0"/>
+              <a:t>allows</a:t>
+            </a:r>
+            <a:r>
+              <a:rPr lang="de-DE" dirty="0" smtClean="0"/>
+              <a:t> </a:t>
+            </a:r>
+            <a:r>
+              <a:rPr lang="de-DE" dirty="0" err="1" smtClean="0"/>
+              <a:t>you</a:t>
+            </a:r>
+            <a:r>
+              <a:rPr lang="de-DE" dirty="0" smtClean="0"/>
+              <a:t> </a:t>
+            </a:r>
+            <a:r>
+              <a:rPr lang="de-DE" dirty="0" err="1" smtClean="0"/>
+              <a:t>to</a:t>
+            </a:r>
+            <a:r>
+              <a:rPr lang="de-DE" dirty="0" smtClean="0"/>
+              <a:t> </a:t>
+            </a:r>
+            <a:r>
+              <a:rPr lang="de-DE" dirty="0" err="1" smtClean="0"/>
+              <a:t>specify</a:t>
+            </a:r>
+            <a:r>
+              <a:rPr lang="de-DE" dirty="0" smtClean="0"/>
+              <a:t> </a:t>
+            </a:r>
+            <a:r>
+              <a:rPr lang="de-DE" dirty="0" err="1" smtClean="0"/>
+              <a:t>that</a:t>
+            </a:r>
+            <a:r>
+              <a:rPr lang="de-DE" dirty="0" smtClean="0"/>
+              <a:t> a </a:t>
+            </a:r>
+            <a:r>
+              <a:rPr lang="de-DE" dirty="0" err="1" smtClean="0"/>
+              <a:t>resource</a:t>
+            </a:r>
+            <a:r>
+              <a:rPr lang="de-DE" dirty="0" smtClean="0"/>
+              <a:t> must </a:t>
+            </a:r>
+            <a:r>
+              <a:rPr lang="de-DE" dirty="0" err="1" smtClean="0"/>
+              <a:t>wait</a:t>
+            </a:r>
+            <a:r>
+              <a:rPr lang="de-DE" dirty="0" smtClean="0"/>
+              <a:t> </a:t>
+            </a:r>
+            <a:r>
+              <a:rPr lang="de-DE" dirty="0" err="1" smtClean="0"/>
+              <a:t>for</a:t>
+            </a:r>
+            <a:r>
+              <a:rPr lang="de-DE" dirty="0" smtClean="0"/>
+              <a:t> </a:t>
+            </a:r>
+            <a:r>
+              <a:rPr lang="de-DE" dirty="0" err="1" smtClean="0"/>
+              <a:t>CloudFormation</a:t>
+            </a:r>
+            <a:r>
+              <a:rPr lang="de-DE" dirty="0" smtClean="0"/>
+              <a:t> </a:t>
+            </a:r>
+            <a:r>
+              <a:rPr lang="de-DE" dirty="0" err="1" smtClean="0"/>
+              <a:t>to</a:t>
+            </a:r>
+            <a:r>
+              <a:rPr lang="de-DE" dirty="0" smtClean="0"/>
+              <a:t> </a:t>
+            </a:r>
+            <a:r>
+              <a:rPr lang="de-DE" dirty="0" err="1" smtClean="0"/>
+              <a:t>create</a:t>
+            </a:r>
+            <a:r>
+              <a:rPr lang="de-DE" dirty="0" smtClean="0"/>
+              <a:t> </a:t>
+            </a:r>
+            <a:r>
+              <a:rPr lang="de-DE" dirty="0" err="1" smtClean="0"/>
+              <a:t>another</a:t>
+            </a:r>
+            <a:r>
+              <a:rPr lang="de-DE" dirty="0" smtClean="0"/>
+              <a:t> </a:t>
+            </a:r>
+            <a:r>
+              <a:rPr lang="de-DE" dirty="0" err="1" smtClean="0"/>
+              <a:t>resource</a:t>
+            </a:r>
+            <a:r>
+              <a:rPr lang="de-DE" dirty="0" smtClean="0"/>
+              <a:t> </a:t>
+            </a:r>
+            <a:r>
+              <a:rPr lang="de-DE" dirty="0" err="1" smtClean="0"/>
+              <a:t>first</a:t>
+            </a:r>
+            <a:r>
+              <a:rPr lang="de-DE" dirty="0" smtClean="0"/>
+              <a:t>.</a:t>
+            </a:r>
+          </a:p>
+          <a:p>
+            <a:endParaRPr lang="de-DE" dirty="0" smtClean="0"/>
+          </a:p>
+          <a:p>
+            <a:pPr marL="0" indent="0">
+              <a:buNone/>
+            </a:pPr>
+            <a:r>
+              <a:rPr lang="en-US" dirty="0"/>
+              <a:t>"</a:t>
+            </a:r>
+            <a:r>
+              <a:rPr lang="en-US" dirty="0" err="1"/>
+              <a:t>DependsOn</a:t>
+            </a:r>
+            <a:r>
+              <a:rPr lang="en-US" dirty="0"/>
+              <a:t>" : [ </a:t>
+            </a:r>
+            <a:r>
+              <a:rPr lang="en-US" i="1" dirty="0"/>
+              <a:t>String, ...</a:t>
+            </a:r>
+            <a:r>
+              <a:rPr lang="en-US" dirty="0"/>
+              <a:t> ]</a:t>
             </a:r>
             <a:endParaRPr lang="en-US" dirty="0" smtClean="0"/>
           </a:p>
@@ -8897,9 +9068,16 @@
             <p:ph idx="1"/>
           </p:nvPr>
         </p:nvSpPr>
-        <p:spPr/>
-        <p:txBody>
-          <a:bodyPr/>
+        <p:spPr>
+          <a:xfrm>
+            <a:off x="457199" y="1600200"/>
+            <a:ext cx="7971745" cy="4243569"/>
+          </a:xfrm>
+        </p:spPr>
+        <p:txBody>
+          <a:bodyPr>
+            <a:normAutofit fontScale="85000" lnSpcReduction="20000"/>
+          </a:bodyPr>
           <a:lstStyle/>
           <a:p>
             <a:r>
@@ -8935,6 +9113,29 @@
             <a:r>
               <a:rPr lang="en-US" dirty="0" smtClean="0"/>
               <a:t>complex templates.</a:t>
+            </a:r>
+          </a:p>
+          <a:p>
+            <a:endParaRPr lang="en-US" dirty="0" smtClean="0"/>
+          </a:p>
+          <a:p>
+            <a:r>
+              <a:rPr lang="en-US" dirty="0" smtClean="0"/>
+              <a:t>JSON template editor</a:t>
+            </a:r>
+            <a:br>
+              <a:rPr lang="en-US" dirty="0" smtClean="0"/>
+            </a:br>
+            <a:r>
+              <a:rPr lang="en-US" dirty="0" smtClean="0"/>
+              <a:t>supports auto-complete</a:t>
+            </a:r>
+            <a:br>
+              <a:rPr lang="en-US" dirty="0" smtClean="0"/>
+            </a:br>
+            <a:r>
+              <a:rPr lang="en-US" dirty="0" smtClean="0"/>
+              <a:t>using Ctrl-Space.</a:t>
             </a:r>
             <a:endParaRPr lang="en-US" dirty="0"/>
           </a:p>
@@ -9026,12 +9227,187 @@
             <p:ph idx="1"/>
           </p:nvPr>
         </p:nvSpPr>
-        <p:spPr/>
-        <p:txBody>
-          <a:bodyPr/>
+        <p:spPr>
+          <a:xfrm>
+            <a:off x="457200" y="1600200"/>
+            <a:ext cx="8229600" cy="5097658"/>
+          </a:xfrm>
+        </p:spPr>
+        <p:txBody>
+          <a:bodyPr>
+            <a:normAutofit fontScale="55000" lnSpcReduction="20000"/>
+          </a:bodyPr>
           <a:lstStyle/>
           <a:p>
-            <a:endParaRPr lang="en-US"/>
+            <a:r>
+              <a:rPr lang="en-US" dirty="0" smtClean="0"/>
+              <a:t>Create a simple stack with an EC2 instance and security group</a:t>
+            </a:r>
+          </a:p>
+          <a:p>
+            <a:r>
+              <a:rPr lang="en-US" dirty="0" smtClean="0"/>
+              <a:t>Setup EC2AvailabilityZone input parameter:</a:t>
+            </a:r>
+          </a:p>
+          <a:p>
+            <a:r>
+              <a:rPr lang="en-US" dirty="0" smtClean="0"/>
+              <a:t>Add EC2 Instance and rename to “</a:t>
+            </a:r>
+            <a:r>
+              <a:rPr lang="en-US" dirty="0" err="1" smtClean="0"/>
+              <a:t>MyFirstInstance</a:t>
+            </a:r>
+            <a:r>
+              <a:rPr lang="en-US" dirty="0" smtClean="0"/>
+              <a:t>”</a:t>
+            </a:r>
+          </a:p>
+          <a:p>
+            <a:r>
+              <a:rPr lang="en-US" dirty="0" smtClean="0"/>
+              <a:t>Add </a:t>
+            </a:r>
+            <a:r>
+              <a:rPr lang="en-US" dirty="0" err="1" smtClean="0"/>
+              <a:t>SecurityGroup</a:t>
+            </a:r>
+            <a:r>
+              <a:rPr lang="en-US" dirty="0" smtClean="0"/>
+              <a:t> and rename to “Webservers”</a:t>
+            </a:r>
+          </a:p>
+          <a:p>
+            <a:r>
+              <a:rPr lang="en-US" dirty="0" smtClean="0"/>
+              <a:t>Connect instance to security group</a:t>
+            </a:r>
+          </a:p>
+          <a:p>
+            <a:r>
+              <a:rPr lang="en-US" dirty="0" smtClean="0"/>
+              <a:t>Save template to local disk, validate template, and launch.</a:t>
+            </a:r>
+          </a:p>
+          <a:p>
+            <a:r>
+              <a:rPr lang="en-US" dirty="0" smtClean="0"/>
+              <a:t>Go back to CloudFormation stacks and update stack with new AZ.</a:t>
+            </a:r>
+          </a:p>
+          <a:p>
+            <a:r>
+              <a:rPr lang="en-US" dirty="0" smtClean="0"/>
+              <a:t>Delete the stack</a:t>
+            </a:r>
+          </a:p>
+          <a:p>
+            <a:endParaRPr lang="en-US" dirty="0"/>
+          </a:p>
+          <a:p>
+            <a:pPr marL="0" indent="0">
+              <a:buNone/>
+            </a:pPr>
+            <a:r>
+              <a:rPr lang="en-US" dirty="0"/>
+              <a:t>{</a:t>
+            </a:r>
+          </a:p>
+          <a:p>
+            <a:pPr marL="0" indent="0">
+              <a:buNone/>
+            </a:pPr>
+            <a:r>
+              <a:rPr lang="en-US" dirty="0"/>
+              <a:t>  "Parameters": {</a:t>
+            </a:r>
+          </a:p>
+          <a:p>
+            <a:pPr marL="0" indent="0">
+              <a:buNone/>
+            </a:pPr>
+            <a:r>
+              <a:rPr lang="en-US" dirty="0"/>
+              <a:t>    "EC2AvailabilityZone": {</a:t>
+            </a:r>
+          </a:p>
+          <a:p>
+            <a:pPr marL="0" indent="0">
+              <a:buNone/>
+            </a:pPr>
+            <a:r>
+              <a:rPr lang="en-US" dirty="0"/>
+              <a:t>      "Description": "Select an availability zone.",</a:t>
+            </a:r>
+          </a:p>
+          <a:p>
+            <a:pPr marL="0" indent="0">
+              <a:buNone/>
+            </a:pPr>
+            <a:r>
+              <a:rPr lang="en-US" dirty="0"/>
+              <a:t>      "Type": "AWS::EC2::</a:t>
+            </a:r>
+            <a:r>
+              <a:rPr lang="en-US" dirty="0" err="1"/>
+              <a:t>AvailabilityZone</a:t>
+            </a:r>
+            <a:r>
+              <a:rPr lang="en-US" dirty="0"/>
+              <a:t>::Name"</a:t>
+            </a:r>
+          </a:p>
+          <a:p>
+            <a:pPr marL="0" indent="0">
+              <a:buNone/>
+            </a:pPr>
+            <a:r>
+              <a:rPr lang="en-US" dirty="0"/>
+              <a:t>    }</a:t>
+            </a:r>
+          </a:p>
+          <a:p>
+            <a:pPr marL="0" indent="0">
+              <a:buNone/>
+            </a:pPr>
+            <a:r>
+              <a:rPr lang="en-US" dirty="0"/>
+              <a:t>  }</a:t>
+            </a:r>
+          </a:p>
+          <a:p>
+            <a:pPr marL="0" indent="0">
+              <a:buNone/>
+            </a:pPr>
+            <a:r>
+              <a:rPr lang="en-US" dirty="0" smtClean="0"/>
+              <a:t>}</a:t>
+            </a:r>
+          </a:p>
+          <a:p>
+            <a:pPr marL="0" indent="0">
+              <a:buNone/>
+            </a:pPr>
+            <a:endParaRPr lang="en-US" dirty="0"/>
+          </a:p>
+          <a:p>
+            <a:pPr marL="0" indent="0">
+              <a:buNone/>
+            </a:pPr>
+            <a:endParaRPr lang="en-US" dirty="0" smtClean="0"/>
+          </a:p>
+          <a:p>
+            <a:pPr marL="0" indent="0">
+              <a:buNone/>
+            </a:pPr>
+            <a:endParaRPr lang="en-US" dirty="0"/>
+          </a:p>
+          <a:p>
+            <a:pPr marL="0" indent="0">
+              <a:buNone/>
+            </a:pPr>
+            <a:endParaRPr lang="en-US" dirty="0"/>
           </a:p>
         </p:txBody>
       </p:sp>
@@ -9073,6 +9449,697 @@
 </file>
 
 <file path=ppt/slides/slide32.xml><?xml version="1.0" encoding="utf-8"?>
+<p:sld xmlns:a="http://schemas.openxmlformats.org/drawingml/2006/main" xmlns:r="http://schemas.openxmlformats.org/officeDocument/2006/relationships" xmlns:p="http://schemas.openxmlformats.org/presentationml/2006/main">
+  <p:cSld>
+    <p:spTree>
+      <p:nvGrpSpPr>
+        <p:cNvPr id="1" name=""/>
+        <p:cNvGrpSpPr/>
+        <p:nvPr/>
+      </p:nvGrpSpPr>
+      <p:grpSpPr>
+        <a:xfrm>
+          <a:off x="0" y="0"/>
+          <a:ext cx="0" cy="0"/>
+          <a:chOff x="0" y="0"/>
+          <a:chExt cx="0" cy="0"/>
+        </a:xfrm>
+      </p:grpSpPr>
+      <p:sp>
+        <p:nvSpPr>
+          <p:cNvPr id="2" name="Title 1"/>
+          <p:cNvSpPr>
+            <a:spLocks noGrp="1"/>
+          </p:cNvSpPr>
+          <p:nvPr>
+            <p:ph type="title"/>
+          </p:nvPr>
+        </p:nvSpPr>
+        <p:spPr/>
+        <p:txBody>
+          <a:bodyPr/>
+          <a:lstStyle/>
+          <a:p>
+            <a:r>
+              <a:rPr lang="en-US" dirty="0" smtClean="0"/>
+              <a:t>CloudFormation Hands-on</a:t>
+            </a:r>
+            <a:endParaRPr lang="en-US" dirty="0"/>
+          </a:p>
+        </p:txBody>
+      </p:sp>
+      <p:sp>
+        <p:nvSpPr>
+          <p:cNvPr id="3" name="Content Placeholder 2"/>
+          <p:cNvSpPr>
+            <a:spLocks noGrp="1"/>
+          </p:cNvSpPr>
+          <p:nvPr>
+            <p:ph idx="1"/>
+          </p:nvPr>
+        </p:nvSpPr>
+        <p:spPr>
+          <a:xfrm>
+            <a:off x="457200" y="1600200"/>
+            <a:ext cx="8229600" cy="5041468"/>
+          </a:xfrm>
+        </p:spPr>
+        <p:txBody>
+          <a:bodyPr>
+            <a:normAutofit fontScale="32500" lnSpcReduction="20000"/>
+          </a:bodyPr>
+          <a:lstStyle/>
+          <a:p>
+            <a:pPr marL="0" indent="0">
+              <a:buNone/>
+            </a:pPr>
+            <a:r>
+              <a:rPr lang="is-IS" dirty="0" smtClean="0"/>
+              <a:t>….</a:t>
+            </a:r>
+            <a:endParaRPr lang="en-US" dirty="0" smtClean="0"/>
+          </a:p>
+          <a:p>
+            <a:pPr marL="0" indent="0">
+              <a:buNone/>
+            </a:pPr>
+            <a:r>
+              <a:rPr lang="en-US" dirty="0" smtClean="0"/>
+              <a:t>"</a:t>
+            </a:r>
+            <a:r>
+              <a:rPr lang="en-US" dirty="0"/>
+              <a:t>Type": "AWS::EC2::Instance",</a:t>
+            </a:r>
+          </a:p>
+          <a:p>
+            <a:pPr marL="0" indent="0">
+              <a:buNone/>
+            </a:pPr>
+            <a:r>
+              <a:rPr lang="en-US" dirty="0"/>
+              <a:t>      "Properties": {</a:t>
+            </a:r>
+          </a:p>
+          <a:p>
+            <a:pPr marL="0" indent="0">
+              <a:buNone/>
+            </a:pPr>
+            <a:r>
+              <a:rPr lang="en-US" dirty="0"/>
+              <a:t>        "</a:t>
+            </a:r>
+            <a:r>
+              <a:rPr lang="en-US" dirty="0" err="1"/>
+              <a:t>AvailabilityZone</a:t>
+            </a:r>
+            <a:r>
+              <a:rPr lang="en-US" dirty="0"/>
+              <a:t>": {</a:t>
+            </a:r>
+          </a:p>
+          <a:p>
+            <a:pPr marL="0" indent="0">
+              <a:buNone/>
+            </a:pPr>
+            <a:r>
+              <a:rPr lang="en-US" dirty="0"/>
+              <a:t>          "Ref": "EC2AvailabilityZone"</a:t>
+            </a:r>
+          </a:p>
+          <a:p>
+            <a:pPr marL="0" indent="0">
+              <a:buNone/>
+            </a:pPr>
+            <a:r>
+              <a:rPr lang="en-US" dirty="0"/>
+              <a:t>        },</a:t>
+            </a:r>
+          </a:p>
+          <a:p>
+            <a:pPr marL="0" indent="0">
+              <a:buNone/>
+            </a:pPr>
+            <a:r>
+              <a:rPr lang="en-US" dirty="0"/>
+              <a:t>        "</a:t>
+            </a:r>
+            <a:r>
+              <a:rPr lang="en-US" dirty="0" err="1"/>
+              <a:t>InstanceType</a:t>
+            </a:r>
+            <a:r>
+              <a:rPr lang="en-US" dirty="0"/>
+              <a:t>": "t2.micro",</a:t>
+            </a:r>
+          </a:p>
+          <a:p>
+            <a:pPr marL="0" indent="0">
+              <a:buNone/>
+            </a:pPr>
+            <a:r>
+              <a:rPr lang="en-US" dirty="0"/>
+              <a:t>        "</a:t>
+            </a:r>
+            <a:r>
+              <a:rPr lang="en-US" dirty="0" err="1"/>
+              <a:t>ImageId</a:t>
+            </a:r>
+            <a:r>
+              <a:rPr lang="en-US" dirty="0"/>
+              <a:t>": "ami-6869aa05",</a:t>
+            </a:r>
+          </a:p>
+          <a:p>
+            <a:pPr marL="0" indent="0">
+              <a:buNone/>
+            </a:pPr>
+            <a:r>
+              <a:rPr lang="en-US" dirty="0"/>
+              <a:t>        "</a:t>
+            </a:r>
+            <a:r>
+              <a:rPr lang="en-US" dirty="0" err="1"/>
+              <a:t>KeyName</a:t>
+            </a:r>
+            <a:r>
+              <a:rPr lang="en-US" dirty="0"/>
+              <a:t>": "seis665"</a:t>
+            </a:r>
+            <a:r>
+              <a:rPr lang="en-US" dirty="0" smtClean="0"/>
+              <a:t>,</a:t>
+            </a:r>
+          </a:p>
+          <a:p>
+            <a:pPr marL="0" indent="0">
+              <a:buNone/>
+            </a:pPr>
+            <a:r>
+              <a:rPr lang="is-IS" dirty="0" smtClean="0"/>
+              <a:t>….</a:t>
+            </a:r>
+            <a:endParaRPr lang="en-US" dirty="0"/>
+          </a:p>
+          <a:p>
+            <a:pPr marL="0" indent="0">
+              <a:buNone/>
+            </a:pPr>
+            <a:endParaRPr lang="en-US" dirty="0" smtClean="0"/>
+          </a:p>
+          <a:p>
+            <a:pPr marL="0" indent="0">
+              <a:buNone/>
+            </a:pPr>
+            <a:r>
+              <a:rPr lang="is-IS" dirty="0" smtClean="0"/>
+              <a:t>….</a:t>
+            </a:r>
+            <a:endParaRPr lang="en-US" dirty="0" smtClean="0"/>
+          </a:p>
+          <a:p>
+            <a:pPr marL="0" indent="0">
+              <a:buNone/>
+            </a:pPr>
+            <a:r>
+              <a:rPr lang="en-US" dirty="0"/>
+              <a:t>"Type": "AWS::EC2::</a:t>
+            </a:r>
+            <a:r>
+              <a:rPr lang="en-US" dirty="0" err="1"/>
+              <a:t>SecurityGroup</a:t>
+            </a:r>
+            <a:r>
+              <a:rPr lang="en-US" dirty="0"/>
+              <a:t>",</a:t>
+            </a:r>
+          </a:p>
+          <a:p>
+            <a:pPr marL="0" indent="0">
+              <a:buNone/>
+            </a:pPr>
+            <a:r>
+              <a:rPr lang="en-US" dirty="0"/>
+              <a:t>      "Properties": {</a:t>
+            </a:r>
+          </a:p>
+          <a:p>
+            <a:pPr marL="0" indent="0">
+              <a:buNone/>
+            </a:pPr>
+            <a:r>
+              <a:rPr lang="en-US" dirty="0"/>
+              <a:t>        "</a:t>
+            </a:r>
+            <a:r>
+              <a:rPr lang="en-US" dirty="0" err="1"/>
+              <a:t>GroupDescription</a:t>
+            </a:r>
+            <a:r>
+              <a:rPr lang="en-US" dirty="0"/>
+              <a:t>": "Allow incoming web requests.",</a:t>
+            </a:r>
+          </a:p>
+          <a:p>
+            <a:pPr marL="0" indent="0">
+              <a:buNone/>
+            </a:pPr>
+            <a:r>
+              <a:rPr lang="en-US" dirty="0"/>
+              <a:t>        "</a:t>
+            </a:r>
+            <a:r>
+              <a:rPr lang="en-US" dirty="0" err="1"/>
+              <a:t>SecurityGroupIngress</a:t>
+            </a:r>
+            <a:r>
+              <a:rPr lang="en-US" dirty="0"/>
+              <a:t>": [</a:t>
+            </a:r>
+          </a:p>
+          <a:p>
+            <a:pPr marL="0" indent="0">
+              <a:buNone/>
+            </a:pPr>
+            <a:r>
+              <a:rPr lang="en-US" dirty="0"/>
+              <a:t>          {</a:t>
+            </a:r>
+          </a:p>
+          <a:p>
+            <a:pPr marL="0" indent="0">
+              <a:buNone/>
+            </a:pPr>
+            <a:r>
+              <a:rPr lang="en-US" dirty="0"/>
+              <a:t>            "</a:t>
+            </a:r>
+            <a:r>
+              <a:rPr lang="en-US" dirty="0" err="1"/>
+              <a:t>FromPort</a:t>
+            </a:r>
+            <a:r>
+              <a:rPr lang="en-US" dirty="0"/>
+              <a:t>": "80",</a:t>
+            </a:r>
+          </a:p>
+          <a:p>
+            <a:pPr marL="0" indent="0">
+              <a:buNone/>
+            </a:pPr>
+            <a:r>
+              <a:rPr lang="en-US" dirty="0"/>
+              <a:t>            "</a:t>
+            </a:r>
+            <a:r>
+              <a:rPr lang="en-US" dirty="0" err="1"/>
+              <a:t>ToPort</a:t>
+            </a:r>
+            <a:r>
+              <a:rPr lang="en-US" dirty="0"/>
+              <a:t>": "80",</a:t>
+            </a:r>
+          </a:p>
+          <a:p>
+            <a:pPr marL="0" indent="0">
+              <a:buNone/>
+            </a:pPr>
+            <a:r>
+              <a:rPr lang="en-US" dirty="0"/>
+              <a:t>            "</a:t>
+            </a:r>
+            <a:r>
+              <a:rPr lang="en-US" dirty="0" err="1"/>
+              <a:t>IpProtocol</a:t>
+            </a:r>
+            <a:r>
+              <a:rPr lang="en-US" dirty="0"/>
+              <a:t>": "</a:t>
+            </a:r>
+            <a:r>
+              <a:rPr lang="en-US" dirty="0" err="1"/>
+              <a:t>tcp</a:t>
+            </a:r>
+            <a:r>
+              <a:rPr lang="en-US" dirty="0"/>
+              <a:t>",</a:t>
+            </a:r>
+          </a:p>
+          <a:p>
+            <a:pPr marL="0" indent="0">
+              <a:buNone/>
+            </a:pPr>
+            <a:r>
+              <a:rPr lang="en-US" dirty="0"/>
+              <a:t>            "</a:t>
+            </a:r>
+            <a:r>
+              <a:rPr lang="en-US" dirty="0" err="1"/>
+              <a:t>CidrIp</a:t>
+            </a:r>
+            <a:r>
+              <a:rPr lang="en-US" dirty="0"/>
+              <a:t>": "0.0.0.0/0"</a:t>
+            </a:r>
+          </a:p>
+          <a:p>
+            <a:pPr marL="0" indent="0">
+              <a:buNone/>
+            </a:pPr>
+            <a:r>
+              <a:rPr lang="en-US" dirty="0"/>
+              <a:t>          },</a:t>
+            </a:r>
+          </a:p>
+          <a:p>
+            <a:pPr marL="0" indent="0">
+              <a:buNone/>
+            </a:pPr>
+            <a:r>
+              <a:rPr lang="en-US" dirty="0"/>
+              <a:t>          {</a:t>
+            </a:r>
+          </a:p>
+          <a:p>
+            <a:pPr marL="0" indent="0">
+              <a:buNone/>
+            </a:pPr>
+            <a:r>
+              <a:rPr lang="en-US" dirty="0"/>
+              <a:t>            "</a:t>
+            </a:r>
+            <a:r>
+              <a:rPr lang="en-US" dirty="0" err="1"/>
+              <a:t>FromPort</a:t>
+            </a:r>
+            <a:r>
+              <a:rPr lang="en-US" dirty="0"/>
+              <a:t>": "22",</a:t>
+            </a:r>
+          </a:p>
+          <a:p>
+            <a:pPr marL="0" indent="0">
+              <a:buNone/>
+            </a:pPr>
+            <a:r>
+              <a:rPr lang="en-US" dirty="0"/>
+              <a:t>            "</a:t>
+            </a:r>
+            <a:r>
+              <a:rPr lang="en-US" dirty="0" err="1"/>
+              <a:t>ToPort</a:t>
+            </a:r>
+            <a:r>
+              <a:rPr lang="en-US" dirty="0"/>
+              <a:t>": "22",</a:t>
+            </a:r>
+          </a:p>
+          <a:p>
+            <a:pPr marL="0" indent="0">
+              <a:buNone/>
+            </a:pPr>
+            <a:r>
+              <a:rPr lang="en-US" dirty="0"/>
+              <a:t>            "</a:t>
+            </a:r>
+            <a:r>
+              <a:rPr lang="en-US" dirty="0" err="1"/>
+              <a:t>IpProtocol</a:t>
+            </a:r>
+            <a:r>
+              <a:rPr lang="en-US" dirty="0"/>
+              <a:t>": "</a:t>
+            </a:r>
+            <a:r>
+              <a:rPr lang="en-US" dirty="0" err="1"/>
+              <a:t>tcp</a:t>
+            </a:r>
+            <a:r>
+              <a:rPr lang="en-US" dirty="0"/>
+              <a:t>",</a:t>
+            </a:r>
+          </a:p>
+          <a:p>
+            <a:pPr marL="0" indent="0">
+              <a:buNone/>
+            </a:pPr>
+            <a:r>
+              <a:rPr lang="en-US" dirty="0"/>
+              <a:t>            "</a:t>
+            </a:r>
+            <a:r>
+              <a:rPr lang="en-US" dirty="0" err="1"/>
+              <a:t>CidrIp</a:t>
+            </a:r>
+            <a:r>
+              <a:rPr lang="en-US" dirty="0"/>
+              <a:t>": "0.0.0.0/0"</a:t>
+            </a:r>
+          </a:p>
+          <a:p>
+            <a:pPr marL="0" indent="0">
+              <a:buNone/>
+            </a:pPr>
+            <a:r>
+              <a:rPr lang="en-US" dirty="0"/>
+              <a:t>          }</a:t>
+            </a:r>
+          </a:p>
+          <a:p>
+            <a:pPr marL="0" indent="0">
+              <a:buNone/>
+            </a:pPr>
+            <a:r>
+              <a:rPr lang="en-US" dirty="0"/>
+              <a:t>        ]</a:t>
+            </a:r>
+          </a:p>
+          <a:p>
+            <a:pPr marL="0" indent="0">
+              <a:buNone/>
+            </a:pPr>
+            <a:r>
+              <a:rPr lang="en-US" dirty="0"/>
+              <a:t>      }</a:t>
+            </a:r>
+          </a:p>
+          <a:p>
+            <a:pPr marL="0" indent="0">
+              <a:buNone/>
+            </a:pPr>
+            <a:r>
+              <a:rPr lang="is-IS" dirty="0" smtClean="0"/>
+              <a:t>….</a:t>
+            </a:r>
+            <a:endParaRPr lang="en-US" dirty="0"/>
+          </a:p>
+          <a:p>
+            <a:pPr marL="0" indent="0">
+              <a:buNone/>
+            </a:pPr>
+            <a:endParaRPr lang="en-US" dirty="0" smtClean="0"/>
+          </a:p>
+          <a:p>
+            <a:pPr marL="0" indent="0">
+              <a:buNone/>
+            </a:pPr>
+            <a:endParaRPr lang="en-US" dirty="0"/>
+          </a:p>
+          <a:p>
+            <a:pPr marL="0" indent="0">
+              <a:buNone/>
+            </a:pPr>
+            <a:endParaRPr lang="en-US" dirty="0"/>
+          </a:p>
+        </p:txBody>
+      </p:sp>
+      <p:pic>
+        <p:nvPicPr>
+          <p:cNvPr id="4" name="Picture 3"/>
+          <p:cNvPicPr>
+            <a:picLocks noChangeAspect="1"/>
+          </p:cNvPicPr>
+          <p:nvPr/>
+        </p:nvPicPr>
+        <p:blipFill>
+          <a:blip r:embed="rId2"/>
+          <a:stretch>
+            <a:fillRect/>
+          </a:stretch>
+        </p:blipFill>
+        <p:spPr>
+          <a:xfrm>
+            <a:off x="7891174" y="403586"/>
+            <a:ext cx="1014052" cy="1014052"/>
+          </a:xfrm>
+          <a:prstGeom prst="rect">
+            <a:avLst/>
+          </a:prstGeom>
+        </p:spPr>
+      </p:pic>
+    </p:spTree>
+    <p:extLst>
+      <p:ext uri="{BB962C8B-B14F-4D97-AF65-F5344CB8AC3E}">
+        <p14:creationId xmlns:p14="http://schemas.microsoft.com/office/powerpoint/2010/main" val="2569534912"/>
+      </p:ext>
+    </p:extLst>
+  </p:cSld>
+  <p:clrMapOvr>
+    <a:masterClrMapping/>
+  </p:clrMapOvr>
+</p:sld>
+</file>
+
+<file path=ppt/slides/slide33.xml><?xml version="1.0" encoding="utf-8"?>
+<p:sld xmlns:a="http://schemas.openxmlformats.org/drawingml/2006/main" xmlns:r="http://schemas.openxmlformats.org/officeDocument/2006/relationships" xmlns:p="http://schemas.openxmlformats.org/presentationml/2006/main">
+  <p:cSld>
+    <p:spTree>
+      <p:nvGrpSpPr>
+        <p:cNvPr id="1" name=""/>
+        <p:cNvGrpSpPr/>
+        <p:nvPr/>
+      </p:nvGrpSpPr>
+      <p:grpSpPr>
+        <a:xfrm>
+          <a:off x="0" y="0"/>
+          <a:ext cx="0" cy="0"/>
+          <a:chOff x="0" y="0"/>
+          <a:chExt cx="0" cy="0"/>
+        </a:xfrm>
+      </p:grpSpPr>
+      <p:sp>
+        <p:nvSpPr>
+          <p:cNvPr id="2" name="Title 1"/>
+          <p:cNvSpPr>
+            <a:spLocks noGrp="1"/>
+          </p:cNvSpPr>
+          <p:nvPr>
+            <p:ph type="title"/>
+          </p:nvPr>
+        </p:nvSpPr>
+        <p:spPr/>
+        <p:txBody>
+          <a:bodyPr/>
+          <a:lstStyle/>
+          <a:p>
+            <a:r>
+              <a:rPr lang="en-US" dirty="0" smtClean="0"/>
+              <a:t>Additional Resources</a:t>
+            </a:r>
+            <a:endParaRPr lang="en-US" dirty="0"/>
+          </a:p>
+        </p:txBody>
+      </p:sp>
+      <p:sp>
+        <p:nvSpPr>
+          <p:cNvPr id="3" name="Content Placeholder 2"/>
+          <p:cNvSpPr>
+            <a:spLocks noGrp="1"/>
+          </p:cNvSpPr>
+          <p:nvPr>
+            <p:ph idx="1"/>
+          </p:nvPr>
+        </p:nvSpPr>
+        <p:spPr/>
+        <p:txBody>
+          <a:bodyPr/>
+          <a:lstStyle/>
+          <a:p>
+            <a:r>
+              <a:rPr lang="en-US" dirty="0" smtClean="0"/>
+              <a:t>AWS </a:t>
+            </a:r>
+            <a:r>
+              <a:rPr lang="en-US" dirty="0" err="1" smtClean="0"/>
+              <a:t>re:Invent</a:t>
+            </a:r>
+            <a:r>
+              <a:rPr lang="en-US" dirty="0" smtClean="0"/>
+              <a:t> 2015 (DVO304)</a:t>
+            </a:r>
+            <a:br>
+              <a:rPr lang="en-US" dirty="0" smtClean="0"/>
+            </a:br>
+            <a:r>
+              <a:rPr lang="en-US" dirty="0" smtClean="0"/>
+              <a:t>CloudFormation Best Practices presentation</a:t>
+            </a:r>
+          </a:p>
+          <a:p>
+            <a:pPr lvl="1"/>
+            <a:r>
+              <a:rPr lang="en-US" dirty="0">
+                <a:hlinkClick r:id="rId2"/>
+              </a:rPr>
+              <a:t>https://youtu.be/</a:t>
+            </a:r>
+            <a:r>
+              <a:rPr lang="en-US" dirty="0" smtClean="0">
+                <a:hlinkClick r:id="rId2"/>
+              </a:rPr>
+              <a:t>fVMlxJJNmyA</a:t>
+            </a:r>
+            <a:endParaRPr lang="en-US" dirty="0" smtClean="0"/>
+          </a:p>
+          <a:p>
+            <a:endParaRPr lang="en-US" dirty="0"/>
+          </a:p>
+          <a:p>
+            <a:r>
+              <a:rPr lang="en-US" dirty="0" smtClean="0"/>
+              <a:t>CloudFormation documentation</a:t>
+            </a:r>
+          </a:p>
+          <a:p>
+            <a:pPr lvl="1"/>
+            <a:r>
+              <a:rPr lang="en-US" dirty="0" smtClean="0">
+                <a:hlinkClick r:id="rId3"/>
+              </a:rPr>
+              <a:t>https://</a:t>
+            </a:r>
+            <a:r>
+              <a:rPr lang="en-US" dirty="0" err="1" smtClean="0">
+                <a:hlinkClick r:id="rId3"/>
+              </a:rPr>
+              <a:t>www.amazon.com</a:t>
+            </a:r>
+            <a:r>
+              <a:rPr lang="en-US" dirty="0" smtClean="0">
+                <a:hlinkClick r:id="rId3"/>
+              </a:rPr>
+              <a:t>/en/documentation/</a:t>
+            </a:r>
+            <a:r>
+              <a:rPr lang="en-US" dirty="0" err="1" smtClean="0">
+                <a:hlinkClick r:id="rId3"/>
+              </a:rPr>
+              <a:t>cloudformation</a:t>
+            </a:r>
+            <a:r>
+              <a:rPr lang="en-US" dirty="0" smtClean="0">
+                <a:hlinkClick r:id="rId3"/>
+              </a:rPr>
+              <a:t>/</a:t>
+            </a:r>
+            <a:endParaRPr lang="en-US" dirty="0"/>
+          </a:p>
+        </p:txBody>
+      </p:sp>
+    </p:spTree>
+    <p:extLst>
+      <p:ext uri="{BB962C8B-B14F-4D97-AF65-F5344CB8AC3E}">
+        <p14:creationId xmlns:p14="http://schemas.microsoft.com/office/powerpoint/2010/main" val="1607717888"/>
+      </p:ext>
+    </p:extLst>
+  </p:cSld>
+  <p:clrMapOvr>
+    <a:masterClrMapping/>
+  </p:clrMapOvr>
+</p:sld>
+</file>
+
+<file path=ppt/slides/slide34.xml><?xml version="1.0" encoding="utf-8"?>
 <p:sld xmlns:a="http://schemas.openxmlformats.org/drawingml/2006/main" xmlns:r="http://schemas.openxmlformats.org/officeDocument/2006/relationships" xmlns:p="http://schemas.openxmlformats.org/presentationml/2006/main">
   <p:cSld>
     <p:spTree>
